--- a/Bachelor/Bilder/Microsoft PowerPoint-Präsentation (neu).pptx
+++ b/Bachelor/Bilder/Microsoft PowerPoint-Präsentation (neu).pptx
@@ -4,6 +4,9 @@
   <p:sldMasterIdLst>
     <p:sldMasterId id="2147483648" r:id="rId1"/>
   </p:sldMasterIdLst>
+  <p:notesMasterIdLst>
+    <p:notesMasterId r:id="rId15"/>
+  </p:notesMasterIdLst>
   <p:sldIdLst>
     <p:sldId id="256" r:id="rId2"/>
     <p:sldId id="257" r:id="rId3"/>
@@ -16,6 +19,8 @@
     <p:sldId id="264" r:id="rId10"/>
     <p:sldId id="265" r:id="rId11"/>
     <p:sldId id="266" r:id="rId12"/>
+    <p:sldId id="267" r:id="rId13"/>
+    <p:sldId id="268" r:id="rId14"/>
   </p:sldIdLst>
   <p:sldSz cx="12192000" cy="6858000"/>
   <p:notesSz cx="6858000" cy="9144000"/>
@@ -125,13 +130,1099 @@
 <file path=ppt/revisionInfo.xml><?xml version="1.0" encoding="utf-8"?>
 <p1510:revInfo xmlns:a="http://schemas.openxmlformats.org/drawingml/2006/main" xmlns:r="http://schemas.openxmlformats.org/officeDocument/2006/relationships" xmlns:p1510="http://schemas.microsoft.com/office/powerpoint/2015/10/main">
   <p1510:revLst>
-    <p1510:client id="{C8771977-98DE-4AA9-8E38-790EDB029263}" v="18" dt="2022-12-20T12:34:18.707"/>
+    <p1510:client id="{98D96A6D-518D-4AC0-9BA2-40E21862AA9A}" v="66" dt="2023-01-11T13:35:33.777"/>
   </p1510:revLst>
 </p1510:revInfo>
 </file>
 
 <file path=ppt/changesInfos/changesInfo1.xml><?xml version="1.0" encoding="utf-8"?>
 <pc:chgInfo xmlns:a="http://schemas.openxmlformats.org/drawingml/2006/main" xmlns:r="http://schemas.openxmlformats.org/officeDocument/2006/relationships" xmlns:ac="http://schemas.microsoft.com/office/drawing/2013/main/command" xmlns:pc="http://schemas.microsoft.com/office/powerpoint/2013/main/command">
+  <pc:docChgLst>
+    <pc:chgData name="Julius Rublack" userId="745d74a4dee6b669" providerId="LiveId" clId="{98D96A6D-518D-4AC0-9BA2-40E21862AA9A}"/>
+    <pc:docChg chg="undo custSel addSld modSld sldOrd">
+      <pc:chgData name="Julius Rublack" userId="745d74a4dee6b669" providerId="LiveId" clId="{98D96A6D-518D-4AC0-9BA2-40E21862AA9A}" dt="2023-01-11T13:36:56.637" v="489" actId="1076"/>
+      <pc:docMkLst>
+        <pc:docMk/>
+      </pc:docMkLst>
+      <pc:sldChg chg="ord">
+        <pc:chgData name="Julius Rublack" userId="745d74a4dee6b669" providerId="LiveId" clId="{98D96A6D-518D-4AC0-9BA2-40E21862AA9A}" dt="2023-01-09T08:03:50.571" v="9"/>
+        <pc:sldMkLst>
+          <pc:docMk/>
+          <pc:sldMk cId="406782188" sldId="266"/>
+        </pc:sldMkLst>
+      </pc:sldChg>
+      <pc:sldChg chg="addSp delSp modSp new mod">
+        <pc:chgData name="Julius Rublack" userId="745d74a4dee6b669" providerId="LiveId" clId="{98D96A6D-518D-4AC0-9BA2-40E21862AA9A}" dt="2023-01-09T08:33:59.157" v="14" actId="1076"/>
+        <pc:sldMkLst>
+          <pc:docMk/>
+          <pc:sldMk cId="3612482438" sldId="267"/>
+        </pc:sldMkLst>
+        <pc:spChg chg="del">
+          <ac:chgData name="Julius Rublack" userId="745d74a4dee6b669" providerId="LiveId" clId="{98D96A6D-518D-4AC0-9BA2-40E21862AA9A}" dt="2023-01-09T08:03:05.121" v="1" actId="478"/>
+          <ac:spMkLst>
+            <pc:docMk/>
+            <pc:sldMk cId="3612482438" sldId="267"/>
+            <ac:spMk id="2" creationId="{58991E8F-15E6-E0AE-5768-0515FACC9642}"/>
+          </ac:spMkLst>
+        </pc:spChg>
+        <pc:spChg chg="del">
+          <ac:chgData name="Julius Rublack" userId="745d74a4dee6b669" providerId="LiveId" clId="{98D96A6D-518D-4AC0-9BA2-40E21862AA9A}" dt="2023-01-09T08:03:06.114" v="2" actId="478"/>
+          <ac:spMkLst>
+            <pc:docMk/>
+            <pc:sldMk cId="3612482438" sldId="267"/>
+            <ac:spMk id="3" creationId="{6A6EE2A9-61BB-B78A-3AEE-19E3FA56969D}"/>
+          </ac:spMkLst>
+        </pc:spChg>
+        <pc:picChg chg="add del mod">
+          <ac:chgData name="Julius Rublack" userId="745d74a4dee6b669" providerId="LiveId" clId="{98D96A6D-518D-4AC0-9BA2-40E21862AA9A}" dt="2023-01-09T08:03:23.570" v="7" actId="478"/>
+          <ac:picMkLst>
+            <pc:docMk/>
+            <pc:sldMk cId="3612482438" sldId="267"/>
+            <ac:picMk id="5" creationId="{DC6C90C5-68C6-60F8-E1F5-9D202848A8BA}"/>
+          </ac:picMkLst>
+        </pc:picChg>
+        <pc:picChg chg="add mod">
+          <ac:chgData name="Julius Rublack" userId="745d74a4dee6b669" providerId="LiveId" clId="{98D96A6D-518D-4AC0-9BA2-40E21862AA9A}" dt="2023-01-09T08:33:59.157" v="14" actId="1076"/>
+          <ac:picMkLst>
+            <pc:docMk/>
+            <pc:sldMk cId="3612482438" sldId="267"/>
+            <ac:picMk id="7" creationId="{A69A5B0E-FD01-D5AA-F0A4-40E032541EE4}"/>
+          </ac:picMkLst>
+        </pc:picChg>
+      </pc:sldChg>
+      <pc:sldChg chg="addSp delSp modSp new mod">
+        <pc:chgData name="Julius Rublack" userId="745d74a4dee6b669" providerId="LiveId" clId="{98D96A6D-518D-4AC0-9BA2-40E21862AA9A}" dt="2023-01-11T13:36:56.637" v="489" actId="1076"/>
+        <pc:sldMkLst>
+          <pc:docMk/>
+          <pc:sldMk cId="1717063047" sldId="268"/>
+        </pc:sldMkLst>
+        <pc:spChg chg="add del mod">
+          <ac:chgData name="Julius Rublack" userId="745d74a4dee6b669" providerId="LiveId" clId="{98D96A6D-518D-4AC0-9BA2-40E21862AA9A}" dt="2023-01-11T11:50:56.321" v="32" actId="478"/>
+          <ac:spMkLst>
+            <pc:docMk/>
+            <pc:sldMk cId="1717063047" sldId="268"/>
+            <ac:spMk id="2" creationId="{4F149BED-62AF-E715-F0EE-6213B86D77A9}"/>
+          </ac:spMkLst>
+        </pc:spChg>
+        <pc:spChg chg="del mod">
+          <ac:chgData name="Julius Rublack" userId="745d74a4dee6b669" providerId="LiveId" clId="{98D96A6D-518D-4AC0-9BA2-40E21862AA9A}" dt="2023-01-09T12:49:54.701" v="20" actId="478"/>
+          <ac:spMkLst>
+            <pc:docMk/>
+            <pc:sldMk cId="1717063047" sldId="268"/>
+            <ac:spMk id="2" creationId="{BD5495B8-B287-B5F2-7F5D-FF88B0D6D792}"/>
+          </ac:spMkLst>
+        </pc:spChg>
+        <pc:spChg chg="add del mod">
+          <ac:chgData name="Julius Rublack" userId="745d74a4dee6b669" providerId="LiveId" clId="{98D96A6D-518D-4AC0-9BA2-40E21862AA9A}" dt="2023-01-11T11:51:59.907" v="42" actId="478"/>
+          <ac:spMkLst>
+            <pc:docMk/>
+            <pc:sldMk cId="1717063047" sldId="268"/>
+            <ac:spMk id="3" creationId="{12EE4C4F-2271-0BFC-F3C9-6DE2B0E76432}"/>
+          </ac:spMkLst>
+        </pc:spChg>
+        <pc:spChg chg="del">
+          <ac:chgData name="Julius Rublack" userId="745d74a4dee6b669" providerId="LiveId" clId="{98D96A6D-518D-4AC0-9BA2-40E21862AA9A}" dt="2023-01-09T12:49:52.710" v="18" actId="478"/>
+          <ac:spMkLst>
+            <pc:docMk/>
+            <pc:sldMk cId="1717063047" sldId="268"/>
+            <ac:spMk id="3" creationId="{D09B0D25-E951-E27F-6B51-2D7C06BADA65}"/>
+          </ac:spMkLst>
+        </pc:spChg>
+        <pc:spChg chg="add mod ord">
+          <ac:chgData name="Julius Rublack" userId="745d74a4dee6b669" providerId="LiveId" clId="{98D96A6D-518D-4AC0-9BA2-40E21862AA9A}" dt="2023-01-11T13:26:39.369" v="420" actId="207"/>
+          <ac:spMkLst>
+            <pc:docMk/>
+            <pc:sldMk cId="1717063047" sldId="268"/>
+            <ac:spMk id="4" creationId="{0EAC2AD9-8148-8776-912C-C148EC834EC0}"/>
+          </ac:spMkLst>
+        </pc:spChg>
+        <pc:spChg chg="add mod">
+          <ac:chgData name="Julius Rublack" userId="745d74a4dee6b669" providerId="LiveId" clId="{98D96A6D-518D-4AC0-9BA2-40E21862AA9A}" dt="2023-01-11T13:09:00.594" v="331" actId="2085"/>
+          <ac:spMkLst>
+            <pc:docMk/>
+            <pc:sldMk cId="1717063047" sldId="268"/>
+            <ac:spMk id="5" creationId="{6E9A92FC-3B3B-5F6F-ED50-A2230CFA3927}"/>
+          </ac:spMkLst>
+        </pc:spChg>
+        <pc:spChg chg="add mod">
+          <ac:chgData name="Julius Rublack" userId="745d74a4dee6b669" providerId="LiveId" clId="{98D96A6D-518D-4AC0-9BA2-40E21862AA9A}" dt="2023-01-11T13:09:00.594" v="331" actId="2085"/>
+          <ac:spMkLst>
+            <pc:docMk/>
+            <pc:sldMk cId="1717063047" sldId="268"/>
+            <ac:spMk id="6" creationId="{AB3351ED-ED59-1FE7-262A-BE5A52F634F6}"/>
+          </ac:spMkLst>
+        </pc:spChg>
+        <pc:spChg chg="add mod">
+          <ac:chgData name="Julius Rublack" userId="745d74a4dee6b669" providerId="LiveId" clId="{98D96A6D-518D-4AC0-9BA2-40E21862AA9A}" dt="2023-01-11T13:09:00.594" v="331" actId="2085"/>
+          <ac:spMkLst>
+            <pc:docMk/>
+            <pc:sldMk cId="1717063047" sldId="268"/>
+            <ac:spMk id="7" creationId="{75903F81-E934-57A1-6CBC-FB790D12F93B}"/>
+          </ac:spMkLst>
+        </pc:spChg>
+        <pc:spChg chg="add mod">
+          <ac:chgData name="Julius Rublack" userId="745d74a4dee6b669" providerId="LiveId" clId="{98D96A6D-518D-4AC0-9BA2-40E21862AA9A}" dt="2023-01-11T13:09:00.594" v="331" actId="2085"/>
+          <ac:spMkLst>
+            <pc:docMk/>
+            <pc:sldMk cId="1717063047" sldId="268"/>
+            <ac:spMk id="8" creationId="{1C44CE4C-2868-A028-49D4-6AAC7D430E65}"/>
+          </ac:spMkLst>
+        </pc:spChg>
+        <pc:spChg chg="add mod">
+          <ac:chgData name="Julius Rublack" userId="745d74a4dee6b669" providerId="LiveId" clId="{98D96A6D-518D-4AC0-9BA2-40E21862AA9A}" dt="2023-01-11T13:09:00.594" v="331" actId="2085"/>
+          <ac:spMkLst>
+            <pc:docMk/>
+            <pc:sldMk cId="1717063047" sldId="268"/>
+            <ac:spMk id="9" creationId="{ABA7E82F-222A-576F-808A-C91BE1E33FD0}"/>
+          </ac:spMkLst>
+        </pc:spChg>
+        <pc:spChg chg="add mod">
+          <ac:chgData name="Julius Rublack" userId="745d74a4dee6b669" providerId="LiveId" clId="{98D96A6D-518D-4AC0-9BA2-40E21862AA9A}" dt="2023-01-11T13:09:00.594" v="331" actId="2085"/>
+          <ac:spMkLst>
+            <pc:docMk/>
+            <pc:sldMk cId="1717063047" sldId="268"/>
+            <ac:spMk id="10" creationId="{1B8E56EC-8681-C182-4D05-F8DB8FCCD5AA}"/>
+          </ac:spMkLst>
+        </pc:spChg>
+        <pc:spChg chg="add mod">
+          <ac:chgData name="Julius Rublack" userId="745d74a4dee6b669" providerId="LiveId" clId="{98D96A6D-518D-4AC0-9BA2-40E21862AA9A}" dt="2023-01-11T13:09:00.594" v="331" actId="2085"/>
+          <ac:spMkLst>
+            <pc:docMk/>
+            <pc:sldMk cId="1717063047" sldId="268"/>
+            <ac:spMk id="11" creationId="{E2D65C02-1900-8931-9EAD-3F5E83634D4C}"/>
+          </ac:spMkLst>
+        </pc:spChg>
+        <pc:spChg chg="add mod">
+          <ac:chgData name="Julius Rublack" userId="745d74a4dee6b669" providerId="LiveId" clId="{98D96A6D-518D-4AC0-9BA2-40E21862AA9A}" dt="2023-01-11T13:09:00.594" v="331" actId="2085"/>
+          <ac:spMkLst>
+            <pc:docMk/>
+            <pc:sldMk cId="1717063047" sldId="268"/>
+            <ac:spMk id="12" creationId="{D2ACE734-64BC-BD65-D64A-F15B79ABFE48}"/>
+          </ac:spMkLst>
+        </pc:spChg>
+        <pc:spChg chg="add mod">
+          <ac:chgData name="Julius Rublack" userId="745d74a4dee6b669" providerId="LiveId" clId="{98D96A6D-518D-4AC0-9BA2-40E21862AA9A}" dt="2023-01-11T13:09:00.594" v="331" actId="2085"/>
+          <ac:spMkLst>
+            <pc:docMk/>
+            <pc:sldMk cId="1717063047" sldId="268"/>
+            <ac:spMk id="13" creationId="{CA60D1C7-19FB-E252-2242-C5C8D66C4188}"/>
+          </ac:spMkLst>
+        </pc:spChg>
+        <pc:spChg chg="add mod">
+          <ac:chgData name="Julius Rublack" userId="745d74a4dee6b669" providerId="LiveId" clId="{98D96A6D-518D-4AC0-9BA2-40E21862AA9A}" dt="2023-01-11T13:09:00.594" v="331" actId="2085"/>
+          <ac:spMkLst>
+            <pc:docMk/>
+            <pc:sldMk cId="1717063047" sldId="268"/>
+            <ac:spMk id="14" creationId="{B2EF103D-F8C6-BFDE-3F9C-4FCCC5D3880A}"/>
+          </ac:spMkLst>
+        </pc:spChg>
+        <pc:spChg chg="add mod">
+          <ac:chgData name="Julius Rublack" userId="745d74a4dee6b669" providerId="LiveId" clId="{98D96A6D-518D-4AC0-9BA2-40E21862AA9A}" dt="2023-01-11T13:08:50.869" v="329" actId="2085"/>
+          <ac:spMkLst>
+            <pc:docMk/>
+            <pc:sldMk cId="1717063047" sldId="268"/>
+            <ac:spMk id="15" creationId="{0BF2C2C3-229D-E600-7E93-3F9078D0642B}"/>
+          </ac:spMkLst>
+        </pc:spChg>
+        <pc:spChg chg="add mod">
+          <ac:chgData name="Julius Rublack" userId="745d74a4dee6b669" providerId="LiveId" clId="{98D96A6D-518D-4AC0-9BA2-40E21862AA9A}" dt="2023-01-11T13:08:50.869" v="329" actId="2085"/>
+          <ac:spMkLst>
+            <pc:docMk/>
+            <pc:sldMk cId="1717063047" sldId="268"/>
+            <ac:spMk id="16" creationId="{9EE3CBF5-6742-C59A-D134-2D4892A25790}"/>
+          </ac:spMkLst>
+        </pc:spChg>
+        <pc:spChg chg="add mod">
+          <ac:chgData name="Julius Rublack" userId="745d74a4dee6b669" providerId="LiveId" clId="{98D96A6D-518D-4AC0-9BA2-40E21862AA9A}" dt="2023-01-11T13:08:50.869" v="329" actId="2085"/>
+          <ac:spMkLst>
+            <pc:docMk/>
+            <pc:sldMk cId="1717063047" sldId="268"/>
+            <ac:spMk id="17" creationId="{C330E1F1-43AA-441F-A6AA-9897F3769C9B}"/>
+          </ac:spMkLst>
+        </pc:spChg>
+        <pc:spChg chg="add mod">
+          <ac:chgData name="Julius Rublack" userId="745d74a4dee6b669" providerId="LiveId" clId="{98D96A6D-518D-4AC0-9BA2-40E21862AA9A}" dt="2023-01-11T13:08:50.869" v="329" actId="2085"/>
+          <ac:spMkLst>
+            <pc:docMk/>
+            <pc:sldMk cId="1717063047" sldId="268"/>
+            <ac:spMk id="18" creationId="{EA9E8F92-2211-4C0F-94AC-CEB60169B33A}"/>
+          </ac:spMkLst>
+        </pc:spChg>
+        <pc:spChg chg="add mod">
+          <ac:chgData name="Julius Rublack" userId="745d74a4dee6b669" providerId="LiveId" clId="{98D96A6D-518D-4AC0-9BA2-40E21862AA9A}" dt="2023-01-11T13:08:50.869" v="329" actId="2085"/>
+          <ac:spMkLst>
+            <pc:docMk/>
+            <pc:sldMk cId="1717063047" sldId="268"/>
+            <ac:spMk id="19" creationId="{2E8E4E72-DCFA-1A56-7DDA-EC34C1AE32F9}"/>
+          </ac:spMkLst>
+        </pc:spChg>
+        <pc:spChg chg="add mod">
+          <ac:chgData name="Julius Rublack" userId="745d74a4dee6b669" providerId="LiveId" clId="{98D96A6D-518D-4AC0-9BA2-40E21862AA9A}" dt="2023-01-11T13:08:50.869" v="329" actId="2085"/>
+          <ac:spMkLst>
+            <pc:docMk/>
+            <pc:sldMk cId="1717063047" sldId="268"/>
+            <ac:spMk id="20" creationId="{6D339792-83D3-5720-AADE-3299603DC988}"/>
+          </ac:spMkLst>
+        </pc:spChg>
+        <pc:spChg chg="add mod">
+          <ac:chgData name="Julius Rublack" userId="745d74a4dee6b669" providerId="LiveId" clId="{98D96A6D-518D-4AC0-9BA2-40E21862AA9A}" dt="2023-01-11T13:08:50.869" v="329" actId="2085"/>
+          <ac:spMkLst>
+            <pc:docMk/>
+            <pc:sldMk cId="1717063047" sldId="268"/>
+            <ac:spMk id="21" creationId="{9DAB7A02-5702-93E3-B716-61695D348BCF}"/>
+          </ac:spMkLst>
+        </pc:spChg>
+        <pc:spChg chg="add mod">
+          <ac:chgData name="Julius Rublack" userId="745d74a4dee6b669" providerId="LiveId" clId="{98D96A6D-518D-4AC0-9BA2-40E21862AA9A}" dt="2023-01-11T13:08:50.869" v="329" actId="2085"/>
+          <ac:spMkLst>
+            <pc:docMk/>
+            <pc:sldMk cId="1717063047" sldId="268"/>
+            <ac:spMk id="22" creationId="{CEBFE54F-3D95-A94D-9631-C2C8CFC58DF1}"/>
+          </ac:spMkLst>
+        </pc:spChg>
+        <pc:spChg chg="add mod">
+          <ac:chgData name="Julius Rublack" userId="745d74a4dee6b669" providerId="LiveId" clId="{98D96A6D-518D-4AC0-9BA2-40E21862AA9A}" dt="2023-01-11T13:08:50.869" v="329" actId="2085"/>
+          <ac:spMkLst>
+            <pc:docMk/>
+            <pc:sldMk cId="1717063047" sldId="268"/>
+            <ac:spMk id="23" creationId="{F39C7D21-4867-A50F-F399-59FFD854338C}"/>
+          </ac:spMkLst>
+        </pc:spChg>
+        <pc:spChg chg="add mod">
+          <ac:chgData name="Julius Rublack" userId="745d74a4dee6b669" providerId="LiveId" clId="{98D96A6D-518D-4AC0-9BA2-40E21862AA9A}" dt="2023-01-11T13:08:50.869" v="329" actId="2085"/>
+          <ac:spMkLst>
+            <pc:docMk/>
+            <pc:sldMk cId="1717063047" sldId="268"/>
+            <ac:spMk id="24" creationId="{896C5CBC-6AC7-67BB-80C7-948854861ADE}"/>
+          </ac:spMkLst>
+        </pc:spChg>
+        <pc:spChg chg="add mod">
+          <ac:chgData name="Julius Rublack" userId="745d74a4dee6b669" providerId="LiveId" clId="{98D96A6D-518D-4AC0-9BA2-40E21862AA9A}" dt="2023-01-11T13:08:50.869" v="329" actId="2085"/>
+          <ac:spMkLst>
+            <pc:docMk/>
+            <pc:sldMk cId="1717063047" sldId="268"/>
+            <ac:spMk id="25" creationId="{D962453D-B0C5-6F3B-7313-956341030AD6}"/>
+          </ac:spMkLst>
+        </pc:spChg>
+        <pc:spChg chg="add mod">
+          <ac:chgData name="Julius Rublack" userId="745d74a4dee6b669" providerId="LiveId" clId="{98D96A6D-518D-4AC0-9BA2-40E21862AA9A}" dt="2023-01-11T13:08:50.869" v="329" actId="2085"/>
+          <ac:spMkLst>
+            <pc:docMk/>
+            <pc:sldMk cId="1717063047" sldId="268"/>
+            <ac:spMk id="26" creationId="{00224F0C-FF49-6810-DD02-29111FD9A3F8}"/>
+          </ac:spMkLst>
+        </pc:spChg>
+        <pc:spChg chg="add mod">
+          <ac:chgData name="Julius Rublack" userId="745d74a4dee6b669" providerId="LiveId" clId="{98D96A6D-518D-4AC0-9BA2-40E21862AA9A}" dt="2023-01-11T13:08:50.869" v="329" actId="2085"/>
+          <ac:spMkLst>
+            <pc:docMk/>
+            <pc:sldMk cId="1717063047" sldId="268"/>
+            <ac:spMk id="27" creationId="{B8120CE0-FEAD-5F82-1D83-227B5A6CE26F}"/>
+          </ac:spMkLst>
+        </pc:spChg>
+        <pc:spChg chg="add mod">
+          <ac:chgData name="Julius Rublack" userId="745d74a4dee6b669" providerId="LiveId" clId="{98D96A6D-518D-4AC0-9BA2-40E21862AA9A}" dt="2023-01-11T13:08:50.869" v="329" actId="2085"/>
+          <ac:spMkLst>
+            <pc:docMk/>
+            <pc:sldMk cId="1717063047" sldId="268"/>
+            <ac:spMk id="28" creationId="{016BA94E-0F5F-C0B8-625A-DB33019FA1C3}"/>
+          </ac:spMkLst>
+        </pc:spChg>
+        <pc:spChg chg="add mod">
+          <ac:chgData name="Julius Rublack" userId="745d74a4dee6b669" providerId="LiveId" clId="{98D96A6D-518D-4AC0-9BA2-40E21862AA9A}" dt="2023-01-11T13:08:50.869" v="329" actId="2085"/>
+          <ac:spMkLst>
+            <pc:docMk/>
+            <pc:sldMk cId="1717063047" sldId="268"/>
+            <ac:spMk id="29" creationId="{FBD57836-411E-CC70-0DF2-5736DA9082B2}"/>
+          </ac:spMkLst>
+        </pc:spChg>
+        <pc:spChg chg="add mod">
+          <ac:chgData name="Julius Rublack" userId="745d74a4dee6b669" providerId="LiveId" clId="{98D96A6D-518D-4AC0-9BA2-40E21862AA9A}" dt="2023-01-11T13:08:50.869" v="329" actId="2085"/>
+          <ac:spMkLst>
+            <pc:docMk/>
+            <pc:sldMk cId="1717063047" sldId="268"/>
+            <ac:spMk id="30" creationId="{5665510F-A6AA-98E7-FFD0-B07F2D269C43}"/>
+          </ac:spMkLst>
+        </pc:spChg>
+        <pc:spChg chg="add mod">
+          <ac:chgData name="Julius Rublack" userId="745d74a4dee6b669" providerId="LiveId" clId="{98D96A6D-518D-4AC0-9BA2-40E21862AA9A}" dt="2023-01-11T13:08:50.869" v="329" actId="2085"/>
+          <ac:spMkLst>
+            <pc:docMk/>
+            <pc:sldMk cId="1717063047" sldId="268"/>
+            <ac:spMk id="31" creationId="{475AA7EC-FBFF-D599-65A4-1103886DA96F}"/>
+          </ac:spMkLst>
+        </pc:spChg>
+        <pc:spChg chg="add mod">
+          <ac:chgData name="Julius Rublack" userId="745d74a4dee6b669" providerId="LiveId" clId="{98D96A6D-518D-4AC0-9BA2-40E21862AA9A}" dt="2023-01-11T13:08:50.869" v="329" actId="2085"/>
+          <ac:spMkLst>
+            <pc:docMk/>
+            <pc:sldMk cId="1717063047" sldId="268"/>
+            <ac:spMk id="32" creationId="{1E14DCFA-9F35-6941-2906-0D2312531D63}"/>
+          </ac:spMkLst>
+        </pc:spChg>
+        <pc:spChg chg="add mod">
+          <ac:chgData name="Julius Rublack" userId="745d74a4dee6b669" providerId="LiveId" clId="{98D96A6D-518D-4AC0-9BA2-40E21862AA9A}" dt="2023-01-11T13:08:50.869" v="329" actId="2085"/>
+          <ac:spMkLst>
+            <pc:docMk/>
+            <pc:sldMk cId="1717063047" sldId="268"/>
+            <ac:spMk id="33" creationId="{8CED3C14-8CEB-9E3D-CE93-A6D9EA788EFC}"/>
+          </ac:spMkLst>
+        </pc:spChg>
+        <pc:spChg chg="add mod">
+          <ac:chgData name="Julius Rublack" userId="745d74a4dee6b669" providerId="LiveId" clId="{98D96A6D-518D-4AC0-9BA2-40E21862AA9A}" dt="2023-01-11T13:08:50.869" v="329" actId="2085"/>
+          <ac:spMkLst>
+            <pc:docMk/>
+            <pc:sldMk cId="1717063047" sldId="268"/>
+            <ac:spMk id="34" creationId="{E08A8DBB-7131-2F67-0794-8B457A368559}"/>
+          </ac:spMkLst>
+        </pc:spChg>
+        <pc:spChg chg="add mod">
+          <ac:chgData name="Julius Rublack" userId="745d74a4dee6b669" providerId="LiveId" clId="{98D96A6D-518D-4AC0-9BA2-40E21862AA9A}" dt="2023-01-11T13:08:50.869" v="329" actId="2085"/>
+          <ac:spMkLst>
+            <pc:docMk/>
+            <pc:sldMk cId="1717063047" sldId="268"/>
+            <ac:spMk id="35" creationId="{57D18293-EA57-8FD0-1346-1F38684F3547}"/>
+          </ac:spMkLst>
+        </pc:spChg>
+        <pc:spChg chg="add mod">
+          <ac:chgData name="Julius Rublack" userId="745d74a4dee6b669" providerId="LiveId" clId="{98D96A6D-518D-4AC0-9BA2-40E21862AA9A}" dt="2023-01-11T13:08:50.869" v="329" actId="2085"/>
+          <ac:spMkLst>
+            <pc:docMk/>
+            <pc:sldMk cId="1717063047" sldId="268"/>
+            <ac:spMk id="36" creationId="{8DA80441-8D2C-461E-9940-6CA8717F875C}"/>
+          </ac:spMkLst>
+        </pc:spChg>
+        <pc:spChg chg="add mod">
+          <ac:chgData name="Julius Rublack" userId="745d74a4dee6b669" providerId="LiveId" clId="{98D96A6D-518D-4AC0-9BA2-40E21862AA9A}" dt="2023-01-11T13:08:50.869" v="329" actId="2085"/>
+          <ac:spMkLst>
+            <pc:docMk/>
+            <pc:sldMk cId="1717063047" sldId="268"/>
+            <ac:spMk id="37" creationId="{5BA678B5-2430-75D7-25A7-799D9644E7FC}"/>
+          </ac:spMkLst>
+        </pc:spChg>
+        <pc:spChg chg="add mod">
+          <ac:chgData name="Julius Rublack" userId="745d74a4dee6b669" providerId="LiveId" clId="{98D96A6D-518D-4AC0-9BA2-40E21862AA9A}" dt="2023-01-11T13:08:50.869" v="329" actId="2085"/>
+          <ac:spMkLst>
+            <pc:docMk/>
+            <pc:sldMk cId="1717063047" sldId="268"/>
+            <ac:spMk id="38" creationId="{0A612972-CFE5-5705-6416-FD8ADB129FFA}"/>
+          </ac:spMkLst>
+        </pc:spChg>
+        <pc:spChg chg="add mod">
+          <ac:chgData name="Julius Rublack" userId="745d74a4dee6b669" providerId="LiveId" clId="{98D96A6D-518D-4AC0-9BA2-40E21862AA9A}" dt="2023-01-11T13:08:50.869" v="329" actId="2085"/>
+          <ac:spMkLst>
+            <pc:docMk/>
+            <pc:sldMk cId="1717063047" sldId="268"/>
+            <ac:spMk id="39" creationId="{154E5AFC-ADB5-05CA-2AA1-427A733016D3}"/>
+          </ac:spMkLst>
+        </pc:spChg>
+        <pc:spChg chg="add mod">
+          <ac:chgData name="Julius Rublack" userId="745d74a4dee6b669" providerId="LiveId" clId="{98D96A6D-518D-4AC0-9BA2-40E21862AA9A}" dt="2023-01-11T13:08:50.869" v="329" actId="2085"/>
+          <ac:spMkLst>
+            <pc:docMk/>
+            <pc:sldMk cId="1717063047" sldId="268"/>
+            <ac:spMk id="40" creationId="{9B4AC712-6E39-A46E-F82E-AB9E2702A9E1}"/>
+          </ac:spMkLst>
+        </pc:spChg>
+        <pc:spChg chg="add mod">
+          <ac:chgData name="Julius Rublack" userId="745d74a4dee6b669" providerId="LiveId" clId="{98D96A6D-518D-4AC0-9BA2-40E21862AA9A}" dt="2023-01-11T13:08:50.869" v="329" actId="2085"/>
+          <ac:spMkLst>
+            <pc:docMk/>
+            <pc:sldMk cId="1717063047" sldId="268"/>
+            <ac:spMk id="41" creationId="{5E27412D-60BB-1376-6F1C-E0EB1C31A5DC}"/>
+          </ac:spMkLst>
+        </pc:spChg>
+        <pc:spChg chg="add mod">
+          <ac:chgData name="Julius Rublack" userId="745d74a4dee6b669" providerId="LiveId" clId="{98D96A6D-518D-4AC0-9BA2-40E21862AA9A}" dt="2023-01-11T13:08:50.869" v="329" actId="2085"/>
+          <ac:spMkLst>
+            <pc:docMk/>
+            <pc:sldMk cId="1717063047" sldId="268"/>
+            <ac:spMk id="42" creationId="{1DD25FD9-25B8-BA1E-5433-16880A665F4A}"/>
+          </ac:spMkLst>
+        </pc:spChg>
+        <pc:spChg chg="add mod">
+          <ac:chgData name="Julius Rublack" userId="745d74a4dee6b669" providerId="LiveId" clId="{98D96A6D-518D-4AC0-9BA2-40E21862AA9A}" dt="2023-01-11T13:08:50.869" v="329" actId="2085"/>
+          <ac:spMkLst>
+            <pc:docMk/>
+            <pc:sldMk cId="1717063047" sldId="268"/>
+            <ac:spMk id="43" creationId="{1363BDBB-B4AF-25E2-B2B4-A4139D90FC12}"/>
+          </ac:spMkLst>
+        </pc:spChg>
+        <pc:spChg chg="add mod">
+          <ac:chgData name="Julius Rublack" userId="745d74a4dee6b669" providerId="LiveId" clId="{98D96A6D-518D-4AC0-9BA2-40E21862AA9A}" dt="2023-01-11T13:08:50.869" v="329" actId="2085"/>
+          <ac:spMkLst>
+            <pc:docMk/>
+            <pc:sldMk cId="1717063047" sldId="268"/>
+            <ac:spMk id="44" creationId="{4F906B6A-EF2C-7C39-8C13-E8561118031A}"/>
+          </ac:spMkLst>
+        </pc:spChg>
+        <pc:spChg chg="add mod">
+          <ac:chgData name="Julius Rublack" userId="745d74a4dee6b669" providerId="LiveId" clId="{98D96A6D-518D-4AC0-9BA2-40E21862AA9A}" dt="2023-01-11T13:08:50.869" v="329" actId="2085"/>
+          <ac:spMkLst>
+            <pc:docMk/>
+            <pc:sldMk cId="1717063047" sldId="268"/>
+            <ac:spMk id="45" creationId="{399BA41F-2744-5B4A-56C8-4CCC0B92D8E6}"/>
+          </ac:spMkLst>
+        </pc:spChg>
+        <pc:spChg chg="add mod">
+          <ac:chgData name="Julius Rublack" userId="745d74a4dee6b669" providerId="LiveId" clId="{98D96A6D-518D-4AC0-9BA2-40E21862AA9A}" dt="2023-01-11T13:08:50.869" v="329" actId="2085"/>
+          <ac:spMkLst>
+            <pc:docMk/>
+            <pc:sldMk cId="1717063047" sldId="268"/>
+            <ac:spMk id="46" creationId="{EC8044C4-908A-03D0-794C-D05A9ED9F4E4}"/>
+          </ac:spMkLst>
+        </pc:spChg>
+        <pc:spChg chg="add mod">
+          <ac:chgData name="Julius Rublack" userId="745d74a4dee6b669" providerId="LiveId" clId="{98D96A6D-518D-4AC0-9BA2-40E21862AA9A}" dt="2023-01-11T13:08:50.869" v="329" actId="2085"/>
+          <ac:spMkLst>
+            <pc:docMk/>
+            <pc:sldMk cId="1717063047" sldId="268"/>
+            <ac:spMk id="47" creationId="{46710452-E922-7546-1531-5390C5C410E8}"/>
+          </ac:spMkLst>
+        </pc:spChg>
+        <pc:spChg chg="add mod">
+          <ac:chgData name="Julius Rublack" userId="745d74a4dee6b669" providerId="LiveId" clId="{98D96A6D-518D-4AC0-9BA2-40E21862AA9A}" dt="2023-01-11T13:08:50.869" v="329" actId="2085"/>
+          <ac:spMkLst>
+            <pc:docMk/>
+            <pc:sldMk cId="1717063047" sldId="268"/>
+            <ac:spMk id="48" creationId="{8CBD6D60-AAA9-A181-1CB3-014E1F9E24AE}"/>
+          </ac:spMkLst>
+        </pc:spChg>
+        <pc:spChg chg="add mod">
+          <ac:chgData name="Julius Rublack" userId="745d74a4dee6b669" providerId="LiveId" clId="{98D96A6D-518D-4AC0-9BA2-40E21862AA9A}" dt="2023-01-11T13:08:50.869" v="329" actId="2085"/>
+          <ac:spMkLst>
+            <pc:docMk/>
+            <pc:sldMk cId="1717063047" sldId="268"/>
+            <ac:spMk id="49" creationId="{DEA04DC3-B45A-DFE9-2D38-F8AE52CCF5FD}"/>
+          </ac:spMkLst>
+        </pc:spChg>
+        <pc:spChg chg="add mod">
+          <ac:chgData name="Julius Rublack" userId="745d74a4dee6b669" providerId="LiveId" clId="{98D96A6D-518D-4AC0-9BA2-40E21862AA9A}" dt="2023-01-11T13:08:50.869" v="329" actId="2085"/>
+          <ac:spMkLst>
+            <pc:docMk/>
+            <pc:sldMk cId="1717063047" sldId="268"/>
+            <ac:spMk id="50" creationId="{3E8E0A36-3E28-A463-DEED-F1A8D3397375}"/>
+          </ac:spMkLst>
+        </pc:spChg>
+        <pc:spChg chg="add mod">
+          <ac:chgData name="Julius Rublack" userId="745d74a4dee6b669" providerId="LiveId" clId="{98D96A6D-518D-4AC0-9BA2-40E21862AA9A}" dt="2023-01-11T13:08:50.869" v="329" actId="2085"/>
+          <ac:spMkLst>
+            <pc:docMk/>
+            <pc:sldMk cId="1717063047" sldId="268"/>
+            <ac:spMk id="51" creationId="{2326BB77-262C-9191-4131-2E9A2DEA6B74}"/>
+          </ac:spMkLst>
+        </pc:spChg>
+        <pc:spChg chg="add mod">
+          <ac:chgData name="Julius Rublack" userId="745d74a4dee6b669" providerId="LiveId" clId="{98D96A6D-518D-4AC0-9BA2-40E21862AA9A}" dt="2023-01-11T13:08:50.869" v="329" actId="2085"/>
+          <ac:spMkLst>
+            <pc:docMk/>
+            <pc:sldMk cId="1717063047" sldId="268"/>
+            <ac:spMk id="52" creationId="{5805D383-A62A-8F74-6992-69123AEDA820}"/>
+          </ac:spMkLst>
+        </pc:spChg>
+        <pc:spChg chg="add mod">
+          <ac:chgData name="Julius Rublack" userId="745d74a4dee6b669" providerId="LiveId" clId="{98D96A6D-518D-4AC0-9BA2-40E21862AA9A}" dt="2023-01-11T13:08:50.869" v="329" actId="2085"/>
+          <ac:spMkLst>
+            <pc:docMk/>
+            <pc:sldMk cId="1717063047" sldId="268"/>
+            <ac:spMk id="53" creationId="{05D0D1A0-B2F4-17BB-D50C-A624F1417D40}"/>
+          </ac:spMkLst>
+        </pc:spChg>
+        <pc:spChg chg="add mod">
+          <ac:chgData name="Julius Rublack" userId="745d74a4dee6b669" providerId="LiveId" clId="{98D96A6D-518D-4AC0-9BA2-40E21862AA9A}" dt="2023-01-11T13:09:00.594" v="331" actId="2085"/>
+          <ac:spMkLst>
+            <pc:docMk/>
+            <pc:sldMk cId="1717063047" sldId="268"/>
+            <ac:spMk id="54" creationId="{7C5B5F7E-85A4-B624-E0EB-6EB6A350DA1C}"/>
+          </ac:spMkLst>
+        </pc:spChg>
+        <pc:spChg chg="add mod">
+          <ac:chgData name="Julius Rublack" userId="745d74a4dee6b669" providerId="LiveId" clId="{98D96A6D-518D-4AC0-9BA2-40E21862AA9A}" dt="2023-01-11T13:09:00.594" v="331" actId="2085"/>
+          <ac:spMkLst>
+            <pc:docMk/>
+            <pc:sldMk cId="1717063047" sldId="268"/>
+            <ac:spMk id="55" creationId="{63A7612F-795B-27E3-C144-7FB6AAF9C227}"/>
+          </ac:spMkLst>
+        </pc:spChg>
+        <pc:spChg chg="add mod">
+          <ac:chgData name="Julius Rublack" userId="745d74a4dee6b669" providerId="LiveId" clId="{98D96A6D-518D-4AC0-9BA2-40E21862AA9A}" dt="2023-01-11T13:09:00.594" v="331" actId="2085"/>
+          <ac:spMkLst>
+            <pc:docMk/>
+            <pc:sldMk cId="1717063047" sldId="268"/>
+            <ac:spMk id="56" creationId="{A9D3F110-6442-00AE-8810-A834C466784B}"/>
+          </ac:spMkLst>
+        </pc:spChg>
+        <pc:spChg chg="add mod">
+          <ac:chgData name="Julius Rublack" userId="745d74a4dee6b669" providerId="LiveId" clId="{98D96A6D-518D-4AC0-9BA2-40E21862AA9A}" dt="2023-01-11T13:09:00.594" v="331" actId="2085"/>
+          <ac:spMkLst>
+            <pc:docMk/>
+            <pc:sldMk cId="1717063047" sldId="268"/>
+            <ac:spMk id="57" creationId="{991ADDFC-5EE8-4BED-8278-E2ABF0725E2D}"/>
+          </ac:spMkLst>
+        </pc:spChg>
+        <pc:spChg chg="add mod">
+          <ac:chgData name="Julius Rublack" userId="745d74a4dee6b669" providerId="LiveId" clId="{98D96A6D-518D-4AC0-9BA2-40E21862AA9A}" dt="2023-01-11T13:09:00.594" v="331" actId="2085"/>
+          <ac:spMkLst>
+            <pc:docMk/>
+            <pc:sldMk cId="1717063047" sldId="268"/>
+            <ac:spMk id="58" creationId="{3AC4240E-56F5-76B5-C415-C4D63ADB896A}"/>
+          </ac:spMkLst>
+        </pc:spChg>
+        <pc:spChg chg="add mod">
+          <ac:chgData name="Julius Rublack" userId="745d74a4dee6b669" providerId="LiveId" clId="{98D96A6D-518D-4AC0-9BA2-40E21862AA9A}" dt="2023-01-11T13:09:00.594" v="331" actId="2085"/>
+          <ac:spMkLst>
+            <pc:docMk/>
+            <pc:sldMk cId="1717063047" sldId="268"/>
+            <ac:spMk id="59" creationId="{A3E94C25-30BA-5C8E-3678-08A4F2824CA2}"/>
+          </ac:spMkLst>
+        </pc:spChg>
+        <pc:spChg chg="add mod">
+          <ac:chgData name="Julius Rublack" userId="745d74a4dee6b669" providerId="LiveId" clId="{98D96A6D-518D-4AC0-9BA2-40E21862AA9A}" dt="2023-01-11T13:09:00.594" v="331" actId="2085"/>
+          <ac:spMkLst>
+            <pc:docMk/>
+            <pc:sldMk cId="1717063047" sldId="268"/>
+            <ac:spMk id="60" creationId="{4C7BBE4E-74DD-025C-1C74-49691DDF42E2}"/>
+          </ac:spMkLst>
+        </pc:spChg>
+        <pc:spChg chg="add mod">
+          <ac:chgData name="Julius Rublack" userId="745d74a4dee6b669" providerId="LiveId" clId="{98D96A6D-518D-4AC0-9BA2-40E21862AA9A}" dt="2023-01-11T13:09:00.594" v="331" actId="2085"/>
+          <ac:spMkLst>
+            <pc:docMk/>
+            <pc:sldMk cId="1717063047" sldId="268"/>
+            <ac:spMk id="61" creationId="{4F1C6B09-0B88-305F-F98F-C931F2675227}"/>
+          </ac:spMkLst>
+        </pc:spChg>
+        <pc:spChg chg="add mod">
+          <ac:chgData name="Julius Rublack" userId="745d74a4dee6b669" providerId="LiveId" clId="{98D96A6D-518D-4AC0-9BA2-40E21862AA9A}" dt="2023-01-11T13:09:00.594" v="331" actId="2085"/>
+          <ac:spMkLst>
+            <pc:docMk/>
+            <pc:sldMk cId="1717063047" sldId="268"/>
+            <ac:spMk id="62" creationId="{B339F64A-7CD6-20F3-CFB8-CCF1880B542D}"/>
+          </ac:spMkLst>
+        </pc:spChg>
+        <pc:spChg chg="add mod">
+          <ac:chgData name="Julius Rublack" userId="745d74a4dee6b669" providerId="LiveId" clId="{98D96A6D-518D-4AC0-9BA2-40E21862AA9A}" dt="2023-01-11T13:09:00.594" v="331" actId="2085"/>
+          <ac:spMkLst>
+            <pc:docMk/>
+            <pc:sldMk cId="1717063047" sldId="268"/>
+            <ac:spMk id="63" creationId="{61A67F74-5C25-DCB5-79CA-A83C5A0AF73D}"/>
+          </ac:spMkLst>
+        </pc:spChg>
+        <pc:spChg chg="add mod">
+          <ac:chgData name="Julius Rublack" userId="745d74a4dee6b669" providerId="LiveId" clId="{98D96A6D-518D-4AC0-9BA2-40E21862AA9A}" dt="2023-01-11T13:36:56.637" v="489" actId="1076"/>
+          <ac:spMkLst>
+            <pc:docMk/>
+            <pc:sldMk cId="1717063047" sldId="268"/>
+            <ac:spMk id="134" creationId="{516C9F24-B45F-88AD-A939-1F6BC20ABE86}"/>
+          </ac:spMkLst>
+        </pc:spChg>
+        <pc:spChg chg="add mod">
+          <ac:chgData name="Julius Rublack" userId="745d74a4dee6b669" providerId="LiveId" clId="{98D96A6D-518D-4AC0-9BA2-40E21862AA9A}" dt="2023-01-11T13:36:46.627" v="488" actId="1076"/>
+          <ac:spMkLst>
+            <pc:docMk/>
+            <pc:sldMk cId="1717063047" sldId="268"/>
+            <ac:spMk id="135" creationId="{C8CABE5D-D72C-0E1A-0591-E91F4C576E0D}"/>
+          </ac:spMkLst>
+        </pc:spChg>
+        <pc:grpChg chg="mod">
+          <ac:chgData name="Julius Rublack" userId="745d74a4dee6b669" providerId="LiveId" clId="{98D96A6D-518D-4AC0-9BA2-40E21862AA9A}" dt="2023-01-11T13:28:04.621" v="450"/>
+          <ac:grpSpMkLst>
+            <pc:docMk/>
+            <pc:sldMk cId="1717063047" sldId="268"/>
+            <ac:grpSpMk id="111" creationId="{56A310FE-110E-FF25-5B11-F460F138C25A}"/>
+          </ac:grpSpMkLst>
+        </pc:grpChg>
+        <pc:grpChg chg="del mod">
+          <ac:chgData name="Julius Rublack" userId="745d74a4dee6b669" providerId="LiveId" clId="{98D96A6D-518D-4AC0-9BA2-40E21862AA9A}" dt="2023-01-11T13:30:18.948" v="471"/>
+          <ac:grpSpMkLst>
+            <pc:docMk/>
+            <pc:sldMk cId="1717063047" sldId="268"/>
+            <ac:grpSpMk id="125" creationId="{8830DFC1-2DA6-DE10-09FC-C54F076486DB}"/>
+          </ac:grpSpMkLst>
+        </pc:grpChg>
+        <pc:grpChg chg="del mod">
+          <ac:chgData name="Julius Rublack" userId="745d74a4dee6b669" providerId="LiveId" clId="{98D96A6D-518D-4AC0-9BA2-40E21862AA9A}" dt="2023-01-11T13:30:24.585" v="473"/>
+          <ac:grpSpMkLst>
+            <pc:docMk/>
+            <pc:sldMk cId="1717063047" sldId="268"/>
+            <ac:grpSpMk id="127" creationId="{35337C81-A6E3-4C43-DFF7-F31A432DE78D}"/>
+          </ac:grpSpMkLst>
+        </pc:grpChg>
+        <pc:grpChg chg="del mod">
+          <ac:chgData name="Julius Rublack" userId="745d74a4dee6b669" providerId="LiveId" clId="{98D96A6D-518D-4AC0-9BA2-40E21862AA9A}" dt="2023-01-11T13:30:30.851" v="475"/>
+          <ac:grpSpMkLst>
+            <pc:docMk/>
+            <pc:sldMk cId="1717063047" sldId="268"/>
+            <ac:grpSpMk id="129" creationId="{B302F154-94DA-048B-0567-0A7BADE2884F}"/>
+          </ac:grpSpMkLst>
+        </pc:grpChg>
+        <pc:grpChg chg="mod">
+          <ac:chgData name="Julius Rublack" userId="745d74a4dee6b669" providerId="LiveId" clId="{98D96A6D-518D-4AC0-9BA2-40E21862AA9A}" dt="2023-01-11T13:30:30.851" v="475"/>
+          <ac:grpSpMkLst>
+            <pc:docMk/>
+            <pc:sldMk cId="1717063047" sldId="268"/>
+            <ac:grpSpMk id="131" creationId="{38E4E731-B48C-A445-DD54-4181A065ADB2}"/>
+          </ac:grpSpMkLst>
+        </pc:grpChg>
+        <pc:picChg chg="add del">
+          <ac:chgData name="Julius Rublack" userId="745d74a4dee6b669" providerId="LiveId" clId="{98D96A6D-518D-4AC0-9BA2-40E21862AA9A}" dt="2023-01-09T12:49:51.543" v="17" actId="22"/>
+          <ac:picMkLst>
+            <pc:docMk/>
+            <pc:sldMk cId="1717063047" sldId="268"/>
+            <ac:picMk id="5" creationId="{2847E1E6-842A-6869-6629-6613B5ED2189}"/>
+          </ac:picMkLst>
+        </pc:picChg>
+        <pc:picChg chg="add del">
+          <ac:chgData name="Julius Rublack" userId="745d74a4dee6b669" providerId="LiveId" clId="{98D96A6D-518D-4AC0-9BA2-40E21862AA9A}" dt="2023-01-09T12:50:29.231" v="22" actId="478"/>
+          <ac:picMkLst>
+            <pc:docMk/>
+            <pc:sldMk cId="1717063047" sldId="268"/>
+            <ac:picMk id="7" creationId="{580E33D5-B126-61F2-C94A-6ACBAA75279C}"/>
+          </ac:picMkLst>
+        </pc:picChg>
+        <pc:picChg chg="add del mod ord">
+          <ac:chgData name="Julius Rublack" userId="745d74a4dee6b669" providerId="LiveId" clId="{98D96A6D-518D-4AC0-9BA2-40E21862AA9A}" dt="2023-01-11T13:23:41.505" v="400" actId="478"/>
+          <ac:picMkLst>
+            <pc:docMk/>
+            <pc:sldMk cId="1717063047" sldId="268"/>
+            <ac:picMk id="65" creationId="{CE0A5D86-BA39-56EA-F5D7-02D629FC3904}"/>
+          </ac:picMkLst>
+        </pc:picChg>
+        <pc:picChg chg="add mod ord">
+          <ac:chgData name="Julius Rublack" userId="745d74a4dee6b669" providerId="LiveId" clId="{98D96A6D-518D-4AC0-9BA2-40E21862AA9A}" dt="2023-01-11T13:24:54.706" v="407" actId="167"/>
+          <ac:picMkLst>
+            <pc:docMk/>
+            <pc:sldMk cId="1717063047" sldId="268"/>
+            <ac:picMk id="67" creationId="{6AC49148-9F16-4567-DA3F-20F854D00D90}"/>
+          </ac:picMkLst>
+        </pc:picChg>
+        <pc:picChg chg="add mod ord">
+          <ac:chgData name="Julius Rublack" userId="745d74a4dee6b669" providerId="LiveId" clId="{98D96A6D-518D-4AC0-9BA2-40E21862AA9A}" dt="2023-01-11T13:24:54.706" v="407" actId="167"/>
+          <ac:picMkLst>
+            <pc:docMk/>
+            <pc:sldMk cId="1717063047" sldId="268"/>
+            <ac:picMk id="69" creationId="{57EFDDEA-DDF4-13AA-6811-962C68A12F62}"/>
+          </ac:picMkLst>
+        </pc:picChg>
+        <pc:picChg chg="add mod ord">
+          <ac:chgData name="Julius Rublack" userId="745d74a4dee6b669" providerId="LiveId" clId="{98D96A6D-518D-4AC0-9BA2-40E21862AA9A}" dt="2023-01-11T13:24:54.706" v="407" actId="167"/>
+          <ac:picMkLst>
+            <pc:docMk/>
+            <pc:sldMk cId="1717063047" sldId="268"/>
+            <ac:picMk id="71" creationId="{A7105B93-5F90-3B68-14A4-E61E60EB3CCD}"/>
+          </ac:picMkLst>
+        </pc:picChg>
+        <pc:picChg chg="add mod ord">
+          <ac:chgData name="Julius Rublack" userId="745d74a4dee6b669" providerId="LiveId" clId="{98D96A6D-518D-4AC0-9BA2-40E21862AA9A}" dt="2023-01-11T13:24:54.706" v="407" actId="167"/>
+          <ac:picMkLst>
+            <pc:docMk/>
+            <pc:sldMk cId="1717063047" sldId="268"/>
+            <ac:picMk id="73" creationId="{D3F9C79B-4B77-CDE3-C4E8-1A6C7EFD30D8}"/>
+          </ac:picMkLst>
+        </pc:picChg>
+        <pc:picChg chg="add del">
+          <ac:chgData name="Julius Rublack" userId="745d74a4dee6b669" providerId="LiveId" clId="{98D96A6D-518D-4AC0-9BA2-40E21862AA9A}" dt="2023-01-11T13:20:03.663" v="376" actId="22"/>
+          <ac:picMkLst>
+            <pc:docMk/>
+            <pc:sldMk cId="1717063047" sldId="268"/>
+            <ac:picMk id="75" creationId="{474010A6-26A2-8573-F2A8-FB36B87B3E25}"/>
+          </ac:picMkLst>
+        </pc:picChg>
+        <pc:picChg chg="add mod ord">
+          <ac:chgData name="Julius Rublack" userId="745d74a4dee6b669" providerId="LiveId" clId="{98D96A6D-518D-4AC0-9BA2-40E21862AA9A}" dt="2023-01-11T13:24:54.706" v="407" actId="167"/>
+          <ac:picMkLst>
+            <pc:docMk/>
+            <pc:sldMk cId="1717063047" sldId="268"/>
+            <ac:picMk id="77" creationId="{ED27D4B9-1827-F9F5-4688-8D1801B5019D}"/>
+          </ac:picMkLst>
+        </pc:picChg>
+        <pc:picChg chg="add mod ord">
+          <ac:chgData name="Julius Rublack" userId="745d74a4dee6b669" providerId="LiveId" clId="{98D96A6D-518D-4AC0-9BA2-40E21862AA9A}" dt="2023-01-11T13:24:54.706" v="407" actId="167"/>
+          <ac:picMkLst>
+            <pc:docMk/>
+            <pc:sldMk cId="1717063047" sldId="268"/>
+            <ac:picMk id="79" creationId="{AFF1A249-018A-73EF-9373-8E711A3DD988}"/>
+          </ac:picMkLst>
+        </pc:picChg>
+        <pc:picChg chg="add mod ord">
+          <ac:chgData name="Julius Rublack" userId="745d74a4dee6b669" providerId="LiveId" clId="{98D96A6D-518D-4AC0-9BA2-40E21862AA9A}" dt="2023-01-11T13:24:54.706" v="407" actId="167"/>
+          <ac:picMkLst>
+            <pc:docMk/>
+            <pc:sldMk cId="1717063047" sldId="268"/>
+            <ac:picMk id="81" creationId="{61C7A107-FFA6-A985-D9A7-D04FDB9E063C}"/>
+          </ac:picMkLst>
+        </pc:picChg>
+        <pc:picChg chg="add mod ord">
+          <ac:chgData name="Julius Rublack" userId="745d74a4dee6b669" providerId="LiveId" clId="{98D96A6D-518D-4AC0-9BA2-40E21862AA9A}" dt="2023-01-11T13:24:54.706" v="407" actId="167"/>
+          <ac:picMkLst>
+            <pc:docMk/>
+            <pc:sldMk cId="1717063047" sldId="268"/>
+            <ac:picMk id="83" creationId="{290BEB90-040C-DBC2-97AD-DE5087C082EA}"/>
+          </ac:picMkLst>
+        </pc:picChg>
+        <pc:inkChg chg="add del">
+          <ac:chgData name="Julius Rublack" userId="745d74a4dee6b669" providerId="LiveId" clId="{98D96A6D-518D-4AC0-9BA2-40E21862AA9A}" dt="2023-01-11T13:25:41.742" v="411" actId="9405"/>
+          <ac:inkMkLst>
+            <pc:docMk/>
+            <pc:sldMk cId="1717063047" sldId="268"/>
+            <ac:inkMk id="84" creationId="{AFBE8224-1D4C-0C8B-F62A-9B733A3A2231}"/>
+          </ac:inkMkLst>
+        </pc:inkChg>
+        <pc:inkChg chg="add del">
+          <ac:chgData name="Julius Rublack" userId="745d74a4dee6b669" providerId="LiveId" clId="{98D96A6D-518D-4AC0-9BA2-40E21862AA9A}" dt="2023-01-11T13:26:02.945" v="413" actId="9405"/>
+          <ac:inkMkLst>
+            <pc:docMk/>
+            <pc:sldMk cId="1717063047" sldId="268"/>
+            <ac:inkMk id="85" creationId="{C8050D63-30C0-5934-B239-8FC91B0360A6}"/>
+          </ac:inkMkLst>
+        </pc:inkChg>
+        <pc:inkChg chg="add del">
+          <ac:chgData name="Julius Rublack" userId="745d74a4dee6b669" providerId="LiveId" clId="{98D96A6D-518D-4AC0-9BA2-40E21862AA9A}" dt="2023-01-11T13:26:14.949" v="419" actId="9405"/>
+          <ac:inkMkLst>
+            <pc:docMk/>
+            <pc:sldMk cId="1717063047" sldId="268"/>
+            <ac:inkMk id="86" creationId="{418488AC-F6C6-9B0E-44B7-C663ED61890D}"/>
+          </ac:inkMkLst>
+        </pc:inkChg>
+        <pc:inkChg chg="add del">
+          <ac:chgData name="Julius Rublack" userId="745d74a4dee6b669" providerId="LiveId" clId="{98D96A6D-518D-4AC0-9BA2-40E21862AA9A}" dt="2023-01-11T13:26:14.527" v="418" actId="9405"/>
+          <ac:inkMkLst>
+            <pc:docMk/>
+            <pc:sldMk cId="1717063047" sldId="268"/>
+            <ac:inkMk id="87" creationId="{6D0D98AE-1BC0-367E-03DF-03A37307425D}"/>
+          </ac:inkMkLst>
+        </pc:inkChg>
+        <pc:inkChg chg="add del">
+          <ac:chgData name="Julius Rublack" userId="745d74a4dee6b669" providerId="LiveId" clId="{98D96A6D-518D-4AC0-9BA2-40E21862AA9A}" dt="2023-01-11T13:26:14.332" v="417" actId="9405"/>
+          <ac:inkMkLst>
+            <pc:docMk/>
+            <pc:sldMk cId="1717063047" sldId="268"/>
+            <ac:inkMk id="88" creationId="{02A132CD-4907-B72B-A95E-6AABB238BE69}"/>
+          </ac:inkMkLst>
+        </pc:inkChg>
+        <pc:inkChg chg="add del">
+          <ac:chgData name="Julius Rublack" userId="745d74a4dee6b669" providerId="LiveId" clId="{98D96A6D-518D-4AC0-9BA2-40E21862AA9A}" dt="2023-01-11T13:26:48.243" v="422" actId="9405"/>
+          <ac:inkMkLst>
+            <pc:docMk/>
+            <pc:sldMk cId="1717063047" sldId="268"/>
+            <ac:inkMk id="89" creationId="{52AE25D2-8ADF-6A41-9F4B-F3A73749E11F}"/>
+          </ac:inkMkLst>
+        </pc:inkChg>
+        <pc:inkChg chg="add">
+          <ac:chgData name="Julius Rublack" userId="745d74a4dee6b669" providerId="LiveId" clId="{98D96A6D-518D-4AC0-9BA2-40E21862AA9A}" dt="2023-01-11T13:27:01.358" v="423" actId="9405"/>
+          <ac:inkMkLst>
+            <pc:docMk/>
+            <pc:sldMk cId="1717063047" sldId="268"/>
+            <ac:inkMk id="90" creationId="{737A1375-0741-3163-AA61-7C342FC19450}"/>
+          </ac:inkMkLst>
+        </pc:inkChg>
+        <pc:inkChg chg="add">
+          <ac:chgData name="Julius Rublack" userId="745d74a4dee6b669" providerId="LiveId" clId="{98D96A6D-518D-4AC0-9BA2-40E21862AA9A}" dt="2023-01-11T13:27:01.753" v="424" actId="9405"/>
+          <ac:inkMkLst>
+            <pc:docMk/>
+            <pc:sldMk cId="1717063047" sldId="268"/>
+            <ac:inkMk id="91" creationId="{96364B0F-29AD-F24B-7112-041C643D48AD}"/>
+          </ac:inkMkLst>
+        </pc:inkChg>
+        <pc:inkChg chg="add">
+          <ac:chgData name="Julius Rublack" userId="745d74a4dee6b669" providerId="LiveId" clId="{98D96A6D-518D-4AC0-9BA2-40E21862AA9A}" dt="2023-01-11T13:27:02.967" v="425" actId="9405"/>
+          <ac:inkMkLst>
+            <pc:docMk/>
+            <pc:sldMk cId="1717063047" sldId="268"/>
+            <ac:inkMk id="92" creationId="{37D2DB16-C7A7-27CF-EDC2-4D7B5D61A94B}"/>
+          </ac:inkMkLst>
+        </pc:inkChg>
+        <pc:inkChg chg="add">
+          <ac:chgData name="Julius Rublack" userId="745d74a4dee6b669" providerId="LiveId" clId="{98D96A6D-518D-4AC0-9BA2-40E21862AA9A}" dt="2023-01-11T13:27:05.356" v="426" actId="9405"/>
+          <ac:inkMkLst>
+            <pc:docMk/>
+            <pc:sldMk cId="1717063047" sldId="268"/>
+            <ac:inkMk id="93" creationId="{3EBE096D-8B75-169E-E564-DFFC68D534E0}"/>
+          </ac:inkMkLst>
+        </pc:inkChg>
+        <pc:inkChg chg="add">
+          <ac:chgData name="Julius Rublack" userId="745d74a4dee6b669" providerId="LiveId" clId="{98D96A6D-518D-4AC0-9BA2-40E21862AA9A}" dt="2023-01-11T13:27:06.334" v="427" actId="9405"/>
+          <ac:inkMkLst>
+            <pc:docMk/>
+            <pc:sldMk cId="1717063047" sldId="268"/>
+            <ac:inkMk id="94" creationId="{8548358E-C4B5-2764-85D1-68232133C302}"/>
+          </ac:inkMkLst>
+        </pc:inkChg>
+        <pc:inkChg chg="add">
+          <ac:chgData name="Julius Rublack" userId="745d74a4dee6b669" providerId="LiveId" clId="{98D96A6D-518D-4AC0-9BA2-40E21862AA9A}" dt="2023-01-11T13:27:08.240" v="428" actId="9405"/>
+          <ac:inkMkLst>
+            <pc:docMk/>
+            <pc:sldMk cId="1717063047" sldId="268"/>
+            <ac:inkMk id="95" creationId="{5543DBFD-42EE-0D46-B5AF-E0969E358FD5}"/>
+          </ac:inkMkLst>
+        </pc:inkChg>
+        <pc:inkChg chg="add">
+          <ac:chgData name="Julius Rublack" userId="745d74a4dee6b669" providerId="LiveId" clId="{98D96A6D-518D-4AC0-9BA2-40E21862AA9A}" dt="2023-01-11T13:27:08.646" v="429" actId="9405"/>
+          <ac:inkMkLst>
+            <pc:docMk/>
+            <pc:sldMk cId="1717063047" sldId="268"/>
+            <ac:inkMk id="96" creationId="{1615470A-9BCD-7980-8CB3-8AC4CB489044}"/>
+          </ac:inkMkLst>
+        </pc:inkChg>
+        <pc:inkChg chg="add">
+          <ac:chgData name="Julius Rublack" userId="745d74a4dee6b669" providerId="LiveId" clId="{98D96A6D-518D-4AC0-9BA2-40E21862AA9A}" dt="2023-01-11T13:27:09.015" v="430" actId="9405"/>
+          <ac:inkMkLst>
+            <pc:docMk/>
+            <pc:sldMk cId="1717063047" sldId="268"/>
+            <ac:inkMk id="97" creationId="{717088F0-B8E5-9611-CD9E-EAD4E43220AB}"/>
+          </ac:inkMkLst>
+        </pc:inkChg>
+        <pc:inkChg chg="add del">
+          <ac:chgData name="Julius Rublack" userId="745d74a4dee6b669" providerId="LiveId" clId="{98D96A6D-518D-4AC0-9BA2-40E21862AA9A}" dt="2023-01-11T13:27:11.878" v="432" actId="9405"/>
+          <ac:inkMkLst>
+            <pc:docMk/>
+            <pc:sldMk cId="1717063047" sldId="268"/>
+            <ac:inkMk id="98" creationId="{0083C776-D3A8-BD4A-8ADC-ABF0B82E2FCF}"/>
+          </ac:inkMkLst>
+        </pc:inkChg>
+        <pc:inkChg chg="add">
+          <ac:chgData name="Julius Rublack" userId="745d74a4dee6b669" providerId="LiveId" clId="{98D96A6D-518D-4AC0-9BA2-40E21862AA9A}" dt="2023-01-11T13:27:14.326" v="433" actId="9405"/>
+          <ac:inkMkLst>
+            <pc:docMk/>
+            <pc:sldMk cId="1717063047" sldId="268"/>
+            <ac:inkMk id="99" creationId="{2BAEDA77-73D1-159D-7C48-BD9BFE9BA7E6}"/>
+          </ac:inkMkLst>
+        </pc:inkChg>
+        <pc:inkChg chg="add del">
+          <ac:chgData name="Julius Rublack" userId="745d74a4dee6b669" providerId="LiveId" clId="{98D96A6D-518D-4AC0-9BA2-40E21862AA9A}" dt="2023-01-11T13:27:17.733" v="435" actId="9405"/>
+          <ac:inkMkLst>
+            <pc:docMk/>
+            <pc:sldMk cId="1717063047" sldId="268"/>
+            <ac:inkMk id="100" creationId="{069D0D03-0F15-778E-23BE-32FCE7B31D2C}"/>
+          </ac:inkMkLst>
+        </pc:inkChg>
+        <pc:inkChg chg="add">
+          <ac:chgData name="Julius Rublack" userId="745d74a4dee6b669" providerId="LiveId" clId="{98D96A6D-518D-4AC0-9BA2-40E21862AA9A}" dt="2023-01-11T13:27:24.660" v="436" actId="9405"/>
+          <ac:inkMkLst>
+            <pc:docMk/>
+            <pc:sldMk cId="1717063047" sldId="268"/>
+            <ac:inkMk id="101" creationId="{BBD7DBF3-19A8-E571-B075-BDE8097706C3}"/>
+          </ac:inkMkLst>
+        </pc:inkChg>
+        <pc:inkChg chg="add">
+          <ac:chgData name="Julius Rublack" userId="745d74a4dee6b669" providerId="LiveId" clId="{98D96A6D-518D-4AC0-9BA2-40E21862AA9A}" dt="2023-01-11T13:27:25.350" v="437" actId="9405"/>
+          <ac:inkMkLst>
+            <pc:docMk/>
+            <pc:sldMk cId="1717063047" sldId="268"/>
+            <ac:inkMk id="102" creationId="{4CEAB72D-A908-E1FD-FFFD-59253C162F06}"/>
+          </ac:inkMkLst>
+        </pc:inkChg>
+        <pc:inkChg chg="add">
+          <ac:chgData name="Julius Rublack" userId="745d74a4dee6b669" providerId="LiveId" clId="{98D96A6D-518D-4AC0-9BA2-40E21862AA9A}" dt="2023-01-11T13:27:26.205" v="438" actId="9405"/>
+          <ac:inkMkLst>
+            <pc:docMk/>
+            <pc:sldMk cId="1717063047" sldId="268"/>
+            <ac:inkMk id="103" creationId="{153F09E7-2137-217A-2F2B-B17FD2BD5748}"/>
+          </ac:inkMkLst>
+        </pc:inkChg>
+        <pc:inkChg chg="add">
+          <ac:chgData name="Julius Rublack" userId="745d74a4dee6b669" providerId="LiveId" clId="{98D96A6D-518D-4AC0-9BA2-40E21862AA9A}" dt="2023-01-11T13:27:30.585" v="439" actId="9405"/>
+          <ac:inkMkLst>
+            <pc:docMk/>
+            <pc:sldMk cId="1717063047" sldId="268"/>
+            <ac:inkMk id="104" creationId="{5C347A7E-2787-1A2B-3F76-AF07208495CD}"/>
+          </ac:inkMkLst>
+        </pc:inkChg>
+        <pc:inkChg chg="add del">
+          <ac:chgData name="Julius Rublack" userId="745d74a4dee6b669" providerId="LiveId" clId="{98D96A6D-518D-4AC0-9BA2-40E21862AA9A}" dt="2023-01-11T13:27:33.415" v="441" actId="9405"/>
+          <ac:inkMkLst>
+            <pc:docMk/>
+            <pc:sldMk cId="1717063047" sldId="268"/>
+            <ac:inkMk id="105" creationId="{61BA20C8-9092-92D0-D33C-A6E8461E7D02}"/>
+          </ac:inkMkLst>
+        </pc:inkChg>
+        <pc:inkChg chg="add del">
+          <ac:chgData name="Julius Rublack" userId="745d74a4dee6b669" providerId="LiveId" clId="{98D96A6D-518D-4AC0-9BA2-40E21862AA9A}" dt="2023-01-11T13:27:36.902" v="443" actId="9405"/>
+          <ac:inkMkLst>
+            <pc:docMk/>
+            <pc:sldMk cId="1717063047" sldId="268"/>
+            <ac:inkMk id="106" creationId="{826D4D7D-BF6C-5C3A-45C7-C38E4AB5E64C}"/>
+          </ac:inkMkLst>
+        </pc:inkChg>
+        <pc:inkChg chg="add">
+          <ac:chgData name="Julius Rublack" userId="745d74a4dee6b669" providerId="LiveId" clId="{98D96A6D-518D-4AC0-9BA2-40E21862AA9A}" dt="2023-01-11T13:27:47.534" v="444" actId="9405"/>
+          <ac:inkMkLst>
+            <pc:docMk/>
+            <pc:sldMk cId="1717063047" sldId="268"/>
+            <ac:inkMk id="107" creationId="{EBA1F247-C424-BCE4-7DBF-221AABE44FA6}"/>
+          </ac:inkMkLst>
+        </pc:inkChg>
+        <pc:inkChg chg="add">
+          <ac:chgData name="Julius Rublack" userId="745d74a4dee6b669" providerId="LiveId" clId="{98D96A6D-518D-4AC0-9BA2-40E21862AA9A}" dt="2023-01-11T13:27:51.561" v="445" actId="9405"/>
+          <ac:inkMkLst>
+            <pc:docMk/>
+            <pc:sldMk cId="1717063047" sldId="268"/>
+            <ac:inkMk id="108" creationId="{2D89A086-C04B-0088-4E40-F2600D5864BC}"/>
+          </ac:inkMkLst>
+        </pc:inkChg>
+        <pc:inkChg chg="add mod">
+          <ac:chgData name="Julius Rublack" userId="745d74a4dee6b669" providerId="LiveId" clId="{98D96A6D-518D-4AC0-9BA2-40E21862AA9A}" dt="2023-01-11T13:28:04.621" v="450"/>
+          <ac:inkMkLst>
+            <pc:docMk/>
+            <pc:sldMk cId="1717063047" sldId="268"/>
+            <ac:inkMk id="109" creationId="{277E415C-BCF4-A494-99A4-C882CCC266CA}"/>
+          </ac:inkMkLst>
+        </pc:inkChg>
+        <pc:inkChg chg="add del mod">
+          <ac:chgData name="Julius Rublack" userId="745d74a4dee6b669" providerId="LiveId" clId="{98D96A6D-518D-4AC0-9BA2-40E21862AA9A}" dt="2023-01-11T13:28:04.621" v="450"/>
+          <ac:inkMkLst>
+            <pc:docMk/>
+            <pc:sldMk cId="1717063047" sldId="268"/>
+            <ac:inkMk id="110" creationId="{ACB3321E-BD5F-2479-9BA7-7425E240B0B6}"/>
+          </ac:inkMkLst>
+        </pc:inkChg>
+        <pc:inkChg chg="add">
+          <ac:chgData name="Julius Rublack" userId="745d74a4dee6b669" providerId="LiveId" clId="{98D96A6D-518D-4AC0-9BA2-40E21862AA9A}" dt="2023-01-11T13:28:09.078" v="451" actId="9405"/>
+          <ac:inkMkLst>
+            <pc:docMk/>
+            <pc:sldMk cId="1717063047" sldId="268"/>
+            <ac:inkMk id="112" creationId="{677EB627-07D9-0321-1047-174640FEAFEA}"/>
+          </ac:inkMkLst>
+        </pc:inkChg>
+        <pc:inkChg chg="add del">
+          <ac:chgData name="Julius Rublack" userId="745d74a4dee6b669" providerId="LiveId" clId="{98D96A6D-518D-4AC0-9BA2-40E21862AA9A}" dt="2023-01-11T13:28:13.111" v="453" actId="9405"/>
+          <ac:inkMkLst>
+            <pc:docMk/>
+            <pc:sldMk cId="1717063047" sldId="268"/>
+            <ac:inkMk id="113" creationId="{1A611E03-C36E-9A3B-4979-E888E740E273}"/>
+          </ac:inkMkLst>
+        </pc:inkChg>
+        <pc:inkChg chg="add del">
+          <ac:chgData name="Julius Rublack" userId="745d74a4dee6b669" providerId="LiveId" clId="{98D96A6D-518D-4AC0-9BA2-40E21862AA9A}" dt="2023-01-11T13:28:16.010" v="455" actId="9405"/>
+          <ac:inkMkLst>
+            <pc:docMk/>
+            <pc:sldMk cId="1717063047" sldId="268"/>
+            <ac:inkMk id="114" creationId="{7A3ADB2F-7094-6046-C391-701FDB6D01CF}"/>
+          </ac:inkMkLst>
+        </pc:inkChg>
+        <pc:inkChg chg="add del">
+          <ac:chgData name="Julius Rublack" userId="745d74a4dee6b669" providerId="LiveId" clId="{98D96A6D-518D-4AC0-9BA2-40E21862AA9A}" dt="2023-01-11T13:28:21.445" v="457" actId="9405"/>
+          <ac:inkMkLst>
+            <pc:docMk/>
+            <pc:sldMk cId="1717063047" sldId="268"/>
+            <ac:inkMk id="115" creationId="{DEE86182-D522-733F-7E64-5449AD45094B}"/>
+          </ac:inkMkLst>
+        </pc:inkChg>
+        <pc:inkChg chg="add">
+          <ac:chgData name="Julius Rublack" userId="745d74a4dee6b669" providerId="LiveId" clId="{98D96A6D-518D-4AC0-9BA2-40E21862AA9A}" dt="2023-01-11T13:28:59.267" v="458" actId="9405"/>
+          <ac:inkMkLst>
+            <pc:docMk/>
+            <pc:sldMk cId="1717063047" sldId="268"/>
+            <ac:inkMk id="116" creationId="{AABCDCB9-5038-A9A0-979B-66F90AC9036E}"/>
+          </ac:inkMkLst>
+        </pc:inkChg>
+        <pc:inkChg chg="add">
+          <ac:chgData name="Julius Rublack" userId="745d74a4dee6b669" providerId="LiveId" clId="{98D96A6D-518D-4AC0-9BA2-40E21862AA9A}" dt="2023-01-11T13:29:12.816" v="459" actId="9405"/>
+          <ac:inkMkLst>
+            <pc:docMk/>
+            <pc:sldMk cId="1717063047" sldId="268"/>
+            <ac:inkMk id="117" creationId="{A972DF90-0B9E-B74E-F075-7A3AF3150A5A}"/>
+          </ac:inkMkLst>
+        </pc:inkChg>
+        <pc:inkChg chg="add del">
+          <ac:chgData name="Julius Rublack" userId="745d74a4dee6b669" providerId="LiveId" clId="{98D96A6D-518D-4AC0-9BA2-40E21862AA9A}" dt="2023-01-11T13:29:20.035" v="461" actId="9405"/>
+          <ac:inkMkLst>
+            <pc:docMk/>
+            <pc:sldMk cId="1717063047" sldId="268"/>
+            <ac:inkMk id="118" creationId="{29B4C7F4-3914-35C9-1418-E2DD3A5B54FC}"/>
+          </ac:inkMkLst>
+        </pc:inkChg>
+        <pc:inkChg chg="add">
+          <ac:chgData name="Julius Rublack" userId="745d74a4dee6b669" providerId="LiveId" clId="{98D96A6D-518D-4AC0-9BA2-40E21862AA9A}" dt="2023-01-11T13:29:30.782" v="462" actId="9405"/>
+          <ac:inkMkLst>
+            <pc:docMk/>
+            <pc:sldMk cId="1717063047" sldId="268"/>
+            <ac:inkMk id="119" creationId="{E79472FF-19FD-7CFD-4B3A-A541E8F6D17F}"/>
+          </ac:inkMkLst>
+        </pc:inkChg>
+        <pc:inkChg chg="add del">
+          <ac:chgData name="Julius Rublack" userId="745d74a4dee6b669" providerId="LiveId" clId="{98D96A6D-518D-4AC0-9BA2-40E21862AA9A}" dt="2023-01-11T13:29:47.040" v="464" actId="9405"/>
+          <ac:inkMkLst>
+            <pc:docMk/>
+            <pc:sldMk cId="1717063047" sldId="268"/>
+            <ac:inkMk id="120" creationId="{51E299ED-EFD8-3A4C-05C7-057989DCBDE0}"/>
+          </ac:inkMkLst>
+        </pc:inkChg>
+        <pc:inkChg chg="add">
+          <ac:chgData name="Julius Rublack" userId="745d74a4dee6b669" providerId="LiveId" clId="{98D96A6D-518D-4AC0-9BA2-40E21862AA9A}" dt="2023-01-11T13:29:52.571" v="465" actId="9405"/>
+          <ac:inkMkLst>
+            <pc:docMk/>
+            <pc:sldMk cId="1717063047" sldId="268"/>
+            <ac:inkMk id="121" creationId="{D6B8647B-F1A9-9F7A-6BE0-E6D64B1BCE48}"/>
+          </ac:inkMkLst>
+        </pc:inkChg>
+        <pc:inkChg chg="add">
+          <ac:chgData name="Julius Rublack" userId="745d74a4dee6b669" providerId="LiveId" clId="{98D96A6D-518D-4AC0-9BA2-40E21862AA9A}" dt="2023-01-11T13:29:56.699" v="466" actId="9405"/>
+          <ac:inkMkLst>
+            <pc:docMk/>
+            <pc:sldMk cId="1717063047" sldId="268"/>
+            <ac:inkMk id="122" creationId="{87CFA387-9A9F-E319-6A58-6E4DFBE5359E}"/>
+          </ac:inkMkLst>
+        </pc:inkChg>
+        <pc:inkChg chg="add mod">
+          <ac:chgData name="Julius Rublack" userId="745d74a4dee6b669" providerId="LiveId" clId="{98D96A6D-518D-4AC0-9BA2-40E21862AA9A}" dt="2023-01-11T13:30:30.851" v="475"/>
+          <ac:inkMkLst>
+            <pc:docMk/>
+            <pc:sldMk cId="1717063047" sldId="268"/>
+            <ac:inkMk id="123" creationId="{3A8E8001-C121-B66E-C9E6-89CC8C8FFCDA}"/>
+          </ac:inkMkLst>
+        </pc:inkChg>
+        <pc:inkChg chg="add mod">
+          <ac:chgData name="Julius Rublack" userId="745d74a4dee6b669" providerId="LiveId" clId="{98D96A6D-518D-4AC0-9BA2-40E21862AA9A}" dt="2023-01-11T13:30:30.851" v="475"/>
+          <ac:inkMkLst>
+            <pc:docMk/>
+            <pc:sldMk cId="1717063047" sldId="268"/>
+            <ac:inkMk id="124" creationId="{74B59117-704F-717D-D6B9-0B7516A03772}"/>
+          </ac:inkMkLst>
+        </pc:inkChg>
+        <pc:inkChg chg="add mod">
+          <ac:chgData name="Julius Rublack" userId="745d74a4dee6b669" providerId="LiveId" clId="{98D96A6D-518D-4AC0-9BA2-40E21862AA9A}" dt="2023-01-11T13:30:24.585" v="473"/>
+          <ac:inkMkLst>
+            <pc:docMk/>
+            <pc:sldMk cId="1717063047" sldId="268"/>
+            <ac:inkMk id="126" creationId="{A0484BFF-912A-B9C6-937D-A03E1606506D}"/>
+          </ac:inkMkLst>
+        </pc:inkChg>
+        <pc:inkChg chg="add mod">
+          <ac:chgData name="Julius Rublack" userId="745d74a4dee6b669" providerId="LiveId" clId="{98D96A6D-518D-4AC0-9BA2-40E21862AA9A}" dt="2023-01-11T13:30:30.851" v="475"/>
+          <ac:inkMkLst>
+            <pc:docMk/>
+            <pc:sldMk cId="1717063047" sldId="268"/>
+            <ac:inkMk id="128" creationId="{2A7DBEE2-6A40-7818-1135-02A81CA1FC19}"/>
+          </ac:inkMkLst>
+        </pc:inkChg>
+        <pc:inkChg chg="add mod">
+          <ac:chgData name="Julius Rublack" userId="745d74a4dee6b669" providerId="LiveId" clId="{98D96A6D-518D-4AC0-9BA2-40E21862AA9A}" dt="2023-01-11T13:30:30.851" v="475"/>
+          <ac:inkMkLst>
+            <pc:docMk/>
+            <pc:sldMk cId="1717063047" sldId="268"/>
+            <ac:inkMk id="130" creationId="{5A424252-BE48-2C9A-891D-3B19C0A4E437}"/>
+          </ac:inkMkLst>
+        </pc:inkChg>
+        <pc:inkChg chg="add">
+          <ac:chgData name="Julius Rublack" userId="745d74a4dee6b669" providerId="LiveId" clId="{98D96A6D-518D-4AC0-9BA2-40E21862AA9A}" dt="2023-01-11T13:30:42.462" v="476" actId="9405"/>
+          <ac:inkMkLst>
+            <pc:docMk/>
+            <pc:sldMk cId="1717063047" sldId="268"/>
+            <ac:inkMk id="132" creationId="{6CB2AB3F-EDD2-04DB-B0EB-CD04699B1B24}"/>
+          </ac:inkMkLst>
+        </pc:inkChg>
+        <pc:inkChg chg="add">
+          <ac:chgData name="Julius Rublack" userId="745d74a4dee6b669" providerId="LiveId" clId="{98D96A6D-518D-4AC0-9BA2-40E21862AA9A}" dt="2023-01-11T13:31:03.311" v="477" actId="9405"/>
+          <ac:inkMkLst>
+            <pc:docMk/>
+            <pc:sldMk cId="1717063047" sldId="268"/>
+            <ac:inkMk id="133" creationId="{B10E847B-D946-654B-A28F-FE410C5DAB7A}"/>
+          </ac:inkMkLst>
+        </pc:inkChg>
+      </pc:sldChg>
+    </pc:docChg>
+  </pc:docChgLst>
   <pc:docChgLst>
     <pc:chgData name="Julius Rublack" userId="745d74a4dee6b669" providerId="LiveId" clId="{C8771977-98DE-4AA9-8E38-790EDB029263}"/>
     <pc:docChg chg="undo custSel addSld modSld">
@@ -563,6 +1654,1264 @@
     </pc:docChg>
   </pc:docChgLst>
 </pc:chgInfo>
+</file>
+
+<file path=ppt/ink/ink1.xml><?xml version="1.0" encoding="utf-8"?>
+<inkml:ink xmlns:inkml="http://www.w3.org/2003/InkML">
+  <inkml:definitions>
+    <inkml:context xml:id="ctx0">
+      <inkml:inkSource xml:id="inkSrc0">
+        <inkml:traceFormat>
+          <inkml:channel name="X" type="integer" min="-2.14748E9" max="2.14748E9" units="cm"/>
+          <inkml:channel name="Y" type="integer" min="-2.14748E9" max="2.14748E9" units="cm"/>
+        </inkml:traceFormat>
+        <inkml:channelProperties>
+          <inkml:channelProperty channel="X" name="resolution" value="1000" units="1/cm"/>
+          <inkml:channelProperty channel="Y" name="resolution" value="1000" units="1/cm"/>
+        </inkml:channelProperties>
+      </inkml:inkSource>
+      <inkml:timestamp xml:id="ts0" timeString="2023-01-11T13:27:01.357"/>
+    </inkml:context>
+    <inkml:brush xml:id="br0">
+      <inkml:brushProperty name="width" value="0.1" units="cm"/>
+      <inkml:brushProperty name="height" value="0.2" units="cm"/>
+      <inkml:brushProperty name="color" value="#F0F0F0"/>
+      <inkml:brushProperty name="tip" value="rectangle"/>
+      <inkml:brushProperty name="rasterOp" value="maskPen"/>
+      <inkml:brushProperty name="ignorePressure" value="1"/>
+    </inkml:brush>
+  </inkml:definitions>
+  <inkml:trace contextRef="#ctx0" brushRef="#br0">66 0,'-2'0,"0"1,0-1,1 1,-1 0,0-1,1 1,-1 0,1 0,-1 0,1 0,-1 0,1 0,0 0,-1 1,1-1,0 0,0 1,0-1,0 1,0-1,0 1,1 0,-1-1,0 4,-15 51,12-41,-1 9,2 0,0 1,2-1,1 31,1-54,1-5,4-15,4-27,-8 30,-1 1</inkml:trace>
+</inkml:ink>
+</file>
+
+<file path=ppt/ink/ink10.xml><?xml version="1.0" encoding="utf-8"?>
+<inkml:ink xmlns:inkml="http://www.w3.org/2003/InkML">
+  <inkml:definitions>
+    <inkml:context xml:id="ctx0">
+      <inkml:inkSource xml:id="inkSrc0">
+        <inkml:traceFormat>
+          <inkml:channel name="X" type="integer" min="-2.14748E9" max="2.14748E9" units="cm"/>
+          <inkml:channel name="Y" type="integer" min="-2.14748E9" max="2.14748E9" units="cm"/>
+        </inkml:traceFormat>
+        <inkml:channelProperties>
+          <inkml:channelProperty channel="X" name="resolution" value="1000" units="1/cm"/>
+          <inkml:channelProperty channel="Y" name="resolution" value="1000" units="1/cm"/>
+        </inkml:channelProperties>
+      </inkml:inkSource>
+      <inkml:timestamp xml:id="ts0" timeString="2023-01-11T13:27:24.659"/>
+    </inkml:context>
+    <inkml:brush xml:id="br0">
+      <inkml:brushProperty name="width" value="0.1" units="cm"/>
+      <inkml:brushProperty name="height" value="0.2" units="cm"/>
+      <inkml:brushProperty name="color" value="#F0F0F0"/>
+      <inkml:brushProperty name="tip" value="rectangle"/>
+      <inkml:brushProperty name="rasterOp" value="maskPen"/>
+      <inkml:brushProperty name="ignorePressure" value="1"/>
+    </inkml:brush>
+  </inkml:definitions>
+  <inkml:trace contextRef="#ctx0" brushRef="#br0">0 1</inkml:trace>
+</inkml:ink>
+</file>
+
+<file path=ppt/ink/ink11.xml><?xml version="1.0" encoding="utf-8"?>
+<inkml:ink xmlns:inkml="http://www.w3.org/2003/InkML">
+  <inkml:definitions>
+    <inkml:context xml:id="ctx0">
+      <inkml:inkSource xml:id="inkSrc0">
+        <inkml:traceFormat>
+          <inkml:channel name="X" type="integer" min="-2.14748E9" max="2.14748E9" units="cm"/>
+          <inkml:channel name="Y" type="integer" min="-2.14748E9" max="2.14748E9" units="cm"/>
+        </inkml:traceFormat>
+        <inkml:channelProperties>
+          <inkml:channelProperty channel="X" name="resolution" value="1000" units="1/cm"/>
+          <inkml:channelProperty channel="Y" name="resolution" value="1000" units="1/cm"/>
+        </inkml:channelProperties>
+      </inkml:inkSource>
+      <inkml:timestamp xml:id="ts0" timeString="2023-01-11T13:27:25.349"/>
+    </inkml:context>
+    <inkml:brush xml:id="br0">
+      <inkml:brushProperty name="width" value="0.1" units="cm"/>
+      <inkml:brushProperty name="height" value="0.2" units="cm"/>
+      <inkml:brushProperty name="color" value="#F0F0F0"/>
+      <inkml:brushProperty name="tip" value="rectangle"/>
+      <inkml:brushProperty name="rasterOp" value="maskPen"/>
+      <inkml:brushProperty name="ignorePressure" value="1"/>
+    </inkml:brush>
+  </inkml:definitions>
+  <inkml:trace contextRef="#ctx0" brushRef="#br0">0 1</inkml:trace>
+</inkml:ink>
+</file>
+
+<file path=ppt/ink/ink12.xml><?xml version="1.0" encoding="utf-8"?>
+<inkml:ink xmlns:inkml="http://www.w3.org/2003/InkML">
+  <inkml:definitions>
+    <inkml:context xml:id="ctx0">
+      <inkml:inkSource xml:id="inkSrc0">
+        <inkml:traceFormat>
+          <inkml:channel name="X" type="integer" min="-2.14748E9" max="2.14748E9" units="cm"/>
+          <inkml:channel name="Y" type="integer" min="-2.14748E9" max="2.14748E9" units="cm"/>
+        </inkml:traceFormat>
+        <inkml:channelProperties>
+          <inkml:channelProperty channel="X" name="resolution" value="1000" units="1/cm"/>
+          <inkml:channelProperty channel="Y" name="resolution" value="1000" units="1/cm"/>
+        </inkml:channelProperties>
+      </inkml:inkSource>
+      <inkml:timestamp xml:id="ts0" timeString="2023-01-11T13:27:26.204"/>
+    </inkml:context>
+    <inkml:brush xml:id="br0">
+      <inkml:brushProperty name="width" value="0.1" units="cm"/>
+      <inkml:brushProperty name="height" value="0.2" units="cm"/>
+      <inkml:brushProperty name="color" value="#F0F0F0"/>
+      <inkml:brushProperty name="tip" value="rectangle"/>
+      <inkml:brushProperty name="rasterOp" value="maskPen"/>
+      <inkml:brushProperty name="ignorePressure" value="1"/>
+    </inkml:brush>
+  </inkml:definitions>
+  <inkml:trace contextRef="#ctx0" brushRef="#br0">383 6,'-26'1,"1"2,-1 0,1 2,0 1,-41 15,48-17,1 0,-1-1,0-1,-19 1,-31 3,55-3,14-2,25-3,225-62,-235 60</inkml:trace>
+</inkml:ink>
+</file>
+
+<file path=ppt/ink/ink13.xml><?xml version="1.0" encoding="utf-8"?>
+<inkml:ink xmlns:inkml="http://www.w3.org/2003/InkML">
+  <inkml:definitions>
+    <inkml:context xml:id="ctx0">
+      <inkml:inkSource xml:id="inkSrc0">
+        <inkml:traceFormat>
+          <inkml:channel name="X" type="integer" min="-2.14748E9" max="2.14748E9" units="cm"/>
+          <inkml:channel name="Y" type="integer" min="-2.14748E9" max="2.14748E9" units="cm"/>
+        </inkml:traceFormat>
+        <inkml:channelProperties>
+          <inkml:channelProperty channel="X" name="resolution" value="1000" units="1/cm"/>
+          <inkml:channelProperty channel="Y" name="resolution" value="1000" units="1/cm"/>
+        </inkml:channelProperties>
+      </inkml:inkSource>
+      <inkml:timestamp xml:id="ts0" timeString="2023-01-11T13:27:30.584"/>
+    </inkml:context>
+    <inkml:brush xml:id="br0">
+      <inkml:brushProperty name="width" value="0.1" units="cm"/>
+      <inkml:brushProperty name="height" value="0.2" units="cm"/>
+      <inkml:brushProperty name="color" value="#F0F0F0"/>
+      <inkml:brushProperty name="tip" value="rectangle"/>
+      <inkml:brushProperty name="rasterOp" value="maskPen"/>
+      <inkml:brushProperty name="ignorePressure" value="1"/>
+    </inkml:brush>
+  </inkml:definitions>
+  <inkml:trace contextRef="#ctx0" brushRef="#br0">115 1,'0'501,"-3"-464,-1 0,-1 0,-12 38,2-9,-48 257,56-292</inkml:trace>
+</inkml:ink>
+</file>
+
+<file path=ppt/ink/ink14.xml><?xml version="1.0" encoding="utf-8"?>
+<inkml:ink xmlns:inkml="http://www.w3.org/2003/InkML">
+  <inkml:definitions>
+    <inkml:context xml:id="ctx0">
+      <inkml:inkSource xml:id="inkSrc0">
+        <inkml:traceFormat>
+          <inkml:channel name="X" type="integer" min="-2.14748E9" max="2.14748E9" units="cm"/>
+          <inkml:channel name="Y" type="integer" min="-2.14748E9" max="2.14748E9" units="cm"/>
+          <inkml:channel name="F" type="integer" max="32767" units="dev"/>
+        </inkml:traceFormat>
+        <inkml:channelProperties>
+          <inkml:channelProperty channel="X" name="resolution" value="1000" units="1/cm"/>
+          <inkml:channelProperty channel="Y" name="resolution" value="1000" units="1/cm"/>
+          <inkml:channelProperty channel="F" name="resolution" value="0" units="1/dev"/>
+        </inkml:channelProperties>
+      </inkml:inkSource>
+      <inkml:timestamp xml:id="ts0" timeString="2023-01-11T13:27:47.533"/>
+    </inkml:context>
+    <inkml:brush xml:id="br0">
+      <inkml:brushProperty name="width" value="0.05" units="cm"/>
+      <inkml:brushProperty name="height" value="0.05" units="cm"/>
+      <inkml:brushProperty name="color" value="#F0F0F0"/>
+    </inkml:brush>
+  </inkml:definitions>
+  <inkml:trace contextRef="#ctx0" brushRef="#br0">171 115 24575,'-4'-2'0,"-1"0"0,0 0 0,0 0 0,0 1 0,-1 0 0,1 0 0,0 0 0,0 1 0,-1 0 0,1 0 0,0 0 0,0 0 0,-1 1 0,1 0 0,0 0 0,0 1 0,0-1 0,0 1 0,0 0 0,0 0 0,1 1 0,-1 0 0,1-1 0,-1 2 0,1-1 0,0 0 0,0 1 0,1 0 0,-1-1 0,1 1 0,-1 1 0,1-1 0,1 0 0,-1 1 0,1 0 0,-1 0 0,0 5 0,2-10 0,1 0 0,0 0 0,0 1 0,-1-1 0,1 1 0,0-1 0,0 0 0,0 1 0,-1-1 0,1 0 0,0 1 0,0-1 0,0 1 0,0-1 0,0 0 0,0 1 0,0-1 0,0 1 0,0-1 0,0 1 0,0-1 0,0 0 0,0 1 0,0-1 0,1 0 0,-1 1 0,0-1 0,0 1 0,0-1 0,1 0 0,-1 1 0,0-1 0,0 0 0,1 1 0,-1-1 0,0 0 0,0 0 0,1 1 0,-1-1 0,0 0 0,1 0 0,-1 1 0,1-1 0,-1 0 0,0 0 0,1 0 0,-1 0 0,0 0 0,1 0 0,-1 1 0,1-1 0,-1 0 0,1 0 0,-1 0 0,0 0 0,1 0 0,-1-1 0,1 1 0,-1 0 0,0 0 0,1 0 0,-1 0 0,1 0 0,-1-1 0,0 1 0,1 0 0,-1 0 0,1-1 0,2 0 0,0-1 0,0 1 0,-1-1 0,1 0 0,0 0 0,-1 0 0,5-5 0,15-26 0,-13 19 0,0 0 0,1 1 0,13-14 0,-20 24 0,-1 1 0,1-1 0,0 1 0,0 0 0,-1 0 0,1 0 0,1 0 0,-1 0 0,0 1 0,0 0 0,1-1 0,-1 1 0,0 0 0,1 1 0,-1-1 0,1 0 0,0 1 0,-1 0 0,1 0 0,3 0 0,-5 1 0,1 0 0,-1-1 0,1 1 0,-1 0 0,0 0 0,1 0 0,-1 1 0,0-1 0,0 0 0,0 1 0,0-1 0,0 1 0,0 0 0,0 0 0,-1 0 0,1 0 0,-1 0 0,1 0 0,-1 0 0,0 0 0,0 1 0,0-1 0,0 0 0,0 1 0,0-1 0,-1 1 0,1-1 0,-1 1 0,1 3 0,-1 1 0,1 0 0,-1 0 0,-1 0 0,1 0 0,-1 0 0,0 0 0,-1 0 0,1 0 0,-5 10 0,-6 8 0,-1 0 0,-1 0 0,-2-1 0,-26 32 0,42-56 0,0 1 0,0-1 0,-1 1 0,1-1 0,0 1 0,0-1 0,-1 1 0,1-1 0,0 1 0,-1-1 0,1 0 0,0 1 0,-1-1 0,1 1 0,-1-1 0,1 0 0,0 0 0,-1 1 0,1-1 0,-1 0 0,1 0 0,-1 1 0,1-1 0,-1 0 0,1 0 0,-1 0 0,0 0 0,1 0 0,-1 0 0,1 0 0,-1 0 0,1 0 0,-1 0 0,1 0 0,-1 0 0,1 0 0,-1 0 0,1-1 0,-1 1 0,1 0 0,-1 0 0,1-1 0,-1 1 0,-1-3 0,1 1 0,0 0 0,0-1 0,1 1 0,-1 0 0,0-1 0,1 1 0,0-1 0,-1 1 0,1-4 0,3-65 0,1 47 0,2 0 0,0 1 0,12-27 0,-10 29 0,-1 0 0,-1 0 0,0 0 0,1-23 0,-7 237 0,-1-202-124,0 0 0,-1 0 0,0 0 0,0 0 0,-1 1 0,-1-1-1,1 1 1,-1 0 0,0 0 0,-10-12 0,-3-5-6702</inkml:trace>
+</inkml:ink>
+</file>
+
+<file path=ppt/ink/ink15.xml><?xml version="1.0" encoding="utf-8"?>
+<inkml:ink xmlns:inkml="http://www.w3.org/2003/InkML">
+  <inkml:definitions>
+    <inkml:context xml:id="ctx0">
+      <inkml:inkSource xml:id="inkSrc0">
+        <inkml:traceFormat>
+          <inkml:channel name="X" type="integer" min="-2.14748E9" max="2.14748E9" units="cm"/>
+          <inkml:channel name="Y" type="integer" min="-2.14748E9" max="2.14748E9" units="cm"/>
+          <inkml:channel name="F" type="integer" max="32767" units="dev"/>
+        </inkml:traceFormat>
+        <inkml:channelProperties>
+          <inkml:channelProperty channel="X" name="resolution" value="1000" units="1/cm"/>
+          <inkml:channelProperty channel="Y" name="resolution" value="1000" units="1/cm"/>
+          <inkml:channelProperty channel="F" name="resolution" value="0" units="1/dev"/>
+        </inkml:channelProperties>
+      </inkml:inkSource>
+      <inkml:timestamp xml:id="ts0" timeString="2023-01-11T13:27:51.559"/>
+    </inkml:context>
+    <inkml:brush xml:id="br0">
+      <inkml:brushProperty name="width" value="0.05" units="cm"/>
+      <inkml:brushProperty name="height" value="0.05" units="cm"/>
+      <inkml:brushProperty name="color" value="#F0F0F0"/>
+    </inkml:brush>
+  </inkml:definitions>
+  <inkml:trace contextRef="#ctx0" brushRef="#br0">6 1 24575,'-6'53'0,"6"301"-1365</inkml:trace>
+</inkml:ink>
+</file>
+
+<file path=ppt/ink/ink16.xml><?xml version="1.0" encoding="utf-8"?>
+<inkml:ink xmlns:inkml="http://www.w3.org/2003/InkML">
+  <inkml:definitions>
+    <inkml:context xml:id="ctx0">
+      <inkml:inkSource xml:id="inkSrc0">
+        <inkml:traceFormat>
+          <inkml:channel name="X" type="integer" min="-2.14748E9" max="2.14748E9" units="cm"/>
+          <inkml:channel name="Y" type="integer" min="-2.14748E9" max="2.14748E9" units="cm"/>
+          <inkml:channel name="F" type="integer" max="32767" units="dev"/>
+        </inkml:traceFormat>
+        <inkml:channelProperties>
+          <inkml:channelProperty channel="X" name="resolution" value="1000" units="1/cm"/>
+          <inkml:channelProperty channel="Y" name="resolution" value="1000" units="1/cm"/>
+          <inkml:channelProperty channel="F" name="resolution" value="0" units="1/dev"/>
+        </inkml:channelProperties>
+      </inkml:inkSource>
+      <inkml:timestamp xml:id="ts0" timeString="2023-01-11T13:28:02.527"/>
+    </inkml:context>
+    <inkml:brush xml:id="br0">
+      <inkml:brushProperty name="width" value="0.05" units="cm"/>
+      <inkml:brushProperty name="height" value="0.05" units="cm"/>
+      <inkml:brushProperty name="color" value="#F0F0F0"/>
+    </inkml:brush>
+  </inkml:definitions>
+  <inkml:trace contextRef="#ctx0" brushRef="#br0">13 34 24575,'8'192'0,"-8"-191"0,0 0 0,0-1 0,0 1 0,0 0 0,0 0 0,0-1 0,0 1 0,0 0 0,0 0 0,0-1 0,0 1 0,-1 0 0,1-1 0,0 1 0,0 0 0,-1-1 0,1 1 0,-1 0 0,1-1 0,-1 1 0,1-1 0,-1 1 0,1 0 0,-1-1 0,1 0 0,-2 2 0,1-2 0,1-1 0,-1 1 0,1 0 0,-1 0 0,1-1 0,-1 1 0,1 0 0,-1-1 0,1 1 0,-1 0 0,1-1 0,-1 1 0,1-1 0,0 1 0,-1 0 0,1-1 0,0 1 0,-1-1 0,1 1 0,0-1 0,-1 0 0,1 1 0,0-1 0,0 1 0,0-1 0,0 1 0,0-1 0,0 0 0,0 1 0,0-1 0,0 1 0,0-1 0,0-1 0,-3-42 0,4-45 0,0 26 0,-1 61-57,0 1 0,0-1 1,1 1-1,-1-1 0,0 1 0,1-1 0,-1 1 0,1-1 0,-1 1 0,1 0 0,0-1 1,-1 1-1,1 0 0,0-1 0,0 1 0,0 0 0,0 0 0,0 0 0,0 0 1,0 0-1,0 0 0,1 0 0,1-1 0</inkml:trace>
+</inkml:ink>
+</file>
+
+<file path=ppt/ink/ink17.xml><?xml version="1.0" encoding="utf-8"?>
+<inkml:ink xmlns:inkml="http://www.w3.org/2003/InkML">
+  <inkml:definitions>
+    <inkml:context xml:id="ctx0">
+      <inkml:inkSource xml:id="inkSrc0">
+        <inkml:traceFormat>
+          <inkml:channel name="X" type="integer" min="-2.14748E9" max="2.14748E9" units="cm"/>
+          <inkml:channel name="Y" type="integer" min="-2.14748E9" max="2.14748E9" units="cm"/>
+          <inkml:channel name="F" type="integer" max="32767" units="dev"/>
+        </inkml:traceFormat>
+        <inkml:channelProperties>
+          <inkml:channelProperty channel="X" name="resolution" value="1000" units="1/cm"/>
+          <inkml:channelProperty channel="Y" name="resolution" value="1000" units="1/cm"/>
+          <inkml:channelProperty channel="F" name="resolution" value="0" units="1/dev"/>
+        </inkml:channelProperties>
+      </inkml:inkSource>
+      <inkml:timestamp xml:id="ts0" timeString="2023-01-11T13:28:09.078"/>
+    </inkml:context>
+    <inkml:brush xml:id="br0">
+      <inkml:brushProperty name="width" value="0.05" units="cm"/>
+      <inkml:brushProperty name="height" value="0.05" units="cm"/>
+      <inkml:brushProperty name="color" value="#F0F0F0"/>
+    </inkml:brush>
+  </inkml:definitions>
+  <inkml:trace contextRef="#ctx0" brushRef="#br0">59 206 24575,'0'-5'0,"-1"1"0,0-1 0,-1 1 0,1 0 0,-1-1 0,1 1 0,-1 0 0,-5-7 0,-10-26 0,12-4 0,5 32 0,-1 1 0,0 0 0,0 0 0,-5-15 0,5 21 0,1 1 0,0 0 0,-1 0 0,1-1 0,0 1 0,0 0 0,0-1 0,0 1 0,0 0 0,0-1 0,0 1 0,0 0 0,0-1 0,1 1 0,-1 0 0,1-2 0,-1 3 0,0 0 0,0 0 0,0-1 0,0 1 0,1 0 0,-1 0 0,0 0 0,0 0 0,0 0 0,0 0 0,0 0 0,0 0 0,0 0 0,0 0 0,0 0 0,0 0 0,0 0 0,0 0 0,0 0 0,1-1 0,-1 1 0,0 0 0,0 0 0,0 0 0,0 0 0,0 0 0,0 0 0,0 0 0,0 0 0,0 0 0,1 0 0,-1 0 0,0 0 0,0 0 0,0 0 0,0 0 0,0 1 0,0-1 0,0 0 0,0 0 0,0 0 0,0 0 0,1 0 0,-1 0 0,0 0 0,0 0 0,0 0 0,0 0 0,0 0 0,0 0 0,0 0 0,0 0 0,0 0 0,0 1 0,0-1 0,0 0 0,0 0 0,0 0 0,0 0 0,0 0 0,2 16 0,-2-10 22,-1-1-1,0 1 1,0 0-1,0-1 1,-3 7-1,-4 24-1515</inkml:trace>
+</inkml:ink>
+</file>
+
+<file path=ppt/ink/ink18.xml><?xml version="1.0" encoding="utf-8"?>
+<inkml:ink xmlns:inkml="http://www.w3.org/2003/InkML">
+  <inkml:definitions>
+    <inkml:context xml:id="ctx0">
+      <inkml:inkSource xml:id="inkSrc0">
+        <inkml:traceFormat>
+          <inkml:channel name="X" type="integer" min="-2.14748E9" max="2.14748E9" units="cm"/>
+          <inkml:channel name="Y" type="integer" min="-2.14748E9" max="2.14748E9" units="cm"/>
+          <inkml:channel name="F" type="integer" max="32767" units="dev"/>
+        </inkml:traceFormat>
+        <inkml:channelProperties>
+          <inkml:channelProperty channel="X" name="resolution" value="1000" units="1/cm"/>
+          <inkml:channelProperty channel="Y" name="resolution" value="1000" units="1/cm"/>
+          <inkml:channelProperty channel="F" name="resolution" value="0" units="1/dev"/>
+        </inkml:channelProperties>
+      </inkml:inkSource>
+      <inkml:timestamp xml:id="ts0" timeString="2023-01-11T13:28:59.263"/>
+    </inkml:context>
+    <inkml:brush xml:id="br0">
+      <inkml:brushProperty name="width" value="0.05" units="cm"/>
+      <inkml:brushProperty name="height" value="0.05" units="cm"/>
+      <inkml:brushProperty name="color" value="#F0F0F0"/>
+    </inkml:brush>
+  </inkml:definitions>
+  <inkml:trace contextRef="#ctx0" brushRef="#br0">356 156 24575,'1'0'0,"-1"-1"0,1 1 0,0 0 0,0 0 0,0 0 0,0 0 0,0 0 0,0 0 0,0 0 0,0 0 0,0 0 0,0 1 0,0-1 0,0 0 0,0 1 0,0-1 0,0 1 0,0-1 0,0 1 0,0-1 0,-1 1 0,1-1 0,0 1 0,0 0 0,-1-1 0,1 1 0,0 0 0,-1 0 0,1 0 0,-1-1 0,1 2 0,7 11 0,-6-12 0,-1 0 0,0 0 0,0-1 0,0 1 0,1 0 0,-1 0 0,0-1 0,1 1 0,-1-1 0,0 1 0,1-1 0,-1 0 0,1 1 0,-1-1 0,1 0 0,-1 0 0,1 0 0,1 0 0,-1 0 0,-1 0 0,1 0 0,0 0 0,0 0 0,0 0 0,0 1 0,-1-1 0,1 1 0,0-1 0,-1 1 0,1 0 0,0 0 0,2 1 0,7 7 0,1-1 0,-1-1 0,20 10 0,-12-8 0,22 13 0,-19-10 0,-20-11 0,0 0 0,0-1 0,-1 1 0,1 0 0,0 0 0,0 0 0,-1 0 0,1 0 0,-1 0 0,1 1 0,-1-1 0,1 0 0,-1 1 0,0-1 0,0 1 0,0 0 0,0-1 0,0 1 0,0 0 0,0 0 0,0 0 0,-1-1 0,1 1 0,-1 0 0,1 2 0,0 2 0,0 0 0,1 0 0,0-1 0,0 1 0,4 7 0,4 12 0,-4-3 0,-1 1 0,-1 0 0,-1 0 0,-1 0 0,-1 0 0,-4 44 0,3-65 0,0 0 0,0 0 0,-1 0 0,1 0 0,0 0 0,-1 0 0,1 0 0,-1-1 0,0 1 0,1 0 0,-1 0 0,0-1 0,0 1 0,0 0 0,0-1 0,-1 1 0,1-1 0,0 0 0,-1 1 0,1-1 0,-1 0 0,1 0 0,-1 0 0,1 0 0,-3 1 0,-1 0 0,-1-1 0,0 0 0,1 0 0,-1 0 0,0-1 0,-11 0 0,9-1 0,2 1 0,-1 0 0,1-1 0,0 1 0,0-1 0,0-1 0,0 0 0,0 1 0,1-2 0,-1 1 0,0-1 0,1 1 0,-9-8 0,-57-33 0,69 42 0,-1 0 0,1 0 0,0 0 0,0-1 0,-1 1 0,1 0 0,0-1 0,0 0 0,0 1 0,1-1 0,-1 0 0,0 0 0,1 0 0,-1 0 0,1 0 0,-1 0 0,1-1 0,0 1 0,0 0 0,0-1 0,0 1 0,1-1 0,-1 1 0,1-1 0,-1 1 0,1-1 0,0-2 0,0-1 0,0 0 0,0 0 0,-1 0 0,0 0 0,0 0 0,-1 0 0,1 0 0,-1 0 0,-1 1 0,1-1 0,-1 1 0,0-1 0,0 1 0,0 0 0,-5-6 0,3 5 0,0 0 0,1 0 0,0 0 0,1-1 0,-1 1 0,1-1 0,0 0 0,1 0 0,0 0 0,0-1 0,-1-11 0,1 0 0,1 0 0,1 1 0,2-28 0,-2 45 0,0 1 0,0-1 0,1 0 0,-1 1 0,0-1 0,0 0 0,0 1 0,0-1 0,1 1 0,-1-1 0,0 0 0,0 1 0,1-1 0,-1 1 0,0-1 0,1 1 0,-1-1 0,1 1 0,-1-1 0,1 1 0,-1 0 0,1-1 0,-1 1 0,1 0 0,-1-1 0,1 1 0,-1 0 0,1 0 0,0-1 0,-1 1 0,1 0 0,0 0 0,-1 0 0,1 0 0,-1 0 0,2 0 0,27 5 0,-5 0 0,-15-4 0,1 0 0,-1 0 0,0 1 0,1 0 0,-1 1 0,0 0 0,-1 0 0,1 1 0,-1 0 0,1 1 0,-1 0 0,0 0 0,-1 0 0,1 1 0,-1 0 0,9 11 0,39 67 0,-52-80 0,0 0 0,0 0 0,0 0 0,1-1 0,7 7 0,-9-8 0,0-1 0,1 1 0,-1 0 0,0 0 0,0 0 0,0 0 0,-1 0 0,1 1 0,0-1 0,-1 0 0,0 1 0,1-1 0,-1 1 0,0 0 0,0-1 0,0 1 0,-1 0 0,1 0 0,-1-1 0,1 5 0,-1 14 0,0 0 0,-1 0 0,-7 36 0,6-30 0,-2 6 0,4-32 0,-1 1 0,1-1 0,-1 0 0,0 0 0,1 0 0,-1 0 0,0 0 0,0 0 0,0 0 0,1 0 0,-1 0 0,0 0 0,0 0 0,-1 0 0,1-1 0,0 1 0,0 0 0,0-1 0,0 1 0,-1-1 0,1 1 0,-2-1 0,-73 15 0,48-12 0,0-2 0,-51-4 0,77 3 0,1-1 0,-1 1 0,1 0 0,0-1 0,-1 1 0,1-1 0,0 0 0,-1 1 0,1-1 0,0 0 0,0 0 0,0 0 0,0 0 0,0 0 0,0 0 0,0 0 0,0 0 0,0-1 0,0 1 0,0 0 0,1 0 0,-2-3 0,1 2 0,0 0 0,0 0 0,0 1 0,0-1 0,0 0 0,0 1 0,-1-1 0,1 1 0,-1-1 0,1 1 0,-1 0 0,1 0 0,-1-1 0,-3 0 0,3 0 0,-1 1 0,1-1 0,-1 0 0,1 0 0,0 0 0,-1 0 0,1 0 0,0-1 0,-1-2 0,-18-16 0,19 19 0,-1 0 0,1 0 0,0-1 0,0 1 0,0 0 0,1-1 0,-1 0 0,0 1 0,1-1 0,0 0 0,-2-5 0,-12-20 0,-5-6 0,18 28 0,0 0 0,1 0 0,-1 0 0,1 0 0,0 0 0,0 0 0,1 0 0,0 0 0,0 0 0,0 0 0,3-11 0,-2-8 0,5-34 0,-2 32 0,-3 19 0,1-19 0,-2 27 0,0-1 0,0 0 0,0 1 0,0-1 0,1 0 0,-1 0 0,0 1 0,0-1 0,1 1 0,-1-1 0,0 0 0,1 1 0,-1-1 0,0 1 0,1-1 0,-1 0 0,1 1 0,-1-1 0,1 1 0,-1 0 0,1-1 0,-1 1 0,1-1 0,0 1 0,-1 0 0,1-1 0,0 1 0,0 0 0,0 0 0,0 1 0,0 0 0,0 0 0,-1 0 0,1 0 0,0 0 0,0 0 0,-1 0 0,1 0 0,-1 0 0,1 0 0,-1 0 0,1 0 0,-1 0 0,0 0 0,1 0 0,-1 0 0,0 2 0,5 23 0,-5 31 0,-1-46 0,1-1 0,0 1 0,1-1 0,2 16 0,9-1 0,-10-23 0,-1 0 0,1 0 0,-1 0 0,0 0 0,0 0 0,0 0 0,0 0 0,0 1 0,0-1 0,-1 0 0,1 1 0,-1-1 0,1 3 0,-1-2 0,0-1 0,0 0 0,0 1 0,0-1 0,1 0 0,-1 1 0,1-1 0,0 0 0,-1 0 0,1 1 0,0-1 0,0 0 0,1 0 0,-1 0 0,0 0 0,1 0 0,-1-1 0,1 1 0,-1 0 0,1-1 0,0 1 0,0-1 0,2 2 0,14 12 0,-15-12 0,-1 1 0,1 0 0,0-1 0,-1 1 0,0 0 0,0 0 0,0 0 0,0 1 0,1 5 0,-2-6 0,0 0 0,0 0 0,1 0 0,0 0 0,-1 0 0,1-1 0,1 1 0,-1-1 0,0 0 0,1 1 0,5 4 0,-4-5 0,0-1 0,0 0 0,0 0 0,1 0 0,-1 0 0,0-1 0,1 1 0,-1-1 0,1 0 0,-1-1 0,10 1 0,53-3 0,-64 1 0,-3 1 0,1 0 0,0 0 0,0 0 0,-1 0 0,1 0 0,0 0 0,0 0 0,-1-1 0,1 1 0,0 0 0,0-1 0,-1 1 0,1 0 0,0-1 0,-1 1 0,1-1 0,-1 1 0,1-1 0,-1 1 0,1-1 0,-1 0 0,1 1 0,-1-1 0,1 0 0,-1 1 0,0-1 0,1 0 0,-1 1 0,0-1 0,0 0 0,1-1 0,5-10 0,-5 13 0,0-1 0,0 1 0,0 0 0,-1 0 0,1 0 0,-1 0 0,1 0 0,0 0 0,-1 1 0,0-1 0,1 0 0,-1 0 0,0 0 0,1 0 0,-1 1 0,0-1 0,0 2 0,4 12 0,-3-14 0,0 0 0,0 0 0,0 0 0,0 0 0,0-1 0,0 1 0,0 0 0,0-1 0,1 1 0,-1 0 0,0-1 0,0 0 0,1 1 0,-1-1 0,0 0 0,1 0 0,-1 1 0,0-1 0,1 0 0,-1 0 0,0 0 0,3-1 0,-3 1 0,0-1 0,0 1 0,-1 0 0,1 0 0,0 0 0,0 0 0,0 0 0,0 0 0,0 0 0,0 0 0,0 0 0,0 0 0,0 0 0,0 0 0,0 1 0,0-1 0,-1 0 0,1 1 0,0-1 0,0 1 0,0-1 0,-1 1 0,1-1 0,0 1 0,0 0 0,-1-1 0,1 1 0,0 0 0,-1 0 0,1-1 0,-1 1 0,1 0 0,-1 0 0,0 0 0,1 0 0,-1-1 0,0 1 0,1 0 0,-1 0 0,0 0 0,0 0 0,0 0 0,0 0 0,0 0 0,0 2 0,0 0 0,0 0 0,0 0 0,0 0 0,0 0 0,-1 0 0,1 0 0,-1 0 0,0 0 0,0 0 0,-1 3 0,1-6 0,1 1 0,0-1 0,-1 1 0,1-1 0,0 0 0,-1 1 0,1-1 0,-1 0 0,1 1 0,-1-1 0,1 0 0,-1 1 0,1-1 0,-1 0 0,1 0 0,-1 0 0,1 0 0,-1 1 0,1-1 0,-1 0 0,1 0 0,-1 0 0,0 0 0,-20-10 0,19 8 0,-1 1 0,0 0 0,0-1 0,0 1 0,0 0 0,0 0 0,0 0 0,0 1 0,0-1 0,-4 1 0,3 0 0,1-1 0,0 1 0,-1-1 0,1 0 0,0 0 0,-1 0 0,1 0 0,-5-3 0,-25-13 0,30 15 0,-1 1 0,0-1 0,0 0 0,0 0 0,1 0 0,-1 0 0,1-1 0,0 1 0,0-1 0,0 0 0,0 0 0,0 0 0,1 0 0,-1-1 0,1 1 0,0-1 0,0 1 0,0-1 0,-2-5 0,-26-70 0,6 14 0,18 47 0,-2-18 0,-2-39 0,9 35 0,0 24 0,1 0 0,2-26 0,1 41 0,0 9 0,2 8 0,-5-14 0,0 0 0,1-1 0,-1 1 0,0 0 0,0-1 0,1 1 0,-1-1 0,1 1 0,0-1 0,-1 1 0,1-1 0,0 0 0,0 1 0,0-1 0,0 0 0,0 1 0,0-1 0,0 0 0,0 0 0,1 0 0,-1 0 0,0 0 0,1 0 0,1 1 0,1-1 0,1 0 0,0 0 0,0-1 0,-1 1 0,1-1 0,9 0 0,-4-1 0,-5 1 0,-4 0 0,0 0 0,0-1 0,1 1 0,-1 0 0,0 0 0,0 0 0,0 0 0,0 0 0,1 0 0,-1 0 0,0 1 0,0-1 0,0 0 0,0 1 0,0-1 0,0 0 0,0 1 0,0 0 0,0-1 0,0 1 0,0-1 0,0 1 0,0 0 0,1 1 0,-6-1 0,0 0 0,0 0 0,0-1 0,0 1 0,0-1 0,-1 0 0,-4-1 0,5 1 0,0 0 0,1-1 0,-1 1 0,0-1 0,1 0 0,-1 0 0,1-1 0,0 1 0,-1-1 0,1 0 0,-6-3 0,8 4 0,0 0 0,0-1 0,0 1 0,0 0 0,0 0 0,0-1 0,0 1 0,0-1 0,0 1 0,1-1 0,-1 1 0,0-1 0,1 1 0,0-1 0,-1 1 0,1-1 0,0 0 0,0 1 0,0-1 0,0 0 0,0 1 0,0-1 0,0 1 0,0-1 0,1 0 0,-1 1 0,1-1 0,0-1 0,-1 3 0,0-1 0,0 1 0,0 0 0,0-1 0,0 1 0,0 0 0,0-1 0,1 1 0,-1 0 0,0 0 0,0-1 0,0 1 0,0 0 0,0 0 0,1-1 0,-1 1 0,0 0 0,0 0 0,0-1 0,1 1 0,-1 0 0,0 0 0,0 0 0,1 0 0,-1-1 0,0 1 0,0 0 0,1 0 0,-1 0 0,0 0 0,1 0 0,-1 0 0,0 0 0,0 0 0,1 0 0,-1 0 0,0 0 0,1 0 0,-1 0 0,0 0 0,1 0 0,-1 0 0,0 0 0,0 0 0,1 0 0,-1 0 0,0 1 0,0-1 0,1 0 0,-1 0 0,0 0 0,0 0 0,1 1 0,-1-1 0,0 0 0,1 1 0,13 18 0,-4-5 0,5-4 0,-14-9 0,1 0 0,-1 1 0,1-1 0,0 0 0,-1 0 0,1 0 0,0 0 0,0-1 0,0 1 0,3 1 0,-1-1 0,1 0 0,0 0 0,-1 1 0,1 0 0,-1 0 0,1 1 0,-1-1 0,0 1 0,0 0 0,0 0 0,0 0 0,-1 0 0,1 1 0,5 7 0,7 6 0,0-3 0,-14-12 0,0-1 0,0 1 0,0 0 0,0 0 0,0 0 0,-1 0 0,1 0 0,0 0 0,-1 0 0,0 0 0,1 0 0,-1 1 0,0-1 0,0 1 0,0-1 0,-1 1 0,1-1 0,-1 1 0,1-1 0,-1 1 0,0-1 0,0 1 0,0 3 0,0 17 0,1-1 0,1 1 0,8 36 0,-9-59 0,-1 0 0,0 0 0,0 0 0,0 0 0,0-1 0,0 1 0,0 0 0,0 0 0,0 0 0,0 0 0,0 0 0,0 0 0,0 0 0,0 0 0,0 0 0,1 0 0,-1 0 0,0 0 0,0 0 0,0 0 0,0 0 0,0 0 0,0 0 0,0 0 0,0 0 0,0 0 0,1 0 0,-1 0 0,0 0 0,0 0 0,0 0 0,0 0 0,0 0 0,0 0 0,3-22 0,-1-30 0,-2 47 0,0-16 0,0 20 0,0 1 0,0-1 0,0 0 0,0 1 0,0-1 0,0 1 0,0-1 0,0 1 0,0-1 0,0 1 0,0-1 0,-1 1 0,1-1 0,0 1 0,0-1 0,-1 1 0,1-1 0,0 1 0,0-1 0,-1 1 0,1-1 0,-1 1 0,1 0 0,0-1 0,-2 0 0,1 3 0,0 0 0,0 0 0,1 0 0,-1 0 0,0 0 0,1-1 0,-1 2 0,1-1 0,0 0 0,-1 0 0,1 0 0,0 0 0,0 0 0,1 3 0,-1 3 0,-19 104 0,21-114 0,1-2 0,0 1 0,0 0 0,0 1 0,0-1 0,0 0 0,1 1 0,-1 0 0,1 0 0,4-2 0,-11 49 0,2-33 0,-1-11 0,-6-18 0,7 13 0,0 0 0,-1 0 0,1 0 0,-1 0 0,0 1 0,0-1 0,-5-6 0,3 8 0,0 0 0,0 1 0,0-1 0,0 1 0,0 0 0,0 0 0,0 0 0,0 0 0,-7 1 0,-24-7 0,34 6 0,0 0 0,0 0 0,0 0 0,1 0 0,-1 0 0,0 0 0,0 0 0,1 0 0,-1 0 0,0 0 0,1-1 0,-1 1 0,0-2 0,1 1 0,-1 0 0,0 0 0,0 0 0,0 0 0,0 0 0,0 1 0,0-1 0,0 0 0,-1 1 0,0-2 0,-18-7 0,19 9 0,0 1 0,-1 0 0,1-1 0,0 1 0,0-1 0,0 1 0,0-1 0,0 0 0,0 1 0,0-1 0,0 0 0,0 0 0,0 0 0,0 0 0,1 0 0,-1 0 0,0 0 0,1 0 0,-1 0 0,0 0 0,1 0 0,-1 0 0,1 0 0,0 0 0,-1-1 0,1 1 0,0 0 0,0 0 0,0-1 0,0 1 0,0 0 0,0 0 0,0 0 0,1-3 0,-2 0 0,1-1 0,0 1 0,-1 0 0,0 0 0,0-1 0,0 1 0,-1 0 0,1 0 0,-4-6 0,3 6 0,0 0 0,0 0 0,0 0 0,1-1 0,0 1 0,0-1 0,0 1 0,0-9 0,1 8 0,-1 4 0,1-1 0,0 1 0,0-1 0,0 0 0,0 1 0,0-1 0,1 1 0,-1-1 0,0 0 0,1 1 0,-1-1 0,1 1 0,0-2 0,0 3 0,1 0 0,-1 0 0,0 0 0,1 0 0,-1 0 0,0 1 0,0-1 0,0 1 0,1-1 0,-1 1 0,0-1 0,0 1 0,0 0 0,0-1 0,0 1 0,0 0 0,0 0 0,1 1 0,24 12 0,-21-11 0,0-1 0,0 1 0,0 0 0,-1 0 0,6 5 0,-8-6 0,-1-1 0,1 1 0,-1 0 0,0 0 0,0 0 0,0 0 0,0 0 0,0 0 0,0 0 0,0 0 0,-1 0 0,1 1 0,-1-1 0,1 0 0,-1 0 0,0 0 0,0 4 0,0-3 0,0 0 0,1 1 0,-1-1 0,1 0 0,0 0 0,0 0 0,0 1 0,1-1 0,-1 0 0,1-1 0,2 5 0,8 19 0,-16-48 0,4 21 0,0 0 0,0-1 0,0 1 0,0-1 0,0 1 0,0-1 0,0 1 0,-1 0 0,1-1 0,-1 1 0,1 0 0,-1-1 0,1 1 0,-1 0 0,0 0 0,0-1 0,1 1 0,-1 0 0,0 0 0,0 0 0,0 0 0,0 0 0,0 0 0,-1 0 0,1 1 0,0-1 0,0 0 0,-1 0 0,1 1 0,0-1 0,-1 1 0,1-1 0,0 1 0,-1 0 0,-1-1 0,2 1 0,-1 0 0,0-1 0,0 1 0,1-1 0,-1 0 0,1 1 0,-1-1 0,1 0 0,-1 0 0,1 0 0,-1 0 0,-1-2 0,-8-5 0,11 9 0,0 1 0,-1-1 0,1 1 0,0-1 0,0 1 0,-1-1 0,1 1 0,1-1 0,-1 1 0,0-1 0,0 1 0,0-1 0,1 1 0,-1-1 0,1 1 0,-1-1 0,1 1 0,0-1 0,0 2 0,52 22 0,-47-23 0,-8-2 0,1-2 0,-1 1 0,1-1 0,0 1 0,-1-1 0,1 0 0,0 0 0,0 1 0,0-1 0,1 0 0,-1 0 0,0 0 0,1 0 0,-1 0 0,1 0 0,0 0 0,-1-3 0,-6-18 0,7 22 0,-1 0 0,1 0 0,-1 0 0,0 0 0,1 0 0,-1 1 0,0-1 0,1 0 0,-1 0 0,0 1 0,0-1 0,0 0 0,0 1 0,0-1 0,0 0 0,0 1 0,0 0 0,0-1 0,0 1 0,0 0 0,0-1 0,-2 1 0,-10-3 0,12 2 0,0 1 0,1-1 0,-1 0 0,0 1 0,1-1 0,-1 1 0,1-1 0,-1 0 0,1 0 0,-1 1 0,1-1 0,-1 0 0,1 0 0,0 1 0,0-1 0,-1 0 0,1 0 0,0 0 0,0 0 0,0 0 0,0 1 0,0-1 0,0 0 0,0-1 0,0 1 0,0 1 0,0-1 0,0 1 0,0 0 0,0-1 0,0 1 0,1-1 0,-1 1 0,0-1 0,0 1 0,0 0 0,1-1 0,-1 1 0,0 0 0,0-1 0,1 1 0,-1 0 0,0-1 0,1 1 0,-1 0 0,0-1 0,1 1 0,-1 0 0,1 0 0,-1 0 0,0-1 0,1 1 0,-1 0 0,1 0 0,-1 0 0,0 0 0,1 0 0,-1 0 0,1 0 0,-1 0 0,1 0 0,-1 0 0,1 0 0,-1 0 0,0 0 0,1 0 0,-1 0 0,1 0 0,-1 1 0,1-1 0,-1 0 0,0 0 0,1 0 0,-1 1 0,0-1 0,1 0 0,-1 1 0,0-1 0,1 1 0,16 7 0,19 11 0,-35-18 0,0 0 0,0-1 0,-1 1 0,1 0 0,0-1 0,0 1 0,-1 0 0,1 0 0,0 0 0,-1 0 0,1 0 0,-1 0 0,1 0 0,-1 0 0,0 0 0,1 0 0,-1 0 0,0 0 0,0 0 0,1 0 0,-1 0 0,0 0 0,0 1 0,0-1 0,0 0 0,-1 0 0,1 0 0,0 0 0,-1 2 0,1-3 0,0 1 0,0-1 0,0 0 0,-1 1 0,1-1 0,0 0 0,0 1 0,0-1 0,0 0 0,-1 1 0,1-1 0,0 0 0,0 1 0,-1-1 0,1 0 0,0 0 0,-1 1 0,1-1 0,0 0 0,-1 0 0,1 0 0,0 0 0,-1 1 0,1-1 0,0 0 0,-1 0 0,1 0 0,-1 0 0,1 0 0,0 0 0,-1 0 0,1 0 0,0 0 0,-1 0 0,0 0 0,-13-10 0,-5-19 0,19 30 0,0-1 0,0 0 0,0 1 0,0-1 0,0 1 0,0-1 0,0 1 0,-1-1 0,1 0 0,0 1 0,0-1 0,0 1 0,-1-1 0,1 0 0,0 1 0,0-1 0,-1 0 0,1 1 0,0-1 0,-1 0 0,1 1 0,-1-1 0,1 0 0,0 0 0,-1 0 0,1 1 0,-1-1 0,1 0 0,0 0 0,-1 0 0,1 0 0,-1 0 0,1 0 0,-1 0 0,-28 3 0,-27-8 0,52 4 0,-1 0 0,0-1 0,1 1 0,-1-1 0,1 0 0,-1 0 0,1 0 0,0-1 0,0 0 0,-7-5 0,-34-39 0,21 19 0,22 26 0,0 0 0,1-1 0,-1 1 0,1-1 0,-1 1 0,1-1 0,0 1 0,0-1 0,0 0 0,1 0 0,-1 1 0,1-1 0,-1-4 0,1 4 0,0 0 0,-1 0 0,1 1 0,-1-1 0,0 0 0,0 0 0,0 0 0,0 1 0,-3-4 0,3 4 0,-1-1 0,1 1 0,0 0 0,0 0 0,0-1 0,0 1 0,0-1 0,0 1 0,0-1 0,1 1 0,-1-1 0,1 1 0,0-1 0,0-3 0,-1-5 0,-6-14 0,5 21 0,1 1 0,0-1 0,0 1 0,0-1 0,0 0 0,0-7 0,-5-100 0,6 110 0,0 0 0,0 1 0,-1-1 0,1 0 0,0 1 0,-1-1 0,1 0 0,-1 1 0,1-1 0,-1 1 0,1-1 0,-1 1 0,1-1 0,-1 1 0,0-1 0,1 1 0,-1-1 0,0 1 0,1 0 0,-1-1 0,0 1 0,1 0 0,-1 0 0,0-1 0,0 1 0,1 0 0,-1 0 0,0 0 0,0 0 0,1 0 0,-1 0 0,0 0 0,-1 1 0,-35 3 0,21-1 0,-121-3-1365</inkml:trace>
+</inkml:ink>
+</file>
+
+<file path=ppt/ink/ink19.xml><?xml version="1.0" encoding="utf-8"?>
+<inkml:ink xmlns:inkml="http://www.w3.org/2003/InkML">
+  <inkml:definitions>
+    <inkml:context xml:id="ctx0">
+      <inkml:inkSource xml:id="inkSrc0">
+        <inkml:traceFormat>
+          <inkml:channel name="X" type="integer" min="-2.14748E9" max="2.14748E9" units="cm"/>
+          <inkml:channel name="Y" type="integer" min="-2.14748E9" max="2.14748E9" units="cm"/>
+          <inkml:channel name="F" type="integer" max="32767" units="dev"/>
+        </inkml:traceFormat>
+        <inkml:channelProperties>
+          <inkml:channelProperty channel="X" name="resolution" value="1000" units="1/cm"/>
+          <inkml:channelProperty channel="Y" name="resolution" value="1000" units="1/cm"/>
+          <inkml:channelProperty channel="F" name="resolution" value="0" units="1/dev"/>
+        </inkml:channelProperties>
+      </inkml:inkSource>
+      <inkml:timestamp xml:id="ts0" timeString="2023-01-11T13:29:12.815"/>
+    </inkml:context>
+    <inkml:brush xml:id="br0">
+      <inkml:brushProperty name="width" value="0.025" units="cm"/>
+      <inkml:brushProperty name="height" value="0.025" units="cm"/>
+      <inkml:brushProperty name="color" value="#F0F0F0"/>
+    </inkml:brush>
+  </inkml:definitions>
+  <inkml:trace contextRef="#ctx0" brushRef="#br0">602 1 24575,'-12'0'0,"0"0"0,0 1 0,0 0 0,0 1 0,1 1 0,-1-1 0,1 2 0,-18 7 0,9-4 0,1-2 0,0 1 0,-1-2 0,0-1 0,-21 1 0,-36 7 0,102-12 0,-18 2 0,-19-1 0,-2 0 0,0 0 0,0-1 0,0 0 0,1-1 0,-1 0 0,1-1 0,-19-7 0,18 5-170,0 0-1,-1 1 0,1 0 1,-1 2-1,0 0 0,0 0 1,-21 1-1,20 1-6655</inkml:trace>
+</inkml:ink>
+</file>
+
+<file path=ppt/ink/ink2.xml><?xml version="1.0" encoding="utf-8"?>
+<inkml:ink xmlns:inkml="http://www.w3.org/2003/InkML">
+  <inkml:definitions>
+    <inkml:context xml:id="ctx0">
+      <inkml:inkSource xml:id="inkSrc0">
+        <inkml:traceFormat>
+          <inkml:channel name="X" type="integer" min="-2.14748E9" max="2.14748E9" units="cm"/>
+          <inkml:channel name="Y" type="integer" min="-2.14748E9" max="2.14748E9" units="cm"/>
+        </inkml:traceFormat>
+        <inkml:channelProperties>
+          <inkml:channelProperty channel="X" name="resolution" value="1000" units="1/cm"/>
+          <inkml:channelProperty channel="Y" name="resolution" value="1000" units="1/cm"/>
+        </inkml:channelProperties>
+      </inkml:inkSource>
+      <inkml:timestamp xml:id="ts0" timeString="2023-01-11T13:27:01.752"/>
+    </inkml:context>
+    <inkml:brush xml:id="br0">
+      <inkml:brushProperty name="width" value="0.1" units="cm"/>
+      <inkml:brushProperty name="height" value="0.2" units="cm"/>
+      <inkml:brushProperty name="color" value="#F0F0F0"/>
+      <inkml:brushProperty name="tip" value="rectangle"/>
+      <inkml:brushProperty name="rasterOp" value="maskPen"/>
+      <inkml:brushProperty name="ignorePressure" value="1"/>
+    </inkml:brush>
+  </inkml:definitions>
+  <inkml:trace contextRef="#ctx0" brushRef="#br0">0 1,'1'1,"4"1,2 0,2 3,2 2,0 3,0 1,-1-1</inkml:trace>
+</inkml:ink>
+</file>
+
+<file path=ppt/ink/ink20.xml><?xml version="1.0" encoding="utf-8"?>
+<inkml:ink xmlns:inkml="http://www.w3.org/2003/InkML">
+  <inkml:definitions>
+    <inkml:context xml:id="ctx0">
+      <inkml:inkSource xml:id="inkSrc0">
+        <inkml:traceFormat>
+          <inkml:channel name="X" type="integer" min="-2.14748E9" max="2.14748E9" units="cm"/>
+          <inkml:channel name="Y" type="integer" min="-2.14748E9" max="2.14748E9" units="cm"/>
+          <inkml:channel name="F" type="integer" max="32767" units="dev"/>
+        </inkml:traceFormat>
+        <inkml:channelProperties>
+          <inkml:channelProperty channel="X" name="resolution" value="1000" units="1/cm"/>
+          <inkml:channelProperty channel="Y" name="resolution" value="1000" units="1/cm"/>
+          <inkml:channelProperty channel="F" name="resolution" value="0" units="1/dev"/>
+        </inkml:channelProperties>
+      </inkml:inkSource>
+      <inkml:timestamp xml:id="ts0" timeString="2023-01-11T13:29:30.780"/>
+    </inkml:context>
+    <inkml:brush xml:id="br0">
+      <inkml:brushProperty name="width" value="0.025" units="cm"/>
+      <inkml:brushProperty name="height" value="0.025" units="cm"/>
+      <inkml:brushProperty name="color" value="#F0F0F0"/>
+    </inkml:brush>
+  </inkml:definitions>
+  <inkml:trace contextRef="#ctx0" brushRef="#br0">10 64 24575,'48'-1'0,"-23"0"0,0 1 0,0 0 0,0 2 0,0 1 0,41 10 0,-38-11 0,-18-6 0,-10 4 0,0 0 0,0-1 0,0 1 0,0 0 0,0-1 0,-1 1 0,1-1 0,0 1 0,0 0 0,0 0 0,0-1 0,-1 1 0,1 0 0,0-1 0,0 1 0,-1 0 0,1 0 0,0-1 0,0 1 0,-1 0 0,1 0 0,0-1 0,-1 1 0,1 0 0,0 0 0,-1 0 0,1 0 0,0 0 0,-1-1 0,-8-1 0,0-1 0,-1 1 0,1 0 0,0 1 0,0 0 0,-1 1 0,1 0 0,-1 0 0,-12 3 0,-15-1 0,-3-1 0,-44-2 0,84 1 0,-1 0 0,1 0 0,-1 0 0,0 0 0,1 0 0,-1 0 0,1 0 0,-1 0 0,1 0 0,-1-1 0,1 1 0,-1 0 0,1 0 0,-1 0 0,1-1 0,-1 1 0,1 0 0,-1 0 0,1-1 0,0 1 0,-1-1 0,1 1 0,-1 0 0,1-1 0,8-6 0,23-2 0,231 7 0,-131 4 0,-88-1 0,-1 1 0,43 9 0,139 12 0,-194-18 0,-25-3 0,0-1 0,0 0 0,0 0 0,0-1 0,0 1 0,0-1 0,6-1 0,-11 1 0,0 0 0,0-1 0,0 1 0,1 0 0,-1-1 0,0 1 0,0 0 0,0-1 0,0 1 0,0 0 0,0-1 0,0 1 0,0-1 0,0 1 0,0 0 0,0-1 0,0 1 0,0 0 0,0-1 0,0 1 0,0-1 0,0 1 0,-1 0 0,1-1 0,0 1 0,0 0 0,0 0 0,-1-1 0,1 1 0,0 0 0,0-1 0,-1 1 0,1 0 0,0 0 0,0-1 0,-1 1 0,1 0 0,0 0 0,-1 0 0,1 0 0,0-1 0,-1 1 0,-15-13 0,12 11 0,-1 0 0,0 0 0,0 0 0,0 1 0,0-1 0,-1 1 0,1 1 0,0-1 0,0 1 0,-1 0 0,1 0 0,-7 1 0,6-1 0,-1 1 0,0-1 0,0-1 0,0 1 0,1-1 0,-1-1 0,-6-1 0,1-1 0,0 1 0,0 1 0,-15-2 0,-27-6 0,20 2 0,0 2 0,-1 2 0,1 1 0,-1 2 0,-51 4 0,4-1 0,78-2 0,-22 0 0,26 0 0,-1 0 0,1 0 0,-1-1 0,1 1 0,-1 0 0,0 0 0,1 0 0,-1 0 0,1 1 0,-1-1 0,1 0 0,-1 0 0,0 0 0,1 0 0,-1 0 0,1 1 0,-1-1 0,1 0 0,-1 1 0,1-1 0,-1 0 0,1 1 0,-1-1 0,1 0 0,0 1 0,-1-1 0,1 1 0,-1 0 0,3 0 0,0 1 0,-1-1 0,1 0 0,0 0 0,0-1 0,0 1 0,0 0 0,0-1 0,0 1 0,1-1 0,-1 1 0,0-1 0,0 0 0,4 0 0,1 0 0,11 4 0,0 0 0,0 0 0,-1 2 0,0 0 0,25 13 0,-100-15 0,44-4 0,10-1 0,0 0 0,0 1 0,0 0 0,-1 0 0,1 0 0,0 0 0,0 1 0,0 0 0,0-1 0,0 2 0,0-1 0,-6 3 0,48 0 0,-2-2 0,-26-1 0,1 0 0,0-1 0,0 0 0,0 0 0,0-1 0,0 0 0,-1-1 0,1-1 0,-1 0 0,11-4 0,-20 7 0,-1 0 0,1 0 0,0 0 0,-1-1 0,1 1 0,0 0 0,-1-1 0,1 1 0,-1 0 0,1-1 0,-1 1 0,1-1 0,-1 1 0,1-1 0,-1 1 0,1-1 0,-1 1 0,0-1 0,1 0 0,-1 1 0,0-1 0,1 1 0,-1-1 0,0 0 0,0 1 0,0-1 0,1 0 0,-1 1 0,0-2 0,-1 1 0,0 0 0,1 1 0,-1-1 0,0 0 0,0 0 0,0 1 0,0-1 0,0 0 0,0 1 0,1-1 0,-1 1 0,0 0 0,-1-1 0,1 1 0,0 0 0,-1-1 0,-55-7 0,50 8 0,-10-3 0,21 3 0,36 1 0,-21-1 0,-18 0 0,0 0 0,0 0 0,1 0 0,-1 0 0,0 0 0,0 0 0,0 1 0,0-1 0,0 0 0,0 1 0,0-1 0,0 0 0,0 1 0,0-1 0,-1 1 0,2 0 0,-1 0 0,-1-1 0,0 0 0,0 1 0,1-1 0,-1 1 0,0-1 0,0 1 0,0-1 0,0 0 0,1 1 0,-1-1 0,0 1 0,0-1 0,0 1 0,0-1 0,0 1 0,0-1 0,0 1 0,0-1 0,0 0 0,0 1 0,-1-1 0,1 1 0,0-1 0,0 1 0,-1 1 0,0-1 0,0 0 0,0 1 0,0-1 0,0 0 0,0 0 0,0 1 0,0-1 0,-1 0 0,1 0 0,0 0 0,-1-1 0,1 1 0,-1 0 0,1 0 0,-1-1 0,1 1 0,-1-1 0,-2 1 0,-7 0 0,9-1 0,0 0 0,-1 0 0,1 0 0,-1 0 0,1 0 0,0 1 0,-1-1 0,1 1 0,0 0 0,0 0 0,-1 0 0,-2 1 0,36 1 0,-18-3 0,1-2 0,0 0 0,-1 0 0,19-7 0,10-1 0,-20 7 0,1 1 0,0 1 0,38 3 0,-4 0 0,16-6 0,-52 1 0,-1 2 0,1 0 0,26 3 0,5 4-1365,-45-6-5461</inkml:trace>
+</inkml:ink>
+</file>
+
+<file path=ppt/ink/ink21.xml><?xml version="1.0" encoding="utf-8"?>
+<inkml:ink xmlns:inkml="http://www.w3.org/2003/InkML">
+  <inkml:definitions>
+    <inkml:context xml:id="ctx0">
+      <inkml:inkSource xml:id="inkSrc0">
+        <inkml:traceFormat>
+          <inkml:channel name="X" type="integer" min="-2.14748E9" max="2.14748E9" units="cm"/>
+          <inkml:channel name="Y" type="integer" min="-2.14748E9" max="2.14748E9" units="cm"/>
+          <inkml:channel name="F" type="integer" max="32767" units="dev"/>
+        </inkml:traceFormat>
+        <inkml:channelProperties>
+          <inkml:channelProperty channel="X" name="resolution" value="1000" units="1/cm"/>
+          <inkml:channelProperty channel="Y" name="resolution" value="1000" units="1/cm"/>
+          <inkml:channelProperty channel="F" name="resolution" value="0" units="1/dev"/>
+        </inkml:channelProperties>
+      </inkml:inkSource>
+      <inkml:timestamp xml:id="ts0" timeString="2023-01-11T13:29:52.569"/>
+    </inkml:context>
+    <inkml:brush xml:id="br0">
+      <inkml:brushProperty name="width" value="0.025" units="cm"/>
+      <inkml:brushProperty name="height" value="0.025" units="cm"/>
+      <inkml:brushProperty name="color" value="#F0F0F0"/>
+    </inkml:brush>
+  </inkml:definitions>
+  <inkml:trace contextRef="#ctx0" brushRef="#br0">1 12 24575,'572'0'0,"-514"-11"0,-48 11-1365,-5 0-5461</inkml:trace>
+</inkml:ink>
+</file>
+
+<file path=ppt/ink/ink22.xml><?xml version="1.0" encoding="utf-8"?>
+<inkml:ink xmlns:inkml="http://www.w3.org/2003/InkML">
+  <inkml:definitions>
+    <inkml:context xml:id="ctx0">
+      <inkml:inkSource xml:id="inkSrc0">
+        <inkml:traceFormat>
+          <inkml:channel name="X" type="integer" min="-2.14748E9" max="2.14748E9" units="cm"/>
+          <inkml:channel name="Y" type="integer" min="-2.14748E9" max="2.14748E9" units="cm"/>
+          <inkml:channel name="F" type="integer" max="32767" units="dev"/>
+        </inkml:traceFormat>
+        <inkml:channelProperties>
+          <inkml:channelProperty channel="X" name="resolution" value="1000" units="1/cm"/>
+          <inkml:channelProperty channel="Y" name="resolution" value="1000" units="1/cm"/>
+          <inkml:channelProperty channel="F" name="resolution" value="0" units="1/dev"/>
+        </inkml:channelProperties>
+      </inkml:inkSource>
+      <inkml:timestamp xml:id="ts0" timeString="2023-01-11T13:29:56.697"/>
+    </inkml:context>
+    <inkml:brush xml:id="br0">
+      <inkml:brushProperty name="width" value="0.025" units="cm"/>
+      <inkml:brushProperty name="height" value="0.025" units="cm"/>
+      <inkml:brushProperty name="color" value="#F0F0F0"/>
+    </inkml:brush>
+  </inkml:definitions>
+  <inkml:trace contextRef="#ctx0" brushRef="#br0">81 25 24575,'93'7'0,"-52"-4"0,72-2 0,-8-1 0,-55 11 0,-42-9 0,1 1 0,0-1 0,0-1 0,16 1 0,-24-2 0,26-1 0,-21-3 0,-18-2 0,-19-3 0,-1 1 0,-43-5 0,9 3 0,52 8 0,-1 0 0,0 1 0,1 0 0,-1 2 0,0-1 0,-16 4 0,9 1 0,0 0 0,-27 0 0,-88 0 0,136-5-25,0 1 0,1-1-1,-1 0 1,1 0 0,-1 0 0,1 1-1,-1-1 1,1 0 0,-1 0-1,1 1 1,-1-1 0,1 1 0,-1-1-1,1 0 1,-1 1 0,1-1-1,0 1 1,-1-1 0,1 1 0,0-1-1,0 1 1,-1-1 0,1 1-1,0-1 1,0 1 0,0 0 0,-1-1-1,1 1 1,0-1 0,0 1-1,0-1 1,0 1 0,0 0 0,0-1-1,0 1 1,0-1 0,1 1 0,-1 0-1,0-1 1,0 1 0,0-1-1,1 1 1,-1-1 0,0 1 0,1-1-1,-1 1 1,0-1 0,1 1-1,-1-1 1,0 1 0,1-1 0,-1 0-1,2 1 1</inkml:trace>
+</inkml:ink>
+</file>
+
+<file path=ppt/ink/ink23.xml><?xml version="1.0" encoding="utf-8"?>
+<inkml:ink xmlns:inkml="http://www.w3.org/2003/InkML">
+  <inkml:definitions>
+    <inkml:context xml:id="ctx0">
+      <inkml:inkSource xml:id="inkSrc0">
+        <inkml:traceFormat>
+          <inkml:channel name="X" type="integer" min="-2.14748E9" max="2.14748E9" units="cm"/>
+          <inkml:channel name="Y" type="integer" min="-2.14748E9" max="2.14748E9" units="cm"/>
+          <inkml:channel name="F" type="integer" max="32767" units="dev"/>
+        </inkml:traceFormat>
+        <inkml:channelProperties>
+          <inkml:channelProperty channel="X" name="resolution" value="1000" units="1/cm"/>
+          <inkml:channelProperty channel="Y" name="resolution" value="1000" units="1/cm"/>
+          <inkml:channelProperty channel="F" name="resolution" value="0" units="1/dev"/>
+        </inkml:channelProperties>
+      </inkml:inkSource>
+      <inkml:timestamp xml:id="ts0" timeString="2023-01-11T13:30:18"/>
+    </inkml:context>
+    <inkml:brush xml:id="br0">
+      <inkml:brushProperty name="width" value="0.025" units="cm"/>
+      <inkml:brushProperty name="height" value="0.025" units="cm"/>
+      <inkml:brushProperty name="color" value="#F0F0F0"/>
+    </inkml:brush>
+  </inkml:definitions>
+  <inkml:trace contextRef="#ctx0" brushRef="#br0">1024 79 24575,'-3'-1'0,"0"1"0,0-1 0,1 1 0,-1-1 0,0 0 0,1 0 0,-1-1 0,0 1 0,1 0 0,-1-1 0,-4-3 0,5 3 0,-1 0 0,1 0 0,-1 1 0,0-1 0,0 1 0,1 0 0,-1-1 0,0 1 0,0 1 0,-1-1 0,-2 0 0,-413-4 0,353 5 0,53-1 0,-1-1 0,-22-5 0,27 5 0,1 0 0,-1 0 0,1 1 0,-1 0 0,1 0 0,-1 1 0,0 0 0,1 1 0,-1 0 0,-8 2 0,-31 17 0,26-16 0,-1-2 0,-28 0 0,4 0 0,-26-1 0,43-1 0,26-1 0,9 0 0,1 1 0,-1-1 0,1-1 0,-1 1 0,0-1 0,0 0 0,0 0 0,5-3 0,-5 2 0,-1 1 0,1 0 0,-1 0 0,1 0 0,0 1 0,-1 0 0,1 0 0,0 0 0,9 0 0,97 6 0,-90 3 0,-19-7 0,0 0 0,0 0 0,0 0 0,0 0 0,0 0 0,1 0 0,-1-1 0,0 1 0,1-1 0,1 0 0,25 2 0,-21-1 0,1-1 0,0 1 0,0-2 0,-1 1 0,1-1 0,14-3 0,-5-6 0,-17 9 0,1 0 0,0 0 0,0 0 0,-1 0 0,1 0 0,0 0 0,0 1 0,0-1 0,0 0 0,0 1 0,0 0 0,1-1 0,-1 1 0,3 0 0,2 0 0,0 0 0,0 0 0,1-1 0,-1 0 0,0-1 0,0 1 0,0-1 0,0-1 0,9-4 0,-6 5 0,-1 0 0,1 0 0,0 1 0,0 0 0,0 1 0,-1 0 0,19 3 0,8-1 0,-23-2 0,-6-1 0,0 1 0,1 0 0,-1 0 0,0 1 0,0 0 0,0 1 0,0-1 0,12 6 0,-3-2 0,1 0 0,-1-1 0,1 0 0,1-2 0,-1 0 0,0 0 0,0-2 0,1 0 0,20-4 0,15-6 0,-45 7 0,0 1 0,0 1 0,0-1 0,0 1 0,1 0 0,-1 1 0,0 0 0,17 2 0,55 10 0,-41-9 0,-36-4 0,1 1 0,-1 0 0,0-1 0,0 1 0,1 1 0,-1-1 0,0 1 0,0-1 0,1 1 0,-1 0 0,0 0 0,0 0 0,0 0 0,0 1 0,0-1 0,0 1 0,-1 0 0,1 0 0,0 0 0,-1 0 0,0 0 0,1 0 0,-1 1 0,0-1 0,2 5 0,-3-6 0,1 0 0,-1 0 0,0-1 0,0 1 0,0 0 0,1 0 0,-1-1 0,1 1 0,-1-1 0,0 1 0,1-1 0,-1 0 0,1 1 0,-1-1 0,1 0 0,-1 0 0,1 0 0,-1 0 0,0 0 0,1 0 0,-1-1 0,1 1 0,-1 0 0,1-1 0,-1 1 0,0-1 0,1 0 0,-1 1 0,0-1 0,1 0 0,-1 0 0,0 0 0,0 1 0,0-1 0,0-1 0,0 1 0,0 0 0,0 0 0,1-2 0,-2 2 0,1 0 0,-1 0 0,0 1 0,0-1 0,1 0 0,-1 0 0,0 0 0,0 1 0,0-1 0,0 0 0,0 0 0,0 0 0,-1 0 0,1 1 0,0-1 0,0 0 0,0 0 0,-1 1 0,1-1 0,-1 0 0,1 0 0,0 1 0,-1-1 0,1 0 0,-2 0 0,-21-8 0,21 8 0,-1 1 0,-1 0 0,1 0 0,-1 0 0,1 1 0,-1-1 0,1 1 0,-1 0 0,1 0 0,0 0 0,0 0 0,-1 0 0,1 1 0,0 0 0,0-1 0,0 1 0,0 0 0,1 0 0,-1 1 0,1-1 0,-1 1 0,1-1 0,0 1 0,-1 0 0,2 0 0,-4 5 0,5-8 0,-1 1 0,1-1 0,0 0 0,0 0 0,0 0 0,0 0 0,0 0 0,0 0 0,0 0 0,0 1 0,0-1 0,0 0 0,0 0 0,0 0 0,0 0 0,0 0 0,0 0 0,0 1 0,0-1 0,0 0 0,0 0 0,0 0 0,0 0 0,0 0 0,0 0 0,0 1 0,0-1 0,0 0 0,0 0 0,1 0 0,-1 0 0,0 0 0,0 0 0,0 0 0,0 0 0,0 0 0,0 1 0,0-1 0,0 0 0,0 0 0,1 0 0,-1 0 0,0 0 0,0 0 0,0 0 0,0 0 0,0 0 0,0 0 0,1 0 0,-1 0 0,0 0 0,0 0 0,0 0 0,0 0 0,0 0 0,0 0 0,1 0 0,11-4 0,10-8 0,-20 11-65,-1 0 0,1-1 0,-1 1 0,0-1 0,1 0 0,-1 1 0,0-1 0,0 0 0,0 0 0,0 0 0,0 0 0,0 1 0,-1-1 0,1 0 0,-1 0 0,1-1 0,-1 1 0,0 0 0,0 0 0,0-2 0,0-3-6761</inkml:trace>
+</inkml:ink>
+</file>
+
+<file path=ppt/ink/ink24.xml><?xml version="1.0" encoding="utf-8"?>
+<inkml:ink xmlns:inkml="http://www.w3.org/2003/InkML">
+  <inkml:definitions>
+    <inkml:context xml:id="ctx0">
+      <inkml:inkSource xml:id="inkSrc0">
+        <inkml:traceFormat>
+          <inkml:channel name="X" type="integer" min="-2.14748E9" max="2.14748E9" units="cm"/>
+          <inkml:channel name="Y" type="integer" min="-2.14748E9" max="2.14748E9" units="cm"/>
+          <inkml:channel name="F" type="integer" max="32767" units="dev"/>
+        </inkml:traceFormat>
+        <inkml:channelProperties>
+          <inkml:channelProperty channel="X" name="resolution" value="1000" units="1/cm"/>
+          <inkml:channelProperty channel="Y" name="resolution" value="1000" units="1/cm"/>
+          <inkml:channelProperty channel="F" name="resolution" value="0" units="1/dev"/>
+        </inkml:channelProperties>
+      </inkml:inkSource>
+      <inkml:timestamp xml:id="ts0" timeString="2023-01-11T13:30:23.592"/>
+    </inkml:context>
+    <inkml:brush xml:id="br0">
+      <inkml:brushProperty name="width" value="0.025" units="cm"/>
+      <inkml:brushProperty name="height" value="0.025" units="cm"/>
+      <inkml:brushProperty name="color" value="#F0F0F0"/>
+    </inkml:brush>
+  </inkml:definitions>
+  <inkml:trace contextRef="#ctx0" brushRef="#br0">0 36 24575,'376'0'0,"-377"-4"0,-13-4 0,-17-8 0,19 11-1365,1 2-5461</inkml:trace>
+</inkml:ink>
+</file>
+
+<file path=ppt/ink/ink25.xml><?xml version="1.0" encoding="utf-8"?>
+<inkml:ink xmlns:inkml="http://www.w3.org/2003/InkML">
+  <inkml:definitions>
+    <inkml:context xml:id="ctx0">
+      <inkml:inkSource xml:id="inkSrc0">
+        <inkml:traceFormat>
+          <inkml:channel name="X" type="integer" min="-2.14748E9" max="2.14748E9" units="cm"/>
+          <inkml:channel name="Y" type="integer" min="-2.14748E9" max="2.14748E9" units="cm"/>
+          <inkml:channel name="F" type="integer" max="32767" units="dev"/>
+        </inkml:traceFormat>
+        <inkml:channelProperties>
+          <inkml:channelProperty channel="X" name="resolution" value="1000" units="1/cm"/>
+          <inkml:channelProperty channel="Y" name="resolution" value="1000" units="1/cm"/>
+          <inkml:channelProperty channel="F" name="resolution" value="0" units="1/dev"/>
+        </inkml:channelProperties>
+      </inkml:inkSource>
+      <inkml:timestamp xml:id="ts0" timeString="2023-01-11T13:30:01.932"/>
+    </inkml:context>
+    <inkml:brush xml:id="br0">
+      <inkml:brushProperty name="width" value="0.025" units="cm"/>
+      <inkml:brushProperty name="height" value="0.025" units="cm"/>
+      <inkml:brushProperty name="color" value="#F0F0F0"/>
+    </inkml:brush>
+  </inkml:definitions>
+  <inkml:trace contextRef="#ctx0" brushRef="#br0">897 5 24575,'-67'-5'0,"-311"5"0,272 11 0,65-10 0,30 1 0,0-1 0,0-1 0,0 0 0,0 0 0,0-1 0,1 0 0,-1-1 0,0 0 0,-14-6 0,24 8 0,0 0 0,1 0 0,-1 0 0,0 0 0,0 0 0,0 1 0,1-1 0,-1 0 0,0 0 0,0 1 0,1-1 0,-1 0 0,0 1 0,1-1 0,-1 0 0,0 1 0,1-1 0,-1 1 0,1-1 0,-1 1 0,1 0 0,-1-1 0,1 1 0,-1-1 0,0 2 0,-15 21 0,14-19 0,-14 29 0,13-27 0,1 0 0,-1 0 0,0 0 0,-1 0 0,1 0 0,-1-1 0,0 1 0,-6 5 0,4-9 0,-1 0 0,1 0 0,0 0 0,0-1 0,-1 0 0,1 0 0,-1-1 0,1 0 0,-1 0 0,1 0 0,-1-1 0,-7-1 0,14 1-33,0 1 0,-1 0-1,1 0 1,0-1 0,0 1-1,0 0 1,-1-1 0,1 1 0,0 0-1,0-1 1,0 1 0,0 0-1,0-1 1,0 1 0,0-1-1,0 1 1,0 0 0,0-1 0,0 1-1,0 0 1,0-1 0,0 1-1,0 0 1,0-1 0,0 1-1,0-1 1,0 1 0,0 0 0,1-1-1,-1 1 1,0 0 0,0 0-1,0-1 1,1 1 0,-1 0-1,0-1 1,0 1 0,1 0 0,-1 0-1,1-1 1</inkml:trace>
+</inkml:ink>
+</file>
+
+<file path=ppt/ink/ink26.xml><?xml version="1.0" encoding="utf-8"?>
+<inkml:ink xmlns:inkml="http://www.w3.org/2003/InkML">
+  <inkml:definitions>
+    <inkml:context xml:id="ctx0">
+      <inkml:inkSource xml:id="inkSrc0">
+        <inkml:traceFormat>
+          <inkml:channel name="X" type="integer" min="-2.14748E9" max="2.14748E9" units="cm"/>
+          <inkml:channel name="Y" type="integer" min="-2.14748E9" max="2.14748E9" units="cm"/>
+          <inkml:channel name="F" type="integer" max="32767" units="dev"/>
+        </inkml:traceFormat>
+        <inkml:channelProperties>
+          <inkml:channelProperty channel="X" name="resolution" value="1000" units="1/cm"/>
+          <inkml:channelProperty channel="Y" name="resolution" value="1000" units="1/cm"/>
+          <inkml:channelProperty channel="F" name="resolution" value="0" units="1/dev"/>
+        </inkml:channelProperties>
+      </inkml:inkSource>
+      <inkml:timestamp xml:id="ts0" timeString="2023-01-11T13:30:04.444"/>
+    </inkml:context>
+    <inkml:brush xml:id="br0">
+      <inkml:brushProperty name="width" value="0.025" units="cm"/>
+      <inkml:brushProperty name="height" value="0.025" units="cm"/>
+      <inkml:brushProperty name="color" value="#F0F0F0"/>
+    </inkml:brush>
+  </inkml:definitions>
+  <inkml:trace contextRef="#ctx0" brushRef="#br0">94 22 24575,'-4'0'0,"-1"0"0,0 0 0,1 0 0,-1-1 0,0 0 0,1 1 0,-1-2 0,1 1 0,-1-1 0,1 1 0,0-1 0,-1 0 0,-3-3 0,-14 0-1365,17 5-5461</inkml:trace>
+</inkml:ink>
+</file>
+
+<file path=ppt/ink/ink27.xml><?xml version="1.0" encoding="utf-8"?>
+<inkml:ink xmlns:inkml="http://www.w3.org/2003/InkML">
+  <inkml:definitions>
+    <inkml:context xml:id="ctx0">
+      <inkml:inkSource xml:id="inkSrc0">
+        <inkml:traceFormat>
+          <inkml:channel name="X" type="integer" min="-2.14748E9" max="2.14748E9" units="cm"/>
+          <inkml:channel name="Y" type="integer" min="-2.14748E9" max="2.14748E9" units="cm"/>
+          <inkml:channel name="F" type="integer" max="32767" units="dev"/>
+        </inkml:traceFormat>
+        <inkml:channelProperties>
+          <inkml:channelProperty channel="X" name="resolution" value="1000" units="1/cm"/>
+          <inkml:channelProperty channel="Y" name="resolution" value="1000" units="1/cm"/>
+          <inkml:channelProperty channel="F" name="resolution" value="0" units="1/dev"/>
+        </inkml:channelProperties>
+      </inkml:inkSource>
+      <inkml:timestamp xml:id="ts0" timeString="2023-01-11T13:30:29.894"/>
+    </inkml:context>
+    <inkml:brush xml:id="br0">
+      <inkml:brushProperty name="width" value="0.025" units="cm"/>
+      <inkml:brushProperty name="height" value="0.025" units="cm"/>
+      <inkml:brushProperty name="color" value="#F0F0F0"/>
+    </inkml:brush>
+  </inkml:definitions>
+  <inkml:trace contextRef="#ctx0" brushRef="#br0">143 27 24575,'90'-10'0,"-85"10"0,-3 0 0,0 0 0,1 1 0,-1-1 0,0 0 0,1 0 0,-1-1 0,0 1 0,1 0 0,-1-1 0,0 0 0,1 1 0,-1-1 0,0 0 0,0 0 0,3-2 0,-11 2 0,1 0 0,0 0 0,-1 1 0,1 0 0,-7 0 0,-199-5 0,189 4-1365,18 2-5461</inkml:trace>
+</inkml:ink>
+</file>
+
+<file path=ppt/ink/ink28.xml><?xml version="1.0" encoding="utf-8"?>
+<inkml:ink xmlns:inkml="http://www.w3.org/2003/InkML">
+  <inkml:definitions>
+    <inkml:context xml:id="ctx0">
+      <inkml:inkSource xml:id="inkSrc0">
+        <inkml:traceFormat>
+          <inkml:channel name="X" type="integer" min="-2.14748E9" max="2.14748E9" units="cm"/>
+          <inkml:channel name="Y" type="integer" min="-2.14748E9" max="2.14748E9" units="cm"/>
+          <inkml:channel name="F" type="integer" max="32767" units="dev"/>
+        </inkml:traceFormat>
+        <inkml:channelProperties>
+          <inkml:channelProperty channel="X" name="resolution" value="1000" units="1/cm"/>
+          <inkml:channelProperty channel="Y" name="resolution" value="1000" units="1/cm"/>
+          <inkml:channelProperty channel="F" name="resolution" value="0" units="1/dev"/>
+        </inkml:channelProperties>
+      </inkml:inkSource>
+      <inkml:timestamp xml:id="ts0" timeString="2023-01-11T13:30:42.460"/>
+    </inkml:context>
+    <inkml:brush xml:id="br0">
+      <inkml:brushProperty name="width" value="0.025" units="cm"/>
+      <inkml:brushProperty name="height" value="0.025" units="cm"/>
+      <inkml:brushProperty name="color" value="#F0F0F0"/>
+    </inkml:brush>
+  </inkml:definitions>
+  <inkml:trace contextRef="#ctx0" brushRef="#br0">1 168 24575,'0'-1'0,"0"-4"0,2-4 0,-1-5 0,0-2 0,0 1 0,-1 0 0,0 1 0,0 1 0,0 2 0,0 0 0,0 2 0,0 1 0,0-1 0,-2 0 0,0 0-8191</inkml:trace>
+</inkml:ink>
+</file>
+
+<file path=ppt/ink/ink29.xml><?xml version="1.0" encoding="utf-8"?>
+<inkml:ink xmlns:inkml="http://www.w3.org/2003/InkML">
+  <inkml:definitions>
+    <inkml:context xml:id="ctx0">
+      <inkml:inkSource xml:id="inkSrc0">
+        <inkml:traceFormat>
+          <inkml:channel name="X" type="integer" min="-2.14748E9" max="2.14748E9" units="cm"/>
+          <inkml:channel name="Y" type="integer" min="-2.14748E9" max="2.14748E9" units="cm"/>
+          <inkml:channel name="F" type="integer" max="32767" units="dev"/>
+        </inkml:traceFormat>
+        <inkml:channelProperties>
+          <inkml:channelProperty channel="X" name="resolution" value="1000" units="1/cm"/>
+          <inkml:channelProperty channel="Y" name="resolution" value="1000" units="1/cm"/>
+          <inkml:channelProperty channel="F" name="resolution" value="0" units="1/dev"/>
+        </inkml:channelProperties>
+      </inkml:inkSource>
+      <inkml:timestamp xml:id="ts0" timeString="2023-01-11T13:31:03.308"/>
+    </inkml:context>
+    <inkml:brush xml:id="br0">
+      <inkml:brushProperty name="width" value="0.025" units="cm"/>
+      <inkml:brushProperty name="height" value="0.025" units="cm"/>
+      <inkml:brushProperty name="color" value="#F0F0F0"/>
+    </inkml:brush>
+  </inkml:definitions>
+  <inkml:trace contextRef="#ctx0" brushRef="#br0">13 78 24575,'0'-2'0,"1"0"0,-1 0 0,1 0 0,0 0 0,0 0 0,0 0 0,0 0 0,0 0 0,0 0 0,1 1 0,-1-1 0,1 0 0,-1 1 0,1-1 0,-1 1 0,1 0 0,2-2 0,2-2 0,-11 4 0,-17 3 0,39-2 0,-7 0 0,-1 0 0,1 0 0,-1 1 0,0 0 0,1 1 0,-1 0 0,0 1 0,12 4 0,-17-5 0,-1 0 0,0 0 0,1 0 0,-1 1 0,0-1 0,-1 1 0,1 0 0,0 0 0,-1 0 0,1 0 0,-1 0 0,0 1 0,0-1 0,0 0 0,-1 1 0,1 0 0,-1-1 0,0 1 0,0 0 0,0 0 0,-1 0 0,1-1 0,-1 5 0,3 13 0,0-1 0,1 0 0,8 24 0,-9-40 0,0 1 0,1-1 0,-1 0 0,1-1 0,-1 1 0,1-1 0,0 1 0,1-1 0,6 3 0,8 8 0,-23-53 0,-13-19 0,11 42 0,1-1 0,1 0 0,-3-27 0,7 44 0,0-1 0,0 1 0,0 0 0,0 0 0,0-1 0,0 1 0,0 0 0,0 0 0,0-1 0,0 1 0,0 0 0,0-1 0,0 1 0,0 0 0,0 0 0,0-1 0,0 1 0,0 0 0,0 0 0,0-1 0,0 1 0,0 0 0,-1 0 0,1-1 0,0 1 0,0 0 0,0 0 0,0 0 0,-1-1 0,1 1 0,0 0 0,0 0 0,-1 0 0,1-1 0,0 1 0,0 0 0,-1 0 0,1 0 0,0 0 0,0 0 0,-1 0 0,1 0 0,0 0 0,0 0 0,-1 0 0,1 0 0,0 0 0,0 0 0,-1 0 0,1 0 0,0 0 0,-1 0 0,1 0 0,0 0 0,0 0 0,-1 0 0,1 0 0,0 0 0,0 1 0,-1-1 0,1 0 0,0 0 0,0 0 0,0 0 0,-1 1 0,1-1 0,-1 1 0,0 0 0,0 0 0,0 0 0,0 0 0,0 0 0,1 1 0,-1-1 0,0 0 0,1 0 0,-1 1 0,1-1 0,-1 3 0,-1 29 0,4 67 0,-1-92 0,1-1 0,0 0 0,1 0 0,-1-1 0,5 8 0,-2-1 0,-6-57 0,-4-61 0,4 114 0,1 0 0,0 0 0,1 0 0,0-1 0,0 1 0,1 0 0,0-1 0,0 1 0,1-1 0,6 14 0,2 9 0,-11-23 0,-8-20 0,-8-14 0,10 17 0,0-1 0,0 0 0,1 0 0,1 0 0,0 0 0,-4-15 0,8-9 0,1 30 0,0 0 0,-1-1 0,0 1 0,0-1 0,0 1 0,-1-1 0,-1-7 0,2 12 0,0 0 0,0-1 0,0 1 0,0 0 0,-1-1 0,1 1 0,0 0 0,0-1 0,0 1 0,0 0 0,0 0 0,0-1 0,-1 1 0,1 0 0,0 0 0,0-1 0,0 1 0,-1 0 0,1 0 0,0 0 0,0 0 0,0-1 0,-1 1 0,1 0 0,0 0 0,-1 0 0,1 0 0,0 0 0,0 0 0,-1-1 0,1 1 0,0 0 0,-1 0 0,1 0 0,-1 0 0,-7 9 0,-2 15 0,8-13 0,0 0 0,1 0 0,1 0 0,0 1 0,0-1 0,1 0 0,0 0 0,1 0 0,3 11 0,-4-20 0,-1 0 0,1-1 0,-1 1 0,0 0 0,1 0 0,-1 0 0,0 0 0,0 0 0,0 0 0,0-1 0,-1 1 0,1 0 0,0 0 0,-1 0 0,0 0 0,0 1 0,1-2 0,0-1 0,-1 0 0,1 0 0,0 0 0,0 0 0,0 0 0,-1 1 0,1-1 0,0 0 0,0 0 0,-1 0 0,1 0 0,0 0 0,0 0 0,-1 0 0,1 0 0,0 0 0,0 0 0,-1 0 0,1 0 0,0 0 0,-1 0 0,1 0 0,0 0 0,0 0 0,-1 0 0,1 0 0,0 0 0,0 0 0,0-1 0,-1 1 0,1 0 0,0 0 0,0 0 0,-1-1 0,-12-16 0,3-1 0,1 0 0,1 0 0,0-1 0,-6-28 0,13 42 0,1 0 0,0 0 0,0 1 0,0-1 0,1 0 0,1-7 0,0 1 0,-27 63 0,22-38 0,-1 1 0,2-1 0,0 1 0,1-1 0,0 1 0,2 21 0,0-4 0,-11-151 0,4-71 0,2 191 0,-3 11 0,-5 14 0,7-8 0,2 0 0,0 0 0,0 0 0,2 0 0,0 1 0,3 28 0,-2-45 0,1-1 0,-1 1 0,0-1 0,1 0 0,-1 1 0,0-1 0,1 1 0,0-1 0,-1 0 0,1 1 0,0-1 0,1 2 0,3-3 0,-2-12 0,3-57 0,-3 41 0,-2 23 0,0 11 0,-3 61 0,0-15 0,6 54 0,-1-107 0,2-8 0,5-12 0,-7 10 0,0-1 0,-1 1 0,1-18 0,3-13 0,-3 26 0,0 5 0,-1-1 0,0 0 0,0-18 0,-1 17 0,0 9 0,-1 0 0,0 0 0,1 0 0,-1 0 0,-1 0 0,1 1 0,0-1 0,-1 0 0,0 0 0,-1-4 0,1 8 0,1 0 0,-1 0 0,0 0 0,1 1 0,-1-1 0,1 0 0,-1 0 0,1 0 0,-1 1 0,1-1 0,-1 0 0,0 0 0,1 1 0,0-1 0,-1 1 0,1-1 0,-1 0 0,1 1 0,-1-1 0,1 1 0,0-1 0,-1 1 0,1-1 0,0 1 0,0-1 0,-1 1 0,1-1 0,0 1 0,0 0 0,0-1 0,-1 1 0,-8 20 0,8-10 0,0 0 0,0-1 0,1 1 0,0 0 0,1 0 0,4 21 0,1 29 0,-7-44 0,1-12 0,-1 0 0,1 0 0,0-1 0,0 1 0,2 8 0,-2-12 0,1 0 0,-1 0 0,0 0 0,1 0 0,-1 0 0,1 0 0,-1-1 0,1 1 0,0 0 0,-1 0 0,1 0 0,0-1 0,-1 1 0,1 0 0,0-1 0,0 1 0,0-1 0,-1 1 0,1-1 0,0 1 0,0-1 0,0 0 0,0 1 0,0-1 0,0 0 0,0 0 0,0 0 0,0 0 0,0 0 0,0 0 0,0 0 0,1 0 0,5 0 0,2 0 0,1-1 0,-1 1 0,0-2 0,16-3 0,-25 5 0,1-1 0,0 0 0,0 0 0,-1 0 0,1 0 0,0 1 0,-1-1 0,1 0 0,-1 0 0,0 0 0,1 0 0,-1 0 0,0 0 0,1 0 0,-1 0 0,0 0 0,0-1 0,0 1 0,0 0 0,0 0 0,0-1 0,-1-32 0,0 22 0,1-4 0,0-29 0,0 43 0,0 0 0,-1-1 0,1 1 0,-1-1 0,1 1 0,-1 0 0,0-1 0,0 1 0,0 0 0,0 0 0,0-1 0,-1 1 0,1 0 0,-2-2 0,2 3 0,0 1 0,-1-1 0,1 0 0,0 1 0,0-1 0,0 1 0,-1-1 0,1 1 0,0-1 0,-1 1 0,1 0 0,0 0 0,-1 0 0,-1 0 0,3 0 0,-1 0 0,0 0 0,0 0 0,1 0 0,-1 0 0,0 0 0,0-1 0,1 1 0,-1 0 0,0 0 0,0 0 0,1-1 0,-1 1 0,0 0 0,1-1 0,-1 1 0,0-1 0,1 1 0,-1 0 0,1-1 0,-1 0 0,1 1 0,-1-1 0,1 1 0,-1-1 0,1 0 0,-1 1 0,1-1 0,0 0 0,-1 1 0,1-1 0,0 0 0,0 1 0,0-1 0,-1 0 0,1 0 0,0 1 0,0-1 0,0 0 0,0 0 0,0 1 0,0-1 0,1-1 0,-1-3 0,-1 1 0,1 0 0,-1 0 0,0 0 0,0 1 0,0-1 0,-1 0 0,-2-5 0,-2-4 0,6 13 0,0 0 0,0 0 0,0-1 0,0 1 0,0 0 0,0 0 0,0-1 0,0 1 0,0 0 0,0 0 0,0-1 0,0 1 0,0 0 0,0 0 0,0-1 0,0 1 0,0 0 0,0 0 0,0-1 0,0 1 0,0 0 0,0 0 0,0-1 0,1 1 0,-1 0 0,0 0 0,0 0 0,0-1 0,0 1 0,0 0 0,1 0 0,-1 0 0,0 0 0,0-1 0,0 1 0,1 0 0,-1 0 0,0 0 0,0 0 0,1 0 0,-1 0 0,0 0 0,0 0 0,1 0 0,-1-1 0,0 1 0,0 0 0,1 0 0,-1 0 0,0 0 0,0 1 0,1-1 0,-1 0 0,0 0 0,0 0 0,1 0 0,-1 0 0,0 0 0,0 0 0,1 0 0,0 1 0,-1-1 0,1 0 0,0 0 0,0 1 0,-1-1 0,1 1 0,0-1 0,-1 0 0,1 1 0,0-1 0,-1 1 0,1 0 0,-1-1 0,1 1 0,0-1 0,-1 1 0,0 0 0,1 0 0,-1-1 0,1 1 0,-1 0 0,0-1 0,0 1 0,1 1 0,0 7 0,5 17 0,-6-25 0,0-1 0,1 1 0,-1 0 0,1-1 0,-1 1 0,1-1 0,-1 1 0,1-1 0,0 0 0,-1 1 0,1-1 0,-1 1 0,1-1 0,0 0 0,-1 0 0,1 1 0,0-1 0,0 0 0,-1 0 0,1 0 0,0 0 0,-1 0 0,1 0 0,0 0 0,0 0 0,-1 0 0,1 0 0,0 0 0,-1 0 0,1-1 0,0 1 0,-1 0 0,1 0 0,0-1 0,0 0 0,0 1 0,-1 0 0,1 0 0,-1 0 0,1-1 0,-1 1 0,0 0 0,1 0 0,-1-1 0,1 1 0,-1 0 0,0-1 0,1 1 0,-1 0 0,0-1 0,1 1 0,-1 0 0,0-1 0,0 1 0,1-1 0,-1 1 0,0 0 0,0-1 0,0 1 0,0-1 0,1 1 0,-1-1 0,0 1 0,0-1 0,0 1 0,0-1 0,0 1 0,0-1 0,0 1 0,0-1 0,0 1 0,-1 0 0,1-1 0,0 1 0,0-1 0,0 1 0,0-1 0,-1 1 0,1 0 0,0-1 0,-1 1 0,1-1 0,-1 0 0,0 0 0,1 1 0,-1-1 0,0 0 0,1 1 0,-1-1 0,0 1 0,0-1 0,0 1 0,1-1 0,-1 1 0,0 0 0,0-1 0,0 1 0,0 0 0,0 0 0,0 0 0,0-1 0,0 1 0,0 0 0,1 0 0,-1 0 0,0 1 0,0-1 0,-2 0 0,2 1 0,-1 0 0,0 1 0,1-1 0,-1 0 0,1 1 0,0-1 0,-1 0 0,1 1 0,0 0 0,0-1 0,0 1 0,0 0 0,0-1 0,0 1 0,0 0 0,1 0 0,-1 0 0,1 0 0,-1 0 0,1 0 0,0 0 0,0 3 0,-1 53 0,2-40 0,-1 59 0,0-46 0,0-27 0,0-10 0,0-3 0,0 3 0,0-1 0,0 1 0,-1 0 0,1 0 0,-3-8 0,3 14 0,0 0 0,0-1 0,0 1 0,0 0 0,-1-1 0,1 1 0,0-1 0,0 1 0,0 0 0,-1-1 0,1 1 0,0 0 0,0 0 0,-1-1 0,1 1 0,0 0 0,-1 0 0,1-1 0,0 1 0,-1 0 0,1 0 0,0 0 0,-1-1 0,1 1 0,0 0 0,-1 0 0,1 0 0,-1 0 0,1 0 0,0 0 0,-1 0 0,0 0 0,0 1 0,-1-1 0,1 1 0,-1 0 0,1 0 0,-1 0 0,1 0 0,-1 0 0,1 0 0,0 0 0,-1 0 0,1 1 0,-1 1 0,-1 0 0,1 0 0,0 0 0,0 0 0,0 0 0,0 1 0,1-1 0,0 1 0,-2 3 0,3-7 0,0 0 0,0 1 0,0-1 0,0 0 0,0 1 0,0-1 0,0 1 0,0-1 0,0 0 0,0 1 0,0-1 0,0 0 0,0 1 0,0-1 0,0 0 0,0 1 0,0-1 0,0 0 0,0 1 0,1-1 0,-1 0 0,0 1 0,0-1 0,0 0 0,1 1 0,-1-1 0,0 0 0,0 0 0,1 1 0,-1-1 0,2 0 0,-1 0 0,0 1 0,0-1 0,0-1 0,1 1 0,-1 0 0,0 0 0,0 0 0,0 0 0,0-1 0,1 1 0,-1-1 0,0 1 0,0-1 0,1 0 0,37-25 0,-15 9 0,-24 16 0,0 1 0,0 0 0,1 0 0,-1-1 0,0 1 0,1 0 0,-1 0 0,0 0 0,1 0 0,-1-1 0,0 1 0,1 0 0,-1 0 0,1 0 0,-1 0 0,0 0 0,1 0 0,-1 0 0,0 0 0,1 0 0,-1 0 0,1 0 0,-1 0 0,0 0 0,1 0 0,-1 0 0,0 1 0,1-1 0,-1 0 0,0 0 0,1 0 0,-1 1 0,0-1 0,1 0 0,-1 0 0,0 1 0,1-1 0,-1 0 0,0 0 0,0 1 0,0-1 0,1 1 0,5 20 0,-6-19 0,0 0 0,1-1 0,-1 1 0,0 0 0,1 0 0,-1-1 0,1 1 0,0 0 0,-1-1 0,1 1 0,0 0 0,0-1 0,0 1 0,0-1 0,0 0 0,0 1 0,2 1 0,-2-3 0,1 1 0,-1 0 0,0-1 0,0 1 0,0-1 0,0 0 0,0 1 0,1-1 0,-1 0 0,0 0 0,0 0 0,0 0 0,1 0 0,-1 0 0,0 0 0,0 0 0,0 0 0,1 0 0,-1-1 0,0 1 0,0 0 0,0-1 0,0 1 0,0-1 0,0 0 0,0 1 0,0-1 0,0 0 0,0 1 0,0-1 0,0 0 0,0 0 0,0 0 0,0 0 0,-1 0 0,1 0 0,-1 0 0,1 0 0,0 0 0,-1 0 0,0 0 0,1-1 0,-1 1 0,0 0 0,1 0 0,-1 0 0,0-1 0,0 1 0,0 0 0,0 0 0,0 0 0,0-1 0,-1 1 0,1 0 0,0 0 0,-1-2 0,0 3 0,1-1 0,0 1 0,-1 0 0,1 0 0,-1 0 0,1-1 0,-1 1 0,1 0 0,-1 0 0,1 0 0,-1 0 0,1 0 0,-1 0 0,1 0 0,-1 0 0,1 0 0,-1 0 0,1 0 0,-1 1 0,1-1 0,0 0 0,-1 0 0,1 0 0,-1 1 0,1-1 0,-1 0 0,1 0 0,0 1 0,-1-1 0,1 0 0,0 1 0,-1-1 0,1 0 0,0 1 0,-1 0 0,-20 15 0,19-14 0,1-1 0,1 0 0,-1 0 0,0 0 0,0-1 0,0 1 0,0 0 0,0 0 0,0-1 0,0 1 0,0-1 0,-1 1 0,1-1 0,0 1 0,0-1 0,0 0 0,0 0 0,-1 0 0,1 1 0,0-1 0,0 0 0,-1 0 0,1-1 0,0 1 0,0 0 0,0 0 0,-1-1 0,1 1 0,0 0 0,0-1 0,0 1 0,0-1 0,0 1 0,-2-2 0,1 0 0,1 0 0,0 0 0,0 0 0,-1 0 0,1 0 0,0 0 0,1 0 0,-1 0 0,0 0 0,0 0 0,1 0 0,0-1 0,-1 1 0,1 0 0,0 0 0,0-5 0,0-7 0,3-10 0,-2 23 0,0 0 0,-1 0 0,1 0 0,0 1 0,0-1 0,0 0 0,-1 1 0,1-1 0,0 0 0,0 1 0,0-1 0,0 1 0,0 0 0,0-1 0,0 1 0,0 0 0,0 0 0,0-1 0,0 1 0,0 0 0,1 0 0,0 0 0,-1 0 0,0 0 0,0 0 0,0 0 0,0 0 0,0 0 0,0 0 0,0 0 0,0 0 0,-1 0 0,1 0 0,0 0 0,0 0 0,0 1 0,0-1 0,0 0 0,-1 1 0,1-1 0,0 1 0,0-1 0,-1 1 0,1-1 0,1 2 0,0 19 0,-2-15 0,0-4 0,0 0 0,0-1 0,0 1 0,0 0 0,0 0 0,1 0 0,-1-1 0,1 1 0,-1 0 0,1-1 0,0 1 0,-1 0 0,1-1 0,0 1 0,0-1 0,0 1 0,1-1 0,-1 1 0,0-1 0,0 0 0,1 0 0,-1 0 0,3 2 0,-2-1 0,-8-5 0,-10-6 0,14 7 0,0 0 0,0 0 0,0 0 0,1-1 0,-1 1 0,0 0 0,1-1 0,0 1 0,-1-1 0,1 0 0,0 1 0,0-1 0,1 0 0,-1 0 0,1 1 0,-1-1 0,1 0 0,0 0 0,0 0 0,0 0 0,1-3 0,-2-16 0,1 21 0,-1 1 0,1-1 0,0 0 0,-1 0 0,1 1 0,-1-1 0,1 0 0,-1 1 0,1-1 0,-1 0 0,1 1 0,-1-1 0,0 1 0,1-1 0,-1 1 0,0-1 0,1 1 0,-1 0 0,0-1 0,0 1 0,1 0 0,-1 0 0,0-1 0,0 1 0,0 0 0,-1 0 0,-11-6 0,13 5 0,0 0 0,0 0 0,0 1 0,0-1 0,0 0 0,0 0 0,0 1 0,0-1 0,0 0 0,0 0 0,1 1 0,-1-1 0,0 0 0,0 0 0,1 1 0,-1-1 0,1 0 0,-1 1 0,0-1 0,1 1 0,-1-1 0,1 0 0,-1 1 0,2-1 0,7-8-118,-8 15 231,-13 28-52,3-9-1482,9-20-5405</inkml:trace>
+</inkml:ink>
+</file>
+
+<file path=ppt/ink/ink3.xml><?xml version="1.0" encoding="utf-8"?>
+<inkml:ink xmlns:inkml="http://www.w3.org/2003/InkML">
+  <inkml:definitions>
+    <inkml:context xml:id="ctx0">
+      <inkml:inkSource xml:id="inkSrc0">
+        <inkml:traceFormat>
+          <inkml:channel name="X" type="integer" min="-2.14748E9" max="2.14748E9" units="cm"/>
+          <inkml:channel name="Y" type="integer" min="-2.14748E9" max="2.14748E9" units="cm"/>
+        </inkml:traceFormat>
+        <inkml:channelProperties>
+          <inkml:channelProperty channel="X" name="resolution" value="1000" units="1/cm"/>
+          <inkml:channelProperty channel="Y" name="resolution" value="1000" units="1/cm"/>
+        </inkml:channelProperties>
+      </inkml:inkSource>
+      <inkml:timestamp xml:id="ts0" timeString="2023-01-11T13:27:02.966"/>
+    </inkml:context>
+    <inkml:brush xml:id="br0">
+      <inkml:brushProperty name="width" value="0.1" units="cm"/>
+      <inkml:brushProperty name="height" value="0.2" units="cm"/>
+      <inkml:brushProperty name="color" value="#F0F0F0"/>
+      <inkml:brushProperty name="tip" value="rectangle"/>
+      <inkml:brushProperty name="rasterOp" value="maskPen"/>
+      <inkml:brushProperty name="ignorePressure" value="1"/>
+    </inkml:brush>
+  </inkml:definitions>
+  <inkml:trace contextRef="#ctx0" brushRef="#br0">0 0,'2'89,"13"90,-7-107,-6-39,2 0,2-1,14 51,-19-80,0 0,0 0,1 0,-1 0,1 0,0 0,-1 0,2-1,-1 1,0-1,0 1,1-1,-1 0,1 0,0 0,-1 0,1-1,0 1,0-1,0 0,0 1,0-1,1-1,-1 1,0 0,0-1,1 0,-1 1,0-1,1-1,-1 1,0 0,0-1,1 0,-1 0,0 0,0 0,0 0,0 0,0-1,0 0,0 1,4-5,1-2,-1 0,0 0,-1-1,0 0,0 0,6-15,-11 22,0 0,0 0,0 0,0-1,0 1,-1 0,1 0,-1-1,1 1,-1 0,0-1,0 1,0 0,0-1,-1 1,1 0,0-1,-1 1,0 0,1 0,-1-1,0 1,0 0,0 0,-1 0,1 0,0 0,-1 0,1 1,-1-1,0 0,0 1,1-1,-1 1,0 0,-3-2,2 2,0 0,0 0,0 0,0 0,0 1,-1 0,1-1,0 1,0 0,-1 0,1 1,0-1,0 1,-5 1,-1 0,1 1,-1 1,-13 7,10-4</inkml:trace>
+</inkml:ink>
+</file>
+
+<file path=ppt/ink/ink4.xml><?xml version="1.0" encoding="utf-8"?>
+<inkml:ink xmlns:inkml="http://www.w3.org/2003/InkML">
+  <inkml:definitions>
+    <inkml:context xml:id="ctx0">
+      <inkml:inkSource xml:id="inkSrc0">
+        <inkml:traceFormat>
+          <inkml:channel name="X" type="integer" min="-2.14748E9" max="2.14748E9" units="cm"/>
+          <inkml:channel name="Y" type="integer" min="-2.14748E9" max="2.14748E9" units="cm"/>
+        </inkml:traceFormat>
+        <inkml:channelProperties>
+          <inkml:channelProperty channel="X" name="resolution" value="1000" units="1/cm"/>
+          <inkml:channelProperty channel="Y" name="resolution" value="1000" units="1/cm"/>
+        </inkml:channelProperties>
+      </inkml:inkSource>
+      <inkml:timestamp xml:id="ts0" timeString="2023-01-11T13:27:05.355"/>
+    </inkml:context>
+    <inkml:brush xml:id="br0">
+      <inkml:brushProperty name="width" value="0.1" units="cm"/>
+      <inkml:brushProperty name="height" value="0.2" units="cm"/>
+      <inkml:brushProperty name="color" value="#F0F0F0"/>
+      <inkml:brushProperty name="tip" value="rectangle"/>
+      <inkml:brushProperty name="rasterOp" value="maskPen"/>
+      <inkml:brushProperty name="ignorePressure" value="1"/>
+    </inkml:brush>
+  </inkml:definitions>
+  <inkml:trace contextRef="#ctx0" brushRef="#br0">1 0</inkml:trace>
+</inkml:ink>
+</file>
+
+<file path=ppt/ink/ink5.xml><?xml version="1.0" encoding="utf-8"?>
+<inkml:ink xmlns:inkml="http://www.w3.org/2003/InkML">
+  <inkml:definitions>
+    <inkml:context xml:id="ctx0">
+      <inkml:inkSource xml:id="inkSrc0">
+        <inkml:traceFormat>
+          <inkml:channel name="X" type="integer" min="-2.14748E9" max="2.14748E9" units="cm"/>
+          <inkml:channel name="Y" type="integer" min="-2.14748E9" max="2.14748E9" units="cm"/>
+        </inkml:traceFormat>
+        <inkml:channelProperties>
+          <inkml:channelProperty channel="X" name="resolution" value="1000" units="1/cm"/>
+          <inkml:channelProperty channel="Y" name="resolution" value="1000" units="1/cm"/>
+        </inkml:channelProperties>
+      </inkml:inkSource>
+      <inkml:timestamp xml:id="ts0" timeString="2023-01-11T13:27:06.333"/>
+    </inkml:context>
+    <inkml:brush xml:id="br0">
+      <inkml:brushProperty name="width" value="0.1" units="cm"/>
+      <inkml:brushProperty name="height" value="0.2" units="cm"/>
+      <inkml:brushProperty name="color" value="#F0F0F0"/>
+      <inkml:brushProperty name="tip" value="rectangle"/>
+      <inkml:brushProperty name="rasterOp" value="maskPen"/>
+      <inkml:brushProperty name="ignorePressure" value="1"/>
+    </inkml:brush>
+  </inkml:definitions>
+  <inkml:trace contextRef="#ctx0" brushRef="#br0">78 0,'-3'2,"0"-1,1 1,-1 0,0 0,1 0,-1 0,1 0,0 0,0 1,0-1,0 1,0 0,0-1,1 1,-1 0,0 4,-19 55,17-47,-2 17,3-23,2-35,-1 1,1 16,0 0,1 0,0 0,0-1,1 1,3-14,5 49,-8-20,0 1,1 0,-1 1,1-1,0 0,0 0,1 0,0-1,0 1,1 0,0-1,8 10,-5-10</inkml:trace>
+</inkml:ink>
+</file>
+
+<file path=ppt/ink/ink6.xml><?xml version="1.0" encoding="utf-8"?>
+<inkml:ink xmlns:inkml="http://www.w3.org/2003/InkML">
+  <inkml:definitions>
+    <inkml:context xml:id="ctx0">
+      <inkml:inkSource xml:id="inkSrc0">
+        <inkml:traceFormat>
+          <inkml:channel name="X" type="integer" min="-2.14748E9" max="2.14748E9" units="cm"/>
+          <inkml:channel name="Y" type="integer" min="-2.14748E9" max="2.14748E9" units="cm"/>
+        </inkml:traceFormat>
+        <inkml:channelProperties>
+          <inkml:channelProperty channel="X" name="resolution" value="1000" units="1/cm"/>
+          <inkml:channelProperty channel="Y" name="resolution" value="1000" units="1/cm"/>
+        </inkml:channelProperties>
+      </inkml:inkSource>
+      <inkml:timestamp xml:id="ts0" timeString="2023-01-11T13:27:08.239"/>
+    </inkml:context>
+    <inkml:brush xml:id="br0">
+      <inkml:brushProperty name="width" value="0.1" units="cm"/>
+      <inkml:brushProperty name="height" value="0.2" units="cm"/>
+      <inkml:brushProperty name="color" value="#F0F0F0"/>
+      <inkml:brushProperty name="tip" value="rectangle"/>
+      <inkml:brushProperty name="rasterOp" value="maskPen"/>
+      <inkml:brushProperty name="ignorePressure" value="1"/>
+    </inkml:brush>
+  </inkml:definitions>
+  <inkml:trace contextRef="#ctx0" brushRef="#br0">435 349,'-43'-35,"-112"-85,104 83,-60-55,55 44,37 32</inkml:trace>
+</inkml:ink>
+</file>
+
+<file path=ppt/ink/ink7.xml><?xml version="1.0" encoding="utf-8"?>
+<inkml:ink xmlns:inkml="http://www.w3.org/2003/InkML">
+  <inkml:definitions>
+    <inkml:context xml:id="ctx0">
+      <inkml:inkSource xml:id="inkSrc0">
+        <inkml:traceFormat>
+          <inkml:channel name="X" type="integer" min="-2.14748E9" max="2.14748E9" units="cm"/>
+          <inkml:channel name="Y" type="integer" min="-2.14748E9" max="2.14748E9" units="cm"/>
+        </inkml:traceFormat>
+        <inkml:channelProperties>
+          <inkml:channelProperty channel="X" name="resolution" value="1000" units="1/cm"/>
+          <inkml:channelProperty channel="Y" name="resolution" value="1000" units="1/cm"/>
+        </inkml:channelProperties>
+      </inkml:inkSource>
+      <inkml:timestamp xml:id="ts0" timeString="2023-01-11T13:27:08.645"/>
+    </inkml:context>
+    <inkml:brush xml:id="br0">
+      <inkml:brushProperty name="width" value="0.1" units="cm"/>
+      <inkml:brushProperty name="height" value="0.2" units="cm"/>
+      <inkml:brushProperty name="color" value="#F0F0F0"/>
+      <inkml:brushProperty name="tip" value="rectangle"/>
+      <inkml:brushProperty name="rasterOp" value="maskPen"/>
+      <inkml:brushProperty name="ignorePressure" value="1"/>
+    </inkml:brush>
+  </inkml:definitions>
+  <inkml:trace contextRef="#ctx0" brushRef="#br0">0 0</inkml:trace>
+</inkml:ink>
+</file>
+
+<file path=ppt/ink/ink8.xml><?xml version="1.0" encoding="utf-8"?>
+<inkml:ink xmlns:inkml="http://www.w3.org/2003/InkML">
+  <inkml:definitions>
+    <inkml:context xml:id="ctx0">
+      <inkml:inkSource xml:id="inkSrc0">
+        <inkml:traceFormat>
+          <inkml:channel name="X" type="integer" min="-2.14748E9" max="2.14748E9" units="cm"/>
+          <inkml:channel name="Y" type="integer" min="-2.14748E9" max="2.14748E9" units="cm"/>
+        </inkml:traceFormat>
+        <inkml:channelProperties>
+          <inkml:channelProperty channel="X" name="resolution" value="1000" units="1/cm"/>
+          <inkml:channelProperty channel="Y" name="resolution" value="1000" units="1/cm"/>
+        </inkml:channelProperties>
+      </inkml:inkSource>
+      <inkml:timestamp xml:id="ts0" timeString="2023-01-11T13:27:09.015"/>
+    </inkml:context>
+    <inkml:brush xml:id="br0">
+      <inkml:brushProperty name="width" value="0.1" units="cm"/>
+      <inkml:brushProperty name="height" value="0.2" units="cm"/>
+      <inkml:brushProperty name="color" value="#F0F0F0"/>
+      <inkml:brushProperty name="tip" value="rectangle"/>
+      <inkml:brushProperty name="rasterOp" value="maskPen"/>
+      <inkml:brushProperty name="ignorePressure" value="1"/>
+    </inkml:brush>
+  </inkml:definitions>
+  <inkml:trace contextRef="#ctx0" brushRef="#br0">1 1</inkml:trace>
+</inkml:ink>
+</file>
+
+<file path=ppt/ink/ink9.xml><?xml version="1.0" encoding="utf-8"?>
+<inkml:ink xmlns:inkml="http://www.w3.org/2003/InkML">
+  <inkml:definitions>
+    <inkml:context xml:id="ctx0">
+      <inkml:inkSource xml:id="inkSrc0">
+        <inkml:traceFormat>
+          <inkml:channel name="X" type="integer" min="-2.14748E9" max="2.14748E9" units="cm"/>
+          <inkml:channel name="Y" type="integer" min="-2.14748E9" max="2.14748E9" units="cm"/>
+        </inkml:traceFormat>
+        <inkml:channelProperties>
+          <inkml:channelProperty channel="X" name="resolution" value="1000" units="1/cm"/>
+          <inkml:channelProperty channel="Y" name="resolution" value="1000" units="1/cm"/>
+        </inkml:channelProperties>
+      </inkml:inkSource>
+      <inkml:timestamp xml:id="ts0" timeString="2023-01-11T13:27:14.325"/>
+    </inkml:context>
+    <inkml:brush xml:id="br0">
+      <inkml:brushProperty name="width" value="0.1" units="cm"/>
+      <inkml:brushProperty name="height" value="0.2" units="cm"/>
+      <inkml:brushProperty name="color" value="#F0F0F0"/>
+      <inkml:brushProperty name="tip" value="rectangle"/>
+      <inkml:brushProperty name="rasterOp" value="maskPen"/>
+      <inkml:brushProperty name="ignorePressure" value="1"/>
+    </inkml:brush>
+  </inkml:definitions>
+  <inkml:trace contextRef="#ctx0" brushRef="#br0">1 214,'1'0,"0"-1,1 1,-1-1,0 1,1-1,-1 0,0 1,0-1,1 0,-1 0,0 0,0 1,0-1,0-1,0 1,0 0,1-2,14-24,-14 22,-1 4,3-8,1 0,0 0,0 1,1 0,0 0,0 0,1 1,0 0,0 0,0 1,12-8,-4 5,-8 6,-1 0,0-1,0 0,0 0,-1 0,1 0,-1-1,0 0,8-10,-14 15,1 0,0 0,0 1,0-1,0 0,0 0,0 0,-1 0,1 0,0 0,0 0,0 1,0-1,-1 0,1 0,0 0,0 0,0 0,0 0,-1 0,1 0,0 0,0 0,0 0,-1 0,1 0,0 0,0 0,0 0,-1 0,1 0,0 0,0 0,0-1,0 1,-1 0,1 0,0 0,0 0,0 0,0 0,0 0,-1-1,1 1,0 0,0 0,0 0,0 0,0-1,0 1,0 0,0 0,0 0,0 0,0-1,0 1,0 0,0 0,0 0,0-1,0 1,0 0,0 0,0 0,0-1,0 1,0 0,-15 7,-1 6,0 1,1 0,1 1,0 0,1 1,-18 28,-6 7,21-33,8-12</inkml:trace>
+</inkml:ink>
+</file>
+
+<file path=ppt/notesMasters/notesMaster1.xml><?xml version="1.0" encoding="utf-8"?>
+<p:notesMaster xmlns:a="http://schemas.openxmlformats.org/drawingml/2006/main" xmlns:r="http://schemas.openxmlformats.org/officeDocument/2006/relationships" xmlns:p="http://schemas.openxmlformats.org/presentationml/2006/main">
+  <p:cSld>
+    <p:bg>
+      <p:bgRef idx="1001">
+        <a:schemeClr val="bg1"/>
+      </p:bgRef>
+    </p:bg>
+    <p:spTree>
+      <p:nvGrpSpPr>
+        <p:cNvPr id="1" name=""/>
+        <p:cNvGrpSpPr/>
+        <p:nvPr/>
+      </p:nvGrpSpPr>
+      <p:grpSpPr>
+        <a:xfrm>
+          <a:off x="0" y="0"/>
+          <a:ext cx="0" cy="0"/>
+          <a:chOff x="0" y="0"/>
+          <a:chExt cx="0" cy="0"/>
+        </a:xfrm>
+      </p:grpSpPr>
+      <p:sp>
+        <p:nvSpPr>
+          <p:cNvPr id="2" name="Kopfzeilenplatzhalter 1"/>
+          <p:cNvSpPr>
+            <a:spLocks noGrp="1"/>
+          </p:cNvSpPr>
+          <p:nvPr>
+            <p:ph type="hdr" sz="quarter"/>
+          </p:nvPr>
+        </p:nvSpPr>
+        <p:spPr>
+          <a:xfrm>
+            <a:off x="0" y="0"/>
+            <a:ext cx="2971800" cy="458788"/>
+          </a:xfrm>
+          <a:prstGeom prst="rect">
+            <a:avLst/>
+          </a:prstGeom>
+        </p:spPr>
+        <p:txBody>
+          <a:bodyPr vert="horz" lIns="91440" tIns="45720" rIns="91440" bIns="45720" rtlCol="0"/>
+          <a:lstStyle>
+            <a:lvl1pPr algn="l">
+              <a:defRPr sz="1200"/>
+            </a:lvl1pPr>
+          </a:lstStyle>
+          <a:p>
+            <a:endParaRPr lang="de-DE"/>
+          </a:p>
+        </p:txBody>
+      </p:sp>
+      <p:sp>
+        <p:nvSpPr>
+          <p:cNvPr id="3" name="Datumsplatzhalter 2"/>
+          <p:cNvSpPr>
+            <a:spLocks noGrp="1"/>
+          </p:cNvSpPr>
+          <p:nvPr>
+            <p:ph type="dt" idx="1"/>
+          </p:nvPr>
+        </p:nvSpPr>
+        <p:spPr>
+          <a:xfrm>
+            <a:off x="3884613" y="0"/>
+            <a:ext cx="2971800" cy="458788"/>
+          </a:xfrm>
+          <a:prstGeom prst="rect">
+            <a:avLst/>
+          </a:prstGeom>
+        </p:spPr>
+        <p:txBody>
+          <a:bodyPr vert="horz" lIns="91440" tIns="45720" rIns="91440" bIns="45720" rtlCol="0"/>
+          <a:lstStyle>
+            <a:lvl1pPr algn="r">
+              <a:defRPr sz="1200"/>
+            </a:lvl1pPr>
+          </a:lstStyle>
+          <a:p>
+            <a:fld id="{58DD7BC2-5202-4A01-B127-AE5D9A25CF15}" type="datetimeFigureOut">
+              <a:rPr lang="de-DE" smtClean="0"/>
+              <a:t>11.01.2023</a:t>
+            </a:fld>
+            <a:endParaRPr lang="de-DE"/>
+          </a:p>
+        </p:txBody>
+      </p:sp>
+      <p:sp>
+        <p:nvSpPr>
+          <p:cNvPr id="4" name="Folienbildplatzhalter 3"/>
+          <p:cNvSpPr>
+            <a:spLocks noGrp="1" noRot="1" noChangeAspect="1"/>
+          </p:cNvSpPr>
+          <p:nvPr>
+            <p:ph type="sldImg" idx="2"/>
+          </p:nvPr>
+        </p:nvSpPr>
+        <p:spPr>
+          <a:xfrm>
+            <a:off x="685800" y="1143000"/>
+            <a:ext cx="5486400" cy="3086100"/>
+          </a:xfrm>
+          <a:prstGeom prst="rect">
+            <a:avLst/>
+          </a:prstGeom>
+          <a:noFill/>
+          <a:ln w="12700">
+            <a:solidFill>
+              <a:prstClr val="black"/>
+            </a:solidFill>
+          </a:ln>
+        </p:spPr>
+        <p:txBody>
+          <a:bodyPr vert="horz" lIns="91440" tIns="45720" rIns="91440" bIns="45720" rtlCol="0" anchor="ctr"/>
+          <a:lstStyle/>
+          <a:p>
+            <a:endParaRPr lang="de-DE"/>
+          </a:p>
+        </p:txBody>
+      </p:sp>
+      <p:sp>
+        <p:nvSpPr>
+          <p:cNvPr id="5" name="Notizenplatzhalter 4"/>
+          <p:cNvSpPr>
+            <a:spLocks noGrp="1"/>
+          </p:cNvSpPr>
+          <p:nvPr>
+            <p:ph type="body" sz="quarter" idx="3"/>
+          </p:nvPr>
+        </p:nvSpPr>
+        <p:spPr>
+          <a:xfrm>
+            <a:off x="685800" y="4400550"/>
+            <a:ext cx="5486400" cy="3600450"/>
+          </a:xfrm>
+          <a:prstGeom prst="rect">
+            <a:avLst/>
+          </a:prstGeom>
+        </p:spPr>
+        <p:txBody>
+          <a:bodyPr vert="horz" lIns="91440" tIns="45720" rIns="91440" bIns="45720" rtlCol="0"/>
+          <a:lstStyle/>
+          <a:p>
+            <a:pPr lvl="0"/>
+            <a:r>
+              <a:rPr lang="de-DE"/>
+              <a:t>Mastertextformat bearbeiten</a:t>
+            </a:r>
+          </a:p>
+          <a:p>
+            <a:pPr lvl="1"/>
+            <a:r>
+              <a:rPr lang="de-DE"/>
+              <a:t>Zweite Ebene</a:t>
+            </a:r>
+          </a:p>
+          <a:p>
+            <a:pPr lvl="2"/>
+            <a:r>
+              <a:rPr lang="de-DE"/>
+              <a:t>Dritte Ebene</a:t>
+            </a:r>
+          </a:p>
+          <a:p>
+            <a:pPr lvl="3"/>
+            <a:r>
+              <a:rPr lang="de-DE"/>
+              <a:t>Vierte Ebene</a:t>
+            </a:r>
+          </a:p>
+          <a:p>
+            <a:pPr lvl="4"/>
+            <a:r>
+              <a:rPr lang="de-DE"/>
+              <a:t>Fünfte Ebene</a:t>
+            </a:r>
+          </a:p>
+        </p:txBody>
+      </p:sp>
+      <p:sp>
+        <p:nvSpPr>
+          <p:cNvPr id="6" name="Fußzeilenplatzhalter 5"/>
+          <p:cNvSpPr>
+            <a:spLocks noGrp="1"/>
+          </p:cNvSpPr>
+          <p:nvPr>
+            <p:ph type="ftr" sz="quarter" idx="4"/>
+          </p:nvPr>
+        </p:nvSpPr>
+        <p:spPr>
+          <a:xfrm>
+            <a:off x="0" y="8685213"/>
+            <a:ext cx="2971800" cy="458787"/>
+          </a:xfrm>
+          <a:prstGeom prst="rect">
+            <a:avLst/>
+          </a:prstGeom>
+        </p:spPr>
+        <p:txBody>
+          <a:bodyPr vert="horz" lIns="91440" tIns="45720" rIns="91440" bIns="45720" rtlCol="0" anchor="b"/>
+          <a:lstStyle>
+            <a:lvl1pPr algn="l">
+              <a:defRPr sz="1200"/>
+            </a:lvl1pPr>
+          </a:lstStyle>
+          <a:p>
+            <a:endParaRPr lang="de-DE"/>
+          </a:p>
+        </p:txBody>
+      </p:sp>
+      <p:sp>
+        <p:nvSpPr>
+          <p:cNvPr id="7" name="Foliennummernplatzhalter 6"/>
+          <p:cNvSpPr>
+            <a:spLocks noGrp="1"/>
+          </p:cNvSpPr>
+          <p:nvPr>
+            <p:ph type="sldNum" sz="quarter" idx="5"/>
+          </p:nvPr>
+        </p:nvSpPr>
+        <p:spPr>
+          <a:xfrm>
+            <a:off x="3884613" y="8685213"/>
+            <a:ext cx="2971800" cy="458787"/>
+          </a:xfrm>
+          <a:prstGeom prst="rect">
+            <a:avLst/>
+          </a:prstGeom>
+        </p:spPr>
+        <p:txBody>
+          <a:bodyPr vert="horz" lIns="91440" tIns="45720" rIns="91440" bIns="45720" rtlCol="0" anchor="b"/>
+          <a:lstStyle>
+            <a:lvl1pPr algn="r">
+              <a:defRPr sz="1200"/>
+            </a:lvl1pPr>
+          </a:lstStyle>
+          <a:p>
+            <a:fld id="{D61117AF-115C-439C-9578-D35EDBDDC22A}" type="slidenum">
+              <a:rPr lang="de-DE" smtClean="0"/>
+              <a:t>‹Nr.›</a:t>
+            </a:fld>
+            <a:endParaRPr lang="de-DE"/>
+          </a:p>
+        </p:txBody>
+      </p:sp>
+    </p:spTree>
+    <p:extLst>
+      <p:ext uri="{BB962C8B-B14F-4D97-AF65-F5344CB8AC3E}">
+        <p14:creationId xmlns:p14="http://schemas.microsoft.com/office/powerpoint/2010/main" val="2576142805"/>
+      </p:ext>
+    </p:extLst>
+  </p:cSld>
+  <p:clrMap bg1="lt1" tx1="dk1" bg2="lt2" tx2="dk2" accent1="accent1" accent2="accent2" accent3="accent3" accent4="accent4" accent5="accent5" accent6="accent6" hlink="hlink" folHlink="folHlink"/>
+  <p:notesStyle>
+    <a:lvl1pPr marL="0" algn="l" defTabSz="914400" rtl="0" eaLnBrk="1" latinLnBrk="0" hangingPunct="1">
+      <a:defRPr sz="1200" kern="1200">
+        <a:solidFill>
+          <a:schemeClr val="tx1"/>
+        </a:solidFill>
+        <a:latin typeface="+mn-lt"/>
+        <a:ea typeface="+mn-ea"/>
+        <a:cs typeface="+mn-cs"/>
+      </a:defRPr>
+    </a:lvl1pPr>
+    <a:lvl2pPr marL="457200" algn="l" defTabSz="914400" rtl="0" eaLnBrk="1" latinLnBrk="0" hangingPunct="1">
+      <a:defRPr sz="1200" kern="1200">
+        <a:solidFill>
+          <a:schemeClr val="tx1"/>
+        </a:solidFill>
+        <a:latin typeface="+mn-lt"/>
+        <a:ea typeface="+mn-ea"/>
+        <a:cs typeface="+mn-cs"/>
+      </a:defRPr>
+    </a:lvl2pPr>
+    <a:lvl3pPr marL="914400" algn="l" defTabSz="914400" rtl="0" eaLnBrk="1" latinLnBrk="0" hangingPunct="1">
+      <a:defRPr sz="1200" kern="1200">
+        <a:solidFill>
+          <a:schemeClr val="tx1"/>
+        </a:solidFill>
+        <a:latin typeface="+mn-lt"/>
+        <a:ea typeface="+mn-ea"/>
+        <a:cs typeface="+mn-cs"/>
+      </a:defRPr>
+    </a:lvl3pPr>
+    <a:lvl4pPr marL="1371600" algn="l" defTabSz="914400" rtl="0" eaLnBrk="1" latinLnBrk="0" hangingPunct="1">
+      <a:defRPr sz="1200" kern="1200">
+        <a:solidFill>
+          <a:schemeClr val="tx1"/>
+        </a:solidFill>
+        <a:latin typeface="+mn-lt"/>
+        <a:ea typeface="+mn-ea"/>
+        <a:cs typeface="+mn-cs"/>
+      </a:defRPr>
+    </a:lvl4pPr>
+    <a:lvl5pPr marL="1828800" algn="l" defTabSz="914400" rtl="0" eaLnBrk="1" latinLnBrk="0" hangingPunct="1">
+      <a:defRPr sz="1200" kern="1200">
+        <a:solidFill>
+          <a:schemeClr val="tx1"/>
+        </a:solidFill>
+        <a:latin typeface="+mn-lt"/>
+        <a:ea typeface="+mn-ea"/>
+        <a:cs typeface="+mn-cs"/>
+      </a:defRPr>
+    </a:lvl5pPr>
+    <a:lvl6pPr marL="2286000" algn="l" defTabSz="914400" rtl="0" eaLnBrk="1" latinLnBrk="0" hangingPunct="1">
+      <a:defRPr sz="1200" kern="1200">
+        <a:solidFill>
+          <a:schemeClr val="tx1"/>
+        </a:solidFill>
+        <a:latin typeface="+mn-lt"/>
+        <a:ea typeface="+mn-ea"/>
+        <a:cs typeface="+mn-cs"/>
+      </a:defRPr>
+    </a:lvl6pPr>
+    <a:lvl7pPr marL="2743200" algn="l" defTabSz="914400" rtl="0" eaLnBrk="1" latinLnBrk="0" hangingPunct="1">
+      <a:defRPr sz="1200" kern="1200">
+        <a:solidFill>
+          <a:schemeClr val="tx1"/>
+        </a:solidFill>
+        <a:latin typeface="+mn-lt"/>
+        <a:ea typeface="+mn-ea"/>
+        <a:cs typeface="+mn-cs"/>
+      </a:defRPr>
+    </a:lvl7pPr>
+    <a:lvl8pPr marL="3200400" algn="l" defTabSz="914400" rtl="0" eaLnBrk="1" latinLnBrk="0" hangingPunct="1">
+      <a:defRPr sz="1200" kern="1200">
+        <a:solidFill>
+          <a:schemeClr val="tx1"/>
+        </a:solidFill>
+        <a:latin typeface="+mn-lt"/>
+        <a:ea typeface="+mn-ea"/>
+        <a:cs typeface="+mn-cs"/>
+      </a:defRPr>
+    </a:lvl8pPr>
+    <a:lvl9pPr marL="3657600" algn="l" defTabSz="914400" rtl="0" eaLnBrk="1" latinLnBrk="0" hangingPunct="1">
+      <a:defRPr sz="1200" kern="1200">
+        <a:solidFill>
+          <a:schemeClr val="tx1"/>
+        </a:solidFill>
+        <a:latin typeface="+mn-lt"/>
+        <a:ea typeface="+mn-ea"/>
+        <a:cs typeface="+mn-cs"/>
+      </a:defRPr>
+    </a:lvl9pPr>
+  </p:notesStyle>
+</p:notesMaster>
+</file>
+
+<file path=ppt/notesSlides/notesSlide1.xml><?xml version="1.0" encoding="utf-8"?>
+<p:notes xmlns:a="http://schemas.openxmlformats.org/drawingml/2006/main" xmlns:r="http://schemas.openxmlformats.org/officeDocument/2006/relationships" xmlns:p="http://schemas.openxmlformats.org/presentationml/2006/main">
+  <p:cSld>
+    <p:spTree>
+      <p:nvGrpSpPr>
+        <p:cNvPr id="1" name=""/>
+        <p:cNvGrpSpPr/>
+        <p:nvPr/>
+      </p:nvGrpSpPr>
+      <p:grpSpPr>
+        <a:xfrm>
+          <a:off x="0" y="0"/>
+          <a:ext cx="0" cy="0"/>
+          <a:chOff x="0" y="0"/>
+          <a:chExt cx="0" cy="0"/>
+        </a:xfrm>
+      </p:grpSpPr>
+      <p:sp>
+        <p:nvSpPr>
+          <p:cNvPr id="2" name="Folienbildplatzhalter 1"/>
+          <p:cNvSpPr>
+            <a:spLocks noGrp="1" noRot="1" noChangeAspect="1"/>
+          </p:cNvSpPr>
+          <p:nvPr>
+            <p:ph type="sldImg"/>
+          </p:nvPr>
+        </p:nvSpPr>
+        <p:spPr/>
+      </p:sp>
+      <p:sp>
+        <p:nvSpPr>
+          <p:cNvPr id="3" name="Notizenplatzhalter 2"/>
+          <p:cNvSpPr>
+            <a:spLocks noGrp="1"/>
+          </p:cNvSpPr>
+          <p:nvPr>
+            <p:ph type="body" idx="1"/>
+          </p:nvPr>
+        </p:nvSpPr>
+        <p:spPr/>
+        <p:txBody>
+          <a:bodyPr/>
+          <a:lstStyle/>
+          <a:p>
+            <a:endParaRPr lang="de-DE" dirty="0"/>
+          </a:p>
+        </p:txBody>
+      </p:sp>
+      <p:sp>
+        <p:nvSpPr>
+          <p:cNvPr id="4" name="Foliennummernplatzhalter 3"/>
+          <p:cNvSpPr>
+            <a:spLocks noGrp="1"/>
+          </p:cNvSpPr>
+          <p:nvPr>
+            <p:ph type="sldNum" sz="quarter" idx="5"/>
+          </p:nvPr>
+        </p:nvSpPr>
+        <p:spPr/>
+        <p:txBody>
+          <a:bodyPr/>
+          <a:lstStyle/>
+          <a:p>
+            <a:fld id="{D61117AF-115C-439C-9578-D35EDBDDC22A}" type="slidenum">
+              <a:rPr lang="de-DE" smtClean="0"/>
+              <a:t>13</a:t>
+            </a:fld>
+            <a:endParaRPr lang="de-DE"/>
+          </a:p>
+        </p:txBody>
+      </p:sp>
+    </p:spTree>
+    <p:extLst>
+      <p:ext uri="{BB962C8B-B14F-4D97-AF65-F5344CB8AC3E}">
+        <p14:creationId xmlns:p14="http://schemas.microsoft.com/office/powerpoint/2010/main" val="642018634"/>
+      </p:ext>
+    </p:extLst>
+  </p:cSld>
+  <p:clrMapOvr>
+    <a:masterClrMapping/>
+  </p:clrMapOvr>
+</p:notes>
 </file>
 
 <file path=ppt/slideLayouts/slideLayout1.xml><?xml version="1.0" encoding="utf-8"?>
@@ -712,7 +3061,7 @@
           <a:p>
             <a:fld id="{D89CC3C5-9081-43BE-A79D-C25876F2678F}" type="datetimeFigureOut">
               <a:rPr lang="de-DE" smtClean="0"/>
-              <a:t>20.12.2022</a:t>
+              <a:t>11.01.2023</a:t>
             </a:fld>
             <a:endParaRPr lang="de-DE"/>
           </a:p>
@@ -910,7 +3259,7 @@
           <a:p>
             <a:fld id="{D89CC3C5-9081-43BE-A79D-C25876F2678F}" type="datetimeFigureOut">
               <a:rPr lang="de-DE" smtClean="0"/>
-              <a:t>20.12.2022</a:t>
+              <a:t>11.01.2023</a:t>
             </a:fld>
             <a:endParaRPr lang="de-DE"/>
           </a:p>
@@ -1118,7 +3467,7 @@
           <a:p>
             <a:fld id="{D89CC3C5-9081-43BE-A79D-C25876F2678F}" type="datetimeFigureOut">
               <a:rPr lang="de-DE" smtClean="0"/>
-              <a:t>20.12.2022</a:t>
+              <a:t>11.01.2023</a:t>
             </a:fld>
             <a:endParaRPr lang="de-DE"/>
           </a:p>
@@ -1316,7 +3665,7 @@
           <a:p>
             <a:fld id="{D89CC3C5-9081-43BE-A79D-C25876F2678F}" type="datetimeFigureOut">
               <a:rPr lang="de-DE" smtClean="0"/>
-              <a:t>20.12.2022</a:t>
+              <a:t>11.01.2023</a:t>
             </a:fld>
             <a:endParaRPr lang="de-DE"/>
           </a:p>
@@ -1591,7 +3940,7 @@
           <a:p>
             <a:fld id="{D89CC3C5-9081-43BE-A79D-C25876F2678F}" type="datetimeFigureOut">
               <a:rPr lang="de-DE" smtClean="0"/>
-              <a:t>20.12.2022</a:t>
+              <a:t>11.01.2023</a:t>
             </a:fld>
             <a:endParaRPr lang="de-DE"/>
           </a:p>
@@ -1856,7 +4205,7 @@
           <a:p>
             <a:fld id="{D89CC3C5-9081-43BE-A79D-C25876F2678F}" type="datetimeFigureOut">
               <a:rPr lang="de-DE" smtClean="0"/>
-              <a:t>20.12.2022</a:t>
+              <a:t>11.01.2023</a:t>
             </a:fld>
             <a:endParaRPr lang="de-DE"/>
           </a:p>
@@ -2268,7 +4617,7 @@
           <a:p>
             <a:fld id="{D89CC3C5-9081-43BE-A79D-C25876F2678F}" type="datetimeFigureOut">
               <a:rPr lang="de-DE" smtClean="0"/>
-              <a:t>20.12.2022</a:t>
+              <a:t>11.01.2023</a:t>
             </a:fld>
             <a:endParaRPr lang="de-DE"/>
           </a:p>
@@ -2409,7 +4758,7 @@
           <a:p>
             <a:fld id="{D89CC3C5-9081-43BE-A79D-C25876F2678F}" type="datetimeFigureOut">
               <a:rPr lang="de-DE" smtClean="0"/>
-              <a:t>20.12.2022</a:t>
+              <a:t>11.01.2023</a:t>
             </a:fld>
             <a:endParaRPr lang="de-DE"/>
           </a:p>
@@ -2522,7 +4871,7 @@
           <a:p>
             <a:fld id="{D89CC3C5-9081-43BE-A79D-C25876F2678F}" type="datetimeFigureOut">
               <a:rPr lang="de-DE" smtClean="0"/>
-              <a:t>20.12.2022</a:t>
+              <a:t>11.01.2023</a:t>
             </a:fld>
             <a:endParaRPr lang="de-DE"/>
           </a:p>
@@ -2833,7 +5182,7 @@
           <a:p>
             <a:fld id="{D89CC3C5-9081-43BE-A79D-C25876F2678F}" type="datetimeFigureOut">
               <a:rPr lang="de-DE" smtClean="0"/>
-              <a:t>20.12.2022</a:t>
+              <a:t>11.01.2023</a:t>
             </a:fld>
             <a:endParaRPr lang="de-DE"/>
           </a:p>
@@ -3121,7 +5470,7 @@
           <a:p>
             <a:fld id="{D89CC3C5-9081-43BE-A79D-C25876F2678F}" type="datetimeFigureOut">
               <a:rPr lang="de-DE" smtClean="0"/>
-              <a:t>20.12.2022</a:t>
+              <a:t>11.01.2023</a:t>
             </a:fld>
             <a:endParaRPr lang="de-DE"/>
           </a:p>
@@ -3362,7 +5711,7 @@
           <a:p>
             <a:fld id="{D89CC3C5-9081-43BE-A79D-C25876F2678F}" type="datetimeFigureOut">
               <a:rPr lang="de-DE" smtClean="0"/>
-              <a:t>20.12.2022</a:t>
+              <a:t>11.01.2023</a:t>
             </a:fld>
             <a:endParaRPr lang="de-DE"/>
           </a:p>
@@ -4013,6 +6362,5058 @@
     <p:extLst>
       <p:ext uri="{BB962C8B-B14F-4D97-AF65-F5344CB8AC3E}">
         <p14:creationId xmlns:p14="http://schemas.microsoft.com/office/powerpoint/2010/main" val="406782188"/>
+      </p:ext>
+    </p:extLst>
+  </p:cSld>
+  <p:clrMapOvr>
+    <a:masterClrMapping/>
+  </p:clrMapOvr>
+</p:sld>
+</file>
+
+<file path=ppt/slides/slide12.xml><?xml version="1.0" encoding="utf-8"?>
+<p:sld xmlns:a="http://schemas.openxmlformats.org/drawingml/2006/main" xmlns:r="http://schemas.openxmlformats.org/officeDocument/2006/relationships" xmlns:p="http://schemas.openxmlformats.org/presentationml/2006/main">
+  <p:cSld>
+    <p:spTree>
+      <p:nvGrpSpPr>
+        <p:cNvPr id="1" name=""/>
+        <p:cNvGrpSpPr/>
+        <p:nvPr/>
+      </p:nvGrpSpPr>
+      <p:grpSpPr>
+        <a:xfrm>
+          <a:off x="0" y="0"/>
+          <a:ext cx="0" cy="0"/>
+          <a:chOff x="0" y="0"/>
+          <a:chExt cx="0" cy="0"/>
+        </a:xfrm>
+      </p:grpSpPr>
+      <p:pic>
+        <p:nvPicPr>
+          <p:cNvPr id="7" name="Grafik 6">
+            <a:extLst>
+              <a:ext uri="{FF2B5EF4-FFF2-40B4-BE49-F238E27FC236}">
+                <a16:creationId xmlns:a16="http://schemas.microsoft.com/office/drawing/2014/main" id="{A69A5B0E-FD01-D5AA-F0A4-40E032541EE4}"/>
+              </a:ext>
+            </a:extLst>
+          </p:cNvPr>
+          <p:cNvPicPr>
+            <a:picLocks noChangeAspect="1"/>
+          </p:cNvPicPr>
+          <p:nvPr/>
+        </p:nvPicPr>
+        <p:blipFill>
+          <a:blip r:embed="rId2"/>
+          <a:stretch>
+            <a:fillRect/>
+          </a:stretch>
+        </p:blipFill>
+        <p:spPr>
+          <a:xfrm>
+            <a:off x="1052552" y="61431"/>
+            <a:ext cx="10086895" cy="6735137"/>
+          </a:xfrm>
+          <a:prstGeom prst="rect">
+            <a:avLst/>
+          </a:prstGeom>
+        </p:spPr>
+      </p:pic>
+    </p:spTree>
+    <p:extLst>
+      <p:ext uri="{BB962C8B-B14F-4D97-AF65-F5344CB8AC3E}">
+        <p14:creationId xmlns:p14="http://schemas.microsoft.com/office/powerpoint/2010/main" val="3612482438"/>
+      </p:ext>
+    </p:extLst>
+  </p:cSld>
+  <p:clrMapOvr>
+    <a:masterClrMapping/>
+  </p:clrMapOvr>
+</p:sld>
+</file>
+
+<file path=ppt/slides/slide13.xml><?xml version="1.0" encoding="utf-8"?>
+<p:sld xmlns:a="http://schemas.openxmlformats.org/drawingml/2006/main" xmlns:r="http://schemas.openxmlformats.org/officeDocument/2006/relationships" xmlns:p="http://schemas.openxmlformats.org/presentationml/2006/main">
+  <p:cSld>
+    <p:spTree>
+      <p:nvGrpSpPr>
+        <p:cNvPr id="1" name=""/>
+        <p:cNvGrpSpPr/>
+        <p:nvPr/>
+      </p:nvGrpSpPr>
+      <p:grpSpPr>
+        <a:xfrm>
+          <a:off x="0" y="0"/>
+          <a:ext cx="0" cy="0"/>
+          <a:chOff x="0" y="0"/>
+          <a:chExt cx="0" cy="0"/>
+        </a:xfrm>
+      </p:grpSpPr>
+      <p:sp>
+        <p:nvSpPr>
+          <p:cNvPr id="4" name="Ellipse 3">
+            <a:extLst>
+              <a:ext uri="{FF2B5EF4-FFF2-40B4-BE49-F238E27FC236}">
+                <a16:creationId xmlns:a16="http://schemas.microsoft.com/office/drawing/2014/main" id="{0EAC2AD9-8148-8776-912C-C148EC834EC0}"/>
+              </a:ext>
+            </a:extLst>
+          </p:cNvPr>
+          <p:cNvSpPr/>
+          <p:nvPr/>
+        </p:nvSpPr>
+        <p:spPr>
+          <a:xfrm>
+            <a:off x="3036000" y="369000"/>
+            <a:ext cx="6120000" cy="6120000"/>
+          </a:xfrm>
+          <a:prstGeom prst="ellipse">
+            <a:avLst/>
+          </a:prstGeom>
+          <a:solidFill>
+            <a:srgbClr val="F0F0F0"/>
+          </a:solidFill>
+          <a:ln w="127000">
+            <a:solidFill>
+              <a:schemeClr val="bg2">
+                <a:lumMod val="75000"/>
+              </a:schemeClr>
+            </a:solidFill>
+          </a:ln>
+        </p:spPr>
+        <p:style>
+          <a:lnRef idx="2">
+            <a:schemeClr val="accent1">
+              <a:shade val="50000"/>
+            </a:schemeClr>
+          </a:lnRef>
+          <a:fillRef idx="1">
+            <a:schemeClr val="accent1"/>
+          </a:fillRef>
+          <a:effectRef idx="0">
+            <a:schemeClr val="accent1"/>
+          </a:effectRef>
+          <a:fontRef idx="minor">
+            <a:schemeClr val="lt1"/>
+          </a:fontRef>
+        </p:style>
+        <p:txBody>
+          <a:bodyPr rtlCol="0" anchor="ctr"/>
+          <a:lstStyle/>
+          <a:p>
+            <a:pPr algn="ctr"/>
+            <a:endParaRPr lang="de-DE" dirty="0"/>
+          </a:p>
+        </p:txBody>
+      </p:sp>
+      <p:pic>
+        <p:nvPicPr>
+          <p:cNvPr id="67" name="Grafik 66">
+            <a:extLst>
+              <a:ext uri="{FF2B5EF4-FFF2-40B4-BE49-F238E27FC236}">
+                <a16:creationId xmlns:a16="http://schemas.microsoft.com/office/drawing/2014/main" id="{6AC49148-9F16-4567-DA3F-20F854D00D90}"/>
+              </a:ext>
+            </a:extLst>
+          </p:cNvPr>
+          <p:cNvPicPr>
+            <a:picLocks noChangeAspect="1"/>
+          </p:cNvPicPr>
+          <p:nvPr/>
+        </p:nvPicPr>
+        <p:blipFill>
+          <a:blip r:embed="rId3"/>
+          <a:stretch>
+            <a:fillRect/>
+          </a:stretch>
+        </p:blipFill>
+        <p:spPr>
+          <a:xfrm>
+            <a:off x="4982257" y="1513691"/>
+            <a:ext cx="2405453" cy="648000"/>
+          </a:xfrm>
+          <a:prstGeom prst="rect">
+            <a:avLst/>
+          </a:prstGeom>
+        </p:spPr>
+      </p:pic>
+      <p:pic>
+        <p:nvPicPr>
+          <p:cNvPr id="69" name="Grafik 68">
+            <a:extLst>
+              <a:ext uri="{FF2B5EF4-FFF2-40B4-BE49-F238E27FC236}">
+                <a16:creationId xmlns:a16="http://schemas.microsoft.com/office/drawing/2014/main" id="{57EFDDEA-DDF4-13AA-6811-962C68A12F62}"/>
+              </a:ext>
+            </a:extLst>
+          </p:cNvPr>
+          <p:cNvPicPr>
+            <a:picLocks noChangeAspect="1"/>
+          </p:cNvPicPr>
+          <p:nvPr/>
+        </p:nvPicPr>
+        <p:blipFill>
+          <a:blip r:embed="rId4"/>
+          <a:stretch>
+            <a:fillRect/>
+          </a:stretch>
+        </p:blipFill>
+        <p:spPr>
+          <a:xfrm>
+            <a:off x="4985373" y="2794918"/>
+            <a:ext cx="2148119" cy="648000"/>
+          </a:xfrm>
+          <a:prstGeom prst="rect">
+            <a:avLst/>
+          </a:prstGeom>
+        </p:spPr>
+      </p:pic>
+      <p:pic>
+        <p:nvPicPr>
+          <p:cNvPr id="71" name="Grafik 70">
+            <a:extLst>
+              <a:ext uri="{FF2B5EF4-FFF2-40B4-BE49-F238E27FC236}">
+                <a16:creationId xmlns:a16="http://schemas.microsoft.com/office/drawing/2014/main" id="{A7105B93-5F90-3B68-14A4-E61E60EB3CCD}"/>
+              </a:ext>
+            </a:extLst>
+          </p:cNvPr>
+          <p:cNvPicPr>
+            <a:picLocks noChangeAspect="1"/>
+          </p:cNvPicPr>
+          <p:nvPr/>
+        </p:nvPicPr>
+        <p:blipFill>
+          <a:blip r:embed="rId5"/>
+          <a:stretch>
+            <a:fillRect/>
+          </a:stretch>
+        </p:blipFill>
+        <p:spPr>
+          <a:xfrm>
+            <a:off x="4989228" y="3408502"/>
+            <a:ext cx="1713248" cy="648000"/>
+          </a:xfrm>
+          <a:prstGeom prst="rect">
+            <a:avLst/>
+          </a:prstGeom>
+        </p:spPr>
+      </p:pic>
+      <p:pic>
+        <p:nvPicPr>
+          <p:cNvPr id="73" name="Grafik 72">
+            <a:extLst>
+              <a:ext uri="{FF2B5EF4-FFF2-40B4-BE49-F238E27FC236}">
+                <a16:creationId xmlns:a16="http://schemas.microsoft.com/office/drawing/2014/main" id="{D3F9C79B-4B77-CDE3-C4E8-1A6C7EFD30D8}"/>
+              </a:ext>
+            </a:extLst>
+          </p:cNvPr>
+          <p:cNvPicPr>
+            <a:picLocks noChangeAspect="1"/>
+          </p:cNvPicPr>
+          <p:nvPr/>
+        </p:nvPicPr>
+        <p:blipFill>
+          <a:blip r:embed="rId6"/>
+          <a:stretch>
+            <a:fillRect/>
+          </a:stretch>
+        </p:blipFill>
+        <p:spPr>
+          <a:xfrm>
+            <a:off x="4985373" y="2162538"/>
+            <a:ext cx="2268000" cy="648000"/>
+          </a:xfrm>
+          <a:prstGeom prst="rect">
+            <a:avLst/>
+          </a:prstGeom>
+        </p:spPr>
+      </p:pic>
+      <p:pic>
+        <p:nvPicPr>
+          <p:cNvPr id="77" name="Grafik 76">
+            <a:extLst>
+              <a:ext uri="{FF2B5EF4-FFF2-40B4-BE49-F238E27FC236}">
+                <a16:creationId xmlns:a16="http://schemas.microsoft.com/office/drawing/2014/main" id="{ED27D4B9-1827-F9F5-4688-8D1801B5019D}"/>
+              </a:ext>
+            </a:extLst>
+          </p:cNvPr>
+          <p:cNvPicPr>
+            <a:picLocks noChangeAspect="1"/>
+          </p:cNvPicPr>
+          <p:nvPr/>
+        </p:nvPicPr>
+        <p:blipFill>
+          <a:blip r:embed="rId7"/>
+          <a:stretch>
+            <a:fillRect/>
+          </a:stretch>
+        </p:blipFill>
+        <p:spPr>
+          <a:xfrm>
+            <a:off x="4998780" y="5352582"/>
+            <a:ext cx="1109908" cy="648000"/>
+          </a:xfrm>
+          <a:prstGeom prst="rect">
+            <a:avLst/>
+          </a:prstGeom>
+        </p:spPr>
+      </p:pic>
+      <p:pic>
+        <p:nvPicPr>
+          <p:cNvPr id="79" name="Grafik 78">
+            <a:extLst>
+              <a:ext uri="{FF2B5EF4-FFF2-40B4-BE49-F238E27FC236}">
+                <a16:creationId xmlns:a16="http://schemas.microsoft.com/office/drawing/2014/main" id="{AFF1A249-018A-73EF-9373-8E711A3DD988}"/>
+              </a:ext>
+            </a:extLst>
+          </p:cNvPr>
+          <p:cNvPicPr>
+            <a:picLocks noChangeAspect="1"/>
+          </p:cNvPicPr>
+          <p:nvPr/>
+        </p:nvPicPr>
+        <p:blipFill>
+          <a:blip r:embed="rId8"/>
+          <a:stretch>
+            <a:fillRect/>
+          </a:stretch>
+        </p:blipFill>
+        <p:spPr>
+          <a:xfrm>
+            <a:off x="4985373" y="4704582"/>
+            <a:ext cx="1358374" cy="648000"/>
+          </a:xfrm>
+          <a:prstGeom prst="rect">
+            <a:avLst/>
+          </a:prstGeom>
+        </p:spPr>
+      </p:pic>
+      <p:pic>
+        <p:nvPicPr>
+          <p:cNvPr id="81" name="Grafik 80">
+            <a:extLst>
+              <a:ext uri="{FF2B5EF4-FFF2-40B4-BE49-F238E27FC236}">
+                <a16:creationId xmlns:a16="http://schemas.microsoft.com/office/drawing/2014/main" id="{61C7A107-FFA6-A985-D9A7-D04FDB9E063C}"/>
+              </a:ext>
+            </a:extLst>
+          </p:cNvPr>
+          <p:cNvPicPr>
+            <a:picLocks noChangeAspect="1"/>
+          </p:cNvPicPr>
+          <p:nvPr/>
+        </p:nvPicPr>
+        <p:blipFill>
+          <a:blip r:embed="rId9"/>
+          <a:stretch>
+            <a:fillRect/>
+          </a:stretch>
+        </p:blipFill>
+        <p:spPr>
+          <a:xfrm>
+            <a:off x="4985373" y="4056582"/>
+            <a:ext cx="1465864" cy="648000"/>
+          </a:xfrm>
+          <a:prstGeom prst="rect">
+            <a:avLst/>
+          </a:prstGeom>
+        </p:spPr>
+      </p:pic>
+      <p:pic>
+        <p:nvPicPr>
+          <p:cNvPr id="83" name="Grafik 82">
+            <a:extLst>
+              <a:ext uri="{FF2B5EF4-FFF2-40B4-BE49-F238E27FC236}">
+                <a16:creationId xmlns:a16="http://schemas.microsoft.com/office/drawing/2014/main" id="{290BEB90-040C-DBC2-97AD-DE5087C082EA}"/>
+              </a:ext>
+            </a:extLst>
+          </p:cNvPr>
+          <p:cNvPicPr>
+            <a:picLocks noChangeAspect="1"/>
+          </p:cNvPicPr>
+          <p:nvPr/>
+        </p:nvPicPr>
+        <p:blipFill>
+          <a:blip r:embed="rId10"/>
+          <a:stretch>
+            <a:fillRect/>
+          </a:stretch>
+        </p:blipFill>
+        <p:spPr>
+          <a:xfrm>
+            <a:off x="4989228" y="874348"/>
+            <a:ext cx="2640844" cy="648000"/>
+          </a:xfrm>
+          <a:prstGeom prst="rect">
+            <a:avLst/>
+          </a:prstGeom>
+        </p:spPr>
+      </p:pic>
+      <p:sp>
+        <p:nvSpPr>
+          <p:cNvPr id="5" name="Ellipse 4">
+            <a:extLst>
+              <a:ext uri="{FF2B5EF4-FFF2-40B4-BE49-F238E27FC236}">
+                <a16:creationId xmlns:a16="http://schemas.microsoft.com/office/drawing/2014/main" id="{6E9A92FC-3B3B-5F6F-ED50-A2230CFA3927}"/>
+              </a:ext>
+            </a:extLst>
+          </p:cNvPr>
+          <p:cNvSpPr/>
+          <p:nvPr/>
+        </p:nvSpPr>
+        <p:spPr>
+          <a:xfrm>
+            <a:off x="5951220" y="462280"/>
+            <a:ext cx="289560" cy="121920"/>
+          </a:xfrm>
+          <a:prstGeom prst="ellipse">
+            <a:avLst/>
+          </a:prstGeom>
+          <a:solidFill>
+            <a:schemeClr val="accent2"/>
+          </a:solidFill>
+          <a:ln>
+            <a:noFill/>
+          </a:ln>
+        </p:spPr>
+        <p:style>
+          <a:lnRef idx="2">
+            <a:schemeClr val="accent1">
+              <a:shade val="50000"/>
+            </a:schemeClr>
+          </a:lnRef>
+          <a:fillRef idx="1">
+            <a:schemeClr val="accent1"/>
+          </a:fillRef>
+          <a:effectRef idx="0">
+            <a:schemeClr val="accent1"/>
+          </a:effectRef>
+          <a:fontRef idx="minor">
+            <a:schemeClr val="lt1"/>
+          </a:fontRef>
+        </p:style>
+        <p:txBody>
+          <a:bodyPr rtlCol="0" anchor="ctr"/>
+          <a:lstStyle/>
+          <a:p>
+            <a:pPr algn="ctr"/>
+            <a:endParaRPr lang="de-DE"/>
+          </a:p>
+        </p:txBody>
+      </p:sp>
+      <p:sp>
+        <p:nvSpPr>
+          <p:cNvPr id="6" name="Ellipse 5">
+            <a:extLst>
+              <a:ext uri="{FF2B5EF4-FFF2-40B4-BE49-F238E27FC236}">
+                <a16:creationId xmlns:a16="http://schemas.microsoft.com/office/drawing/2014/main" id="{AB3351ED-ED59-1FE7-262A-BE5A52F634F6}"/>
+              </a:ext>
+            </a:extLst>
+          </p:cNvPr>
+          <p:cNvSpPr/>
+          <p:nvPr/>
+        </p:nvSpPr>
+        <p:spPr>
+          <a:xfrm rot="21216512">
+            <a:off x="5652732" y="478018"/>
+            <a:ext cx="289560" cy="121920"/>
+          </a:xfrm>
+          <a:prstGeom prst="ellipse">
+            <a:avLst/>
+          </a:prstGeom>
+          <a:solidFill>
+            <a:schemeClr val="accent2"/>
+          </a:solidFill>
+          <a:ln>
+            <a:noFill/>
+          </a:ln>
+        </p:spPr>
+        <p:style>
+          <a:lnRef idx="2">
+            <a:schemeClr val="accent1">
+              <a:shade val="50000"/>
+            </a:schemeClr>
+          </a:lnRef>
+          <a:fillRef idx="1">
+            <a:schemeClr val="accent1"/>
+          </a:fillRef>
+          <a:effectRef idx="0">
+            <a:schemeClr val="accent1"/>
+          </a:effectRef>
+          <a:fontRef idx="minor">
+            <a:schemeClr val="lt1"/>
+          </a:fontRef>
+        </p:style>
+        <p:txBody>
+          <a:bodyPr rtlCol="0" anchor="ctr"/>
+          <a:lstStyle/>
+          <a:p>
+            <a:pPr algn="ctr"/>
+            <a:endParaRPr lang="de-DE"/>
+          </a:p>
+        </p:txBody>
+      </p:sp>
+      <p:sp>
+        <p:nvSpPr>
+          <p:cNvPr id="7" name="Ellipse 6">
+            <a:extLst>
+              <a:ext uri="{FF2B5EF4-FFF2-40B4-BE49-F238E27FC236}">
+                <a16:creationId xmlns:a16="http://schemas.microsoft.com/office/drawing/2014/main" id="{75903F81-E934-57A1-6CBC-FB790D12F93B}"/>
+              </a:ext>
+            </a:extLst>
+          </p:cNvPr>
+          <p:cNvSpPr/>
+          <p:nvPr/>
+        </p:nvSpPr>
+        <p:spPr>
+          <a:xfrm rot="20968543">
+            <a:off x="5348355" y="530154"/>
+            <a:ext cx="289560" cy="108092"/>
+          </a:xfrm>
+          <a:prstGeom prst="ellipse">
+            <a:avLst/>
+          </a:prstGeom>
+          <a:solidFill>
+            <a:schemeClr val="accent2"/>
+          </a:solidFill>
+          <a:ln>
+            <a:noFill/>
+          </a:ln>
+        </p:spPr>
+        <p:style>
+          <a:lnRef idx="2">
+            <a:schemeClr val="accent1">
+              <a:shade val="50000"/>
+            </a:schemeClr>
+          </a:lnRef>
+          <a:fillRef idx="1">
+            <a:schemeClr val="accent1"/>
+          </a:fillRef>
+          <a:effectRef idx="0">
+            <a:schemeClr val="accent1"/>
+          </a:effectRef>
+          <a:fontRef idx="minor">
+            <a:schemeClr val="lt1"/>
+          </a:fontRef>
+        </p:style>
+        <p:txBody>
+          <a:bodyPr rtlCol="0" anchor="ctr"/>
+          <a:lstStyle/>
+          <a:p>
+            <a:pPr algn="ctr"/>
+            <a:endParaRPr lang="de-DE"/>
+          </a:p>
+        </p:txBody>
+      </p:sp>
+      <p:sp>
+        <p:nvSpPr>
+          <p:cNvPr id="8" name="Ellipse 7">
+            <a:extLst>
+              <a:ext uri="{FF2B5EF4-FFF2-40B4-BE49-F238E27FC236}">
+                <a16:creationId xmlns:a16="http://schemas.microsoft.com/office/drawing/2014/main" id="{1C44CE4C-2868-A028-49D4-6AAC7D430E65}"/>
+              </a:ext>
+            </a:extLst>
+          </p:cNvPr>
+          <p:cNvSpPr/>
+          <p:nvPr/>
+        </p:nvSpPr>
+        <p:spPr>
+          <a:xfrm rot="20728118">
+            <a:off x="5047020" y="600638"/>
+            <a:ext cx="289560" cy="108092"/>
+          </a:xfrm>
+          <a:prstGeom prst="ellipse">
+            <a:avLst/>
+          </a:prstGeom>
+          <a:solidFill>
+            <a:schemeClr val="accent2"/>
+          </a:solidFill>
+          <a:ln>
+            <a:noFill/>
+          </a:ln>
+        </p:spPr>
+        <p:style>
+          <a:lnRef idx="2">
+            <a:schemeClr val="accent1">
+              <a:shade val="50000"/>
+            </a:schemeClr>
+          </a:lnRef>
+          <a:fillRef idx="1">
+            <a:schemeClr val="accent1"/>
+          </a:fillRef>
+          <a:effectRef idx="0">
+            <a:schemeClr val="accent1"/>
+          </a:effectRef>
+          <a:fontRef idx="minor">
+            <a:schemeClr val="lt1"/>
+          </a:fontRef>
+        </p:style>
+        <p:txBody>
+          <a:bodyPr rtlCol="0" anchor="ctr"/>
+          <a:lstStyle/>
+          <a:p>
+            <a:pPr algn="ctr"/>
+            <a:endParaRPr lang="de-DE"/>
+          </a:p>
+        </p:txBody>
+      </p:sp>
+      <p:sp>
+        <p:nvSpPr>
+          <p:cNvPr id="9" name="Ellipse 8">
+            <a:extLst>
+              <a:ext uri="{FF2B5EF4-FFF2-40B4-BE49-F238E27FC236}">
+                <a16:creationId xmlns:a16="http://schemas.microsoft.com/office/drawing/2014/main" id="{ABA7E82F-222A-576F-808A-C91BE1E33FD0}"/>
+              </a:ext>
+            </a:extLst>
+          </p:cNvPr>
+          <p:cNvSpPr/>
+          <p:nvPr/>
+        </p:nvSpPr>
+        <p:spPr>
+          <a:xfrm rot="20266687">
+            <a:off x="4759777" y="723586"/>
+            <a:ext cx="289560" cy="108092"/>
+          </a:xfrm>
+          <a:prstGeom prst="ellipse">
+            <a:avLst/>
+          </a:prstGeom>
+          <a:solidFill>
+            <a:schemeClr val="accent2"/>
+          </a:solidFill>
+          <a:ln>
+            <a:noFill/>
+          </a:ln>
+        </p:spPr>
+        <p:style>
+          <a:lnRef idx="2">
+            <a:schemeClr val="accent1">
+              <a:shade val="50000"/>
+            </a:schemeClr>
+          </a:lnRef>
+          <a:fillRef idx="1">
+            <a:schemeClr val="accent1"/>
+          </a:fillRef>
+          <a:effectRef idx="0">
+            <a:schemeClr val="accent1"/>
+          </a:effectRef>
+          <a:fontRef idx="minor">
+            <a:schemeClr val="lt1"/>
+          </a:fontRef>
+        </p:style>
+        <p:txBody>
+          <a:bodyPr rtlCol="0" anchor="ctr"/>
+          <a:lstStyle/>
+          <a:p>
+            <a:pPr algn="ctr"/>
+            <a:endParaRPr lang="de-DE"/>
+          </a:p>
+        </p:txBody>
+      </p:sp>
+      <p:sp>
+        <p:nvSpPr>
+          <p:cNvPr id="10" name="Ellipse 9">
+            <a:extLst>
+              <a:ext uri="{FF2B5EF4-FFF2-40B4-BE49-F238E27FC236}">
+                <a16:creationId xmlns:a16="http://schemas.microsoft.com/office/drawing/2014/main" id="{1B8E56EC-8681-C182-4D05-F8DB8FCCD5AA}"/>
+              </a:ext>
+            </a:extLst>
+          </p:cNvPr>
+          <p:cNvSpPr/>
+          <p:nvPr/>
+        </p:nvSpPr>
+        <p:spPr>
+          <a:xfrm rot="19929935">
+            <a:off x="4473961" y="854004"/>
+            <a:ext cx="289560" cy="108092"/>
+          </a:xfrm>
+          <a:prstGeom prst="ellipse">
+            <a:avLst/>
+          </a:prstGeom>
+          <a:solidFill>
+            <a:schemeClr val="accent2"/>
+          </a:solidFill>
+          <a:ln>
+            <a:noFill/>
+          </a:ln>
+        </p:spPr>
+        <p:style>
+          <a:lnRef idx="2">
+            <a:schemeClr val="accent1">
+              <a:shade val="50000"/>
+            </a:schemeClr>
+          </a:lnRef>
+          <a:fillRef idx="1">
+            <a:schemeClr val="accent1"/>
+          </a:fillRef>
+          <a:effectRef idx="0">
+            <a:schemeClr val="accent1"/>
+          </a:effectRef>
+          <a:fontRef idx="minor">
+            <a:schemeClr val="lt1"/>
+          </a:fontRef>
+        </p:style>
+        <p:txBody>
+          <a:bodyPr rtlCol="0" anchor="ctr"/>
+          <a:lstStyle/>
+          <a:p>
+            <a:pPr algn="ctr"/>
+            <a:endParaRPr lang="de-DE"/>
+          </a:p>
+        </p:txBody>
+      </p:sp>
+      <p:sp>
+        <p:nvSpPr>
+          <p:cNvPr id="11" name="Ellipse 10">
+            <a:extLst>
+              <a:ext uri="{FF2B5EF4-FFF2-40B4-BE49-F238E27FC236}">
+                <a16:creationId xmlns:a16="http://schemas.microsoft.com/office/drawing/2014/main" id="{E2D65C02-1900-8931-9EAD-3F5E83634D4C}"/>
+              </a:ext>
+            </a:extLst>
+          </p:cNvPr>
+          <p:cNvSpPr/>
+          <p:nvPr/>
+        </p:nvSpPr>
+        <p:spPr>
+          <a:xfrm rot="19512202">
+            <a:off x="4216785" y="1029264"/>
+            <a:ext cx="289560" cy="108092"/>
+          </a:xfrm>
+          <a:prstGeom prst="ellipse">
+            <a:avLst/>
+          </a:prstGeom>
+          <a:solidFill>
+            <a:schemeClr val="accent2"/>
+          </a:solidFill>
+          <a:ln>
+            <a:noFill/>
+          </a:ln>
+        </p:spPr>
+        <p:style>
+          <a:lnRef idx="2">
+            <a:schemeClr val="accent1">
+              <a:shade val="50000"/>
+            </a:schemeClr>
+          </a:lnRef>
+          <a:fillRef idx="1">
+            <a:schemeClr val="accent1"/>
+          </a:fillRef>
+          <a:effectRef idx="0">
+            <a:schemeClr val="accent1"/>
+          </a:effectRef>
+          <a:fontRef idx="minor">
+            <a:schemeClr val="lt1"/>
+          </a:fontRef>
+        </p:style>
+        <p:txBody>
+          <a:bodyPr rtlCol="0" anchor="ctr"/>
+          <a:lstStyle/>
+          <a:p>
+            <a:pPr algn="ctr"/>
+            <a:endParaRPr lang="de-DE"/>
+          </a:p>
+        </p:txBody>
+      </p:sp>
+      <p:sp>
+        <p:nvSpPr>
+          <p:cNvPr id="12" name="Ellipse 11">
+            <a:extLst>
+              <a:ext uri="{FF2B5EF4-FFF2-40B4-BE49-F238E27FC236}">
+                <a16:creationId xmlns:a16="http://schemas.microsoft.com/office/drawing/2014/main" id="{D2ACE734-64BC-BD65-D64A-F15B79ABFE48}"/>
+              </a:ext>
+            </a:extLst>
+          </p:cNvPr>
+          <p:cNvSpPr/>
+          <p:nvPr/>
+        </p:nvSpPr>
+        <p:spPr>
+          <a:xfrm rot="19158467">
+            <a:off x="3969135" y="1229291"/>
+            <a:ext cx="289560" cy="108092"/>
+          </a:xfrm>
+          <a:prstGeom prst="ellipse">
+            <a:avLst/>
+          </a:prstGeom>
+          <a:solidFill>
+            <a:schemeClr val="accent2"/>
+          </a:solidFill>
+          <a:ln>
+            <a:noFill/>
+          </a:ln>
+        </p:spPr>
+        <p:style>
+          <a:lnRef idx="2">
+            <a:schemeClr val="accent1">
+              <a:shade val="50000"/>
+            </a:schemeClr>
+          </a:lnRef>
+          <a:fillRef idx="1">
+            <a:schemeClr val="accent1"/>
+          </a:fillRef>
+          <a:effectRef idx="0">
+            <a:schemeClr val="accent1"/>
+          </a:effectRef>
+          <a:fontRef idx="minor">
+            <a:schemeClr val="lt1"/>
+          </a:fontRef>
+        </p:style>
+        <p:txBody>
+          <a:bodyPr rtlCol="0" anchor="ctr"/>
+          <a:lstStyle/>
+          <a:p>
+            <a:pPr algn="ctr"/>
+            <a:endParaRPr lang="de-DE"/>
+          </a:p>
+        </p:txBody>
+      </p:sp>
+      <p:sp>
+        <p:nvSpPr>
+          <p:cNvPr id="13" name="Ellipse 12">
+            <a:extLst>
+              <a:ext uri="{FF2B5EF4-FFF2-40B4-BE49-F238E27FC236}">
+                <a16:creationId xmlns:a16="http://schemas.microsoft.com/office/drawing/2014/main" id="{CA60D1C7-19FB-E252-2242-C5C8D66C4188}"/>
+              </a:ext>
+            </a:extLst>
+          </p:cNvPr>
+          <p:cNvSpPr/>
+          <p:nvPr/>
+        </p:nvSpPr>
+        <p:spPr>
+          <a:xfrm rot="18829660">
+            <a:off x="3753868" y="1448367"/>
+            <a:ext cx="289560" cy="108092"/>
+          </a:xfrm>
+          <a:prstGeom prst="ellipse">
+            <a:avLst/>
+          </a:prstGeom>
+          <a:solidFill>
+            <a:schemeClr val="accent2"/>
+          </a:solidFill>
+          <a:ln>
+            <a:noFill/>
+          </a:ln>
+        </p:spPr>
+        <p:style>
+          <a:lnRef idx="2">
+            <a:schemeClr val="accent1">
+              <a:shade val="50000"/>
+            </a:schemeClr>
+          </a:lnRef>
+          <a:fillRef idx="1">
+            <a:schemeClr val="accent1"/>
+          </a:fillRef>
+          <a:effectRef idx="0">
+            <a:schemeClr val="accent1"/>
+          </a:effectRef>
+          <a:fontRef idx="minor">
+            <a:schemeClr val="lt1"/>
+          </a:fontRef>
+        </p:style>
+        <p:txBody>
+          <a:bodyPr rtlCol="0" anchor="ctr"/>
+          <a:lstStyle/>
+          <a:p>
+            <a:pPr algn="ctr"/>
+            <a:endParaRPr lang="de-DE"/>
+          </a:p>
+        </p:txBody>
+      </p:sp>
+      <p:sp>
+        <p:nvSpPr>
+          <p:cNvPr id="14" name="Ellipse 13">
+            <a:extLst>
+              <a:ext uri="{FF2B5EF4-FFF2-40B4-BE49-F238E27FC236}">
+                <a16:creationId xmlns:a16="http://schemas.microsoft.com/office/drawing/2014/main" id="{B2EF103D-F8C6-BFDE-3F9C-4FCCC5D3880A}"/>
+              </a:ext>
+            </a:extLst>
+          </p:cNvPr>
+          <p:cNvSpPr/>
+          <p:nvPr/>
+        </p:nvSpPr>
+        <p:spPr>
+          <a:xfrm rot="18331400">
+            <a:off x="3561463" y="1688301"/>
+            <a:ext cx="289560" cy="108092"/>
+          </a:xfrm>
+          <a:prstGeom prst="ellipse">
+            <a:avLst/>
+          </a:prstGeom>
+          <a:solidFill>
+            <a:schemeClr val="accent2"/>
+          </a:solidFill>
+          <a:ln>
+            <a:noFill/>
+          </a:ln>
+        </p:spPr>
+        <p:style>
+          <a:lnRef idx="2">
+            <a:schemeClr val="accent1">
+              <a:shade val="50000"/>
+            </a:schemeClr>
+          </a:lnRef>
+          <a:fillRef idx="1">
+            <a:schemeClr val="accent1"/>
+          </a:fillRef>
+          <a:effectRef idx="0">
+            <a:schemeClr val="accent1"/>
+          </a:effectRef>
+          <a:fontRef idx="minor">
+            <a:schemeClr val="lt1"/>
+          </a:fontRef>
+        </p:style>
+        <p:txBody>
+          <a:bodyPr rtlCol="0" anchor="ctr"/>
+          <a:lstStyle/>
+          <a:p>
+            <a:pPr algn="ctr"/>
+            <a:endParaRPr lang="de-DE"/>
+          </a:p>
+        </p:txBody>
+      </p:sp>
+      <p:sp>
+        <p:nvSpPr>
+          <p:cNvPr id="15" name="Ellipse 14">
+            <a:extLst>
+              <a:ext uri="{FF2B5EF4-FFF2-40B4-BE49-F238E27FC236}">
+                <a16:creationId xmlns:a16="http://schemas.microsoft.com/office/drawing/2014/main" id="{0BF2C2C3-229D-E600-7E93-3F9078D0642B}"/>
+              </a:ext>
+            </a:extLst>
+          </p:cNvPr>
+          <p:cNvSpPr/>
+          <p:nvPr/>
+        </p:nvSpPr>
+        <p:spPr>
+          <a:xfrm rot="18226014">
+            <a:off x="3397632" y="1945475"/>
+            <a:ext cx="289560" cy="108092"/>
+          </a:xfrm>
+          <a:prstGeom prst="ellipse">
+            <a:avLst/>
+          </a:prstGeom>
+          <a:solidFill>
+            <a:schemeClr val="accent2"/>
+          </a:solidFill>
+          <a:ln>
+            <a:noFill/>
+          </a:ln>
+        </p:spPr>
+        <p:style>
+          <a:lnRef idx="2">
+            <a:schemeClr val="accent1">
+              <a:shade val="50000"/>
+            </a:schemeClr>
+          </a:lnRef>
+          <a:fillRef idx="1">
+            <a:schemeClr val="accent1"/>
+          </a:fillRef>
+          <a:effectRef idx="0">
+            <a:schemeClr val="accent1"/>
+          </a:effectRef>
+          <a:fontRef idx="minor">
+            <a:schemeClr val="lt1"/>
+          </a:fontRef>
+        </p:style>
+        <p:txBody>
+          <a:bodyPr rtlCol="0" anchor="ctr"/>
+          <a:lstStyle/>
+          <a:p>
+            <a:pPr algn="ctr"/>
+            <a:endParaRPr lang="de-DE"/>
+          </a:p>
+        </p:txBody>
+      </p:sp>
+      <p:sp>
+        <p:nvSpPr>
+          <p:cNvPr id="16" name="Ellipse 15">
+            <a:extLst>
+              <a:ext uri="{FF2B5EF4-FFF2-40B4-BE49-F238E27FC236}">
+                <a16:creationId xmlns:a16="http://schemas.microsoft.com/office/drawing/2014/main" id="{9EE3CBF5-6742-C59A-D134-2D4892A25790}"/>
+              </a:ext>
+            </a:extLst>
+          </p:cNvPr>
+          <p:cNvSpPr/>
+          <p:nvPr/>
+        </p:nvSpPr>
+        <p:spPr>
+          <a:xfrm rot="17578743">
+            <a:off x="3272231" y="2225510"/>
+            <a:ext cx="289560" cy="108092"/>
+          </a:xfrm>
+          <a:prstGeom prst="ellipse">
+            <a:avLst/>
+          </a:prstGeom>
+          <a:solidFill>
+            <a:schemeClr val="accent2"/>
+          </a:solidFill>
+          <a:ln>
+            <a:noFill/>
+          </a:ln>
+        </p:spPr>
+        <p:style>
+          <a:lnRef idx="2">
+            <a:schemeClr val="accent1">
+              <a:shade val="50000"/>
+            </a:schemeClr>
+          </a:lnRef>
+          <a:fillRef idx="1">
+            <a:schemeClr val="accent1"/>
+          </a:fillRef>
+          <a:effectRef idx="0">
+            <a:schemeClr val="accent1"/>
+          </a:effectRef>
+          <a:fontRef idx="minor">
+            <a:schemeClr val="lt1"/>
+          </a:fontRef>
+        </p:style>
+        <p:txBody>
+          <a:bodyPr rtlCol="0" anchor="ctr"/>
+          <a:lstStyle/>
+          <a:p>
+            <a:pPr algn="ctr"/>
+            <a:endParaRPr lang="de-DE"/>
+          </a:p>
+        </p:txBody>
+      </p:sp>
+      <p:sp>
+        <p:nvSpPr>
+          <p:cNvPr id="17" name="Ellipse 16">
+            <a:extLst>
+              <a:ext uri="{FF2B5EF4-FFF2-40B4-BE49-F238E27FC236}">
+                <a16:creationId xmlns:a16="http://schemas.microsoft.com/office/drawing/2014/main" id="{C330E1F1-43AA-441F-A6AA-9897F3769C9B}"/>
+              </a:ext>
+            </a:extLst>
+          </p:cNvPr>
+          <p:cNvSpPr/>
+          <p:nvPr/>
+        </p:nvSpPr>
+        <p:spPr>
+          <a:xfrm rot="17402011">
+            <a:off x="3165953" y="2506276"/>
+            <a:ext cx="289560" cy="108092"/>
+          </a:xfrm>
+          <a:prstGeom prst="ellipse">
+            <a:avLst/>
+          </a:prstGeom>
+          <a:solidFill>
+            <a:schemeClr val="accent2"/>
+          </a:solidFill>
+          <a:ln>
+            <a:noFill/>
+          </a:ln>
+        </p:spPr>
+        <p:style>
+          <a:lnRef idx="2">
+            <a:schemeClr val="accent1">
+              <a:shade val="50000"/>
+            </a:schemeClr>
+          </a:lnRef>
+          <a:fillRef idx="1">
+            <a:schemeClr val="accent1"/>
+          </a:fillRef>
+          <a:effectRef idx="0">
+            <a:schemeClr val="accent1"/>
+          </a:effectRef>
+          <a:fontRef idx="minor">
+            <a:schemeClr val="lt1"/>
+          </a:fontRef>
+        </p:style>
+        <p:txBody>
+          <a:bodyPr rtlCol="0" anchor="ctr"/>
+          <a:lstStyle/>
+          <a:p>
+            <a:pPr algn="ctr"/>
+            <a:endParaRPr lang="de-DE"/>
+          </a:p>
+        </p:txBody>
+      </p:sp>
+      <p:sp>
+        <p:nvSpPr>
+          <p:cNvPr id="18" name="Ellipse 17">
+            <a:extLst>
+              <a:ext uri="{FF2B5EF4-FFF2-40B4-BE49-F238E27FC236}">
+                <a16:creationId xmlns:a16="http://schemas.microsoft.com/office/drawing/2014/main" id="{EA9E8F92-2211-4C0F-94AC-CEB60169B33A}"/>
+              </a:ext>
+            </a:extLst>
+          </p:cNvPr>
+          <p:cNvSpPr/>
+          <p:nvPr/>
+        </p:nvSpPr>
+        <p:spPr>
+          <a:xfrm rot="16706998">
+            <a:off x="3091217" y="2807091"/>
+            <a:ext cx="289560" cy="108092"/>
+          </a:xfrm>
+          <a:prstGeom prst="ellipse">
+            <a:avLst/>
+          </a:prstGeom>
+          <a:solidFill>
+            <a:schemeClr val="accent2"/>
+          </a:solidFill>
+          <a:ln>
+            <a:noFill/>
+          </a:ln>
+        </p:spPr>
+        <p:style>
+          <a:lnRef idx="2">
+            <a:schemeClr val="accent1">
+              <a:shade val="50000"/>
+            </a:schemeClr>
+          </a:lnRef>
+          <a:fillRef idx="1">
+            <a:schemeClr val="accent1"/>
+          </a:fillRef>
+          <a:effectRef idx="0">
+            <a:schemeClr val="accent1"/>
+          </a:effectRef>
+          <a:fontRef idx="minor">
+            <a:schemeClr val="lt1"/>
+          </a:fontRef>
+        </p:style>
+        <p:txBody>
+          <a:bodyPr rtlCol="0" anchor="ctr"/>
+          <a:lstStyle/>
+          <a:p>
+            <a:pPr algn="ctr"/>
+            <a:endParaRPr lang="de-DE"/>
+          </a:p>
+        </p:txBody>
+      </p:sp>
+      <p:sp>
+        <p:nvSpPr>
+          <p:cNvPr id="19" name="Ellipse 18">
+            <a:extLst>
+              <a:ext uri="{FF2B5EF4-FFF2-40B4-BE49-F238E27FC236}">
+                <a16:creationId xmlns:a16="http://schemas.microsoft.com/office/drawing/2014/main" id="{2E8E4E72-DCFA-1A56-7DDA-EC34C1AE32F9}"/>
+              </a:ext>
+            </a:extLst>
+          </p:cNvPr>
+          <p:cNvSpPr/>
+          <p:nvPr/>
+        </p:nvSpPr>
+        <p:spPr>
+          <a:xfrm rot="16615651">
+            <a:off x="3047402" y="3109392"/>
+            <a:ext cx="289560" cy="108092"/>
+          </a:xfrm>
+          <a:prstGeom prst="ellipse">
+            <a:avLst/>
+          </a:prstGeom>
+          <a:solidFill>
+            <a:schemeClr val="accent2"/>
+          </a:solidFill>
+          <a:ln>
+            <a:noFill/>
+          </a:ln>
+        </p:spPr>
+        <p:style>
+          <a:lnRef idx="2">
+            <a:schemeClr val="accent1">
+              <a:shade val="50000"/>
+            </a:schemeClr>
+          </a:lnRef>
+          <a:fillRef idx="1">
+            <a:schemeClr val="accent1"/>
+          </a:fillRef>
+          <a:effectRef idx="0">
+            <a:schemeClr val="accent1"/>
+          </a:effectRef>
+          <a:fontRef idx="minor">
+            <a:schemeClr val="lt1"/>
+          </a:fontRef>
+        </p:style>
+        <p:txBody>
+          <a:bodyPr rtlCol="0" anchor="ctr"/>
+          <a:lstStyle/>
+          <a:p>
+            <a:pPr algn="ctr"/>
+            <a:endParaRPr lang="de-DE"/>
+          </a:p>
+        </p:txBody>
+      </p:sp>
+      <p:sp>
+        <p:nvSpPr>
+          <p:cNvPr id="20" name="Ellipse 19">
+            <a:extLst>
+              <a:ext uri="{FF2B5EF4-FFF2-40B4-BE49-F238E27FC236}">
+                <a16:creationId xmlns:a16="http://schemas.microsoft.com/office/drawing/2014/main" id="{6D339792-83D3-5720-AADE-3299603DC988}"/>
+              </a:ext>
+            </a:extLst>
+          </p:cNvPr>
+          <p:cNvSpPr/>
+          <p:nvPr/>
+        </p:nvSpPr>
+        <p:spPr>
+          <a:xfrm rot="16200000">
+            <a:off x="3029736" y="3428927"/>
+            <a:ext cx="289560" cy="108092"/>
+          </a:xfrm>
+          <a:prstGeom prst="ellipse">
+            <a:avLst/>
+          </a:prstGeom>
+          <a:solidFill>
+            <a:schemeClr val="accent2"/>
+          </a:solidFill>
+          <a:ln>
+            <a:noFill/>
+          </a:ln>
+        </p:spPr>
+        <p:style>
+          <a:lnRef idx="2">
+            <a:schemeClr val="accent1">
+              <a:shade val="50000"/>
+            </a:schemeClr>
+          </a:lnRef>
+          <a:fillRef idx="1">
+            <a:schemeClr val="accent1"/>
+          </a:fillRef>
+          <a:effectRef idx="0">
+            <a:schemeClr val="accent1"/>
+          </a:effectRef>
+          <a:fontRef idx="minor">
+            <a:schemeClr val="lt1"/>
+          </a:fontRef>
+        </p:style>
+        <p:txBody>
+          <a:bodyPr rtlCol="0" anchor="ctr"/>
+          <a:lstStyle/>
+          <a:p>
+            <a:pPr algn="ctr"/>
+            <a:endParaRPr lang="de-DE"/>
+          </a:p>
+        </p:txBody>
+      </p:sp>
+      <p:sp>
+        <p:nvSpPr>
+          <p:cNvPr id="21" name="Ellipse 20">
+            <a:extLst>
+              <a:ext uri="{FF2B5EF4-FFF2-40B4-BE49-F238E27FC236}">
+                <a16:creationId xmlns:a16="http://schemas.microsoft.com/office/drawing/2014/main" id="{9DAB7A02-5702-93E3-B716-61695D348BCF}"/>
+              </a:ext>
+            </a:extLst>
+          </p:cNvPr>
+          <p:cNvSpPr/>
+          <p:nvPr/>
+        </p:nvSpPr>
+        <p:spPr>
+          <a:xfrm rot="15676004">
+            <a:off x="3047402" y="3742999"/>
+            <a:ext cx="289560" cy="108092"/>
+          </a:xfrm>
+          <a:prstGeom prst="ellipse">
+            <a:avLst/>
+          </a:prstGeom>
+          <a:solidFill>
+            <a:schemeClr val="accent2"/>
+          </a:solidFill>
+          <a:ln>
+            <a:noFill/>
+          </a:ln>
+        </p:spPr>
+        <p:style>
+          <a:lnRef idx="2">
+            <a:schemeClr val="accent1">
+              <a:shade val="50000"/>
+            </a:schemeClr>
+          </a:lnRef>
+          <a:fillRef idx="1">
+            <a:schemeClr val="accent1"/>
+          </a:fillRef>
+          <a:effectRef idx="0">
+            <a:schemeClr val="accent1"/>
+          </a:effectRef>
+          <a:fontRef idx="minor">
+            <a:schemeClr val="lt1"/>
+          </a:fontRef>
+        </p:style>
+        <p:txBody>
+          <a:bodyPr rtlCol="0" anchor="ctr"/>
+          <a:lstStyle/>
+          <a:p>
+            <a:pPr algn="ctr"/>
+            <a:endParaRPr lang="de-DE"/>
+          </a:p>
+        </p:txBody>
+      </p:sp>
+      <p:sp>
+        <p:nvSpPr>
+          <p:cNvPr id="22" name="Ellipse 21">
+            <a:extLst>
+              <a:ext uri="{FF2B5EF4-FFF2-40B4-BE49-F238E27FC236}">
+                <a16:creationId xmlns:a16="http://schemas.microsoft.com/office/drawing/2014/main" id="{CEBFE54F-3D95-A94D-9631-C2C8CFC58DF1}"/>
+              </a:ext>
+            </a:extLst>
+          </p:cNvPr>
+          <p:cNvSpPr/>
+          <p:nvPr/>
+        </p:nvSpPr>
+        <p:spPr>
+          <a:xfrm rot="15589762">
+            <a:off x="3105137" y="4044390"/>
+            <a:ext cx="289560" cy="108092"/>
+          </a:xfrm>
+          <a:prstGeom prst="ellipse">
+            <a:avLst/>
+          </a:prstGeom>
+          <a:solidFill>
+            <a:schemeClr val="accent2"/>
+          </a:solidFill>
+          <a:ln>
+            <a:noFill/>
+          </a:ln>
+        </p:spPr>
+        <p:style>
+          <a:lnRef idx="2">
+            <a:schemeClr val="accent1">
+              <a:shade val="50000"/>
+            </a:schemeClr>
+          </a:lnRef>
+          <a:fillRef idx="1">
+            <a:schemeClr val="accent1"/>
+          </a:fillRef>
+          <a:effectRef idx="0">
+            <a:schemeClr val="accent1"/>
+          </a:effectRef>
+          <a:fontRef idx="minor">
+            <a:schemeClr val="lt1"/>
+          </a:fontRef>
+        </p:style>
+        <p:txBody>
+          <a:bodyPr rtlCol="0" anchor="ctr"/>
+          <a:lstStyle/>
+          <a:p>
+            <a:pPr algn="ctr"/>
+            <a:endParaRPr lang="de-DE" dirty="0"/>
+          </a:p>
+        </p:txBody>
+      </p:sp>
+      <p:sp>
+        <p:nvSpPr>
+          <p:cNvPr id="23" name="Ellipse 22">
+            <a:extLst>
+              <a:ext uri="{FF2B5EF4-FFF2-40B4-BE49-F238E27FC236}">
+                <a16:creationId xmlns:a16="http://schemas.microsoft.com/office/drawing/2014/main" id="{F39C7D21-4867-A50F-F399-59FFD854338C}"/>
+              </a:ext>
+            </a:extLst>
+          </p:cNvPr>
+          <p:cNvSpPr/>
+          <p:nvPr/>
+        </p:nvSpPr>
+        <p:spPr>
+          <a:xfrm rot="14944919">
+            <a:off x="3197278" y="4339116"/>
+            <a:ext cx="289560" cy="108092"/>
+          </a:xfrm>
+          <a:prstGeom prst="ellipse">
+            <a:avLst/>
+          </a:prstGeom>
+          <a:solidFill>
+            <a:schemeClr val="accent2"/>
+          </a:solidFill>
+          <a:ln>
+            <a:noFill/>
+          </a:ln>
+        </p:spPr>
+        <p:style>
+          <a:lnRef idx="2">
+            <a:schemeClr val="accent1">
+              <a:shade val="50000"/>
+            </a:schemeClr>
+          </a:lnRef>
+          <a:fillRef idx="1">
+            <a:schemeClr val="accent1"/>
+          </a:fillRef>
+          <a:effectRef idx="0">
+            <a:schemeClr val="accent1"/>
+          </a:effectRef>
+          <a:fontRef idx="minor">
+            <a:schemeClr val="lt1"/>
+          </a:fontRef>
+        </p:style>
+        <p:txBody>
+          <a:bodyPr rtlCol="0" anchor="ctr"/>
+          <a:lstStyle/>
+          <a:p>
+            <a:pPr algn="ctr"/>
+            <a:endParaRPr lang="de-DE" dirty="0"/>
+          </a:p>
+        </p:txBody>
+      </p:sp>
+      <p:sp>
+        <p:nvSpPr>
+          <p:cNvPr id="24" name="Ellipse 23">
+            <a:extLst>
+              <a:ext uri="{FF2B5EF4-FFF2-40B4-BE49-F238E27FC236}">
+                <a16:creationId xmlns:a16="http://schemas.microsoft.com/office/drawing/2014/main" id="{896C5CBC-6AC7-67BB-80C7-948854861ADE}"/>
+              </a:ext>
+            </a:extLst>
+          </p:cNvPr>
+          <p:cNvSpPr/>
+          <p:nvPr/>
+        </p:nvSpPr>
+        <p:spPr>
+          <a:xfrm rot="14685390">
+            <a:off x="3313483" y="4629391"/>
+            <a:ext cx="289560" cy="108092"/>
+          </a:xfrm>
+          <a:prstGeom prst="ellipse">
+            <a:avLst/>
+          </a:prstGeom>
+          <a:solidFill>
+            <a:schemeClr val="accent2"/>
+          </a:solidFill>
+          <a:ln>
+            <a:noFill/>
+          </a:ln>
+        </p:spPr>
+        <p:style>
+          <a:lnRef idx="2">
+            <a:schemeClr val="accent1">
+              <a:shade val="50000"/>
+            </a:schemeClr>
+          </a:lnRef>
+          <a:fillRef idx="1">
+            <a:schemeClr val="accent1"/>
+          </a:fillRef>
+          <a:effectRef idx="0">
+            <a:schemeClr val="accent1"/>
+          </a:effectRef>
+          <a:fontRef idx="minor">
+            <a:schemeClr val="lt1"/>
+          </a:fontRef>
+        </p:style>
+        <p:txBody>
+          <a:bodyPr rtlCol="0" anchor="ctr"/>
+          <a:lstStyle/>
+          <a:p>
+            <a:pPr algn="ctr"/>
+            <a:endParaRPr lang="de-DE" dirty="0"/>
+          </a:p>
+        </p:txBody>
+      </p:sp>
+      <p:sp>
+        <p:nvSpPr>
+          <p:cNvPr id="25" name="Ellipse 24">
+            <a:extLst>
+              <a:ext uri="{FF2B5EF4-FFF2-40B4-BE49-F238E27FC236}">
+                <a16:creationId xmlns:a16="http://schemas.microsoft.com/office/drawing/2014/main" id="{D962453D-B0C5-6F3B-7313-956341030AD6}"/>
+              </a:ext>
+            </a:extLst>
+          </p:cNvPr>
+          <p:cNvSpPr/>
+          <p:nvPr/>
+        </p:nvSpPr>
+        <p:spPr>
+          <a:xfrm rot="14368309">
+            <a:off x="3462074" y="4911581"/>
+            <a:ext cx="289560" cy="108092"/>
+          </a:xfrm>
+          <a:prstGeom prst="ellipse">
+            <a:avLst/>
+          </a:prstGeom>
+          <a:solidFill>
+            <a:schemeClr val="accent2"/>
+          </a:solidFill>
+          <a:ln>
+            <a:noFill/>
+          </a:ln>
+        </p:spPr>
+        <p:style>
+          <a:lnRef idx="2">
+            <a:schemeClr val="accent1">
+              <a:shade val="50000"/>
+            </a:schemeClr>
+          </a:lnRef>
+          <a:fillRef idx="1">
+            <a:schemeClr val="accent1"/>
+          </a:fillRef>
+          <a:effectRef idx="0">
+            <a:schemeClr val="accent1"/>
+          </a:effectRef>
+          <a:fontRef idx="minor">
+            <a:schemeClr val="lt1"/>
+          </a:fontRef>
+        </p:style>
+        <p:txBody>
+          <a:bodyPr rtlCol="0" anchor="ctr"/>
+          <a:lstStyle/>
+          <a:p>
+            <a:pPr algn="ctr"/>
+            <a:endParaRPr lang="de-DE" dirty="0"/>
+          </a:p>
+        </p:txBody>
+      </p:sp>
+      <p:sp>
+        <p:nvSpPr>
+          <p:cNvPr id="26" name="Ellipse 25">
+            <a:extLst>
+              <a:ext uri="{FF2B5EF4-FFF2-40B4-BE49-F238E27FC236}">
+                <a16:creationId xmlns:a16="http://schemas.microsoft.com/office/drawing/2014/main" id="{00224F0C-FF49-6810-DD02-29111FD9A3F8}"/>
+              </a:ext>
+            </a:extLst>
+          </p:cNvPr>
+          <p:cNvSpPr/>
+          <p:nvPr/>
+        </p:nvSpPr>
+        <p:spPr>
+          <a:xfrm rot="13936138">
+            <a:off x="3643129" y="5169915"/>
+            <a:ext cx="289560" cy="108092"/>
+          </a:xfrm>
+          <a:prstGeom prst="ellipse">
+            <a:avLst/>
+          </a:prstGeom>
+          <a:solidFill>
+            <a:schemeClr val="accent2"/>
+          </a:solidFill>
+          <a:ln>
+            <a:noFill/>
+          </a:ln>
+        </p:spPr>
+        <p:style>
+          <a:lnRef idx="2">
+            <a:schemeClr val="accent1">
+              <a:shade val="50000"/>
+            </a:schemeClr>
+          </a:lnRef>
+          <a:fillRef idx="1">
+            <a:schemeClr val="accent1"/>
+          </a:fillRef>
+          <a:effectRef idx="0">
+            <a:schemeClr val="accent1"/>
+          </a:effectRef>
+          <a:fontRef idx="minor">
+            <a:schemeClr val="lt1"/>
+          </a:fontRef>
+        </p:style>
+        <p:txBody>
+          <a:bodyPr rtlCol="0" anchor="ctr"/>
+          <a:lstStyle/>
+          <a:p>
+            <a:pPr algn="ctr"/>
+            <a:endParaRPr lang="de-DE" dirty="0"/>
+          </a:p>
+        </p:txBody>
+      </p:sp>
+      <p:sp>
+        <p:nvSpPr>
+          <p:cNvPr id="27" name="Ellipse 26">
+            <a:extLst>
+              <a:ext uri="{FF2B5EF4-FFF2-40B4-BE49-F238E27FC236}">
+                <a16:creationId xmlns:a16="http://schemas.microsoft.com/office/drawing/2014/main" id="{B8120CE0-FEAD-5F82-1D83-227B5A6CE26F}"/>
+              </a:ext>
+            </a:extLst>
+          </p:cNvPr>
+          <p:cNvSpPr/>
+          <p:nvPr/>
+        </p:nvSpPr>
+        <p:spPr>
+          <a:xfrm rot="13548611">
+            <a:off x="3851409" y="5403595"/>
+            <a:ext cx="289560" cy="108092"/>
+          </a:xfrm>
+          <a:prstGeom prst="ellipse">
+            <a:avLst/>
+          </a:prstGeom>
+          <a:solidFill>
+            <a:schemeClr val="accent2"/>
+          </a:solidFill>
+          <a:ln>
+            <a:noFill/>
+          </a:ln>
+        </p:spPr>
+        <p:style>
+          <a:lnRef idx="2">
+            <a:schemeClr val="accent1">
+              <a:shade val="50000"/>
+            </a:schemeClr>
+          </a:lnRef>
+          <a:fillRef idx="1">
+            <a:schemeClr val="accent1"/>
+          </a:fillRef>
+          <a:effectRef idx="0">
+            <a:schemeClr val="accent1"/>
+          </a:effectRef>
+          <a:fontRef idx="minor">
+            <a:schemeClr val="lt1"/>
+          </a:fontRef>
+        </p:style>
+        <p:txBody>
+          <a:bodyPr rtlCol="0" anchor="ctr"/>
+          <a:lstStyle/>
+          <a:p>
+            <a:pPr algn="ctr"/>
+            <a:endParaRPr lang="de-DE" dirty="0"/>
+          </a:p>
+        </p:txBody>
+      </p:sp>
+      <p:sp>
+        <p:nvSpPr>
+          <p:cNvPr id="28" name="Ellipse 27">
+            <a:extLst>
+              <a:ext uri="{FF2B5EF4-FFF2-40B4-BE49-F238E27FC236}">
+                <a16:creationId xmlns:a16="http://schemas.microsoft.com/office/drawing/2014/main" id="{016BA94E-0F5F-C0B8-625A-DB33019FA1C3}"/>
+              </a:ext>
+            </a:extLst>
+          </p:cNvPr>
+          <p:cNvSpPr/>
+          <p:nvPr/>
+        </p:nvSpPr>
+        <p:spPr>
+          <a:xfrm rot="13548611">
+            <a:off x="4077115" y="5616954"/>
+            <a:ext cx="289560" cy="108092"/>
+          </a:xfrm>
+          <a:prstGeom prst="ellipse">
+            <a:avLst/>
+          </a:prstGeom>
+          <a:solidFill>
+            <a:schemeClr val="accent2"/>
+          </a:solidFill>
+          <a:ln>
+            <a:noFill/>
+          </a:ln>
+        </p:spPr>
+        <p:style>
+          <a:lnRef idx="2">
+            <a:schemeClr val="accent1">
+              <a:shade val="50000"/>
+            </a:schemeClr>
+          </a:lnRef>
+          <a:fillRef idx="1">
+            <a:schemeClr val="accent1"/>
+          </a:fillRef>
+          <a:effectRef idx="0">
+            <a:schemeClr val="accent1"/>
+          </a:effectRef>
+          <a:fontRef idx="minor">
+            <a:schemeClr val="lt1"/>
+          </a:fontRef>
+        </p:style>
+        <p:txBody>
+          <a:bodyPr rtlCol="0" anchor="ctr"/>
+          <a:lstStyle/>
+          <a:p>
+            <a:pPr algn="ctr"/>
+            <a:endParaRPr lang="de-DE" dirty="0"/>
+          </a:p>
+        </p:txBody>
+      </p:sp>
+      <p:sp>
+        <p:nvSpPr>
+          <p:cNvPr id="29" name="Ellipse 28">
+            <a:extLst>
+              <a:ext uri="{FF2B5EF4-FFF2-40B4-BE49-F238E27FC236}">
+                <a16:creationId xmlns:a16="http://schemas.microsoft.com/office/drawing/2014/main" id="{FBD57836-411E-CC70-0DF2-5736DA9082B2}"/>
+              </a:ext>
+            </a:extLst>
+          </p:cNvPr>
+          <p:cNvSpPr/>
+          <p:nvPr/>
+        </p:nvSpPr>
+        <p:spPr>
+          <a:xfrm rot="12891235">
+            <a:off x="4320695" y="5808647"/>
+            <a:ext cx="289560" cy="108092"/>
+          </a:xfrm>
+          <a:prstGeom prst="ellipse">
+            <a:avLst/>
+          </a:prstGeom>
+          <a:solidFill>
+            <a:schemeClr val="accent2"/>
+          </a:solidFill>
+          <a:ln>
+            <a:noFill/>
+          </a:ln>
+        </p:spPr>
+        <p:style>
+          <a:lnRef idx="2">
+            <a:schemeClr val="accent1">
+              <a:shade val="50000"/>
+            </a:schemeClr>
+          </a:lnRef>
+          <a:fillRef idx="1">
+            <a:schemeClr val="accent1"/>
+          </a:fillRef>
+          <a:effectRef idx="0">
+            <a:schemeClr val="accent1"/>
+          </a:effectRef>
+          <a:fontRef idx="minor">
+            <a:schemeClr val="lt1"/>
+          </a:fontRef>
+        </p:style>
+        <p:txBody>
+          <a:bodyPr rtlCol="0" anchor="ctr"/>
+          <a:lstStyle/>
+          <a:p>
+            <a:pPr algn="ctr"/>
+            <a:endParaRPr lang="de-DE" dirty="0"/>
+          </a:p>
+        </p:txBody>
+      </p:sp>
+      <p:sp>
+        <p:nvSpPr>
+          <p:cNvPr id="30" name="Ellipse 29">
+            <a:extLst>
+              <a:ext uri="{FF2B5EF4-FFF2-40B4-BE49-F238E27FC236}">
+                <a16:creationId xmlns:a16="http://schemas.microsoft.com/office/drawing/2014/main" id="{5665510F-A6AA-98E7-FFD0-B07F2D269C43}"/>
+              </a:ext>
+            </a:extLst>
+          </p:cNvPr>
+          <p:cNvSpPr/>
+          <p:nvPr/>
+        </p:nvSpPr>
+        <p:spPr>
+          <a:xfrm rot="12397477">
+            <a:off x="4584990" y="5958952"/>
+            <a:ext cx="289560" cy="108092"/>
+          </a:xfrm>
+          <a:prstGeom prst="ellipse">
+            <a:avLst/>
+          </a:prstGeom>
+          <a:solidFill>
+            <a:schemeClr val="accent2"/>
+          </a:solidFill>
+          <a:ln>
+            <a:noFill/>
+          </a:ln>
+        </p:spPr>
+        <p:style>
+          <a:lnRef idx="2">
+            <a:schemeClr val="accent1">
+              <a:shade val="50000"/>
+            </a:schemeClr>
+          </a:lnRef>
+          <a:fillRef idx="1">
+            <a:schemeClr val="accent1"/>
+          </a:fillRef>
+          <a:effectRef idx="0">
+            <a:schemeClr val="accent1"/>
+          </a:effectRef>
+          <a:fontRef idx="minor">
+            <a:schemeClr val="lt1"/>
+          </a:fontRef>
+        </p:style>
+        <p:txBody>
+          <a:bodyPr rtlCol="0" anchor="ctr"/>
+          <a:lstStyle/>
+          <a:p>
+            <a:pPr algn="ctr"/>
+            <a:endParaRPr lang="de-DE" dirty="0"/>
+          </a:p>
+        </p:txBody>
+      </p:sp>
+      <p:sp>
+        <p:nvSpPr>
+          <p:cNvPr id="31" name="Ellipse 30">
+            <a:extLst>
+              <a:ext uri="{FF2B5EF4-FFF2-40B4-BE49-F238E27FC236}">
+                <a16:creationId xmlns:a16="http://schemas.microsoft.com/office/drawing/2014/main" id="{475AA7EC-FBFF-D599-65A4-1103886DA96F}"/>
+              </a:ext>
+            </a:extLst>
+          </p:cNvPr>
+          <p:cNvSpPr/>
+          <p:nvPr/>
+        </p:nvSpPr>
+        <p:spPr>
+          <a:xfrm rot="12052597">
+            <a:off x="4866930" y="6098652"/>
+            <a:ext cx="289560" cy="108092"/>
+          </a:xfrm>
+          <a:prstGeom prst="ellipse">
+            <a:avLst/>
+          </a:prstGeom>
+          <a:solidFill>
+            <a:schemeClr val="accent2"/>
+          </a:solidFill>
+          <a:ln>
+            <a:noFill/>
+          </a:ln>
+        </p:spPr>
+        <p:style>
+          <a:lnRef idx="2">
+            <a:schemeClr val="accent1">
+              <a:shade val="50000"/>
+            </a:schemeClr>
+          </a:lnRef>
+          <a:fillRef idx="1">
+            <a:schemeClr val="accent1"/>
+          </a:fillRef>
+          <a:effectRef idx="0">
+            <a:schemeClr val="accent1"/>
+          </a:effectRef>
+          <a:fontRef idx="minor">
+            <a:schemeClr val="lt1"/>
+          </a:fontRef>
+        </p:style>
+        <p:txBody>
+          <a:bodyPr rtlCol="0" anchor="ctr"/>
+          <a:lstStyle/>
+          <a:p>
+            <a:pPr algn="ctr"/>
+            <a:endParaRPr lang="de-DE" dirty="0"/>
+          </a:p>
+        </p:txBody>
+      </p:sp>
+      <p:sp>
+        <p:nvSpPr>
+          <p:cNvPr id="32" name="Ellipse 31">
+            <a:extLst>
+              <a:ext uri="{FF2B5EF4-FFF2-40B4-BE49-F238E27FC236}">
+                <a16:creationId xmlns:a16="http://schemas.microsoft.com/office/drawing/2014/main" id="{1E14DCFA-9F35-6941-2906-0D2312531D63}"/>
+              </a:ext>
+            </a:extLst>
+          </p:cNvPr>
+          <p:cNvSpPr/>
+          <p:nvPr/>
+        </p:nvSpPr>
+        <p:spPr>
+          <a:xfrm rot="11856681">
+            <a:off x="5165881" y="6197245"/>
+            <a:ext cx="289560" cy="108092"/>
+          </a:xfrm>
+          <a:prstGeom prst="ellipse">
+            <a:avLst/>
+          </a:prstGeom>
+          <a:solidFill>
+            <a:schemeClr val="accent2"/>
+          </a:solidFill>
+          <a:ln>
+            <a:noFill/>
+          </a:ln>
+        </p:spPr>
+        <p:style>
+          <a:lnRef idx="2">
+            <a:schemeClr val="accent1">
+              <a:shade val="50000"/>
+            </a:schemeClr>
+          </a:lnRef>
+          <a:fillRef idx="1">
+            <a:schemeClr val="accent1"/>
+          </a:fillRef>
+          <a:effectRef idx="0">
+            <a:schemeClr val="accent1"/>
+          </a:effectRef>
+          <a:fontRef idx="minor">
+            <a:schemeClr val="lt1"/>
+          </a:fontRef>
+        </p:style>
+        <p:txBody>
+          <a:bodyPr rtlCol="0" anchor="ctr"/>
+          <a:lstStyle/>
+          <a:p>
+            <a:pPr algn="ctr"/>
+            <a:endParaRPr lang="de-DE" dirty="0"/>
+          </a:p>
+        </p:txBody>
+      </p:sp>
+      <p:sp>
+        <p:nvSpPr>
+          <p:cNvPr id="33" name="Ellipse 32">
+            <a:extLst>
+              <a:ext uri="{FF2B5EF4-FFF2-40B4-BE49-F238E27FC236}">
+                <a16:creationId xmlns:a16="http://schemas.microsoft.com/office/drawing/2014/main" id="{8CED3C14-8CEB-9E3D-CE93-A6D9EA788EFC}"/>
+              </a:ext>
+            </a:extLst>
+          </p:cNvPr>
+          <p:cNvSpPr/>
+          <p:nvPr/>
+        </p:nvSpPr>
+        <p:spPr>
+          <a:xfrm rot="11334474">
+            <a:off x="5486480" y="6265862"/>
+            <a:ext cx="289560" cy="108092"/>
+          </a:xfrm>
+          <a:prstGeom prst="ellipse">
+            <a:avLst/>
+          </a:prstGeom>
+          <a:solidFill>
+            <a:schemeClr val="accent2"/>
+          </a:solidFill>
+          <a:ln>
+            <a:noFill/>
+          </a:ln>
+        </p:spPr>
+        <p:style>
+          <a:lnRef idx="2">
+            <a:schemeClr val="accent1">
+              <a:shade val="50000"/>
+            </a:schemeClr>
+          </a:lnRef>
+          <a:fillRef idx="1">
+            <a:schemeClr val="accent1"/>
+          </a:fillRef>
+          <a:effectRef idx="0">
+            <a:schemeClr val="accent1"/>
+          </a:effectRef>
+          <a:fontRef idx="minor">
+            <a:schemeClr val="lt1"/>
+          </a:fontRef>
+        </p:style>
+        <p:txBody>
+          <a:bodyPr rtlCol="0" anchor="ctr"/>
+          <a:lstStyle/>
+          <a:p>
+            <a:pPr algn="ctr"/>
+            <a:endParaRPr lang="de-DE" dirty="0"/>
+          </a:p>
+        </p:txBody>
+      </p:sp>
+      <p:sp>
+        <p:nvSpPr>
+          <p:cNvPr id="34" name="Ellipse 33">
+            <a:extLst>
+              <a:ext uri="{FF2B5EF4-FFF2-40B4-BE49-F238E27FC236}">
+                <a16:creationId xmlns:a16="http://schemas.microsoft.com/office/drawing/2014/main" id="{E08A8DBB-7131-2F67-0794-8B457A368559}"/>
+              </a:ext>
+            </a:extLst>
+          </p:cNvPr>
+          <p:cNvSpPr/>
+          <p:nvPr/>
+        </p:nvSpPr>
+        <p:spPr>
+          <a:xfrm rot="11011342">
+            <a:off x="5800557" y="6292563"/>
+            <a:ext cx="289560" cy="108092"/>
+          </a:xfrm>
+          <a:prstGeom prst="ellipse">
+            <a:avLst/>
+          </a:prstGeom>
+          <a:solidFill>
+            <a:schemeClr val="accent2"/>
+          </a:solidFill>
+          <a:ln>
+            <a:noFill/>
+          </a:ln>
+        </p:spPr>
+        <p:style>
+          <a:lnRef idx="2">
+            <a:schemeClr val="accent1">
+              <a:shade val="50000"/>
+            </a:schemeClr>
+          </a:lnRef>
+          <a:fillRef idx="1">
+            <a:schemeClr val="accent1"/>
+          </a:fillRef>
+          <a:effectRef idx="0">
+            <a:schemeClr val="accent1"/>
+          </a:effectRef>
+          <a:fontRef idx="minor">
+            <a:schemeClr val="lt1"/>
+          </a:fontRef>
+        </p:style>
+        <p:txBody>
+          <a:bodyPr rtlCol="0" anchor="ctr"/>
+          <a:lstStyle/>
+          <a:p>
+            <a:pPr algn="ctr"/>
+            <a:endParaRPr lang="de-DE" dirty="0"/>
+          </a:p>
+        </p:txBody>
+      </p:sp>
+      <p:sp>
+        <p:nvSpPr>
+          <p:cNvPr id="35" name="Ellipse 34">
+            <a:extLst>
+              <a:ext uri="{FF2B5EF4-FFF2-40B4-BE49-F238E27FC236}">
+                <a16:creationId xmlns:a16="http://schemas.microsoft.com/office/drawing/2014/main" id="{57D18293-EA57-8FD0-1346-1F38684F3547}"/>
+              </a:ext>
+            </a:extLst>
+          </p:cNvPr>
+          <p:cNvSpPr/>
+          <p:nvPr/>
+        </p:nvSpPr>
+        <p:spPr>
+          <a:xfrm rot="10592595">
+            <a:off x="6111059" y="6292563"/>
+            <a:ext cx="289560" cy="108092"/>
+          </a:xfrm>
+          <a:prstGeom prst="ellipse">
+            <a:avLst/>
+          </a:prstGeom>
+          <a:solidFill>
+            <a:schemeClr val="accent2"/>
+          </a:solidFill>
+          <a:ln>
+            <a:noFill/>
+          </a:ln>
+        </p:spPr>
+        <p:style>
+          <a:lnRef idx="2">
+            <a:schemeClr val="accent1">
+              <a:shade val="50000"/>
+            </a:schemeClr>
+          </a:lnRef>
+          <a:fillRef idx="1">
+            <a:schemeClr val="accent1"/>
+          </a:fillRef>
+          <a:effectRef idx="0">
+            <a:schemeClr val="accent1"/>
+          </a:effectRef>
+          <a:fontRef idx="minor">
+            <a:schemeClr val="lt1"/>
+          </a:fontRef>
+        </p:style>
+        <p:txBody>
+          <a:bodyPr rtlCol="0" anchor="ctr"/>
+          <a:lstStyle/>
+          <a:p>
+            <a:pPr algn="ctr"/>
+            <a:endParaRPr lang="de-DE" dirty="0"/>
+          </a:p>
+        </p:txBody>
+      </p:sp>
+      <p:sp>
+        <p:nvSpPr>
+          <p:cNvPr id="36" name="Ellipse 35">
+            <a:extLst>
+              <a:ext uri="{FF2B5EF4-FFF2-40B4-BE49-F238E27FC236}">
+                <a16:creationId xmlns:a16="http://schemas.microsoft.com/office/drawing/2014/main" id="{8DA80441-8D2C-461E-9940-6CA8717F875C}"/>
+              </a:ext>
+            </a:extLst>
+          </p:cNvPr>
+          <p:cNvSpPr/>
+          <p:nvPr/>
+        </p:nvSpPr>
+        <p:spPr>
+          <a:xfrm rot="10375172">
+            <a:off x="6421510" y="6265861"/>
+            <a:ext cx="289560" cy="108092"/>
+          </a:xfrm>
+          <a:prstGeom prst="ellipse">
+            <a:avLst/>
+          </a:prstGeom>
+          <a:solidFill>
+            <a:schemeClr val="accent2"/>
+          </a:solidFill>
+          <a:ln>
+            <a:noFill/>
+          </a:ln>
+        </p:spPr>
+        <p:style>
+          <a:lnRef idx="2">
+            <a:schemeClr val="accent1">
+              <a:shade val="50000"/>
+            </a:schemeClr>
+          </a:lnRef>
+          <a:fillRef idx="1">
+            <a:schemeClr val="accent1"/>
+          </a:fillRef>
+          <a:effectRef idx="0">
+            <a:schemeClr val="accent1"/>
+          </a:effectRef>
+          <a:fontRef idx="minor">
+            <a:schemeClr val="lt1"/>
+          </a:fontRef>
+        </p:style>
+        <p:txBody>
+          <a:bodyPr rtlCol="0" anchor="ctr"/>
+          <a:lstStyle/>
+          <a:p>
+            <a:pPr algn="ctr"/>
+            <a:endParaRPr lang="de-DE" dirty="0"/>
+          </a:p>
+        </p:txBody>
+      </p:sp>
+      <p:sp>
+        <p:nvSpPr>
+          <p:cNvPr id="37" name="Ellipse 36">
+            <a:extLst>
+              <a:ext uri="{FF2B5EF4-FFF2-40B4-BE49-F238E27FC236}">
+                <a16:creationId xmlns:a16="http://schemas.microsoft.com/office/drawing/2014/main" id="{5BA678B5-2430-75D7-25A7-799D9644E7FC}"/>
+              </a:ext>
+            </a:extLst>
+          </p:cNvPr>
+          <p:cNvSpPr/>
+          <p:nvPr/>
+        </p:nvSpPr>
+        <p:spPr>
+          <a:xfrm rot="10026676">
+            <a:off x="6734811" y="6197245"/>
+            <a:ext cx="289560" cy="108092"/>
+          </a:xfrm>
+          <a:prstGeom prst="ellipse">
+            <a:avLst/>
+          </a:prstGeom>
+          <a:solidFill>
+            <a:schemeClr val="accent2"/>
+          </a:solidFill>
+          <a:ln>
+            <a:noFill/>
+          </a:ln>
+        </p:spPr>
+        <p:style>
+          <a:lnRef idx="2">
+            <a:schemeClr val="accent1">
+              <a:shade val="50000"/>
+            </a:schemeClr>
+          </a:lnRef>
+          <a:fillRef idx="1">
+            <a:schemeClr val="accent1"/>
+          </a:fillRef>
+          <a:effectRef idx="0">
+            <a:schemeClr val="accent1"/>
+          </a:effectRef>
+          <a:fontRef idx="minor">
+            <a:schemeClr val="lt1"/>
+          </a:fontRef>
+        </p:style>
+        <p:txBody>
+          <a:bodyPr rtlCol="0" anchor="ctr"/>
+          <a:lstStyle/>
+          <a:p>
+            <a:pPr algn="ctr"/>
+            <a:endParaRPr lang="de-DE" dirty="0"/>
+          </a:p>
+        </p:txBody>
+      </p:sp>
+      <p:sp>
+        <p:nvSpPr>
+          <p:cNvPr id="38" name="Ellipse 37">
+            <a:extLst>
+              <a:ext uri="{FF2B5EF4-FFF2-40B4-BE49-F238E27FC236}">
+                <a16:creationId xmlns:a16="http://schemas.microsoft.com/office/drawing/2014/main" id="{0A612972-CFE5-5705-6416-FD8ADB129FFA}"/>
+              </a:ext>
+            </a:extLst>
+          </p:cNvPr>
+          <p:cNvSpPr/>
+          <p:nvPr/>
+        </p:nvSpPr>
+        <p:spPr>
+          <a:xfrm rot="9667388">
+            <a:off x="7031221" y="6099265"/>
+            <a:ext cx="289560" cy="108092"/>
+          </a:xfrm>
+          <a:prstGeom prst="ellipse">
+            <a:avLst/>
+          </a:prstGeom>
+          <a:solidFill>
+            <a:schemeClr val="accent2"/>
+          </a:solidFill>
+          <a:ln>
+            <a:noFill/>
+          </a:ln>
+        </p:spPr>
+        <p:style>
+          <a:lnRef idx="2">
+            <a:schemeClr val="accent1">
+              <a:shade val="50000"/>
+            </a:schemeClr>
+          </a:lnRef>
+          <a:fillRef idx="1">
+            <a:schemeClr val="accent1"/>
+          </a:fillRef>
+          <a:effectRef idx="0">
+            <a:schemeClr val="accent1"/>
+          </a:effectRef>
+          <a:fontRef idx="minor">
+            <a:schemeClr val="lt1"/>
+          </a:fontRef>
+        </p:style>
+        <p:txBody>
+          <a:bodyPr rtlCol="0" anchor="ctr"/>
+          <a:lstStyle/>
+          <a:p>
+            <a:pPr algn="ctr"/>
+            <a:endParaRPr lang="de-DE" dirty="0"/>
+          </a:p>
+        </p:txBody>
+      </p:sp>
+      <p:sp>
+        <p:nvSpPr>
+          <p:cNvPr id="39" name="Ellipse 38">
+            <a:extLst>
+              <a:ext uri="{FF2B5EF4-FFF2-40B4-BE49-F238E27FC236}">
+                <a16:creationId xmlns:a16="http://schemas.microsoft.com/office/drawing/2014/main" id="{154E5AFC-ADB5-05CA-2AA1-427A733016D3}"/>
+              </a:ext>
+            </a:extLst>
+          </p:cNvPr>
+          <p:cNvSpPr/>
+          <p:nvPr/>
+        </p:nvSpPr>
+        <p:spPr>
+          <a:xfrm rot="9272329">
+            <a:off x="7314319" y="5958951"/>
+            <a:ext cx="289560" cy="108092"/>
+          </a:xfrm>
+          <a:prstGeom prst="ellipse">
+            <a:avLst/>
+          </a:prstGeom>
+          <a:solidFill>
+            <a:schemeClr val="accent2"/>
+          </a:solidFill>
+          <a:ln>
+            <a:noFill/>
+          </a:ln>
+        </p:spPr>
+        <p:style>
+          <a:lnRef idx="2">
+            <a:schemeClr val="accent1">
+              <a:shade val="50000"/>
+            </a:schemeClr>
+          </a:lnRef>
+          <a:fillRef idx="1">
+            <a:schemeClr val="accent1"/>
+          </a:fillRef>
+          <a:effectRef idx="0">
+            <a:schemeClr val="accent1"/>
+          </a:effectRef>
+          <a:fontRef idx="minor">
+            <a:schemeClr val="lt1"/>
+          </a:fontRef>
+        </p:style>
+        <p:txBody>
+          <a:bodyPr rtlCol="0" anchor="ctr"/>
+          <a:lstStyle/>
+          <a:p>
+            <a:pPr algn="ctr"/>
+            <a:endParaRPr lang="de-DE" dirty="0"/>
+          </a:p>
+        </p:txBody>
+      </p:sp>
+      <p:sp>
+        <p:nvSpPr>
+          <p:cNvPr id="40" name="Ellipse 39">
+            <a:extLst>
+              <a:ext uri="{FF2B5EF4-FFF2-40B4-BE49-F238E27FC236}">
+                <a16:creationId xmlns:a16="http://schemas.microsoft.com/office/drawing/2014/main" id="{9B4AC712-6E39-A46E-F82E-AB9E2702A9E1}"/>
+              </a:ext>
+            </a:extLst>
+          </p:cNvPr>
+          <p:cNvSpPr/>
+          <p:nvPr/>
+        </p:nvSpPr>
+        <p:spPr>
+          <a:xfrm rot="8848655">
+            <a:off x="7583186" y="5804966"/>
+            <a:ext cx="289560" cy="108092"/>
+          </a:xfrm>
+          <a:prstGeom prst="ellipse">
+            <a:avLst/>
+          </a:prstGeom>
+          <a:solidFill>
+            <a:schemeClr val="accent2"/>
+          </a:solidFill>
+          <a:ln>
+            <a:noFill/>
+          </a:ln>
+        </p:spPr>
+        <p:style>
+          <a:lnRef idx="2">
+            <a:schemeClr val="accent1">
+              <a:shade val="50000"/>
+            </a:schemeClr>
+          </a:lnRef>
+          <a:fillRef idx="1">
+            <a:schemeClr val="accent1"/>
+          </a:fillRef>
+          <a:effectRef idx="0">
+            <a:schemeClr val="accent1"/>
+          </a:effectRef>
+          <a:fontRef idx="minor">
+            <a:schemeClr val="lt1"/>
+          </a:fontRef>
+        </p:style>
+        <p:txBody>
+          <a:bodyPr rtlCol="0" anchor="ctr"/>
+          <a:lstStyle/>
+          <a:p>
+            <a:pPr algn="ctr"/>
+            <a:endParaRPr lang="de-DE" dirty="0"/>
+          </a:p>
+        </p:txBody>
+      </p:sp>
+      <p:sp>
+        <p:nvSpPr>
+          <p:cNvPr id="41" name="Ellipse 40">
+            <a:extLst>
+              <a:ext uri="{FF2B5EF4-FFF2-40B4-BE49-F238E27FC236}">
+                <a16:creationId xmlns:a16="http://schemas.microsoft.com/office/drawing/2014/main" id="{5E27412D-60BB-1376-6F1C-E0EB1C31A5DC}"/>
+              </a:ext>
+            </a:extLst>
+          </p:cNvPr>
+          <p:cNvSpPr/>
+          <p:nvPr/>
+        </p:nvSpPr>
+        <p:spPr>
+          <a:xfrm rot="8497363">
+            <a:off x="7835147" y="5616954"/>
+            <a:ext cx="289560" cy="108092"/>
+          </a:xfrm>
+          <a:prstGeom prst="ellipse">
+            <a:avLst/>
+          </a:prstGeom>
+          <a:solidFill>
+            <a:schemeClr val="accent2"/>
+          </a:solidFill>
+          <a:ln>
+            <a:noFill/>
+          </a:ln>
+        </p:spPr>
+        <p:style>
+          <a:lnRef idx="2">
+            <a:schemeClr val="accent1">
+              <a:shade val="50000"/>
+            </a:schemeClr>
+          </a:lnRef>
+          <a:fillRef idx="1">
+            <a:schemeClr val="accent1"/>
+          </a:fillRef>
+          <a:effectRef idx="0">
+            <a:schemeClr val="accent1"/>
+          </a:effectRef>
+          <a:fontRef idx="minor">
+            <a:schemeClr val="lt1"/>
+          </a:fontRef>
+        </p:style>
+        <p:txBody>
+          <a:bodyPr rtlCol="0" anchor="ctr"/>
+          <a:lstStyle/>
+          <a:p>
+            <a:pPr algn="ctr"/>
+            <a:endParaRPr lang="de-DE" dirty="0"/>
+          </a:p>
+        </p:txBody>
+      </p:sp>
+      <p:sp>
+        <p:nvSpPr>
+          <p:cNvPr id="42" name="Ellipse 41">
+            <a:extLst>
+              <a:ext uri="{FF2B5EF4-FFF2-40B4-BE49-F238E27FC236}">
+                <a16:creationId xmlns:a16="http://schemas.microsoft.com/office/drawing/2014/main" id="{1DD25FD9-25B8-BA1E-5433-16880A665F4A}"/>
+              </a:ext>
+            </a:extLst>
+          </p:cNvPr>
+          <p:cNvSpPr/>
+          <p:nvPr/>
+        </p:nvSpPr>
+        <p:spPr>
+          <a:xfrm rot="8134439">
+            <a:off x="8057671" y="5402051"/>
+            <a:ext cx="289560" cy="108092"/>
+          </a:xfrm>
+          <a:prstGeom prst="ellipse">
+            <a:avLst/>
+          </a:prstGeom>
+          <a:solidFill>
+            <a:schemeClr val="accent2"/>
+          </a:solidFill>
+          <a:ln>
+            <a:noFill/>
+          </a:ln>
+        </p:spPr>
+        <p:style>
+          <a:lnRef idx="2">
+            <a:schemeClr val="accent1">
+              <a:shade val="50000"/>
+            </a:schemeClr>
+          </a:lnRef>
+          <a:fillRef idx="1">
+            <a:schemeClr val="accent1"/>
+          </a:fillRef>
+          <a:effectRef idx="0">
+            <a:schemeClr val="accent1"/>
+          </a:effectRef>
+          <a:fontRef idx="minor">
+            <a:schemeClr val="lt1"/>
+          </a:fontRef>
+        </p:style>
+        <p:txBody>
+          <a:bodyPr rtlCol="0" anchor="ctr"/>
+          <a:lstStyle/>
+          <a:p>
+            <a:pPr algn="ctr"/>
+            <a:endParaRPr lang="de-DE" dirty="0"/>
+          </a:p>
+        </p:txBody>
+      </p:sp>
+      <p:sp>
+        <p:nvSpPr>
+          <p:cNvPr id="43" name="Ellipse 42">
+            <a:extLst>
+              <a:ext uri="{FF2B5EF4-FFF2-40B4-BE49-F238E27FC236}">
+                <a16:creationId xmlns:a16="http://schemas.microsoft.com/office/drawing/2014/main" id="{1363BDBB-B4AF-25E2-B2B4-A4139D90FC12}"/>
+              </a:ext>
+            </a:extLst>
+          </p:cNvPr>
+          <p:cNvSpPr/>
+          <p:nvPr/>
+        </p:nvSpPr>
+        <p:spPr>
+          <a:xfrm rot="7828003">
+            <a:off x="8269196" y="5162276"/>
+            <a:ext cx="289560" cy="108092"/>
+          </a:xfrm>
+          <a:prstGeom prst="ellipse">
+            <a:avLst/>
+          </a:prstGeom>
+          <a:solidFill>
+            <a:schemeClr val="accent2"/>
+          </a:solidFill>
+          <a:ln>
+            <a:noFill/>
+          </a:ln>
+        </p:spPr>
+        <p:style>
+          <a:lnRef idx="2">
+            <a:schemeClr val="accent1">
+              <a:shade val="50000"/>
+            </a:schemeClr>
+          </a:lnRef>
+          <a:fillRef idx="1">
+            <a:schemeClr val="accent1"/>
+          </a:fillRef>
+          <a:effectRef idx="0">
+            <a:schemeClr val="accent1"/>
+          </a:effectRef>
+          <a:fontRef idx="minor">
+            <a:schemeClr val="lt1"/>
+          </a:fontRef>
+        </p:style>
+        <p:txBody>
+          <a:bodyPr rtlCol="0" anchor="ctr"/>
+          <a:lstStyle/>
+          <a:p>
+            <a:pPr algn="ctr"/>
+            <a:endParaRPr lang="de-DE" dirty="0"/>
+          </a:p>
+        </p:txBody>
+      </p:sp>
+      <p:sp>
+        <p:nvSpPr>
+          <p:cNvPr id="44" name="Ellipse 43">
+            <a:extLst>
+              <a:ext uri="{FF2B5EF4-FFF2-40B4-BE49-F238E27FC236}">
+                <a16:creationId xmlns:a16="http://schemas.microsoft.com/office/drawing/2014/main" id="{4F906B6A-EF2C-7C39-8C13-E8561118031A}"/>
+              </a:ext>
+            </a:extLst>
+          </p:cNvPr>
+          <p:cNvSpPr/>
+          <p:nvPr/>
+        </p:nvSpPr>
+        <p:spPr>
+          <a:xfrm rot="7356144">
+            <a:off x="8443809" y="4910504"/>
+            <a:ext cx="289560" cy="108092"/>
+          </a:xfrm>
+          <a:prstGeom prst="ellipse">
+            <a:avLst/>
+          </a:prstGeom>
+          <a:solidFill>
+            <a:schemeClr val="accent2"/>
+          </a:solidFill>
+          <a:ln>
+            <a:noFill/>
+          </a:ln>
+        </p:spPr>
+        <p:style>
+          <a:lnRef idx="2">
+            <a:schemeClr val="accent1">
+              <a:shade val="50000"/>
+            </a:schemeClr>
+          </a:lnRef>
+          <a:fillRef idx="1">
+            <a:schemeClr val="accent1"/>
+          </a:fillRef>
+          <a:effectRef idx="0">
+            <a:schemeClr val="accent1"/>
+          </a:effectRef>
+          <a:fontRef idx="minor">
+            <a:schemeClr val="lt1"/>
+          </a:fontRef>
+        </p:style>
+        <p:txBody>
+          <a:bodyPr rtlCol="0" anchor="ctr"/>
+          <a:lstStyle/>
+          <a:p>
+            <a:pPr algn="ctr"/>
+            <a:endParaRPr lang="de-DE" dirty="0"/>
+          </a:p>
+        </p:txBody>
+      </p:sp>
+      <p:sp>
+        <p:nvSpPr>
+          <p:cNvPr id="45" name="Ellipse 44">
+            <a:extLst>
+              <a:ext uri="{FF2B5EF4-FFF2-40B4-BE49-F238E27FC236}">
+                <a16:creationId xmlns:a16="http://schemas.microsoft.com/office/drawing/2014/main" id="{399BA41F-2744-5B4A-56C8-4CCC0B92D8E6}"/>
+              </a:ext>
+            </a:extLst>
+          </p:cNvPr>
+          <p:cNvSpPr/>
+          <p:nvPr/>
+        </p:nvSpPr>
+        <p:spPr>
+          <a:xfrm rot="6824393">
+            <a:off x="8586088" y="4629107"/>
+            <a:ext cx="289560" cy="108092"/>
+          </a:xfrm>
+          <a:prstGeom prst="ellipse">
+            <a:avLst/>
+          </a:prstGeom>
+          <a:solidFill>
+            <a:schemeClr val="accent2"/>
+          </a:solidFill>
+          <a:ln>
+            <a:noFill/>
+          </a:ln>
+        </p:spPr>
+        <p:style>
+          <a:lnRef idx="2">
+            <a:schemeClr val="accent1">
+              <a:shade val="50000"/>
+            </a:schemeClr>
+          </a:lnRef>
+          <a:fillRef idx="1">
+            <a:schemeClr val="accent1"/>
+          </a:fillRef>
+          <a:effectRef idx="0">
+            <a:schemeClr val="accent1"/>
+          </a:effectRef>
+          <a:fontRef idx="minor">
+            <a:schemeClr val="lt1"/>
+          </a:fontRef>
+        </p:style>
+        <p:txBody>
+          <a:bodyPr rtlCol="0" anchor="ctr"/>
+          <a:lstStyle/>
+          <a:p>
+            <a:pPr algn="ctr"/>
+            <a:endParaRPr lang="de-DE" dirty="0"/>
+          </a:p>
+        </p:txBody>
+      </p:sp>
+      <p:sp>
+        <p:nvSpPr>
+          <p:cNvPr id="46" name="Ellipse 45">
+            <a:extLst>
+              <a:ext uri="{FF2B5EF4-FFF2-40B4-BE49-F238E27FC236}">
+                <a16:creationId xmlns:a16="http://schemas.microsoft.com/office/drawing/2014/main" id="{EC8044C4-908A-03D0-794C-D05A9ED9F4E4}"/>
+              </a:ext>
+            </a:extLst>
+          </p:cNvPr>
+          <p:cNvSpPr/>
+          <p:nvPr/>
+        </p:nvSpPr>
+        <p:spPr>
+          <a:xfrm rot="6824393">
+            <a:off x="8710744" y="4350726"/>
+            <a:ext cx="289560" cy="108092"/>
+          </a:xfrm>
+          <a:prstGeom prst="ellipse">
+            <a:avLst/>
+          </a:prstGeom>
+          <a:solidFill>
+            <a:schemeClr val="accent2"/>
+          </a:solidFill>
+          <a:ln>
+            <a:noFill/>
+          </a:ln>
+        </p:spPr>
+        <p:style>
+          <a:lnRef idx="2">
+            <a:schemeClr val="accent1">
+              <a:shade val="50000"/>
+            </a:schemeClr>
+          </a:lnRef>
+          <a:fillRef idx="1">
+            <a:schemeClr val="accent1"/>
+          </a:fillRef>
+          <a:effectRef idx="0">
+            <a:schemeClr val="accent1"/>
+          </a:effectRef>
+          <a:fontRef idx="minor">
+            <a:schemeClr val="lt1"/>
+          </a:fontRef>
+        </p:style>
+        <p:txBody>
+          <a:bodyPr rtlCol="0" anchor="ctr"/>
+          <a:lstStyle/>
+          <a:p>
+            <a:pPr algn="ctr"/>
+            <a:endParaRPr lang="de-DE" dirty="0"/>
+          </a:p>
+        </p:txBody>
+      </p:sp>
+      <p:sp>
+        <p:nvSpPr>
+          <p:cNvPr id="47" name="Ellipse 46">
+            <a:extLst>
+              <a:ext uri="{FF2B5EF4-FFF2-40B4-BE49-F238E27FC236}">
+                <a16:creationId xmlns:a16="http://schemas.microsoft.com/office/drawing/2014/main" id="{46710452-E922-7546-1531-5390C5C410E8}"/>
+              </a:ext>
+            </a:extLst>
+          </p:cNvPr>
+          <p:cNvSpPr/>
+          <p:nvPr/>
+        </p:nvSpPr>
+        <p:spPr>
+          <a:xfrm rot="6418795">
+            <a:off x="8804715" y="4042186"/>
+            <a:ext cx="289560" cy="108092"/>
+          </a:xfrm>
+          <a:prstGeom prst="ellipse">
+            <a:avLst/>
+          </a:prstGeom>
+          <a:solidFill>
+            <a:schemeClr val="accent2"/>
+          </a:solidFill>
+          <a:ln>
+            <a:noFill/>
+          </a:ln>
+        </p:spPr>
+        <p:style>
+          <a:lnRef idx="2">
+            <a:schemeClr val="accent1">
+              <a:shade val="50000"/>
+            </a:schemeClr>
+          </a:lnRef>
+          <a:fillRef idx="1">
+            <a:schemeClr val="accent1"/>
+          </a:fillRef>
+          <a:effectRef idx="0">
+            <a:schemeClr val="accent1"/>
+          </a:effectRef>
+          <a:fontRef idx="minor">
+            <a:schemeClr val="lt1"/>
+          </a:fontRef>
+        </p:style>
+        <p:txBody>
+          <a:bodyPr rtlCol="0" anchor="ctr"/>
+          <a:lstStyle/>
+          <a:p>
+            <a:pPr algn="ctr"/>
+            <a:endParaRPr lang="de-DE" dirty="0"/>
+          </a:p>
+        </p:txBody>
+      </p:sp>
+      <p:sp>
+        <p:nvSpPr>
+          <p:cNvPr id="48" name="Ellipse 47">
+            <a:extLst>
+              <a:ext uri="{FF2B5EF4-FFF2-40B4-BE49-F238E27FC236}">
+                <a16:creationId xmlns:a16="http://schemas.microsoft.com/office/drawing/2014/main" id="{8CBD6D60-AAA9-A181-1CB3-014E1F9E24AE}"/>
+              </a:ext>
+            </a:extLst>
+          </p:cNvPr>
+          <p:cNvSpPr/>
+          <p:nvPr/>
+        </p:nvSpPr>
+        <p:spPr>
+          <a:xfrm rot="5940100">
+            <a:off x="8855671" y="3736479"/>
+            <a:ext cx="289560" cy="108092"/>
+          </a:xfrm>
+          <a:prstGeom prst="ellipse">
+            <a:avLst/>
+          </a:prstGeom>
+          <a:solidFill>
+            <a:schemeClr val="accent2"/>
+          </a:solidFill>
+          <a:ln>
+            <a:noFill/>
+          </a:ln>
+        </p:spPr>
+        <p:style>
+          <a:lnRef idx="2">
+            <a:schemeClr val="accent1">
+              <a:shade val="50000"/>
+            </a:schemeClr>
+          </a:lnRef>
+          <a:fillRef idx="1">
+            <a:schemeClr val="accent1"/>
+          </a:fillRef>
+          <a:effectRef idx="0">
+            <a:schemeClr val="accent1"/>
+          </a:effectRef>
+          <a:fontRef idx="minor">
+            <a:schemeClr val="lt1"/>
+          </a:fontRef>
+        </p:style>
+        <p:txBody>
+          <a:bodyPr rtlCol="0" anchor="ctr"/>
+          <a:lstStyle/>
+          <a:p>
+            <a:pPr algn="ctr"/>
+            <a:endParaRPr lang="de-DE" dirty="0"/>
+          </a:p>
+        </p:txBody>
+      </p:sp>
+      <p:sp>
+        <p:nvSpPr>
+          <p:cNvPr id="49" name="Ellipse 48">
+            <a:extLst>
+              <a:ext uri="{FF2B5EF4-FFF2-40B4-BE49-F238E27FC236}">
+                <a16:creationId xmlns:a16="http://schemas.microsoft.com/office/drawing/2014/main" id="{DEA04DC3-B45A-DFE9-2D38-F8AE52CCF5FD}"/>
+              </a:ext>
+            </a:extLst>
+          </p:cNvPr>
+          <p:cNvSpPr/>
+          <p:nvPr/>
+        </p:nvSpPr>
+        <p:spPr>
+          <a:xfrm rot="5681738">
+            <a:off x="8879119" y="3432864"/>
+            <a:ext cx="289560" cy="108092"/>
+          </a:xfrm>
+          <a:prstGeom prst="ellipse">
+            <a:avLst/>
+          </a:prstGeom>
+          <a:solidFill>
+            <a:schemeClr val="accent2"/>
+          </a:solidFill>
+          <a:ln>
+            <a:noFill/>
+          </a:ln>
+        </p:spPr>
+        <p:style>
+          <a:lnRef idx="2">
+            <a:schemeClr val="accent1">
+              <a:shade val="50000"/>
+            </a:schemeClr>
+          </a:lnRef>
+          <a:fillRef idx="1">
+            <a:schemeClr val="accent1"/>
+          </a:fillRef>
+          <a:effectRef idx="0">
+            <a:schemeClr val="accent1"/>
+          </a:effectRef>
+          <a:fontRef idx="minor">
+            <a:schemeClr val="lt1"/>
+          </a:fontRef>
+        </p:style>
+        <p:txBody>
+          <a:bodyPr rtlCol="0" anchor="ctr"/>
+          <a:lstStyle/>
+          <a:p>
+            <a:pPr algn="ctr"/>
+            <a:endParaRPr lang="de-DE" dirty="0"/>
+          </a:p>
+        </p:txBody>
+      </p:sp>
+      <p:sp>
+        <p:nvSpPr>
+          <p:cNvPr id="50" name="Ellipse 49">
+            <a:extLst>
+              <a:ext uri="{FF2B5EF4-FFF2-40B4-BE49-F238E27FC236}">
+                <a16:creationId xmlns:a16="http://schemas.microsoft.com/office/drawing/2014/main" id="{3E8E0A36-3E28-A463-DEED-F1A8D3397375}"/>
+              </a:ext>
+            </a:extLst>
+          </p:cNvPr>
+          <p:cNvSpPr/>
+          <p:nvPr/>
+        </p:nvSpPr>
+        <p:spPr>
+          <a:xfrm rot="5119754">
+            <a:off x="8870371" y="3127751"/>
+            <a:ext cx="289560" cy="108092"/>
+          </a:xfrm>
+          <a:prstGeom prst="ellipse">
+            <a:avLst/>
+          </a:prstGeom>
+          <a:solidFill>
+            <a:schemeClr val="accent2"/>
+          </a:solidFill>
+          <a:ln>
+            <a:noFill/>
+          </a:ln>
+        </p:spPr>
+        <p:style>
+          <a:lnRef idx="2">
+            <a:schemeClr val="accent1">
+              <a:shade val="50000"/>
+            </a:schemeClr>
+          </a:lnRef>
+          <a:fillRef idx="1">
+            <a:schemeClr val="accent1"/>
+          </a:fillRef>
+          <a:effectRef idx="0">
+            <a:schemeClr val="accent1"/>
+          </a:effectRef>
+          <a:fontRef idx="minor">
+            <a:schemeClr val="lt1"/>
+          </a:fontRef>
+        </p:style>
+        <p:txBody>
+          <a:bodyPr rtlCol="0" anchor="ctr"/>
+          <a:lstStyle/>
+          <a:p>
+            <a:pPr algn="ctr"/>
+            <a:endParaRPr lang="de-DE" dirty="0"/>
+          </a:p>
+        </p:txBody>
+      </p:sp>
+      <p:sp>
+        <p:nvSpPr>
+          <p:cNvPr id="51" name="Ellipse 50">
+            <a:extLst>
+              <a:ext uri="{FF2B5EF4-FFF2-40B4-BE49-F238E27FC236}">
+                <a16:creationId xmlns:a16="http://schemas.microsoft.com/office/drawing/2014/main" id="{2326BB77-262C-9191-4131-2E9A2DEA6B74}"/>
+              </a:ext>
+            </a:extLst>
+          </p:cNvPr>
+          <p:cNvSpPr/>
+          <p:nvPr/>
+        </p:nvSpPr>
+        <p:spPr>
+          <a:xfrm rot="4734323">
+            <a:off x="8833031" y="2822656"/>
+            <a:ext cx="289560" cy="108092"/>
+          </a:xfrm>
+          <a:prstGeom prst="ellipse">
+            <a:avLst/>
+          </a:prstGeom>
+          <a:solidFill>
+            <a:schemeClr val="accent2"/>
+          </a:solidFill>
+          <a:ln>
+            <a:noFill/>
+          </a:ln>
+        </p:spPr>
+        <p:style>
+          <a:lnRef idx="2">
+            <a:schemeClr val="accent1">
+              <a:shade val="50000"/>
+            </a:schemeClr>
+          </a:lnRef>
+          <a:fillRef idx="1">
+            <a:schemeClr val="accent1"/>
+          </a:fillRef>
+          <a:effectRef idx="0">
+            <a:schemeClr val="accent1"/>
+          </a:effectRef>
+          <a:fontRef idx="minor">
+            <a:schemeClr val="lt1"/>
+          </a:fontRef>
+        </p:style>
+        <p:txBody>
+          <a:bodyPr rtlCol="0" anchor="ctr"/>
+          <a:lstStyle/>
+          <a:p>
+            <a:pPr algn="ctr"/>
+            <a:endParaRPr lang="de-DE" dirty="0"/>
+          </a:p>
+        </p:txBody>
+      </p:sp>
+      <p:sp>
+        <p:nvSpPr>
+          <p:cNvPr id="52" name="Ellipse 51">
+            <a:extLst>
+              <a:ext uri="{FF2B5EF4-FFF2-40B4-BE49-F238E27FC236}">
+                <a16:creationId xmlns:a16="http://schemas.microsoft.com/office/drawing/2014/main" id="{5805D383-A62A-8F74-6992-69123AEDA820}"/>
+              </a:ext>
+            </a:extLst>
+          </p:cNvPr>
+          <p:cNvSpPr/>
+          <p:nvPr/>
+        </p:nvSpPr>
+        <p:spPr>
+          <a:xfrm rot="4402947">
+            <a:off x="8752134" y="2522650"/>
+            <a:ext cx="289560" cy="108092"/>
+          </a:xfrm>
+          <a:prstGeom prst="ellipse">
+            <a:avLst/>
+          </a:prstGeom>
+          <a:solidFill>
+            <a:schemeClr val="accent2"/>
+          </a:solidFill>
+          <a:ln>
+            <a:noFill/>
+          </a:ln>
+        </p:spPr>
+        <p:style>
+          <a:lnRef idx="2">
+            <a:schemeClr val="accent1">
+              <a:shade val="50000"/>
+            </a:schemeClr>
+          </a:lnRef>
+          <a:fillRef idx="1">
+            <a:schemeClr val="accent1"/>
+          </a:fillRef>
+          <a:effectRef idx="0">
+            <a:schemeClr val="accent1"/>
+          </a:effectRef>
+          <a:fontRef idx="minor">
+            <a:schemeClr val="lt1"/>
+          </a:fontRef>
+        </p:style>
+        <p:txBody>
+          <a:bodyPr rtlCol="0" anchor="ctr"/>
+          <a:lstStyle/>
+          <a:p>
+            <a:pPr algn="ctr"/>
+            <a:endParaRPr lang="de-DE" dirty="0"/>
+          </a:p>
+        </p:txBody>
+      </p:sp>
+      <p:sp>
+        <p:nvSpPr>
+          <p:cNvPr id="53" name="Ellipse 52">
+            <a:extLst>
+              <a:ext uri="{FF2B5EF4-FFF2-40B4-BE49-F238E27FC236}">
+                <a16:creationId xmlns:a16="http://schemas.microsoft.com/office/drawing/2014/main" id="{05D0D1A0-B2F4-17BB-D50C-A624F1417D40}"/>
+              </a:ext>
+            </a:extLst>
+          </p:cNvPr>
+          <p:cNvSpPr/>
+          <p:nvPr/>
+        </p:nvSpPr>
+        <p:spPr>
+          <a:xfrm rot="4063412">
+            <a:off x="8639949" y="2225510"/>
+            <a:ext cx="289560" cy="108092"/>
+          </a:xfrm>
+          <a:prstGeom prst="ellipse">
+            <a:avLst/>
+          </a:prstGeom>
+          <a:solidFill>
+            <a:schemeClr val="accent2"/>
+          </a:solidFill>
+          <a:ln>
+            <a:noFill/>
+          </a:ln>
+        </p:spPr>
+        <p:style>
+          <a:lnRef idx="2">
+            <a:schemeClr val="accent1">
+              <a:shade val="50000"/>
+            </a:schemeClr>
+          </a:lnRef>
+          <a:fillRef idx="1">
+            <a:schemeClr val="accent1"/>
+          </a:fillRef>
+          <a:effectRef idx="0">
+            <a:schemeClr val="accent1"/>
+          </a:effectRef>
+          <a:fontRef idx="minor">
+            <a:schemeClr val="lt1"/>
+          </a:fontRef>
+        </p:style>
+        <p:txBody>
+          <a:bodyPr rtlCol="0" anchor="ctr"/>
+          <a:lstStyle/>
+          <a:p>
+            <a:pPr algn="ctr"/>
+            <a:endParaRPr lang="de-DE" dirty="0"/>
+          </a:p>
+        </p:txBody>
+      </p:sp>
+      <p:sp>
+        <p:nvSpPr>
+          <p:cNvPr id="54" name="Ellipse 53">
+            <a:extLst>
+              <a:ext uri="{FF2B5EF4-FFF2-40B4-BE49-F238E27FC236}">
+                <a16:creationId xmlns:a16="http://schemas.microsoft.com/office/drawing/2014/main" id="{7C5B5F7E-85A4-B624-E0EB-6EB6A350DA1C}"/>
+              </a:ext>
+            </a:extLst>
+          </p:cNvPr>
+          <p:cNvSpPr/>
+          <p:nvPr/>
+        </p:nvSpPr>
+        <p:spPr>
+          <a:xfrm rot="4063412">
+            <a:off x="8509171" y="1949495"/>
+            <a:ext cx="289560" cy="108092"/>
+          </a:xfrm>
+          <a:prstGeom prst="ellipse">
+            <a:avLst/>
+          </a:prstGeom>
+          <a:solidFill>
+            <a:schemeClr val="accent2"/>
+          </a:solidFill>
+          <a:ln>
+            <a:noFill/>
+          </a:ln>
+        </p:spPr>
+        <p:style>
+          <a:lnRef idx="2">
+            <a:schemeClr val="accent1">
+              <a:shade val="50000"/>
+            </a:schemeClr>
+          </a:lnRef>
+          <a:fillRef idx="1">
+            <a:schemeClr val="accent1"/>
+          </a:fillRef>
+          <a:effectRef idx="0">
+            <a:schemeClr val="accent1"/>
+          </a:effectRef>
+          <a:fontRef idx="minor">
+            <a:schemeClr val="lt1"/>
+          </a:fontRef>
+        </p:style>
+        <p:txBody>
+          <a:bodyPr rtlCol="0" anchor="ctr"/>
+          <a:lstStyle/>
+          <a:p>
+            <a:pPr algn="ctr"/>
+            <a:endParaRPr lang="de-DE" dirty="0"/>
+          </a:p>
+        </p:txBody>
+      </p:sp>
+      <p:sp>
+        <p:nvSpPr>
+          <p:cNvPr id="55" name="Ellipse 54">
+            <a:extLst>
+              <a:ext uri="{FF2B5EF4-FFF2-40B4-BE49-F238E27FC236}">
+                <a16:creationId xmlns:a16="http://schemas.microsoft.com/office/drawing/2014/main" id="{63A7612F-795B-27E3-C144-7FB6AAF9C227}"/>
+              </a:ext>
+            </a:extLst>
+          </p:cNvPr>
+          <p:cNvSpPr/>
+          <p:nvPr/>
+        </p:nvSpPr>
+        <p:spPr>
+          <a:xfrm rot="3348040">
+            <a:off x="8352250" y="1689188"/>
+            <a:ext cx="289560" cy="108092"/>
+          </a:xfrm>
+          <a:prstGeom prst="ellipse">
+            <a:avLst/>
+          </a:prstGeom>
+          <a:solidFill>
+            <a:schemeClr val="accent2"/>
+          </a:solidFill>
+          <a:ln>
+            <a:noFill/>
+          </a:ln>
+        </p:spPr>
+        <p:style>
+          <a:lnRef idx="2">
+            <a:schemeClr val="accent1">
+              <a:shade val="50000"/>
+            </a:schemeClr>
+          </a:lnRef>
+          <a:fillRef idx="1">
+            <a:schemeClr val="accent1"/>
+          </a:fillRef>
+          <a:effectRef idx="0">
+            <a:schemeClr val="accent1"/>
+          </a:effectRef>
+          <a:fontRef idx="minor">
+            <a:schemeClr val="lt1"/>
+          </a:fontRef>
+        </p:style>
+        <p:txBody>
+          <a:bodyPr rtlCol="0" anchor="ctr"/>
+          <a:lstStyle/>
+          <a:p>
+            <a:pPr algn="ctr"/>
+            <a:endParaRPr lang="de-DE" dirty="0"/>
+          </a:p>
+        </p:txBody>
+      </p:sp>
+      <p:sp>
+        <p:nvSpPr>
+          <p:cNvPr id="56" name="Ellipse 55">
+            <a:extLst>
+              <a:ext uri="{FF2B5EF4-FFF2-40B4-BE49-F238E27FC236}">
+                <a16:creationId xmlns:a16="http://schemas.microsoft.com/office/drawing/2014/main" id="{A9D3F110-6442-00AE-8810-A834C466784B}"/>
+              </a:ext>
+            </a:extLst>
+          </p:cNvPr>
+          <p:cNvSpPr/>
+          <p:nvPr/>
+        </p:nvSpPr>
+        <p:spPr>
+          <a:xfrm rot="3089781">
+            <a:off x="8161509" y="1456050"/>
+            <a:ext cx="289560" cy="108092"/>
+          </a:xfrm>
+          <a:prstGeom prst="ellipse">
+            <a:avLst/>
+          </a:prstGeom>
+          <a:solidFill>
+            <a:schemeClr val="accent2"/>
+          </a:solidFill>
+          <a:ln>
+            <a:noFill/>
+          </a:ln>
+        </p:spPr>
+        <p:style>
+          <a:lnRef idx="2">
+            <a:schemeClr val="accent1">
+              <a:shade val="50000"/>
+            </a:schemeClr>
+          </a:lnRef>
+          <a:fillRef idx="1">
+            <a:schemeClr val="accent1"/>
+          </a:fillRef>
+          <a:effectRef idx="0">
+            <a:schemeClr val="accent1"/>
+          </a:effectRef>
+          <a:fontRef idx="minor">
+            <a:schemeClr val="lt1"/>
+          </a:fontRef>
+        </p:style>
+        <p:txBody>
+          <a:bodyPr rtlCol="0" anchor="ctr"/>
+          <a:lstStyle/>
+          <a:p>
+            <a:pPr algn="ctr"/>
+            <a:endParaRPr lang="de-DE" dirty="0"/>
+          </a:p>
+        </p:txBody>
+      </p:sp>
+      <p:sp>
+        <p:nvSpPr>
+          <p:cNvPr id="57" name="Ellipse 56">
+            <a:extLst>
+              <a:ext uri="{FF2B5EF4-FFF2-40B4-BE49-F238E27FC236}">
+                <a16:creationId xmlns:a16="http://schemas.microsoft.com/office/drawing/2014/main" id="{991ADDFC-5EE8-4BED-8278-E2ABF0725E2D}"/>
+              </a:ext>
+            </a:extLst>
+          </p:cNvPr>
+          <p:cNvSpPr/>
+          <p:nvPr/>
+        </p:nvSpPr>
+        <p:spPr>
+          <a:xfrm rot="2633801">
+            <a:off x="7949849" y="1229291"/>
+            <a:ext cx="289560" cy="108092"/>
+          </a:xfrm>
+          <a:prstGeom prst="ellipse">
+            <a:avLst/>
+          </a:prstGeom>
+          <a:solidFill>
+            <a:schemeClr val="accent2"/>
+          </a:solidFill>
+          <a:ln>
+            <a:noFill/>
+          </a:ln>
+        </p:spPr>
+        <p:style>
+          <a:lnRef idx="2">
+            <a:schemeClr val="accent1">
+              <a:shade val="50000"/>
+            </a:schemeClr>
+          </a:lnRef>
+          <a:fillRef idx="1">
+            <a:schemeClr val="accent1"/>
+          </a:fillRef>
+          <a:effectRef idx="0">
+            <a:schemeClr val="accent1"/>
+          </a:effectRef>
+          <a:fontRef idx="minor">
+            <a:schemeClr val="lt1"/>
+          </a:fontRef>
+        </p:style>
+        <p:txBody>
+          <a:bodyPr rtlCol="0" anchor="ctr"/>
+          <a:lstStyle/>
+          <a:p>
+            <a:pPr algn="ctr"/>
+            <a:endParaRPr lang="de-DE" dirty="0"/>
+          </a:p>
+        </p:txBody>
+      </p:sp>
+      <p:sp>
+        <p:nvSpPr>
+          <p:cNvPr id="58" name="Ellipse 57">
+            <a:extLst>
+              <a:ext uri="{FF2B5EF4-FFF2-40B4-BE49-F238E27FC236}">
+                <a16:creationId xmlns:a16="http://schemas.microsoft.com/office/drawing/2014/main" id="{3AC4240E-56F5-76B5-C415-C4D63ADB896A}"/>
+              </a:ext>
+            </a:extLst>
+          </p:cNvPr>
+          <p:cNvSpPr/>
+          <p:nvPr/>
+        </p:nvSpPr>
+        <p:spPr>
+          <a:xfrm rot="2260394">
+            <a:off x="7705861" y="1025006"/>
+            <a:ext cx="289560" cy="108092"/>
+          </a:xfrm>
+          <a:prstGeom prst="ellipse">
+            <a:avLst/>
+          </a:prstGeom>
+          <a:solidFill>
+            <a:schemeClr val="accent2"/>
+          </a:solidFill>
+          <a:ln>
+            <a:noFill/>
+          </a:ln>
+        </p:spPr>
+        <p:style>
+          <a:lnRef idx="2">
+            <a:schemeClr val="accent1">
+              <a:shade val="50000"/>
+            </a:schemeClr>
+          </a:lnRef>
+          <a:fillRef idx="1">
+            <a:schemeClr val="accent1"/>
+          </a:fillRef>
+          <a:effectRef idx="0">
+            <a:schemeClr val="accent1"/>
+          </a:effectRef>
+          <a:fontRef idx="minor">
+            <a:schemeClr val="lt1"/>
+          </a:fontRef>
+        </p:style>
+        <p:txBody>
+          <a:bodyPr rtlCol="0" anchor="ctr"/>
+          <a:lstStyle/>
+          <a:p>
+            <a:pPr algn="ctr"/>
+            <a:endParaRPr lang="de-DE" dirty="0"/>
+          </a:p>
+        </p:txBody>
+      </p:sp>
+      <p:sp>
+        <p:nvSpPr>
+          <p:cNvPr id="59" name="Ellipse 58">
+            <a:extLst>
+              <a:ext uri="{FF2B5EF4-FFF2-40B4-BE49-F238E27FC236}">
+                <a16:creationId xmlns:a16="http://schemas.microsoft.com/office/drawing/2014/main" id="{A3E94C25-30BA-5C8E-3678-08A4F2824CA2}"/>
+              </a:ext>
+            </a:extLst>
+          </p:cNvPr>
+          <p:cNvSpPr/>
+          <p:nvPr/>
+        </p:nvSpPr>
+        <p:spPr>
+          <a:xfrm rot="2031468">
+            <a:off x="7447486" y="854004"/>
+            <a:ext cx="289560" cy="108092"/>
+          </a:xfrm>
+          <a:prstGeom prst="ellipse">
+            <a:avLst/>
+          </a:prstGeom>
+          <a:solidFill>
+            <a:schemeClr val="accent2"/>
+          </a:solidFill>
+          <a:ln>
+            <a:noFill/>
+          </a:ln>
+        </p:spPr>
+        <p:style>
+          <a:lnRef idx="2">
+            <a:schemeClr val="accent1">
+              <a:shade val="50000"/>
+            </a:schemeClr>
+          </a:lnRef>
+          <a:fillRef idx="1">
+            <a:schemeClr val="accent1"/>
+          </a:fillRef>
+          <a:effectRef idx="0">
+            <a:schemeClr val="accent1"/>
+          </a:effectRef>
+          <a:fontRef idx="minor">
+            <a:schemeClr val="lt1"/>
+          </a:fontRef>
+        </p:style>
+        <p:txBody>
+          <a:bodyPr rtlCol="0" anchor="ctr"/>
+          <a:lstStyle/>
+          <a:p>
+            <a:pPr algn="ctr"/>
+            <a:endParaRPr lang="de-DE" dirty="0"/>
+          </a:p>
+        </p:txBody>
+      </p:sp>
+      <p:sp>
+        <p:nvSpPr>
+          <p:cNvPr id="60" name="Ellipse 59">
+            <a:extLst>
+              <a:ext uri="{FF2B5EF4-FFF2-40B4-BE49-F238E27FC236}">
+                <a16:creationId xmlns:a16="http://schemas.microsoft.com/office/drawing/2014/main" id="{4C7BBE4E-74DD-025C-1C74-49691DDF42E2}"/>
+              </a:ext>
+            </a:extLst>
+          </p:cNvPr>
+          <p:cNvSpPr/>
+          <p:nvPr/>
+        </p:nvSpPr>
+        <p:spPr>
+          <a:xfrm rot="1471870">
+            <a:off x="7174157" y="711642"/>
+            <a:ext cx="289560" cy="108092"/>
+          </a:xfrm>
+          <a:prstGeom prst="ellipse">
+            <a:avLst/>
+          </a:prstGeom>
+          <a:solidFill>
+            <a:schemeClr val="accent2"/>
+          </a:solidFill>
+          <a:ln>
+            <a:noFill/>
+          </a:ln>
+        </p:spPr>
+        <p:style>
+          <a:lnRef idx="2">
+            <a:schemeClr val="accent1">
+              <a:shade val="50000"/>
+            </a:schemeClr>
+          </a:lnRef>
+          <a:fillRef idx="1">
+            <a:schemeClr val="accent1"/>
+          </a:fillRef>
+          <a:effectRef idx="0">
+            <a:schemeClr val="accent1"/>
+          </a:effectRef>
+          <a:fontRef idx="minor">
+            <a:schemeClr val="lt1"/>
+          </a:fontRef>
+        </p:style>
+        <p:txBody>
+          <a:bodyPr rtlCol="0" anchor="ctr"/>
+          <a:lstStyle/>
+          <a:p>
+            <a:pPr algn="ctr"/>
+            <a:endParaRPr lang="de-DE" dirty="0"/>
+          </a:p>
+        </p:txBody>
+      </p:sp>
+      <p:sp>
+        <p:nvSpPr>
+          <p:cNvPr id="61" name="Ellipse 60">
+            <a:extLst>
+              <a:ext uri="{FF2B5EF4-FFF2-40B4-BE49-F238E27FC236}">
+                <a16:creationId xmlns:a16="http://schemas.microsoft.com/office/drawing/2014/main" id="{4F1C6B09-0B88-305F-F98F-C931F2675227}"/>
+              </a:ext>
+            </a:extLst>
+          </p:cNvPr>
+          <p:cNvSpPr/>
+          <p:nvPr/>
+        </p:nvSpPr>
+        <p:spPr>
+          <a:xfrm rot="1204608">
+            <a:off x="6886477" y="597458"/>
+            <a:ext cx="289560" cy="108092"/>
+          </a:xfrm>
+          <a:prstGeom prst="ellipse">
+            <a:avLst/>
+          </a:prstGeom>
+          <a:solidFill>
+            <a:schemeClr val="accent2"/>
+          </a:solidFill>
+          <a:ln>
+            <a:noFill/>
+          </a:ln>
+        </p:spPr>
+        <p:style>
+          <a:lnRef idx="2">
+            <a:schemeClr val="accent1">
+              <a:shade val="50000"/>
+            </a:schemeClr>
+          </a:lnRef>
+          <a:fillRef idx="1">
+            <a:schemeClr val="accent1"/>
+          </a:fillRef>
+          <a:effectRef idx="0">
+            <a:schemeClr val="accent1"/>
+          </a:effectRef>
+          <a:fontRef idx="minor">
+            <a:schemeClr val="lt1"/>
+          </a:fontRef>
+        </p:style>
+        <p:txBody>
+          <a:bodyPr rtlCol="0" anchor="ctr"/>
+          <a:lstStyle/>
+          <a:p>
+            <a:pPr algn="ctr"/>
+            <a:endParaRPr lang="de-DE" dirty="0"/>
+          </a:p>
+        </p:txBody>
+      </p:sp>
+      <p:sp>
+        <p:nvSpPr>
+          <p:cNvPr id="62" name="Ellipse 61">
+            <a:extLst>
+              <a:ext uri="{FF2B5EF4-FFF2-40B4-BE49-F238E27FC236}">
+                <a16:creationId xmlns:a16="http://schemas.microsoft.com/office/drawing/2014/main" id="{B339F64A-7CD6-20F3-CFB8-CCF1880B542D}"/>
+              </a:ext>
+            </a:extLst>
+          </p:cNvPr>
+          <p:cNvSpPr/>
+          <p:nvPr/>
+        </p:nvSpPr>
+        <p:spPr>
+          <a:xfrm rot="642430">
+            <a:off x="6578479" y="515594"/>
+            <a:ext cx="289560" cy="108092"/>
+          </a:xfrm>
+          <a:prstGeom prst="ellipse">
+            <a:avLst/>
+          </a:prstGeom>
+          <a:solidFill>
+            <a:schemeClr val="accent2"/>
+          </a:solidFill>
+          <a:ln>
+            <a:noFill/>
+          </a:ln>
+        </p:spPr>
+        <p:style>
+          <a:lnRef idx="2">
+            <a:schemeClr val="accent1">
+              <a:shade val="50000"/>
+            </a:schemeClr>
+          </a:lnRef>
+          <a:fillRef idx="1">
+            <a:schemeClr val="accent1"/>
+          </a:fillRef>
+          <a:effectRef idx="0">
+            <a:schemeClr val="accent1"/>
+          </a:effectRef>
+          <a:fontRef idx="minor">
+            <a:schemeClr val="lt1"/>
+          </a:fontRef>
+        </p:style>
+        <p:txBody>
+          <a:bodyPr rtlCol="0" anchor="ctr"/>
+          <a:lstStyle/>
+          <a:p>
+            <a:pPr algn="ctr"/>
+            <a:endParaRPr lang="de-DE" dirty="0"/>
+          </a:p>
+        </p:txBody>
+      </p:sp>
+      <p:sp>
+        <p:nvSpPr>
+          <p:cNvPr id="63" name="Ellipse 62">
+            <a:extLst>
+              <a:ext uri="{FF2B5EF4-FFF2-40B4-BE49-F238E27FC236}">
+                <a16:creationId xmlns:a16="http://schemas.microsoft.com/office/drawing/2014/main" id="{61A67F74-5C25-DCB5-79CA-A83C5A0AF73D}"/>
+              </a:ext>
+            </a:extLst>
+          </p:cNvPr>
+          <p:cNvSpPr/>
+          <p:nvPr/>
+        </p:nvSpPr>
+        <p:spPr>
+          <a:xfrm rot="375543">
+            <a:off x="6258835" y="475698"/>
+            <a:ext cx="289560" cy="108092"/>
+          </a:xfrm>
+          <a:prstGeom prst="ellipse">
+            <a:avLst/>
+          </a:prstGeom>
+          <a:solidFill>
+            <a:schemeClr val="accent2"/>
+          </a:solidFill>
+          <a:ln>
+            <a:noFill/>
+          </a:ln>
+        </p:spPr>
+        <p:style>
+          <a:lnRef idx="2">
+            <a:schemeClr val="accent1">
+              <a:shade val="50000"/>
+            </a:schemeClr>
+          </a:lnRef>
+          <a:fillRef idx="1">
+            <a:schemeClr val="accent1"/>
+          </a:fillRef>
+          <a:effectRef idx="0">
+            <a:schemeClr val="accent1"/>
+          </a:effectRef>
+          <a:fontRef idx="minor">
+            <a:schemeClr val="lt1"/>
+          </a:fontRef>
+        </p:style>
+        <p:txBody>
+          <a:bodyPr rtlCol="0" anchor="ctr"/>
+          <a:lstStyle/>
+          <a:p>
+            <a:pPr algn="ctr"/>
+            <a:endParaRPr lang="de-DE" dirty="0"/>
+          </a:p>
+        </p:txBody>
+      </p:sp>
+      <mc:AlternateContent xmlns:mc="http://schemas.openxmlformats.org/markup-compatibility/2006">
+        <mc:Choice xmlns:p14="http://schemas.microsoft.com/office/powerpoint/2010/main" Requires="p14">
+          <p:contentPart p14:bwMode="auto" r:id="rId11">
+            <p14:nvContentPartPr>
+              <p14:cNvPr id="90" name="Freihand 89">
+                <a:extLst>
+                  <a:ext uri="{FF2B5EF4-FFF2-40B4-BE49-F238E27FC236}">
+                    <a16:creationId xmlns:a16="http://schemas.microsoft.com/office/drawing/2014/main" id="{737A1375-0741-3163-AA61-7C342FC19450}"/>
+                  </a:ext>
+                </a:extLst>
+              </p14:cNvPr>
+              <p14:cNvContentPartPr/>
+              <p14:nvPr/>
+            </p14:nvContentPartPr>
+            <p14:xfrm>
+              <a:off x="4982715" y="963885"/>
+              <a:ext cx="23760" cy="92160"/>
+            </p14:xfrm>
+          </p:contentPart>
+        </mc:Choice>
+        <mc:Fallback>
+          <p:pic>
+            <p:nvPicPr>
+              <p:cNvPr id="90" name="Freihand 89">
+                <a:extLst>
+                  <a:ext uri="{FF2B5EF4-FFF2-40B4-BE49-F238E27FC236}">
+                    <a16:creationId xmlns:a16="http://schemas.microsoft.com/office/drawing/2014/main" id="{737A1375-0741-3163-AA61-7C342FC19450}"/>
+                  </a:ext>
+                </a:extLst>
+              </p:cNvPr>
+              <p:cNvPicPr/>
+              <p:nvPr/>
+            </p:nvPicPr>
+            <p:blipFill>
+              <a:blip r:embed="rId12"/>
+              <a:stretch>
+                <a:fillRect/>
+              </a:stretch>
+            </p:blipFill>
+            <p:spPr>
+              <a:xfrm>
+                <a:off x="4965075" y="927885"/>
+                <a:ext cx="59400" cy="163800"/>
+              </a:xfrm>
+              <a:prstGeom prst="rect">
+                <a:avLst/>
+              </a:prstGeom>
+            </p:spPr>
+          </p:pic>
+        </mc:Fallback>
+      </mc:AlternateContent>
+      <mc:AlternateContent xmlns:mc="http://schemas.openxmlformats.org/markup-compatibility/2006">
+        <mc:Choice xmlns:p14="http://schemas.microsoft.com/office/powerpoint/2010/main" Requires="p14">
+          <p:contentPart p14:bwMode="auto" r:id="rId13">
+            <p14:nvContentPartPr>
+              <p14:cNvPr id="91" name="Freihand 90">
+                <a:extLst>
+                  <a:ext uri="{FF2B5EF4-FFF2-40B4-BE49-F238E27FC236}">
+                    <a16:creationId xmlns:a16="http://schemas.microsoft.com/office/drawing/2014/main" id="{96364B0F-29AD-F24B-7112-041C643D48AD}"/>
+                  </a:ext>
+                </a:extLst>
+              </p14:cNvPr>
+              <p14:cNvContentPartPr/>
+              <p14:nvPr/>
+            </p14:nvContentPartPr>
+            <p14:xfrm>
+              <a:off x="4998555" y="986565"/>
+              <a:ext cx="23760" cy="17640"/>
+            </p14:xfrm>
+          </p:contentPart>
+        </mc:Choice>
+        <mc:Fallback>
+          <p:pic>
+            <p:nvPicPr>
+              <p:cNvPr id="91" name="Freihand 90">
+                <a:extLst>
+                  <a:ext uri="{FF2B5EF4-FFF2-40B4-BE49-F238E27FC236}">
+                    <a16:creationId xmlns:a16="http://schemas.microsoft.com/office/drawing/2014/main" id="{96364B0F-29AD-F24B-7112-041C643D48AD}"/>
+                  </a:ext>
+                </a:extLst>
+              </p:cNvPr>
+              <p:cNvPicPr/>
+              <p:nvPr/>
+            </p:nvPicPr>
+            <p:blipFill>
+              <a:blip r:embed="rId14"/>
+              <a:stretch>
+                <a:fillRect/>
+              </a:stretch>
+            </p:blipFill>
+            <p:spPr>
+              <a:xfrm>
+                <a:off x="4980555" y="950925"/>
+                <a:ext cx="59400" cy="89280"/>
+              </a:xfrm>
+              <a:prstGeom prst="rect">
+                <a:avLst/>
+              </a:prstGeom>
+            </p:spPr>
+          </p:pic>
+        </mc:Fallback>
+      </mc:AlternateContent>
+      <mc:AlternateContent xmlns:mc="http://schemas.openxmlformats.org/markup-compatibility/2006">
+        <mc:Choice xmlns:p14="http://schemas.microsoft.com/office/powerpoint/2010/main" Requires="p14">
+          <p:contentPart p14:bwMode="auto" r:id="rId15">
+            <p14:nvContentPartPr>
+              <p14:cNvPr id="92" name="Freihand 91">
+                <a:extLst>
+                  <a:ext uri="{FF2B5EF4-FFF2-40B4-BE49-F238E27FC236}">
+                    <a16:creationId xmlns:a16="http://schemas.microsoft.com/office/drawing/2014/main" id="{37D2DB16-C7A7-27CF-EDC2-4D7B5D61A94B}"/>
+                  </a:ext>
+                </a:extLst>
+              </p14:cNvPr>
+              <p14:cNvContentPartPr/>
+              <p14:nvPr/>
+            </p14:nvContentPartPr>
+            <p14:xfrm>
+              <a:off x="4952835" y="840045"/>
+              <a:ext cx="86400" cy="207360"/>
+            </p14:xfrm>
+          </p:contentPart>
+        </mc:Choice>
+        <mc:Fallback>
+          <p:pic>
+            <p:nvPicPr>
+              <p:cNvPr id="92" name="Freihand 91">
+                <a:extLst>
+                  <a:ext uri="{FF2B5EF4-FFF2-40B4-BE49-F238E27FC236}">
+                    <a16:creationId xmlns:a16="http://schemas.microsoft.com/office/drawing/2014/main" id="{37D2DB16-C7A7-27CF-EDC2-4D7B5D61A94B}"/>
+                  </a:ext>
+                </a:extLst>
+              </p:cNvPr>
+              <p:cNvPicPr/>
+              <p:nvPr/>
+            </p:nvPicPr>
+            <p:blipFill>
+              <a:blip r:embed="rId16"/>
+              <a:stretch>
+                <a:fillRect/>
+              </a:stretch>
+            </p:blipFill>
+            <p:spPr>
+              <a:xfrm>
+                <a:off x="4934835" y="804045"/>
+                <a:ext cx="122040" cy="279000"/>
+              </a:xfrm>
+              <a:prstGeom prst="rect">
+                <a:avLst/>
+              </a:prstGeom>
+            </p:spPr>
+          </p:pic>
+        </mc:Fallback>
+      </mc:AlternateContent>
+      <mc:AlternateContent xmlns:mc="http://schemas.openxmlformats.org/markup-compatibility/2006">
+        <mc:Choice xmlns:p14="http://schemas.microsoft.com/office/powerpoint/2010/main" Requires="p14">
+          <p:contentPart p14:bwMode="auto" r:id="rId17">
+            <p14:nvContentPartPr>
+              <p14:cNvPr id="93" name="Freihand 92">
+                <a:extLst>
+                  <a:ext uri="{FF2B5EF4-FFF2-40B4-BE49-F238E27FC236}">
+                    <a16:creationId xmlns:a16="http://schemas.microsoft.com/office/drawing/2014/main" id="{3EBE096D-8B75-169E-E564-DFFC68D534E0}"/>
+                  </a:ext>
+                </a:extLst>
+              </p14:cNvPr>
+              <p14:cNvContentPartPr/>
+              <p14:nvPr/>
+            </p14:nvContentPartPr>
+            <p14:xfrm>
+              <a:off x="5390955" y="919965"/>
+              <a:ext cx="360" cy="360"/>
+            </p14:xfrm>
+          </p:contentPart>
+        </mc:Choice>
+        <mc:Fallback>
+          <p:pic>
+            <p:nvPicPr>
+              <p:cNvPr id="93" name="Freihand 92">
+                <a:extLst>
+                  <a:ext uri="{FF2B5EF4-FFF2-40B4-BE49-F238E27FC236}">
+                    <a16:creationId xmlns:a16="http://schemas.microsoft.com/office/drawing/2014/main" id="{3EBE096D-8B75-169E-E564-DFFC68D534E0}"/>
+                  </a:ext>
+                </a:extLst>
+              </p:cNvPr>
+              <p:cNvPicPr/>
+              <p:nvPr/>
+            </p:nvPicPr>
+            <p:blipFill>
+              <a:blip r:embed="rId18"/>
+              <a:stretch>
+                <a:fillRect/>
+              </a:stretch>
+            </p:blipFill>
+            <p:spPr>
+              <a:xfrm>
+                <a:off x="5373315" y="883965"/>
+                <a:ext cx="36000" cy="72000"/>
+              </a:xfrm>
+              <a:prstGeom prst="rect">
+                <a:avLst/>
+              </a:prstGeom>
+            </p:spPr>
+          </p:pic>
+        </mc:Fallback>
+      </mc:AlternateContent>
+      <mc:AlternateContent xmlns:mc="http://schemas.openxmlformats.org/markup-compatibility/2006">
+        <mc:Choice xmlns:p14="http://schemas.microsoft.com/office/powerpoint/2010/main" Requires="p14">
+          <p:contentPart p14:bwMode="auto" r:id="rId19">
+            <p14:nvContentPartPr>
+              <p14:cNvPr id="94" name="Freihand 93">
+                <a:extLst>
+                  <a:ext uri="{FF2B5EF4-FFF2-40B4-BE49-F238E27FC236}">
+                    <a16:creationId xmlns:a16="http://schemas.microsoft.com/office/drawing/2014/main" id="{8548358E-C4B5-2764-85D1-68232133C302}"/>
+                  </a:ext>
+                </a:extLst>
+              </p14:cNvPr>
+              <p14:cNvContentPartPr/>
+              <p14:nvPr/>
+            </p14:nvContentPartPr>
+            <p14:xfrm>
+              <a:off x="4981995" y="979005"/>
+              <a:ext cx="28080" cy="58680"/>
+            </p14:xfrm>
+          </p:contentPart>
+        </mc:Choice>
+        <mc:Fallback>
+          <p:pic>
+            <p:nvPicPr>
+              <p:cNvPr id="94" name="Freihand 93">
+                <a:extLst>
+                  <a:ext uri="{FF2B5EF4-FFF2-40B4-BE49-F238E27FC236}">
+                    <a16:creationId xmlns:a16="http://schemas.microsoft.com/office/drawing/2014/main" id="{8548358E-C4B5-2764-85D1-68232133C302}"/>
+                  </a:ext>
+                </a:extLst>
+              </p:cNvPr>
+              <p:cNvPicPr/>
+              <p:nvPr/>
+            </p:nvPicPr>
+            <p:blipFill>
+              <a:blip r:embed="rId20"/>
+              <a:stretch>
+                <a:fillRect/>
+              </a:stretch>
+            </p:blipFill>
+            <p:spPr>
+              <a:xfrm>
+                <a:off x="4964355" y="943005"/>
+                <a:ext cx="63720" cy="130320"/>
+              </a:xfrm>
+              <a:prstGeom prst="rect">
+                <a:avLst/>
+              </a:prstGeom>
+            </p:spPr>
+          </p:pic>
+        </mc:Fallback>
+      </mc:AlternateContent>
+      <mc:AlternateContent xmlns:mc="http://schemas.openxmlformats.org/markup-compatibility/2006">
+        <mc:Choice xmlns:p14="http://schemas.microsoft.com/office/powerpoint/2010/main" Requires="p14">
+          <p:contentPart p14:bwMode="auto" r:id="rId21">
+            <p14:nvContentPartPr>
+              <p14:cNvPr id="95" name="Freihand 94">
+                <a:extLst>
+                  <a:ext uri="{FF2B5EF4-FFF2-40B4-BE49-F238E27FC236}">
+                    <a16:creationId xmlns:a16="http://schemas.microsoft.com/office/drawing/2014/main" id="{5543DBFD-42EE-0D46-B5AF-E0969E358FD5}"/>
+                  </a:ext>
+                </a:extLst>
+              </p14:cNvPr>
+              <p14:cNvContentPartPr/>
+              <p14:nvPr/>
+            </p14:nvContentPartPr>
+            <p14:xfrm>
+              <a:off x="5202315" y="630525"/>
+              <a:ext cx="156600" cy="125640"/>
+            </p14:xfrm>
+          </p:contentPart>
+        </mc:Choice>
+        <mc:Fallback>
+          <p:pic>
+            <p:nvPicPr>
+              <p:cNvPr id="95" name="Freihand 94">
+                <a:extLst>
+                  <a:ext uri="{FF2B5EF4-FFF2-40B4-BE49-F238E27FC236}">
+                    <a16:creationId xmlns:a16="http://schemas.microsoft.com/office/drawing/2014/main" id="{5543DBFD-42EE-0D46-B5AF-E0969E358FD5}"/>
+                  </a:ext>
+                </a:extLst>
+              </p:cNvPr>
+              <p:cNvPicPr/>
+              <p:nvPr/>
+            </p:nvPicPr>
+            <p:blipFill>
+              <a:blip r:embed="rId22"/>
+              <a:stretch>
+                <a:fillRect/>
+              </a:stretch>
+            </p:blipFill>
+            <p:spPr>
+              <a:xfrm>
+                <a:off x="5184315" y="594885"/>
+                <a:ext cx="192240" cy="197280"/>
+              </a:xfrm>
+              <a:prstGeom prst="rect">
+                <a:avLst/>
+              </a:prstGeom>
+            </p:spPr>
+          </p:pic>
+        </mc:Fallback>
+      </mc:AlternateContent>
+      <mc:AlternateContent xmlns:mc="http://schemas.openxmlformats.org/markup-compatibility/2006">
+        <mc:Choice xmlns:p14="http://schemas.microsoft.com/office/powerpoint/2010/main" Requires="p14">
+          <p:contentPart p14:bwMode="auto" r:id="rId23">
+            <p14:nvContentPartPr>
+              <p14:cNvPr id="96" name="Freihand 95">
+                <a:extLst>
+                  <a:ext uri="{FF2B5EF4-FFF2-40B4-BE49-F238E27FC236}">
+                    <a16:creationId xmlns:a16="http://schemas.microsoft.com/office/drawing/2014/main" id="{1615470A-9BCD-7980-8CB3-8AC4CB489044}"/>
+                  </a:ext>
+                </a:extLst>
+              </p14:cNvPr>
+              <p14:cNvContentPartPr/>
+              <p14:nvPr/>
+            </p14:nvContentPartPr>
+            <p14:xfrm>
+              <a:off x="5194755" y="639885"/>
+              <a:ext cx="360" cy="360"/>
+            </p14:xfrm>
+          </p:contentPart>
+        </mc:Choice>
+        <mc:Fallback>
+          <p:pic>
+            <p:nvPicPr>
+              <p:cNvPr id="96" name="Freihand 95">
+                <a:extLst>
+                  <a:ext uri="{FF2B5EF4-FFF2-40B4-BE49-F238E27FC236}">
+                    <a16:creationId xmlns:a16="http://schemas.microsoft.com/office/drawing/2014/main" id="{1615470A-9BCD-7980-8CB3-8AC4CB489044}"/>
+                  </a:ext>
+                </a:extLst>
+              </p:cNvPr>
+              <p:cNvPicPr/>
+              <p:nvPr/>
+            </p:nvPicPr>
+            <p:blipFill>
+              <a:blip r:embed="rId18"/>
+              <a:stretch>
+                <a:fillRect/>
+              </a:stretch>
+            </p:blipFill>
+            <p:spPr>
+              <a:xfrm>
+                <a:off x="5176755" y="603885"/>
+                <a:ext cx="36000" cy="72000"/>
+              </a:xfrm>
+              <a:prstGeom prst="rect">
+                <a:avLst/>
+              </a:prstGeom>
+            </p:spPr>
+          </p:pic>
+        </mc:Fallback>
+      </mc:AlternateContent>
+      <mc:AlternateContent xmlns:mc="http://schemas.openxmlformats.org/markup-compatibility/2006">
+        <mc:Choice xmlns:p14="http://schemas.microsoft.com/office/powerpoint/2010/main" Requires="p14">
+          <p:contentPart p14:bwMode="auto" r:id="rId24">
+            <p14:nvContentPartPr>
+              <p14:cNvPr id="97" name="Freihand 96">
+                <a:extLst>
+                  <a:ext uri="{FF2B5EF4-FFF2-40B4-BE49-F238E27FC236}">
+                    <a16:creationId xmlns:a16="http://schemas.microsoft.com/office/drawing/2014/main" id="{717088F0-B8E5-9611-CD9E-EAD4E43220AB}"/>
+                  </a:ext>
+                </a:extLst>
+              </p14:cNvPr>
+              <p14:cNvContentPartPr/>
+              <p14:nvPr/>
+            </p14:nvContentPartPr>
+            <p14:xfrm>
+              <a:off x="5209875" y="693165"/>
+              <a:ext cx="360" cy="360"/>
+            </p14:xfrm>
+          </p:contentPart>
+        </mc:Choice>
+        <mc:Fallback>
+          <p:pic>
+            <p:nvPicPr>
+              <p:cNvPr id="97" name="Freihand 96">
+                <a:extLst>
+                  <a:ext uri="{FF2B5EF4-FFF2-40B4-BE49-F238E27FC236}">
+                    <a16:creationId xmlns:a16="http://schemas.microsoft.com/office/drawing/2014/main" id="{717088F0-B8E5-9611-CD9E-EAD4E43220AB}"/>
+                  </a:ext>
+                </a:extLst>
+              </p:cNvPr>
+              <p:cNvPicPr/>
+              <p:nvPr/>
+            </p:nvPicPr>
+            <p:blipFill>
+              <a:blip r:embed="rId18"/>
+              <a:stretch>
+                <a:fillRect/>
+              </a:stretch>
+            </p:blipFill>
+            <p:spPr>
+              <a:xfrm>
+                <a:off x="5192235" y="657525"/>
+                <a:ext cx="36000" cy="72000"/>
+              </a:xfrm>
+              <a:prstGeom prst="rect">
+                <a:avLst/>
+              </a:prstGeom>
+            </p:spPr>
+          </p:pic>
+        </mc:Fallback>
+      </mc:AlternateContent>
+      <mc:AlternateContent xmlns:mc="http://schemas.openxmlformats.org/markup-compatibility/2006">
+        <mc:Choice xmlns:p14="http://schemas.microsoft.com/office/powerpoint/2010/main" Requires="p14">
+          <p:contentPart p14:bwMode="auto" r:id="rId25">
+            <p14:nvContentPartPr>
+              <p14:cNvPr id="99" name="Freihand 98">
+                <a:extLst>
+                  <a:ext uri="{FF2B5EF4-FFF2-40B4-BE49-F238E27FC236}">
+                    <a16:creationId xmlns:a16="http://schemas.microsoft.com/office/drawing/2014/main" id="{2BAEDA77-73D1-159D-7C48-BD9BFE9BA7E6}"/>
+                  </a:ext>
+                </a:extLst>
+              </p14:cNvPr>
+              <p14:cNvContentPartPr/>
+              <p14:nvPr/>
+            </p14:nvContentPartPr>
+            <p14:xfrm>
+              <a:off x="4973060" y="979620"/>
+              <a:ext cx="74160" cy="77040"/>
+            </p14:xfrm>
+          </p:contentPart>
+        </mc:Choice>
+        <mc:Fallback>
+          <p:pic>
+            <p:nvPicPr>
+              <p:cNvPr id="99" name="Freihand 98">
+                <a:extLst>
+                  <a:ext uri="{FF2B5EF4-FFF2-40B4-BE49-F238E27FC236}">
+                    <a16:creationId xmlns:a16="http://schemas.microsoft.com/office/drawing/2014/main" id="{2BAEDA77-73D1-159D-7C48-BD9BFE9BA7E6}"/>
+                  </a:ext>
+                </a:extLst>
+              </p:cNvPr>
+              <p:cNvPicPr/>
+              <p:nvPr/>
+            </p:nvPicPr>
+            <p:blipFill>
+              <a:blip r:embed="rId26"/>
+              <a:stretch>
+                <a:fillRect/>
+              </a:stretch>
+            </p:blipFill>
+            <p:spPr>
+              <a:xfrm>
+                <a:off x="4955420" y="943980"/>
+                <a:ext cx="109800" cy="148680"/>
+              </a:xfrm>
+              <a:prstGeom prst="rect">
+                <a:avLst/>
+              </a:prstGeom>
+            </p:spPr>
+          </p:pic>
+        </mc:Fallback>
+      </mc:AlternateContent>
+      <mc:AlternateContent xmlns:mc="http://schemas.openxmlformats.org/markup-compatibility/2006">
+        <mc:Choice xmlns:p14="http://schemas.microsoft.com/office/powerpoint/2010/main" Requires="p14">
+          <p:contentPart p14:bwMode="auto" r:id="rId27">
+            <p14:nvContentPartPr>
+              <p14:cNvPr id="101" name="Freihand 100">
+                <a:extLst>
+                  <a:ext uri="{FF2B5EF4-FFF2-40B4-BE49-F238E27FC236}">
+                    <a16:creationId xmlns:a16="http://schemas.microsoft.com/office/drawing/2014/main" id="{BBD7DBF3-19A8-E571-B075-BDE8097706C3}"/>
+                  </a:ext>
+                </a:extLst>
+              </p14:cNvPr>
+              <p14:cNvContentPartPr/>
+              <p14:nvPr/>
+            </p14:nvContentPartPr>
+            <p14:xfrm>
+              <a:off x="5095100" y="1005540"/>
+              <a:ext cx="360" cy="360"/>
+            </p14:xfrm>
+          </p:contentPart>
+        </mc:Choice>
+        <mc:Fallback>
+          <p:pic>
+            <p:nvPicPr>
+              <p:cNvPr id="101" name="Freihand 100">
+                <a:extLst>
+                  <a:ext uri="{FF2B5EF4-FFF2-40B4-BE49-F238E27FC236}">
+                    <a16:creationId xmlns:a16="http://schemas.microsoft.com/office/drawing/2014/main" id="{BBD7DBF3-19A8-E571-B075-BDE8097706C3}"/>
+                  </a:ext>
+                </a:extLst>
+              </p:cNvPr>
+              <p:cNvPicPr/>
+              <p:nvPr/>
+            </p:nvPicPr>
+            <p:blipFill>
+              <a:blip r:embed="rId18"/>
+              <a:stretch>
+                <a:fillRect/>
+              </a:stretch>
+            </p:blipFill>
+            <p:spPr>
+              <a:xfrm>
+                <a:off x="5077100" y="969900"/>
+                <a:ext cx="36000" cy="72000"/>
+              </a:xfrm>
+              <a:prstGeom prst="rect">
+                <a:avLst/>
+              </a:prstGeom>
+            </p:spPr>
+          </p:pic>
+        </mc:Fallback>
+      </mc:AlternateContent>
+      <mc:AlternateContent xmlns:mc="http://schemas.openxmlformats.org/markup-compatibility/2006">
+        <mc:Choice xmlns:p14="http://schemas.microsoft.com/office/powerpoint/2010/main" Requires="p14">
+          <p:contentPart p14:bwMode="auto" r:id="rId28">
+            <p14:nvContentPartPr>
+              <p14:cNvPr id="102" name="Freihand 101">
+                <a:extLst>
+                  <a:ext uri="{FF2B5EF4-FFF2-40B4-BE49-F238E27FC236}">
+                    <a16:creationId xmlns:a16="http://schemas.microsoft.com/office/drawing/2014/main" id="{4CEAB72D-A908-E1FD-FFFD-59253C162F06}"/>
+                  </a:ext>
+                </a:extLst>
+              </p14:cNvPr>
+              <p14:cNvContentPartPr/>
+              <p14:nvPr/>
+            </p14:nvContentPartPr>
+            <p14:xfrm>
+              <a:off x="5092580" y="1008060"/>
+              <a:ext cx="360" cy="360"/>
+            </p14:xfrm>
+          </p:contentPart>
+        </mc:Choice>
+        <mc:Fallback>
+          <p:pic>
+            <p:nvPicPr>
+              <p:cNvPr id="102" name="Freihand 101">
+                <a:extLst>
+                  <a:ext uri="{FF2B5EF4-FFF2-40B4-BE49-F238E27FC236}">
+                    <a16:creationId xmlns:a16="http://schemas.microsoft.com/office/drawing/2014/main" id="{4CEAB72D-A908-E1FD-FFFD-59253C162F06}"/>
+                  </a:ext>
+                </a:extLst>
+              </p:cNvPr>
+              <p:cNvPicPr/>
+              <p:nvPr/>
+            </p:nvPicPr>
+            <p:blipFill>
+              <a:blip r:embed="rId18"/>
+              <a:stretch>
+                <a:fillRect/>
+              </a:stretch>
+            </p:blipFill>
+            <p:spPr>
+              <a:xfrm>
+                <a:off x="5074580" y="972420"/>
+                <a:ext cx="36000" cy="72000"/>
+              </a:xfrm>
+              <a:prstGeom prst="rect">
+                <a:avLst/>
+              </a:prstGeom>
+            </p:spPr>
+          </p:pic>
+        </mc:Fallback>
+      </mc:AlternateContent>
+      <mc:AlternateContent xmlns:mc="http://schemas.openxmlformats.org/markup-compatibility/2006">
+        <mc:Choice xmlns:p14="http://schemas.microsoft.com/office/powerpoint/2010/main" Requires="p14">
+          <p:contentPart p14:bwMode="auto" r:id="rId29">
+            <p14:nvContentPartPr>
+              <p14:cNvPr id="103" name="Freihand 102">
+                <a:extLst>
+                  <a:ext uri="{FF2B5EF4-FFF2-40B4-BE49-F238E27FC236}">
+                    <a16:creationId xmlns:a16="http://schemas.microsoft.com/office/drawing/2014/main" id="{153F09E7-2137-217A-2F2B-B17FD2BD5748}"/>
+                  </a:ext>
+                </a:extLst>
+              </p14:cNvPr>
+              <p14:cNvContentPartPr/>
+              <p14:nvPr/>
+            </p14:nvContentPartPr>
+            <p14:xfrm>
+              <a:off x="4903940" y="1006260"/>
+              <a:ext cx="137880" cy="25920"/>
+            </p14:xfrm>
+          </p:contentPart>
+        </mc:Choice>
+        <mc:Fallback>
+          <p:pic>
+            <p:nvPicPr>
+              <p:cNvPr id="103" name="Freihand 102">
+                <a:extLst>
+                  <a:ext uri="{FF2B5EF4-FFF2-40B4-BE49-F238E27FC236}">
+                    <a16:creationId xmlns:a16="http://schemas.microsoft.com/office/drawing/2014/main" id="{153F09E7-2137-217A-2F2B-B17FD2BD5748}"/>
+                  </a:ext>
+                </a:extLst>
+              </p:cNvPr>
+              <p:cNvPicPr/>
+              <p:nvPr/>
+            </p:nvPicPr>
+            <p:blipFill>
+              <a:blip r:embed="rId30"/>
+              <a:stretch>
+                <a:fillRect/>
+              </a:stretch>
+            </p:blipFill>
+            <p:spPr>
+              <a:xfrm>
+                <a:off x="4886300" y="970620"/>
+                <a:ext cx="173520" cy="97560"/>
+              </a:xfrm>
+              <a:prstGeom prst="rect">
+                <a:avLst/>
+              </a:prstGeom>
+            </p:spPr>
+          </p:pic>
+        </mc:Fallback>
+      </mc:AlternateContent>
+      <mc:AlternateContent xmlns:mc="http://schemas.openxmlformats.org/markup-compatibility/2006">
+        <mc:Choice xmlns:p14="http://schemas.microsoft.com/office/powerpoint/2010/main" Requires="p14">
+          <p:contentPart p14:bwMode="auto" r:id="rId31">
+            <p14:nvContentPartPr>
+              <p14:cNvPr id="104" name="Freihand 103">
+                <a:extLst>
+                  <a:ext uri="{FF2B5EF4-FFF2-40B4-BE49-F238E27FC236}">
+                    <a16:creationId xmlns:a16="http://schemas.microsoft.com/office/drawing/2014/main" id="{5C347A7E-2787-1A2B-3F76-AF07208495CD}"/>
+                  </a:ext>
+                </a:extLst>
+              </p14:cNvPr>
+              <p14:cNvContentPartPr/>
+              <p14:nvPr/>
+            </p14:nvContentPartPr>
+            <p14:xfrm>
+              <a:off x="8157768" y="1316520"/>
+              <a:ext cx="41400" cy="398880"/>
+            </p14:xfrm>
+          </p:contentPart>
+        </mc:Choice>
+        <mc:Fallback>
+          <p:pic>
+            <p:nvPicPr>
+              <p:cNvPr id="104" name="Freihand 103">
+                <a:extLst>
+                  <a:ext uri="{FF2B5EF4-FFF2-40B4-BE49-F238E27FC236}">
+                    <a16:creationId xmlns:a16="http://schemas.microsoft.com/office/drawing/2014/main" id="{5C347A7E-2787-1A2B-3F76-AF07208495CD}"/>
+                  </a:ext>
+                </a:extLst>
+              </p:cNvPr>
+              <p:cNvPicPr/>
+              <p:nvPr/>
+            </p:nvPicPr>
+            <p:blipFill>
+              <a:blip r:embed="rId32"/>
+              <a:stretch>
+                <a:fillRect/>
+              </a:stretch>
+            </p:blipFill>
+            <p:spPr>
+              <a:xfrm>
+                <a:off x="8140128" y="1280880"/>
+                <a:ext cx="77040" cy="470520"/>
+              </a:xfrm>
+              <a:prstGeom prst="rect">
+                <a:avLst/>
+              </a:prstGeom>
+            </p:spPr>
+          </p:pic>
+        </mc:Fallback>
+      </mc:AlternateContent>
+      <mc:AlternateContent xmlns:mc="http://schemas.openxmlformats.org/markup-compatibility/2006">
+        <mc:Choice xmlns:p14="http://schemas.microsoft.com/office/powerpoint/2010/main" Requires="p14">
+          <p:contentPart p14:bwMode="auto" r:id="rId33">
+            <p14:nvContentPartPr>
+              <p14:cNvPr id="107" name="Freihand 106">
+                <a:extLst>
+                  <a:ext uri="{FF2B5EF4-FFF2-40B4-BE49-F238E27FC236}">
+                    <a16:creationId xmlns:a16="http://schemas.microsoft.com/office/drawing/2014/main" id="{EBA1F247-C424-BCE4-7DBF-221AABE44FA6}"/>
+                  </a:ext>
+                </a:extLst>
+              </p14:cNvPr>
+              <p14:cNvContentPartPr/>
+              <p14:nvPr/>
+            </p14:nvContentPartPr>
+            <p14:xfrm>
+              <a:off x="4936848" y="958320"/>
+              <a:ext cx="84960" cy="127080"/>
+            </p14:xfrm>
+          </p:contentPart>
+        </mc:Choice>
+        <mc:Fallback>
+          <p:pic>
+            <p:nvPicPr>
+              <p:cNvPr id="107" name="Freihand 106">
+                <a:extLst>
+                  <a:ext uri="{FF2B5EF4-FFF2-40B4-BE49-F238E27FC236}">
+                    <a16:creationId xmlns:a16="http://schemas.microsoft.com/office/drawing/2014/main" id="{EBA1F247-C424-BCE4-7DBF-221AABE44FA6}"/>
+                  </a:ext>
+                </a:extLst>
+              </p:cNvPr>
+              <p:cNvPicPr/>
+              <p:nvPr/>
+            </p:nvPicPr>
+            <p:blipFill>
+              <a:blip r:embed="rId34"/>
+              <a:stretch>
+                <a:fillRect/>
+              </a:stretch>
+            </p:blipFill>
+            <p:spPr>
+              <a:xfrm>
+                <a:off x="4928208" y="949320"/>
+                <a:ext cx="102600" cy="144720"/>
+              </a:xfrm>
+              <a:prstGeom prst="rect">
+                <a:avLst/>
+              </a:prstGeom>
+            </p:spPr>
+          </p:pic>
+        </mc:Fallback>
+      </mc:AlternateContent>
+      <mc:AlternateContent xmlns:mc="http://schemas.openxmlformats.org/markup-compatibility/2006">
+        <mc:Choice xmlns:p14="http://schemas.microsoft.com/office/powerpoint/2010/main" Requires="p14">
+          <p:contentPart p14:bwMode="auto" r:id="rId35">
+            <p14:nvContentPartPr>
+              <p14:cNvPr id="108" name="Freihand 107">
+                <a:extLst>
+                  <a:ext uri="{FF2B5EF4-FFF2-40B4-BE49-F238E27FC236}">
+                    <a16:creationId xmlns:a16="http://schemas.microsoft.com/office/drawing/2014/main" id="{2D89A086-C04B-0088-4E40-F2600D5864BC}"/>
+                  </a:ext>
+                </a:extLst>
+              </p14:cNvPr>
+              <p14:cNvContentPartPr/>
+              <p14:nvPr/>
+            </p14:nvContentPartPr>
+            <p14:xfrm>
+              <a:off x="4994805" y="929355"/>
+              <a:ext cx="2160" cy="147240"/>
+            </p14:xfrm>
+          </p:contentPart>
+        </mc:Choice>
+        <mc:Fallback>
+          <p:pic>
+            <p:nvPicPr>
+              <p:cNvPr id="108" name="Freihand 107">
+                <a:extLst>
+                  <a:ext uri="{FF2B5EF4-FFF2-40B4-BE49-F238E27FC236}">
+                    <a16:creationId xmlns:a16="http://schemas.microsoft.com/office/drawing/2014/main" id="{2D89A086-C04B-0088-4E40-F2600D5864BC}"/>
+                  </a:ext>
+                </a:extLst>
+              </p:cNvPr>
+              <p:cNvPicPr/>
+              <p:nvPr/>
+            </p:nvPicPr>
+            <p:blipFill>
+              <a:blip r:embed="rId36"/>
+              <a:stretch>
+                <a:fillRect/>
+              </a:stretch>
+            </p:blipFill>
+            <p:spPr>
+              <a:xfrm>
+                <a:off x="4985805" y="920715"/>
+                <a:ext cx="19800" cy="164880"/>
+              </a:xfrm>
+              <a:prstGeom prst="rect">
+                <a:avLst/>
+              </a:prstGeom>
+            </p:spPr>
+          </p:pic>
+        </mc:Fallback>
+      </mc:AlternateContent>
+      <mc:AlternateContent xmlns:mc="http://schemas.openxmlformats.org/markup-compatibility/2006">
+        <mc:Choice xmlns:p14="http://schemas.microsoft.com/office/powerpoint/2010/main" Requires="p14">
+          <p:contentPart p14:bwMode="auto" r:id="rId37">
+            <p14:nvContentPartPr>
+              <p14:cNvPr id="109" name="Freihand 108">
+                <a:extLst>
+                  <a:ext uri="{FF2B5EF4-FFF2-40B4-BE49-F238E27FC236}">
+                    <a16:creationId xmlns:a16="http://schemas.microsoft.com/office/drawing/2014/main" id="{277E415C-BCF4-A494-99A4-C882CCC266CA}"/>
+                  </a:ext>
+                </a:extLst>
+              </p14:cNvPr>
+              <p14:cNvContentPartPr/>
+              <p14:nvPr/>
+            </p14:nvContentPartPr>
+            <p14:xfrm>
+              <a:off x="7615350" y="1216515"/>
+              <a:ext cx="7920" cy="88200"/>
+            </p14:xfrm>
+          </p:contentPart>
+        </mc:Choice>
+        <mc:Fallback>
+          <p:pic>
+            <p:nvPicPr>
+              <p:cNvPr id="109" name="Freihand 108">
+                <a:extLst>
+                  <a:ext uri="{FF2B5EF4-FFF2-40B4-BE49-F238E27FC236}">
+                    <a16:creationId xmlns:a16="http://schemas.microsoft.com/office/drawing/2014/main" id="{277E415C-BCF4-A494-99A4-C882CCC266CA}"/>
+                  </a:ext>
+                </a:extLst>
+              </p:cNvPr>
+              <p:cNvPicPr/>
+              <p:nvPr/>
+            </p:nvPicPr>
+            <p:blipFill>
+              <a:blip r:embed="rId38"/>
+              <a:stretch>
+                <a:fillRect/>
+              </a:stretch>
+            </p:blipFill>
+            <p:spPr>
+              <a:xfrm>
+                <a:off x="7606350" y="1207515"/>
+                <a:ext cx="25560" cy="105840"/>
+              </a:xfrm>
+              <a:prstGeom prst="rect">
+                <a:avLst/>
+              </a:prstGeom>
+            </p:spPr>
+          </p:pic>
+        </mc:Fallback>
+      </mc:AlternateContent>
+      <mc:AlternateContent xmlns:mc="http://schemas.openxmlformats.org/markup-compatibility/2006">
+        <mc:Choice xmlns:p14="http://schemas.microsoft.com/office/powerpoint/2010/main" Requires="p14">
+          <p:contentPart p14:bwMode="auto" r:id="rId39">
+            <p14:nvContentPartPr>
+              <p14:cNvPr id="112" name="Freihand 111">
+                <a:extLst>
+                  <a:ext uri="{FF2B5EF4-FFF2-40B4-BE49-F238E27FC236}">
+                    <a16:creationId xmlns:a16="http://schemas.microsoft.com/office/drawing/2014/main" id="{677EB627-07D9-0321-1047-174640FEAFEA}"/>
+                  </a:ext>
+                </a:extLst>
+              </p14:cNvPr>
+              <p14:cNvContentPartPr/>
+              <p14:nvPr/>
+            </p14:nvContentPartPr>
+            <p14:xfrm>
+              <a:off x="7608150" y="1272675"/>
+              <a:ext cx="21600" cy="74520"/>
+            </p14:xfrm>
+          </p:contentPart>
+        </mc:Choice>
+        <mc:Fallback>
+          <p:pic>
+            <p:nvPicPr>
+              <p:cNvPr id="112" name="Freihand 111">
+                <a:extLst>
+                  <a:ext uri="{FF2B5EF4-FFF2-40B4-BE49-F238E27FC236}">
+                    <a16:creationId xmlns:a16="http://schemas.microsoft.com/office/drawing/2014/main" id="{677EB627-07D9-0321-1047-174640FEAFEA}"/>
+                  </a:ext>
+                </a:extLst>
+              </p:cNvPr>
+              <p:cNvPicPr/>
+              <p:nvPr/>
+            </p:nvPicPr>
+            <p:blipFill>
+              <a:blip r:embed="rId40"/>
+              <a:stretch>
+                <a:fillRect/>
+              </a:stretch>
+            </p:blipFill>
+            <p:spPr>
+              <a:xfrm>
+                <a:off x="7599510" y="1263675"/>
+                <a:ext cx="39240" cy="92160"/>
+              </a:xfrm>
+              <a:prstGeom prst="rect">
+                <a:avLst/>
+              </a:prstGeom>
+            </p:spPr>
+          </p:pic>
+        </mc:Fallback>
+      </mc:AlternateContent>
+      <mc:AlternateContent xmlns:mc="http://schemas.openxmlformats.org/markup-compatibility/2006">
+        <mc:Choice xmlns:p14="http://schemas.microsoft.com/office/powerpoint/2010/main" Requires="p14">
+          <p:contentPart p14:bwMode="auto" r:id="rId41">
+            <p14:nvContentPartPr>
+              <p14:cNvPr id="116" name="Freihand 115">
+                <a:extLst>
+                  <a:ext uri="{FF2B5EF4-FFF2-40B4-BE49-F238E27FC236}">
+                    <a16:creationId xmlns:a16="http://schemas.microsoft.com/office/drawing/2014/main" id="{AABCDCB9-5038-A9A0-979B-66F90AC9036E}"/>
+                  </a:ext>
+                </a:extLst>
+              </p14:cNvPr>
+              <p14:cNvContentPartPr/>
+              <p14:nvPr/>
+            </p14:nvContentPartPr>
+            <p14:xfrm>
+              <a:off x="7398630" y="879195"/>
+              <a:ext cx="241560" cy="262080"/>
+            </p14:xfrm>
+          </p:contentPart>
+        </mc:Choice>
+        <mc:Fallback>
+          <p:pic>
+            <p:nvPicPr>
+              <p:cNvPr id="116" name="Freihand 115">
+                <a:extLst>
+                  <a:ext uri="{FF2B5EF4-FFF2-40B4-BE49-F238E27FC236}">
+                    <a16:creationId xmlns:a16="http://schemas.microsoft.com/office/drawing/2014/main" id="{AABCDCB9-5038-A9A0-979B-66F90AC9036E}"/>
+                  </a:ext>
+                </a:extLst>
+              </p:cNvPr>
+              <p:cNvPicPr/>
+              <p:nvPr/>
+            </p:nvPicPr>
+            <p:blipFill>
+              <a:blip r:embed="rId42"/>
+              <a:stretch>
+                <a:fillRect/>
+              </a:stretch>
+            </p:blipFill>
+            <p:spPr>
+              <a:xfrm>
+                <a:off x="7389990" y="870195"/>
+                <a:ext cx="259200" cy="279720"/>
+              </a:xfrm>
+              <a:prstGeom prst="rect">
+                <a:avLst/>
+              </a:prstGeom>
+            </p:spPr>
+          </p:pic>
+        </mc:Fallback>
+      </mc:AlternateContent>
+      <mc:AlternateContent xmlns:mc="http://schemas.openxmlformats.org/markup-compatibility/2006">
+        <mc:Choice xmlns:p14="http://schemas.microsoft.com/office/powerpoint/2010/main" Requires="p14">
+          <p:contentPart p14:bwMode="auto" r:id="rId43">
+            <p14:nvContentPartPr>
+              <p14:cNvPr id="117" name="Freihand 116">
+                <a:extLst>
+                  <a:ext uri="{FF2B5EF4-FFF2-40B4-BE49-F238E27FC236}">
+                    <a16:creationId xmlns:a16="http://schemas.microsoft.com/office/drawing/2014/main" id="{A972DF90-0B9E-B74E-F075-7A3AF3150A5A}"/>
+                  </a:ext>
+                </a:extLst>
+              </p14:cNvPr>
+              <p14:cNvContentPartPr/>
+              <p14:nvPr/>
+            </p14:nvContentPartPr>
+            <p14:xfrm>
+              <a:off x="6100200" y="5321970"/>
+              <a:ext cx="216720" cy="23400"/>
+            </p14:xfrm>
+          </p:contentPart>
+        </mc:Choice>
+        <mc:Fallback>
+          <p:pic>
+            <p:nvPicPr>
+              <p:cNvPr id="117" name="Freihand 116">
+                <a:extLst>
+                  <a:ext uri="{FF2B5EF4-FFF2-40B4-BE49-F238E27FC236}">
+                    <a16:creationId xmlns:a16="http://schemas.microsoft.com/office/drawing/2014/main" id="{A972DF90-0B9E-B74E-F075-7A3AF3150A5A}"/>
+                  </a:ext>
+                </a:extLst>
+              </p:cNvPr>
+              <p:cNvPicPr/>
+              <p:nvPr/>
+            </p:nvPicPr>
+            <p:blipFill>
+              <a:blip r:embed="rId44"/>
+              <a:stretch>
+                <a:fillRect/>
+              </a:stretch>
+            </p:blipFill>
+            <p:spPr>
+              <a:xfrm>
+                <a:off x="6095880" y="5317650"/>
+                <a:ext cx="225360" cy="32040"/>
+              </a:xfrm>
+              <a:prstGeom prst="rect">
+                <a:avLst/>
+              </a:prstGeom>
+            </p:spPr>
+          </p:pic>
+        </mc:Fallback>
+      </mc:AlternateContent>
+      <mc:AlternateContent xmlns:mc="http://schemas.openxmlformats.org/markup-compatibility/2006">
+        <mc:Choice xmlns:p14="http://schemas.microsoft.com/office/powerpoint/2010/main" Requires="p14">
+          <p:contentPart p14:bwMode="auto" r:id="rId45">
+            <p14:nvContentPartPr>
+              <p14:cNvPr id="119" name="Freihand 118">
+                <a:extLst>
+                  <a:ext uri="{FF2B5EF4-FFF2-40B4-BE49-F238E27FC236}">
+                    <a16:creationId xmlns:a16="http://schemas.microsoft.com/office/drawing/2014/main" id="{E79472FF-19FD-7CFD-4B3A-A541E8F6D17F}"/>
+                  </a:ext>
+                </a:extLst>
+              </p14:cNvPr>
+              <p14:cNvContentPartPr/>
+              <p14:nvPr/>
+            </p14:nvContentPartPr>
+            <p14:xfrm>
+              <a:off x="4983825" y="5328075"/>
+              <a:ext cx="360720" cy="32760"/>
+            </p14:xfrm>
+          </p:contentPart>
+        </mc:Choice>
+        <mc:Fallback>
+          <p:pic>
+            <p:nvPicPr>
+              <p:cNvPr id="119" name="Freihand 118">
+                <a:extLst>
+                  <a:ext uri="{FF2B5EF4-FFF2-40B4-BE49-F238E27FC236}">
+                    <a16:creationId xmlns:a16="http://schemas.microsoft.com/office/drawing/2014/main" id="{E79472FF-19FD-7CFD-4B3A-A541E8F6D17F}"/>
+                  </a:ext>
+                </a:extLst>
+              </p:cNvPr>
+              <p:cNvPicPr/>
+              <p:nvPr/>
+            </p:nvPicPr>
+            <p:blipFill>
+              <a:blip r:embed="rId46"/>
+              <a:stretch>
+                <a:fillRect/>
+              </a:stretch>
+            </p:blipFill>
+            <p:spPr>
+              <a:xfrm>
+                <a:off x="4979505" y="5323755"/>
+                <a:ext cx="369360" cy="41400"/>
+              </a:xfrm>
+              <a:prstGeom prst="rect">
+                <a:avLst/>
+              </a:prstGeom>
+            </p:spPr>
+          </p:pic>
+        </mc:Fallback>
+      </mc:AlternateContent>
+      <mc:AlternateContent xmlns:mc="http://schemas.openxmlformats.org/markup-compatibility/2006">
+        <mc:Choice xmlns:p14="http://schemas.microsoft.com/office/powerpoint/2010/main" Requires="p14">
+          <p:contentPart p14:bwMode="auto" r:id="rId47">
+            <p14:nvContentPartPr>
+              <p14:cNvPr id="121" name="Freihand 120">
+                <a:extLst>
+                  <a:ext uri="{FF2B5EF4-FFF2-40B4-BE49-F238E27FC236}">
+                    <a16:creationId xmlns:a16="http://schemas.microsoft.com/office/drawing/2014/main" id="{D6B8647B-F1A9-9F7A-6BE0-E6D64B1BCE48}"/>
+                  </a:ext>
+                </a:extLst>
+              </p14:cNvPr>
+              <p14:cNvContentPartPr/>
+              <p14:nvPr/>
+            </p14:nvContentPartPr>
+            <p14:xfrm>
+              <a:off x="5994705" y="5344995"/>
+              <a:ext cx="232560" cy="4320"/>
+            </p14:xfrm>
+          </p:contentPart>
+        </mc:Choice>
+        <mc:Fallback>
+          <p:pic>
+            <p:nvPicPr>
+              <p:cNvPr id="121" name="Freihand 120">
+                <a:extLst>
+                  <a:ext uri="{FF2B5EF4-FFF2-40B4-BE49-F238E27FC236}">
+                    <a16:creationId xmlns:a16="http://schemas.microsoft.com/office/drawing/2014/main" id="{D6B8647B-F1A9-9F7A-6BE0-E6D64B1BCE48}"/>
+                  </a:ext>
+                </a:extLst>
+              </p:cNvPr>
+              <p:cNvPicPr/>
+              <p:nvPr/>
+            </p:nvPicPr>
+            <p:blipFill>
+              <a:blip r:embed="rId48"/>
+              <a:stretch>
+                <a:fillRect/>
+              </a:stretch>
+            </p:blipFill>
+            <p:spPr>
+              <a:xfrm>
+                <a:off x="5990385" y="5340675"/>
+                <a:ext cx="241200" cy="12960"/>
+              </a:xfrm>
+              <a:prstGeom prst="rect">
+                <a:avLst/>
+              </a:prstGeom>
+            </p:spPr>
+          </p:pic>
+        </mc:Fallback>
+      </mc:AlternateContent>
+      <mc:AlternateContent xmlns:mc="http://schemas.openxmlformats.org/markup-compatibility/2006">
+        <mc:Choice xmlns:p14="http://schemas.microsoft.com/office/powerpoint/2010/main" Requires="p14">
+          <p:contentPart p14:bwMode="auto" r:id="rId49">
+            <p14:nvContentPartPr>
+              <p14:cNvPr id="122" name="Freihand 121">
+                <a:extLst>
+                  <a:ext uri="{FF2B5EF4-FFF2-40B4-BE49-F238E27FC236}">
+                    <a16:creationId xmlns:a16="http://schemas.microsoft.com/office/drawing/2014/main" id="{87CFA387-9A9F-E319-6A58-6E4DFBE5359E}"/>
+                  </a:ext>
+                </a:extLst>
+              </p14:cNvPr>
+              <p14:cNvContentPartPr/>
+              <p14:nvPr/>
+            </p14:nvContentPartPr>
+            <p14:xfrm>
+              <a:off x="5996505" y="5330595"/>
+              <a:ext cx="208080" cy="20880"/>
+            </p14:xfrm>
+          </p:contentPart>
+        </mc:Choice>
+        <mc:Fallback>
+          <p:pic>
+            <p:nvPicPr>
+              <p:cNvPr id="122" name="Freihand 121">
+                <a:extLst>
+                  <a:ext uri="{FF2B5EF4-FFF2-40B4-BE49-F238E27FC236}">
+                    <a16:creationId xmlns:a16="http://schemas.microsoft.com/office/drawing/2014/main" id="{87CFA387-9A9F-E319-6A58-6E4DFBE5359E}"/>
+                  </a:ext>
+                </a:extLst>
+              </p:cNvPr>
+              <p:cNvPicPr/>
+              <p:nvPr/>
+            </p:nvPicPr>
+            <p:blipFill>
+              <a:blip r:embed="rId50"/>
+              <a:stretch>
+                <a:fillRect/>
+              </a:stretch>
+            </p:blipFill>
+            <p:spPr>
+              <a:xfrm>
+                <a:off x="5992185" y="5326275"/>
+                <a:ext cx="216720" cy="29520"/>
+              </a:xfrm>
+              <a:prstGeom prst="rect">
+                <a:avLst/>
+              </a:prstGeom>
+            </p:spPr>
+          </p:pic>
+        </mc:Fallback>
+      </mc:AlternateContent>
+      <mc:AlternateContent xmlns:mc="http://schemas.openxmlformats.org/markup-compatibility/2006">
+        <mc:Choice xmlns:p14="http://schemas.microsoft.com/office/powerpoint/2010/main" Requires="p14">
+          <p:contentPart p14:bwMode="auto" r:id="rId51">
+            <p14:nvContentPartPr>
+              <p14:cNvPr id="126" name="Freihand 125">
+                <a:extLst>
+                  <a:ext uri="{FF2B5EF4-FFF2-40B4-BE49-F238E27FC236}">
+                    <a16:creationId xmlns:a16="http://schemas.microsoft.com/office/drawing/2014/main" id="{A0484BFF-912A-B9C6-937D-A03E1606506D}"/>
+                  </a:ext>
+                </a:extLst>
+              </p14:cNvPr>
+              <p14:cNvContentPartPr/>
+              <p14:nvPr/>
+            </p14:nvContentPartPr>
+            <p14:xfrm>
+              <a:off x="5313945" y="5334195"/>
+              <a:ext cx="470520" cy="28800"/>
+            </p14:xfrm>
+          </p:contentPart>
+        </mc:Choice>
+        <mc:Fallback>
+          <p:pic>
+            <p:nvPicPr>
+              <p:cNvPr id="126" name="Freihand 125">
+                <a:extLst>
+                  <a:ext uri="{FF2B5EF4-FFF2-40B4-BE49-F238E27FC236}">
+                    <a16:creationId xmlns:a16="http://schemas.microsoft.com/office/drawing/2014/main" id="{A0484BFF-912A-B9C6-937D-A03E1606506D}"/>
+                  </a:ext>
+                </a:extLst>
+              </p:cNvPr>
+              <p:cNvPicPr/>
+              <p:nvPr/>
+            </p:nvPicPr>
+            <p:blipFill>
+              <a:blip r:embed="rId52"/>
+              <a:stretch>
+                <a:fillRect/>
+              </a:stretch>
+            </p:blipFill>
+            <p:spPr>
+              <a:xfrm>
+                <a:off x="5309625" y="5329875"/>
+                <a:ext cx="479160" cy="37440"/>
+              </a:xfrm>
+              <a:prstGeom prst="rect">
+                <a:avLst/>
+              </a:prstGeom>
+            </p:spPr>
+          </p:pic>
+        </mc:Fallback>
+      </mc:AlternateContent>
+      <mc:AlternateContent xmlns:mc="http://schemas.openxmlformats.org/markup-compatibility/2006">
+        <mc:Choice xmlns:p14="http://schemas.microsoft.com/office/powerpoint/2010/main" Requires="p14">
+          <p:contentPart p14:bwMode="auto" r:id="rId53">
+            <p14:nvContentPartPr>
+              <p14:cNvPr id="128" name="Freihand 127">
+                <a:extLst>
+                  <a:ext uri="{FF2B5EF4-FFF2-40B4-BE49-F238E27FC236}">
+                    <a16:creationId xmlns:a16="http://schemas.microsoft.com/office/drawing/2014/main" id="{2A7DBEE2-6A40-7818-1135-02A81CA1FC19}"/>
+                  </a:ext>
+                </a:extLst>
+              </p14:cNvPr>
+              <p14:cNvContentPartPr/>
+              <p14:nvPr/>
+            </p14:nvContentPartPr>
+            <p14:xfrm>
+              <a:off x="5770065" y="5339955"/>
+              <a:ext cx="135720" cy="13320"/>
+            </p14:xfrm>
+          </p:contentPart>
+        </mc:Choice>
+        <mc:Fallback>
+          <p:pic>
+            <p:nvPicPr>
+              <p:cNvPr id="128" name="Freihand 127">
+                <a:extLst>
+                  <a:ext uri="{FF2B5EF4-FFF2-40B4-BE49-F238E27FC236}">
+                    <a16:creationId xmlns:a16="http://schemas.microsoft.com/office/drawing/2014/main" id="{2A7DBEE2-6A40-7818-1135-02A81CA1FC19}"/>
+                  </a:ext>
+                </a:extLst>
+              </p:cNvPr>
+              <p:cNvPicPr/>
+              <p:nvPr/>
+            </p:nvPicPr>
+            <p:blipFill>
+              <a:blip r:embed="rId54"/>
+              <a:stretch>
+                <a:fillRect/>
+              </a:stretch>
+            </p:blipFill>
+            <p:spPr>
+              <a:xfrm>
+                <a:off x="5765745" y="5335635"/>
+                <a:ext cx="144360" cy="21960"/>
+              </a:xfrm>
+              <a:prstGeom prst="rect">
+                <a:avLst/>
+              </a:prstGeom>
+            </p:spPr>
+          </p:pic>
+        </mc:Fallback>
+      </mc:AlternateContent>
+      <p:grpSp>
+        <p:nvGrpSpPr>
+          <p:cNvPr id="131" name="Gruppieren 130">
+            <a:extLst>
+              <a:ext uri="{FF2B5EF4-FFF2-40B4-BE49-F238E27FC236}">
+                <a16:creationId xmlns:a16="http://schemas.microsoft.com/office/drawing/2014/main" id="{38E4E731-B48C-A445-DD54-4181A065ADB2}"/>
+              </a:ext>
+            </a:extLst>
+          </p:cNvPr>
+          <p:cNvGrpSpPr/>
+          <p:nvPr/>
+        </p:nvGrpSpPr>
+        <p:grpSpPr>
+          <a:xfrm>
+            <a:off x="5605545" y="5335635"/>
+            <a:ext cx="380520" cy="60480"/>
+            <a:chOff x="5605545" y="5335635"/>
+            <a:chExt cx="380520" cy="60480"/>
+          </a:xfrm>
+        </p:grpSpPr>
+        <mc:AlternateContent xmlns:mc="http://schemas.openxmlformats.org/markup-compatibility/2006">
+          <mc:Choice xmlns:p14="http://schemas.microsoft.com/office/powerpoint/2010/main" Requires="p14">
+            <p:contentPart p14:bwMode="auto" r:id="rId55">
+              <p14:nvContentPartPr>
+                <p14:cNvPr id="123" name="Freihand 122">
+                  <a:extLst>
+                    <a:ext uri="{FF2B5EF4-FFF2-40B4-BE49-F238E27FC236}">
+                      <a16:creationId xmlns:a16="http://schemas.microsoft.com/office/drawing/2014/main" id="{3A8E8001-C121-B66E-C9E6-89CC8C8FFCDA}"/>
+                    </a:ext>
+                  </a:extLst>
+                </p14:cNvPr>
+                <p14:cNvContentPartPr/>
+                <p14:nvPr/>
+              </p14:nvContentPartPr>
+              <p14:xfrm>
+                <a:off x="5605545" y="5345355"/>
+                <a:ext cx="322920" cy="50760"/>
+              </p14:xfrm>
+            </p:contentPart>
+          </mc:Choice>
+          <mc:Fallback>
+            <p:pic>
+              <p:nvPicPr>
+                <p:cNvPr id="123" name="Freihand 122">
+                  <a:extLst>
+                    <a:ext uri="{FF2B5EF4-FFF2-40B4-BE49-F238E27FC236}">
+                      <a16:creationId xmlns:a16="http://schemas.microsoft.com/office/drawing/2014/main" id="{3A8E8001-C121-B66E-C9E6-89CC8C8FFCDA}"/>
+                    </a:ext>
+                  </a:extLst>
+                </p:cNvPr>
+                <p:cNvPicPr/>
+                <p:nvPr/>
+              </p:nvPicPr>
+              <p:blipFill>
+                <a:blip r:embed="rId56"/>
+                <a:stretch>
+                  <a:fillRect/>
+                </a:stretch>
+              </p:blipFill>
+              <p:spPr>
+                <a:xfrm>
+                  <a:off x="5601225" y="5341035"/>
+                  <a:ext cx="331560" cy="59400"/>
+                </a:xfrm>
+                <a:prstGeom prst="rect">
+                  <a:avLst/>
+                </a:prstGeom>
+              </p:spPr>
+            </p:pic>
+          </mc:Fallback>
+        </mc:AlternateContent>
+        <mc:AlternateContent xmlns:mc="http://schemas.openxmlformats.org/markup-compatibility/2006">
+          <mc:Choice xmlns:p14="http://schemas.microsoft.com/office/powerpoint/2010/main" Requires="p14">
+            <p:contentPart p14:bwMode="auto" r:id="rId57">
+              <p14:nvContentPartPr>
+                <p14:cNvPr id="124" name="Freihand 123">
+                  <a:extLst>
+                    <a:ext uri="{FF2B5EF4-FFF2-40B4-BE49-F238E27FC236}">
+                      <a16:creationId xmlns:a16="http://schemas.microsoft.com/office/drawing/2014/main" id="{74B59117-704F-717D-D6B9-0B7516A03772}"/>
+                    </a:ext>
+                  </a:extLst>
+                </p14:cNvPr>
+                <p14:cNvContentPartPr/>
+                <p14:nvPr/>
+              </p14:nvContentPartPr>
+              <p14:xfrm>
+                <a:off x="5696265" y="5335635"/>
+                <a:ext cx="34200" cy="8280"/>
+              </p14:xfrm>
+            </p:contentPart>
+          </mc:Choice>
+          <mc:Fallback>
+            <p:pic>
+              <p:nvPicPr>
+                <p:cNvPr id="124" name="Freihand 123">
+                  <a:extLst>
+                    <a:ext uri="{FF2B5EF4-FFF2-40B4-BE49-F238E27FC236}">
+                      <a16:creationId xmlns:a16="http://schemas.microsoft.com/office/drawing/2014/main" id="{74B59117-704F-717D-D6B9-0B7516A03772}"/>
+                    </a:ext>
+                  </a:extLst>
+                </p:cNvPr>
+                <p:cNvPicPr/>
+                <p:nvPr/>
+              </p:nvPicPr>
+              <p:blipFill>
+                <a:blip r:embed="rId58"/>
+                <a:stretch>
+                  <a:fillRect/>
+                </a:stretch>
+              </p:blipFill>
+              <p:spPr>
+                <a:xfrm>
+                  <a:off x="5691945" y="5331315"/>
+                  <a:ext cx="42840" cy="16920"/>
+                </a:xfrm>
+                <a:prstGeom prst="rect">
+                  <a:avLst/>
+                </a:prstGeom>
+              </p:spPr>
+            </p:pic>
+          </mc:Fallback>
+        </mc:AlternateContent>
+        <mc:AlternateContent xmlns:mc="http://schemas.openxmlformats.org/markup-compatibility/2006">
+          <mc:Choice xmlns:p14="http://schemas.microsoft.com/office/powerpoint/2010/main" Requires="p14">
+            <p:contentPart p14:bwMode="auto" r:id="rId59">
+              <p14:nvContentPartPr>
+                <p14:cNvPr id="130" name="Freihand 129">
+                  <a:extLst>
+                    <a:ext uri="{FF2B5EF4-FFF2-40B4-BE49-F238E27FC236}">
+                      <a16:creationId xmlns:a16="http://schemas.microsoft.com/office/drawing/2014/main" id="{5A424252-BE48-2C9A-891D-3B19C0A4E437}"/>
+                    </a:ext>
+                  </a:extLst>
+                </p14:cNvPr>
+                <p14:cNvContentPartPr/>
+                <p14:nvPr/>
+              </p14:nvContentPartPr>
+              <p14:xfrm>
+                <a:off x="5886345" y="5348955"/>
+                <a:ext cx="99720" cy="10080"/>
+              </p14:xfrm>
+            </p:contentPart>
+          </mc:Choice>
+          <mc:Fallback>
+            <p:pic>
+              <p:nvPicPr>
+                <p:cNvPr id="130" name="Freihand 129">
+                  <a:extLst>
+                    <a:ext uri="{FF2B5EF4-FFF2-40B4-BE49-F238E27FC236}">
+                      <a16:creationId xmlns:a16="http://schemas.microsoft.com/office/drawing/2014/main" id="{5A424252-BE48-2C9A-891D-3B19C0A4E437}"/>
+                    </a:ext>
+                  </a:extLst>
+                </p:cNvPr>
+                <p:cNvPicPr/>
+                <p:nvPr/>
+              </p:nvPicPr>
+              <p:blipFill>
+                <a:blip r:embed="rId60"/>
+                <a:stretch>
+                  <a:fillRect/>
+                </a:stretch>
+              </p:blipFill>
+              <p:spPr>
+                <a:xfrm>
+                  <a:off x="5882025" y="5344635"/>
+                  <a:ext cx="108360" cy="18720"/>
+                </a:xfrm>
+                <a:prstGeom prst="rect">
+                  <a:avLst/>
+                </a:prstGeom>
+              </p:spPr>
+            </p:pic>
+          </mc:Fallback>
+        </mc:AlternateContent>
+      </p:grpSp>
+      <mc:AlternateContent xmlns:mc="http://schemas.openxmlformats.org/markup-compatibility/2006">
+        <mc:Choice xmlns:p14="http://schemas.microsoft.com/office/powerpoint/2010/main" Requires="p14">
+          <p:contentPart p14:bwMode="auto" r:id="rId61">
+            <p14:nvContentPartPr>
+              <p14:cNvPr id="132" name="Freihand 131">
+                <a:extLst>
+                  <a:ext uri="{FF2B5EF4-FFF2-40B4-BE49-F238E27FC236}">
+                    <a16:creationId xmlns:a16="http://schemas.microsoft.com/office/drawing/2014/main" id="{6CB2AB3F-EDD2-04DB-B0EB-CD04699B1B24}"/>
+                  </a:ext>
+                </a:extLst>
+              </p14:cNvPr>
+              <p14:cNvContentPartPr/>
+              <p14:nvPr/>
+            </p14:nvContentPartPr>
+            <p14:xfrm>
+              <a:off x="5023215" y="5922945"/>
+              <a:ext cx="2520" cy="60840"/>
+            </p14:xfrm>
+          </p:contentPart>
+        </mc:Choice>
+        <mc:Fallback>
+          <p:pic>
+            <p:nvPicPr>
+              <p:cNvPr id="132" name="Freihand 131">
+                <a:extLst>
+                  <a:ext uri="{FF2B5EF4-FFF2-40B4-BE49-F238E27FC236}">
+                    <a16:creationId xmlns:a16="http://schemas.microsoft.com/office/drawing/2014/main" id="{6CB2AB3F-EDD2-04DB-B0EB-CD04699B1B24}"/>
+                  </a:ext>
+                </a:extLst>
+              </p:cNvPr>
+              <p:cNvPicPr/>
+              <p:nvPr/>
+            </p:nvPicPr>
+            <p:blipFill>
+              <a:blip r:embed="rId62"/>
+              <a:stretch>
+                <a:fillRect/>
+              </a:stretch>
+            </p:blipFill>
+            <p:spPr>
+              <a:xfrm>
+                <a:off x="5018895" y="5918625"/>
+                <a:ext cx="11160" cy="69480"/>
+              </a:xfrm>
+              <a:prstGeom prst="rect">
+                <a:avLst/>
+              </a:prstGeom>
+            </p:spPr>
+          </p:pic>
+        </mc:Fallback>
+      </mc:AlternateContent>
+      <mc:AlternateContent xmlns:mc="http://schemas.openxmlformats.org/markup-compatibility/2006">
+        <mc:Choice xmlns:p14="http://schemas.microsoft.com/office/powerpoint/2010/main" Requires="p14">
+          <p:contentPart p14:bwMode="auto" r:id="rId63">
+            <p14:nvContentPartPr>
+              <p14:cNvPr id="133" name="Freihand 132">
+                <a:extLst>
+                  <a:ext uri="{FF2B5EF4-FFF2-40B4-BE49-F238E27FC236}">
+                    <a16:creationId xmlns:a16="http://schemas.microsoft.com/office/drawing/2014/main" id="{B10E847B-D946-654B-A28F-FE410C5DAB7A}"/>
+                  </a:ext>
+                </a:extLst>
+              </p14:cNvPr>
+              <p14:cNvContentPartPr/>
+              <p14:nvPr/>
+            </p14:nvContentPartPr>
+            <p14:xfrm>
+              <a:off x="4992255" y="5886945"/>
+              <a:ext cx="94320" cy="119880"/>
+            </p14:xfrm>
+          </p:contentPart>
+        </mc:Choice>
+        <mc:Fallback>
+          <p:pic>
+            <p:nvPicPr>
+              <p:cNvPr id="133" name="Freihand 132">
+                <a:extLst>
+                  <a:ext uri="{FF2B5EF4-FFF2-40B4-BE49-F238E27FC236}">
+                    <a16:creationId xmlns:a16="http://schemas.microsoft.com/office/drawing/2014/main" id="{B10E847B-D946-654B-A28F-FE410C5DAB7A}"/>
+                  </a:ext>
+                </a:extLst>
+              </p:cNvPr>
+              <p:cNvPicPr/>
+              <p:nvPr/>
+            </p:nvPicPr>
+            <p:blipFill>
+              <a:blip r:embed="rId64"/>
+              <a:stretch>
+                <a:fillRect/>
+              </a:stretch>
+            </p:blipFill>
+            <p:spPr>
+              <a:xfrm>
+                <a:off x="4987935" y="5882625"/>
+                <a:ext cx="102960" cy="128520"/>
+              </a:xfrm>
+              <a:prstGeom prst="rect">
+                <a:avLst/>
+              </a:prstGeom>
+            </p:spPr>
+          </p:pic>
+        </mc:Fallback>
+      </mc:AlternateContent>
+      <p:sp>
+        <p:nvSpPr>
+          <p:cNvPr id="134" name="Mond 133">
+            <a:extLst>
+              <a:ext uri="{FF2B5EF4-FFF2-40B4-BE49-F238E27FC236}">
+                <a16:creationId xmlns:a16="http://schemas.microsoft.com/office/drawing/2014/main" id="{516C9F24-B45F-88AD-A939-1F6BC20ABE86}"/>
+              </a:ext>
+            </a:extLst>
+          </p:cNvPr>
+          <p:cNvSpPr/>
+          <p:nvPr/>
+        </p:nvSpPr>
+        <p:spPr>
+          <a:xfrm>
+            <a:off x="1188602" y="2518572"/>
+            <a:ext cx="147970" cy="685800"/>
+          </a:xfrm>
+          <a:prstGeom prst="moon">
+            <a:avLst/>
+          </a:prstGeom>
+          <a:ln>
+            <a:noFill/>
+          </a:ln>
+        </p:spPr>
+        <p:style>
+          <a:lnRef idx="2">
+            <a:schemeClr val="accent1">
+              <a:shade val="50000"/>
+            </a:schemeClr>
+          </a:lnRef>
+          <a:fillRef idx="1">
+            <a:schemeClr val="accent1"/>
+          </a:fillRef>
+          <a:effectRef idx="0">
+            <a:schemeClr val="accent1"/>
+          </a:effectRef>
+          <a:fontRef idx="minor">
+            <a:schemeClr val="lt1"/>
+          </a:fontRef>
+        </p:style>
+        <p:txBody>
+          <a:bodyPr rtlCol="0" anchor="ctr"/>
+          <a:lstStyle/>
+          <a:p>
+            <a:pPr algn="ctr"/>
+            <a:endParaRPr lang="de-DE"/>
+          </a:p>
+        </p:txBody>
+      </p:sp>
+      <p:sp>
+        <p:nvSpPr>
+          <p:cNvPr id="135" name="Mond 134">
+            <a:extLst>
+              <a:ext uri="{FF2B5EF4-FFF2-40B4-BE49-F238E27FC236}">
+                <a16:creationId xmlns:a16="http://schemas.microsoft.com/office/drawing/2014/main" id="{C8CABE5D-D72C-0E1A-0591-E91F4C576E0D}"/>
+              </a:ext>
+            </a:extLst>
+          </p:cNvPr>
+          <p:cNvSpPr/>
+          <p:nvPr/>
+        </p:nvSpPr>
+        <p:spPr>
+          <a:xfrm rot="10800000">
+            <a:off x="1084932" y="2518572"/>
+            <a:ext cx="147970" cy="685800"/>
+          </a:xfrm>
+          <a:prstGeom prst="moon">
+            <a:avLst/>
+          </a:prstGeom>
+          <a:ln>
+            <a:noFill/>
+          </a:ln>
+        </p:spPr>
+        <p:style>
+          <a:lnRef idx="2">
+            <a:schemeClr val="accent1">
+              <a:shade val="50000"/>
+            </a:schemeClr>
+          </a:lnRef>
+          <a:fillRef idx="1">
+            <a:schemeClr val="accent1"/>
+          </a:fillRef>
+          <a:effectRef idx="0">
+            <a:schemeClr val="accent1"/>
+          </a:effectRef>
+          <a:fontRef idx="minor">
+            <a:schemeClr val="lt1"/>
+          </a:fontRef>
+        </p:style>
+        <p:txBody>
+          <a:bodyPr rtlCol="0" anchor="ctr"/>
+          <a:lstStyle/>
+          <a:p>
+            <a:pPr algn="ctr"/>
+            <a:endParaRPr lang="de-DE"/>
+          </a:p>
+        </p:txBody>
+      </p:sp>
+    </p:spTree>
+    <p:extLst>
+      <p:ext uri="{BB962C8B-B14F-4D97-AF65-F5344CB8AC3E}">
+        <p14:creationId xmlns:p14="http://schemas.microsoft.com/office/powerpoint/2010/main" val="1717063047"/>
       </p:ext>
     </p:extLst>
   </p:cSld>
@@ -5313,4 +12714,299 @@
     </a:ext>
   </a:extLst>
 </a:theme>
+</file>
+
+<file path=ppt/theme/theme2.xml><?xml version="1.0" encoding="utf-8"?>
+<a:theme xmlns:a="http://schemas.openxmlformats.org/drawingml/2006/main" name="Office">
+  <a:themeElements>
+    <a:clrScheme name="Office">
+      <a:dk1>
+        <a:sysClr val="windowText" lastClr="000000"/>
+      </a:dk1>
+      <a:lt1>
+        <a:sysClr val="window" lastClr="FFFFFF"/>
+      </a:lt1>
+      <a:dk2>
+        <a:srgbClr val="44546A"/>
+      </a:dk2>
+      <a:lt2>
+        <a:srgbClr val="E7E6E6"/>
+      </a:lt2>
+      <a:accent1>
+        <a:srgbClr val="4472C4"/>
+      </a:accent1>
+      <a:accent2>
+        <a:srgbClr val="ED7D31"/>
+      </a:accent2>
+      <a:accent3>
+        <a:srgbClr val="A5A5A5"/>
+      </a:accent3>
+      <a:accent4>
+        <a:srgbClr val="FFC000"/>
+      </a:accent4>
+      <a:accent5>
+        <a:srgbClr val="5B9BD5"/>
+      </a:accent5>
+      <a:accent6>
+        <a:srgbClr val="70AD47"/>
+      </a:accent6>
+      <a:hlink>
+        <a:srgbClr val="0563C1"/>
+      </a:hlink>
+      <a:folHlink>
+        <a:srgbClr val="954F72"/>
+      </a:folHlink>
+    </a:clrScheme>
+    <a:fontScheme name="Office">
+      <a:majorFont>
+        <a:latin typeface="Calibri Light" panose="020F0302020204030204"/>
+        <a:ea typeface=""/>
+        <a:cs typeface=""/>
+        <a:font script="Jpan" typeface="游ゴシック Light"/>
+        <a:font script="Hang" typeface="맑은 고딕"/>
+        <a:font script="Hans" typeface="等线 Light"/>
+        <a:font script="Hant" typeface="新細明體"/>
+        <a:font script="Arab" typeface="Times New Roman"/>
+        <a:font script="Hebr" typeface="Times New Roman"/>
+        <a:font script="Thai" typeface="Angsana New"/>
+        <a:font script="Ethi" typeface="Nyala"/>
+        <a:font script="Beng" typeface="Vrinda"/>
+        <a:font script="Gujr" typeface="Shruti"/>
+        <a:font script="Khmr" typeface="MoolBoran"/>
+        <a:font script="Knda" typeface="Tunga"/>
+        <a:font script="Guru" typeface="Raavi"/>
+        <a:font script="Cans" typeface="Euphemia"/>
+        <a:font script="Cher" typeface="Plantagenet Cherokee"/>
+        <a:font script="Yiii" typeface="Microsoft Yi Baiti"/>
+        <a:font script="Tibt" typeface="Microsoft Himalaya"/>
+        <a:font script="Thaa" typeface="MV Boli"/>
+        <a:font script="Deva" typeface="Mangal"/>
+        <a:font script="Telu" typeface="Gautami"/>
+        <a:font script="Taml" typeface="Latha"/>
+        <a:font script="Syrc" typeface="Estrangelo Edessa"/>
+        <a:font script="Orya" typeface="Kalinga"/>
+        <a:font script="Mlym" typeface="Kartika"/>
+        <a:font script="Laoo" typeface="DokChampa"/>
+        <a:font script="Sinh" typeface="Iskoola Pota"/>
+        <a:font script="Mong" typeface="Mongolian Baiti"/>
+        <a:font script="Viet" typeface="Times New Roman"/>
+        <a:font script="Uigh" typeface="Microsoft Uighur"/>
+        <a:font script="Geor" typeface="Sylfaen"/>
+        <a:font script="Armn" typeface="Arial"/>
+        <a:font script="Bugi" typeface="Leelawadee UI"/>
+        <a:font script="Bopo" typeface="Microsoft JhengHei"/>
+        <a:font script="Java" typeface="Javanese Text"/>
+        <a:font script="Lisu" typeface="Segoe UI"/>
+        <a:font script="Mymr" typeface="Myanmar Text"/>
+        <a:font script="Nkoo" typeface="Ebrima"/>
+        <a:font script="Olck" typeface="Nirmala UI"/>
+        <a:font script="Osma" typeface="Ebrima"/>
+        <a:font script="Phag" typeface="Phagspa"/>
+        <a:font script="Syrn" typeface="Estrangelo Edessa"/>
+        <a:font script="Syrj" typeface="Estrangelo Edessa"/>
+        <a:font script="Syre" typeface="Estrangelo Edessa"/>
+        <a:font script="Sora" typeface="Nirmala UI"/>
+        <a:font script="Tale" typeface="Microsoft Tai Le"/>
+        <a:font script="Talu" typeface="Microsoft New Tai Lue"/>
+        <a:font script="Tfng" typeface="Ebrima"/>
+      </a:majorFont>
+      <a:minorFont>
+        <a:latin typeface="Calibri" panose="020F0502020204030204"/>
+        <a:ea typeface=""/>
+        <a:cs typeface=""/>
+        <a:font script="Jpan" typeface="游ゴシック"/>
+        <a:font script="Hang" typeface="맑은 고딕"/>
+        <a:font script="Hans" typeface="等线"/>
+        <a:font script="Hant" typeface="新細明體"/>
+        <a:font script="Arab" typeface="Arial"/>
+        <a:font script="Hebr" typeface="Arial"/>
+        <a:font script="Thai" typeface="Cordia New"/>
+        <a:font script="Ethi" typeface="Nyala"/>
+        <a:font script="Beng" typeface="Vrinda"/>
+        <a:font script="Gujr" typeface="Shruti"/>
+        <a:font script="Khmr" typeface="DaunPenh"/>
+        <a:font script="Knda" typeface="Tunga"/>
+        <a:font script="Guru" typeface="Raavi"/>
+        <a:font script="Cans" typeface="Euphemia"/>
+        <a:font script="Cher" typeface="Plantagenet Cherokee"/>
+        <a:font script="Yiii" typeface="Microsoft Yi Baiti"/>
+        <a:font script="Tibt" typeface="Microsoft Himalaya"/>
+        <a:font script="Thaa" typeface="MV Boli"/>
+        <a:font script="Deva" typeface="Mangal"/>
+        <a:font script="Telu" typeface="Gautami"/>
+        <a:font script="Taml" typeface="Latha"/>
+        <a:font script="Syrc" typeface="Estrangelo Edessa"/>
+        <a:font script="Orya" typeface="Kalinga"/>
+        <a:font script="Mlym" typeface="Kartika"/>
+        <a:font script="Laoo" typeface="DokChampa"/>
+        <a:font script="Sinh" typeface="Iskoola Pota"/>
+        <a:font script="Mong" typeface="Mongolian Baiti"/>
+        <a:font script="Viet" typeface="Arial"/>
+        <a:font script="Uigh" typeface="Microsoft Uighur"/>
+        <a:font script="Geor" typeface="Sylfaen"/>
+        <a:font script="Armn" typeface="Arial"/>
+        <a:font script="Bugi" typeface="Leelawadee UI"/>
+        <a:font script="Bopo" typeface="Microsoft JhengHei"/>
+        <a:font script="Java" typeface="Javanese Text"/>
+        <a:font script="Lisu" typeface="Segoe UI"/>
+        <a:font script="Mymr" typeface="Myanmar Text"/>
+        <a:font script="Nkoo" typeface="Ebrima"/>
+        <a:font script="Olck" typeface="Nirmala UI"/>
+        <a:font script="Osma" typeface="Ebrima"/>
+        <a:font script="Phag" typeface="Phagspa"/>
+        <a:font script="Syrn" typeface="Estrangelo Edessa"/>
+        <a:font script="Syrj" typeface="Estrangelo Edessa"/>
+        <a:font script="Syre" typeface="Estrangelo Edessa"/>
+        <a:font script="Sora" typeface="Nirmala UI"/>
+        <a:font script="Tale" typeface="Microsoft Tai Le"/>
+        <a:font script="Talu" typeface="Microsoft New Tai Lue"/>
+        <a:font script="Tfng" typeface="Ebrima"/>
+      </a:minorFont>
+    </a:fontScheme>
+    <a:fmtScheme name="Office">
+      <a:fillStyleLst>
+        <a:solidFill>
+          <a:schemeClr val="phClr"/>
+        </a:solidFill>
+        <a:gradFill rotWithShape="1">
+          <a:gsLst>
+            <a:gs pos="0">
+              <a:schemeClr val="phClr">
+                <a:lumMod val="110000"/>
+                <a:satMod val="105000"/>
+                <a:tint val="67000"/>
+              </a:schemeClr>
+            </a:gs>
+            <a:gs pos="50000">
+              <a:schemeClr val="phClr">
+                <a:lumMod val="105000"/>
+                <a:satMod val="103000"/>
+                <a:tint val="73000"/>
+              </a:schemeClr>
+            </a:gs>
+            <a:gs pos="100000">
+              <a:schemeClr val="phClr">
+                <a:lumMod val="105000"/>
+                <a:satMod val="109000"/>
+                <a:tint val="81000"/>
+              </a:schemeClr>
+            </a:gs>
+          </a:gsLst>
+          <a:lin ang="5400000" scaled="0"/>
+        </a:gradFill>
+        <a:gradFill rotWithShape="1">
+          <a:gsLst>
+            <a:gs pos="0">
+              <a:schemeClr val="phClr">
+                <a:satMod val="103000"/>
+                <a:lumMod val="102000"/>
+                <a:tint val="94000"/>
+              </a:schemeClr>
+            </a:gs>
+            <a:gs pos="50000">
+              <a:schemeClr val="phClr">
+                <a:satMod val="110000"/>
+                <a:lumMod val="100000"/>
+                <a:shade val="100000"/>
+              </a:schemeClr>
+            </a:gs>
+            <a:gs pos="100000">
+              <a:schemeClr val="phClr">
+                <a:lumMod val="99000"/>
+                <a:satMod val="120000"/>
+                <a:shade val="78000"/>
+              </a:schemeClr>
+            </a:gs>
+          </a:gsLst>
+          <a:lin ang="5400000" scaled="0"/>
+        </a:gradFill>
+      </a:fillStyleLst>
+      <a:lnStyleLst>
+        <a:ln w="6350" cap="flat" cmpd="sng" algn="ctr">
+          <a:solidFill>
+            <a:schemeClr val="phClr"/>
+          </a:solidFill>
+          <a:prstDash val="solid"/>
+          <a:miter lim="800000"/>
+        </a:ln>
+        <a:ln w="12700" cap="flat" cmpd="sng" algn="ctr">
+          <a:solidFill>
+            <a:schemeClr val="phClr"/>
+          </a:solidFill>
+          <a:prstDash val="solid"/>
+          <a:miter lim="800000"/>
+        </a:ln>
+        <a:ln w="19050" cap="flat" cmpd="sng" algn="ctr">
+          <a:solidFill>
+            <a:schemeClr val="phClr"/>
+          </a:solidFill>
+          <a:prstDash val="solid"/>
+          <a:miter lim="800000"/>
+        </a:ln>
+      </a:lnStyleLst>
+      <a:effectStyleLst>
+        <a:effectStyle>
+          <a:effectLst/>
+        </a:effectStyle>
+        <a:effectStyle>
+          <a:effectLst/>
+        </a:effectStyle>
+        <a:effectStyle>
+          <a:effectLst>
+            <a:outerShdw blurRad="57150" dist="19050" dir="5400000" algn="ctr" rotWithShape="0">
+              <a:srgbClr val="000000">
+                <a:alpha val="63000"/>
+              </a:srgbClr>
+            </a:outerShdw>
+          </a:effectLst>
+        </a:effectStyle>
+      </a:effectStyleLst>
+      <a:bgFillStyleLst>
+        <a:solidFill>
+          <a:schemeClr val="phClr"/>
+        </a:solidFill>
+        <a:solidFill>
+          <a:schemeClr val="phClr">
+            <a:tint val="95000"/>
+            <a:satMod val="170000"/>
+          </a:schemeClr>
+        </a:solidFill>
+        <a:gradFill rotWithShape="1">
+          <a:gsLst>
+            <a:gs pos="0">
+              <a:schemeClr val="phClr">
+                <a:tint val="93000"/>
+                <a:satMod val="150000"/>
+                <a:shade val="98000"/>
+                <a:lumMod val="102000"/>
+              </a:schemeClr>
+            </a:gs>
+            <a:gs pos="50000">
+              <a:schemeClr val="phClr">
+                <a:tint val="98000"/>
+                <a:satMod val="130000"/>
+                <a:shade val="90000"/>
+                <a:lumMod val="103000"/>
+              </a:schemeClr>
+            </a:gs>
+            <a:gs pos="100000">
+              <a:schemeClr val="phClr">
+                <a:shade val="63000"/>
+                <a:satMod val="120000"/>
+              </a:schemeClr>
+            </a:gs>
+          </a:gsLst>
+          <a:lin ang="5400000" scaled="0"/>
+        </a:gradFill>
+      </a:bgFillStyleLst>
+    </a:fmtScheme>
+  </a:themeElements>
+  <a:objectDefaults/>
+  <a:extraClrSchemeLst/>
+  <a:extLst>
+    <a:ext uri="{05A4C25C-085E-4340-85A3-A5531E510DB2}">
+      <thm15:themeFamily xmlns:thm15="http://schemas.microsoft.com/office/thememl/2012/main" name="Office Theme" id="{62F939B6-93AF-4DB8-9C6B-D6C7DFDC589F}" vid="{4A3C46E8-61CC-4603-A589-7422A47A8E4A}"/>
+    </a:ext>
+  </a:extLst>
+</a:theme>
 </file>
--- a/Bachelor/Bilder/Microsoft PowerPoint-Präsentation (neu).pptx
+++ b/Bachelor/Bilder/Microsoft PowerPoint-Präsentation (neu).pptx
@@ -5,7 +5,7 @@
     <p:sldMasterId id="2147483648" r:id="rId1"/>
   </p:sldMasterIdLst>
   <p:notesMasterIdLst>
-    <p:notesMasterId r:id="rId15"/>
+    <p:notesMasterId r:id="rId16"/>
   </p:notesMasterIdLst>
   <p:sldIdLst>
     <p:sldId id="256" r:id="rId2"/>
@@ -21,6 +21,7 @@
     <p:sldId id="266" r:id="rId12"/>
     <p:sldId id="267" r:id="rId13"/>
     <p:sldId id="268" r:id="rId14"/>
+    <p:sldId id="269" r:id="rId15"/>
   </p:sldIdLst>
   <p:sldSz cx="12192000" cy="6858000"/>
   <p:notesSz cx="6858000" cy="9144000"/>
@@ -130,7 +131,7 @@
 <file path=ppt/revisionInfo.xml><?xml version="1.0" encoding="utf-8"?>
 <p1510:revInfo xmlns:a="http://schemas.openxmlformats.org/drawingml/2006/main" xmlns:r="http://schemas.openxmlformats.org/officeDocument/2006/relationships" xmlns:p1510="http://schemas.microsoft.com/office/powerpoint/2015/10/main">
   <p1510:revLst>
-    <p1510:client id="{98D96A6D-518D-4AC0-9BA2-40E21862AA9A}" v="66" dt="2023-01-11T13:35:33.777"/>
+    <p1510:client id="{98D96A6D-518D-4AC0-9BA2-40E21862AA9A}" v="83" dt="2023-01-16T13:04:40.579"/>
   </p1510:revLst>
 </p1510:revInfo>
 </file>
@@ -140,7 +141,7 @@
   <pc:docChgLst>
     <pc:chgData name="Julius Rublack" userId="745d74a4dee6b669" providerId="LiveId" clId="{98D96A6D-518D-4AC0-9BA2-40E21862AA9A}"/>
     <pc:docChg chg="undo custSel addSld modSld sldOrd">
-      <pc:chgData name="Julius Rublack" userId="745d74a4dee6b669" providerId="LiveId" clId="{98D96A6D-518D-4AC0-9BA2-40E21862AA9A}" dt="2023-01-11T13:36:56.637" v="489" actId="1076"/>
+      <pc:chgData name="Julius Rublack" userId="745d74a4dee6b669" providerId="LiveId" clId="{98D96A6D-518D-4AC0-9BA2-40E21862AA9A}" dt="2023-01-16T13:05:03.321" v="750" actId="1076"/>
       <pc:docMkLst>
         <pc:docMk/>
       </pc:docMkLst>
@@ -1220,6 +1221,205 @@
             <ac:inkMk id="133" creationId="{B10E847B-D946-654B-A28F-FE410C5DAB7A}"/>
           </ac:inkMkLst>
         </pc:inkChg>
+      </pc:sldChg>
+      <pc:sldChg chg="addSp delSp modSp new mod">
+        <pc:chgData name="Julius Rublack" userId="745d74a4dee6b669" providerId="LiveId" clId="{98D96A6D-518D-4AC0-9BA2-40E21862AA9A}" dt="2023-01-16T13:05:03.321" v="750" actId="1076"/>
+        <pc:sldMkLst>
+          <pc:docMk/>
+          <pc:sldMk cId="3151605374" sldId="269"/>
+        </pc:sldMkLst>
+        <pc:spChg chg="del mod">
+          <ac:chgData name="Julius Rublack" userId="745d74a4dee6b669" providerId="LiveId" clId="{98D96A6D-518D-4AC0-9BA2-40E21862AA9A}" dt="2023-01-15T17:36:59.761" v="493" actId="478"/>
+          <ac:spMkLst>
+            <pc:docMk/>
+            <pc:sldMk cId="3151605374" sldId="269"/>
+            <ac:spMk id="2" creationId="{923A9E16-B2D9-2146-C7F7-5C7273A3AFB6}"/>
+          </ac:spMkLst>
+        </pc:spChg>
+        <pc:spChg chg="add mod">
+          <ac:chgData name="Julius Rublack" userId="745d74a4dee6b669" providerId="LiveId" clId="{98D96A6D-518D-4AC0-9BA2-40E21862AA9A}" dt="2023-01-16T13:05:03.321" v="750" actId="1076"/>
+          <ac:spMkLst>
+            <pc:docMk/>
+            <pc:sldMk cId="3151605374" sldId="269"/>
+            <ac:spMk id="2" creationId="{BE533122-A732-23B4-A128-1FDD78587F93}"/>
+          </ac:spMkLst>
+        </pc:spChg>
+        <pc:spChg chg="del">
+          <ac:chgData name="Julius Rublack" userId="745d74a4dee6b669" providerId="LiveId" clId="{98D96A6D-518D-4AC0-9BA2-40E21862AA9A}" dt="2023-01-15T17:36:57.603" v="491" actId="478"/>
+          <ac:spMkLst>
+            <pc:docMk/>
+            <pc:sldMk cId="3151605374" sldId="269"/>
+            <ac:spMk id="3" creationId="{446B7CBE-4DC8-C741-1E77-767212364076}"/>
+          </ac:spMkLst>
+        </pc:spChg>
+        <pc:spChg chg="add mod">
+          <ac:chgData name="Julius Rublack" userId="745d74a4dee6b669" providerId="LiveId" clId="{98D96A6D-518D-4AC0-9BA2-40E21862AA9A}" dt="2023-01-16T13:04:48.344" v="749" actId="688"/>
+          <ac:spMkLst>
+            <pc:docMk/>
+            <pc:sldMk cId="3151605374" sldId="269"/>
+            <ac:spMk id="3" creationId="{93739BAE-A3C6-9C9E-3827-8BBD1E86CA18}"/>
+          </ac:spMkLst>
+        </pc:spChg>
+        <pc:spChg chg="add mod">
+          <ac:chgData name="Julius Rublack" userId="745d74a4dee6b669" providerId="LiveId" clId="{98D96A6D-518D-4AC0-9BA2-40E21862AA9A}" dt="2023-01-15T17:40:22.786" v="509" actId="207"/>
+          <ac:spMkLst>
+            <pc:docMk/>
+            <pc:sldMk cId="3151605374" sldId="269"/>
+            <ac:spMk id="8" creationId="{8B89563E-4607-890C-27AF-0D155A911D5B}"/>
+          </ac:spMkLst>
+        </pc:spChg>
+        <pc:spChg chg="add mod">
+          <ac:chgData name="Julius Rublack" userId="745d74a4dee6b669" providerId="LiveId" clId="{98D96A6D-518D-4AC0-9BA2-40E21862AA9A}" dt="2023-01-15T17:40:31.455" v="511" actId="1076"/>
+          <ac:spMkLst>
+            <pc:docMk/>
+            <pc:sldMk cId="3151605374" sldId="269"/>
+            <ac:spMk id="9" creationId="{0906C29F-B6DA-2179-D836-FF2EE18706C7}"/>
+          </ac:spMkLst>
+        </pc:spChg>
+        <pc:spChg chg="add mod">
+          <ac:chgData name="Julius Rublack" userId="745d74a4dee6b669" providerId="LiveId" clId="{98D96A6D-518D-4AC0-9BA2-40E21862AA9A}" dt="2023-01-15T17:40:45.927" v="514" actId="1076"/>
+          <ac:spMkLst>
+            <pc:docMk/>
+            <pc:sldMk cId="3151605374" sldId="269"/>
+            <ac:spMk id="10" creationId="{C167F1DA-A267-D9CA-E7AF-8C5D225EFDF9}"/>
+          </ac:spMkLst>
+        </pc:spChg>
+        <pc:spChg chg="add mod">
+          <ac:chgData name="Julius Rublack" userId="745d74a4dee6b669" providerId="LiveId" clId="{98D96A6D-518D-4AC0-9BA2-40E21862AA9A}" dt="2023-01-15T17:40:55.042" v="516" actId="1076"/>
+          <ac:spMkLst>
+            <pc:docMk/>
+            <pc:sldMk cId="3151605374" sldId="269"/>
+            <ac:spMk id="11" creationId="{7E456172-4585-E217-3109-02E29C5572C8}"/>
+          </ac:spMkLst>
+        </pc:spChg>
+        <pc:spChg chg="add mod">
+          <ac:chgData name="Julius Rublack" userId="745d74a4dee6b669" providerId="LiveId" clId="{98D96A6D-518D-4AC0-9BA2-40E21862AA9A}" dt="2023-01-15T17:40:59.143" v="518" actId="1076"/>
+          <ac:spMkLst>
+            <pc:docMk/>
+            <pc:sldMk cId="3151605374" sldId="269"/>
+            <ac:spMk id="12" creationId="{FE00973F-25CF-C8ED-189C-60F52B84B33A}"/>
+          </ac:spMkLst>
+        </pc:spChg>
+        <pc:spChg chg="add mod">
+          <ac:chgData name="Julius Rublack" userId="745d74a4dee6b669" providerId="LiveId" clId="{98D96A6D-518D-4AC0-9BA2-40E21862AA9A}" dt="2023-01-15T17:41:03.194" v="520" actId="1076"/>
+          <ac:spMkLst>
+            <pc:docMk/>
+            <pc:sldMk cId="3151605374" sldId="269"/>
+            <ac:spMk id="13" creationId="{D0879636-FB17-7D01-9C54-2086D75A0190}"/>
+          </ac:spMkLst>
+        </pc:spChg>
+        <pc:spChg chg="add mod">
+          <ac:chgData name="Julius Rublack" userId="745d74a4dee6b669" providerId="LiveId" clId="{98D96A6D-518D-4AC0-9BA2-40E21862AA9A}" dt="2023-01-15T17:41:07.364" v="522" actId="1076"/>
+          <ac:spMkLst>
+            <pc:docMk/>
+            <pc:sldMk cId="3151605374" sldId="269"/>
+            <ac:spMk id="14" creationId="{BEB75868-A216-052D-EF33-4C4C4466D892}"/>
+          </ac:spMkLst>
+        </pc:spChg>
+        <pc:spChg chg="add mod">
+          <ac:chgData name="Julius Rublack" userId="745d74a4dee6b669" providerId="LiveId" clId="{98D96A6D-518D-4AC0-9BA2-40E21862AA9A}" dt="2023-01-15T17:42:10.987" v="568" actId="113"/>
+          <ac:spMkLst>
+            <pc:docMk/>
+            <pc:sldMk cId="3151605374" sldId="269"/>
+            <ac:spMk id="15" creationId="{BFA66716-B02D-12E0-9F73-BC5391BAE4CE}"/>
+          </ac:spMkLst>
+        </pc:spChg>
+        <pc:spChg chg="add mod">
+          <ac:chgData name="Julius Rublack" userId="745d74a4dee6b669" providerId="LiveId" clId="{98D96A6D-518D-4AC0-9BA2-40E21862AA9A}" dt="2023-01-15T17:43:22.193" v="584" actId="20577"/>
+          <ac:spMkLst>
+            <pc:docMk/>
+            <pc:sldMk cId="3151605374" sldId="269"/>
+            <ac:spMk id="16" creationId="{C1D2CE52-B4FA-DECB-95FD-8C597CCCF81D}"/>
+          </ac:spMkLst>
+        </pc:spChg>
+        <pc:spChg chg="add mod">
+          <ac:chgData name="Julius Rublack" userId="745d74a4dee6b669" providerId="LiveId" clId="{98D96A6D-518D-4AC0-9BA2-40E21862AA9A}" dt="2023-01-15T17:45:14" v="599" actId="207"/>
+          <ac:spMkLst>
+            <pc:docMk/>
+            <pc:sldMk cId="3151605374" sldId="269"/>
+            <ac:spMk id="17" creationId="{78BCA95C-AFD9-3DE5-4596-BFFA036816CB}"/>
+          </ac:spMkLst>
+        </pc:spChg>
+        <pc:spChg chg="add mod">
+          <ac:chgData name="Julius Rublack" userId="745d74a4dee6b669" providerId="LiveId" clId="{98D96A6D-518D-4AC0-9BA2-40E21862AA9A}" dt="2023-01-15T17:47:17.641" v="622" actId="20577"/>
+          <ac:spMkLst>
+            <pc:docMk/>
+            <pc:sldMk cId="3151605374" sldId="269"/>
+            <ac:spMk id="18" creationId="{CDFC24E4-963D-F211-8813-B905ECD174E7}"/>
+          </ac:spMkLst>
+        </pc:spChg>
+        <pc:spChg chg="add mod">
+          <ac:chgData name="Julius Rublack" userId="745d74a4dee6b669" providerId="LiveId" clId="{98D96A6D-518D-4AC0-9BA2-40E21862AA9A}" dt="2023-01-15T17:47:46.298" v="629" actId="20577"/>
+          <ac:spMkLst>
+            <pc:docMk/>
+            <pc:sldMk cId="3151605374" sldId="269"/>
+            <ac:spMk id="19" creationId="{56DC5564-7882-C839-94E4-78323FE1A757}"/>
+          </ac:spMkLst>
+        </pc:spChg>
+        <pc:spChg chg="add mod">
+          <ac:chgData name="Julius Rublack" userId="745d74a4dee6b669" providerId="LiveId" clId="{98D96A6D-518D-4AC0-9BA2-40E21862AA9A}" dt="2023-01-15T17:49:46.986" v="640" actId="20577"/>
+          <ac:spMkLst>
+            <pc:docMk/>
+            <pc:sldMk cId="3151605374" sldId="269"/>
+            <ac:spMk id="20" creationId="{26115FC4-A06A-F9C9-9430-8A541DF7F197}"/>
+          </ac:spMkLst>
+        </pc:spChg>
+        <pc:spChg chg="add mod">
+          <ac:chgData name="Julius Rublack" userId="745d74a4dee6b669" providerId="LiveId" clId="{98D96A6D-518D-4AC0-9BA2-40E21862AA9A}" dt="2023-01-15T17:50:13.403" v="648" actId="20577"/>
+          <ac:spMkLst>
+            <pc:docMk/>
+            <pc:sldMk cId="3151605374" sldId="269"/>
+            <ac:spMk id="21" creationId="{63FA4AEA-36E1-AB1C-4B7A-D79A4E9366D9}"/>
+          </ac:spMkLst>
+        </pc:spChg>
+        <pc:spChg chg="add mod ord">
+          <ac:chgData name="Julius Rublack" userId="745d74a4dee6b669" providerId="LiveId" clId="{98D96A6D-518D-4AC0-9BA2-40E21862AA9A}" dt="2023-01-15T17:52:30.287" v="684" actId="1076"/>
+          <ac:spMkLst>
+            <pc:docMk/>
+            <pc:sldMk cId="3151605374" sldId="269"/>
+            <ac:spMk id="22" creationId="{D07103C7-7D49-7C16-86CD-104C4421D581}"/>
+          </ac:spMkLst>
+        </pc:spChg>
+        <pc:spChg chg="add mod">
+          <ac:chgData name="Julius Rublack" userId="745d74a4dee6b669" providerId="LiveId" clId="{98D96A6D-518D-4AC0-9BA2-40E21862AA9A}" dt="2023-01-15T17:51:47.708" v="674" actId="2085"/>
+          <ac:spMkLst>
+            <pc:docMk/>
+            <pc:sldMk cId="3151605374" sldId="269"/>
+            <ac:spMk id="23" creationId="{0819E97D-B87B-BB93-EBE6-F89A0EF4BEAA}"/>
+          </ac:spMkLst>
+        </pc:spChg>
+        <pc:spChg chg="add mod">
+          <ac:chgData name="Julius Rublack" userId="745d74a4dee6b669" providerId="LiveId" clId="{98D96A6D-518D-4AC0-9BA2-40E21862AA9A}" dt="2023-01-15T17:54:19.966" v="695" actId="1076"/>
+          <ac:spMkLst>
+            <pc:docMk/>
+            <pc:sldMk cId="3151605374" sldId="269"/>
+            <ac:spMk id="24" creationId="{FF7430AF-10C8-3999-DFB3-0776961CBDF3}"/>
+          </ac:spMkLst>
+        </pc:spChg>
+        <pc:spChg chg="add mod">
+          <ac:chgData name="Julius Rublack" userId="745d74a4dee6b669" providerId="LiveId" clId="{98D96A6D-518D-4AC0-9BA2-40E21862AA9A}" dt="2023-01-15T17:54:27.260" v="699" actId="20577"/>
+          <ac:spMkLst>
+            <pc:docMk/>
+            <pc:sldMk cId="3151605374" sldId="269"/>
+            <ac:spMk id="25" creationId="{18A8EFCE-3B36-473F-EC17-B2A2DCFB40B7}"/>
+          </ac:spMkLst>
+        </pc:spChg>
+        <pc:picChg chg="add mod">
+          <ac:chgData name="Julius Rublack" userId="745d74a4dee6b669" providerId="LiveId" clId="{98D96A6D-518D-4AC0-9BA2-40E21862AA9A}" dt="2023-01-15T17:52:23.925" v="683" actId="1076"/>
+          <ac:picMkLst>
+            <pc:docMk/>
+            <pc:sldMk cId="3151605374" sldId="269"/>
+            <ac:picMk id="5" creationId="{77AED2C8-FB3E-549D-AD65-A42D9D459319}"/>
+          </ac:picMkLst>
+        </pc:picChg>
+        <pc:picChg chg="add mod">
+          <ac:chgData name="Julius Rublack" userId="745d74a4dee6b669" providerId="LiveId" clId="{98D96A6D-518D-4AC0-9BA2-40E21862AA9A}" dt="2023-01-15T17:47:03.745" v="602" actId="1076"/>
+          <ac:picMkLst>
+            <pc:docMk/>
+            <pc:sldMk cId="3151605374" sldId="269"/>
+            <ac:picMk id="7" creationId="{6EEB22F8-F9A8-A5A4-805B-0933C48BF25F}"/>
+          </ac:picMkLst>
+        </pc:picChg>
       </pc:sldChg>
     </pc:docChg>
   </pc:docChgLst>
@@ -2563,7 +2763,7 @@
           <a:p>
             <a:fld id="{58DD7BC2-5202-4A01-B127-AE5D9A25CF15}" type="datetimeFigureOut">
               <a:rPr lang="de-DE" smtClean="0"/>
-              <a:t>11.01.2023</a:t>
+              <a:t>16.01.2023</a:t>
             </a:fld>
             <a:endParaRPr lang="de-DE"/>
           </a:p>
@@ -3061,7 +3261,7 @@
           <a:p>
             <a:fld id="{D89CC3C5-9081-43BE-A79D-C25876F2678F}" type="datetimeFigureOut">
               <a:rPr lang="de-DE" smtClean="0"/>
-              <a:t>11.01.2023</a:t>
+              <a:t>16.01.2023</a:t>
             </a:fld>
             <a:endParaRPr lang="de-DE"/>
           </a:p>
@@ -3259,7 +3459,7 @@
           <a:p>
             <a:fld id="{D89CC3C5-9081-43BE-A79D-C25876F2678F}" type="datetimeFigureOut">
               <a:rPr lang="de-DE" smtClean="0"/>
-              <a:t>11.01.2023</a:t>
+              <a:t>16.01.2023</a:t>
             </a:fld>
             <a:endParaRPr lang="de-DE"/>
           </a:p>
@@ -3467,7 +3667,7 @@
           <a:p>
             <a:fld id="{D89CC3C5-9081-43BE-A79D-C25876F2678F}" type="datetimeFigureOut">
               <a:rPr lang="de-DE" smtClean="0"/>
-              <a:t>11.01.2023</a:t>
+              <a:t>16.01.2023</a:t>
             </a:fld>
             <a:endParaRPr lang="de-DE"/>
           </a:p>
@@ -3665,7 +3865,7 @@
           <a:p>
             <a:fld id="{D89CC3C5-9081-43BE-A79D-C25876F2678F}" type="datetimeFigureOut">
               <a:rPr lang="de-DE" smtClean="0"/>
-              <a:t>11.01.2023</a:t>
+              <a:t>16.01.2023</a:t>
             </a:fld>
             <a:endParaRPr lang="de-DE"/>
           </a:p>
@@ -3940,7 +4140,7 @@
           <a:p>
             <a:fld id="{D89CC3C5-9081-43BE-A79D-C25876F2678F}" type="datetimeFigureOut">
               <a:rPr lang="de-DE" smtClean="0"/>
-              <a:t>11.01.2023</a:t>
+              <a:t>16.01.2023</a:t>
             </a:fld>
             <a:endParaRPr lang="de-DE"/>
           </a:p>
@@ -4205,7 +4405,7 @@
           <a:p>
             <a:fld id="{D89CC3C5-9081-43BE-A79D-C25876F2678F}" type="datetimeFigureOut">
               <a:rPr lang="de-DE" smtClean="0"/>
-              <a:t>11.01.2023</a:t>
+              <a:t>16.01.2023</a:t>
             </a:fld>
             <a:endParaRPr lang="de-DE"/>
           </a:p>
@@ -4617,7 +4817,7 @@
           <a:p>
             <a:fld id="{D89CC3C5-9081-43BE-A79D-C25876F2678F}" type="datetimeFigureOut">
               <a:rPr lang="de-DE" smtClean="0"/>
-              <a:t>11.01.2023</a:t>
+              <a:t>16.01.2023</a:t>
             </a:fld>
             <a:endParaRPr lang="de-DE"/>
           </a:p>
@@ -4758,7 +4958,7 @@
           <a:p>
             <a:fld id="{D89CC3C5-9081-43BE-A79D-C25876F2678F}" type="datetimeFigureOut">
               <a:rPr lang="de-DE" smtClean="0"/>
-              <a:t>11.01.2023</a:t>
+              <a:t>16.01.2023</a:t>
             </a:fld>
             <a:endParaRPr lang="de-DE"/>
           </a:p>
@@ -4871,7 +5071,7 @@
           <a:p>
             <a:fld id="{D89CC3C5-9081-43BE-A79D-C25876F2678F}" type="datetimeFigureOut">
               <a:rPr lang="de-DE" smtClean="0"/>
-              <a:t>11.01.2023</a:t>
+              <a:t>16.01.2023</a:t>
             </a:fld>
             <a:endParaRPr lang="de-DE"/>
           </a:p>
@@ -5182,7 +5382,7 @@
           <a:p>
             <a:fld id="{D89CC3C5-9081-43BE-A79D-C25876F2678F}" type="datetimeFigureOut">
               <a:rPr lang="de-DE" smtClean="0"/>
-              <a:t>11.01.2023</a:t>
+              <a:t>16.01.2023</a:t>
             </a:fld>
             <a:endParaRPr lang="de-DE"/>
           </a:p>
@@ -5470,7 +5670,7 @@
           <a:p>
             <a:fld id="{D89CC3C5-9081-43BE-A79D-C25876F2678F}" type="datetimeFigureOut">
               <a:rPr lang="de-DE" smtClean="0"/>
-              <a:t>11.01.2023</a:t>
+              <a:t>16.01.2023</a:t>
             </a:fld>
             <a:endParaRPr lang="de-DE"/>
           </a:p>
@@ -5711,7 +5911,7 @@
           <a:p>
             <a:fld id="{D89CC3C5-9081-43BE-A79D-C25876F2678F}" type="datetimeFigureOut">
               <a:rPr lang="de-DE" smtClean="0"/>
-              <a:t>11.01.2023</a:t>
+              <a:t>16.01.2023</a:t>
             </a:fld>
             <a:endParaRPr lang="de-DE"/>
           </a:p>
@@ -9812,8 +10012,8 @@
           </a:p>
         </p:txBody>
       </p:sp>
-      <mc:AlternateContent xmlns:mc="http://schemas.openxmlformats.org/markup-compatibility/2006">
-        <mc:Choice xmlns:p14="http://schemas.microsoft.com/office/powerpoint/2010/main" Requires="p14">
+      <mc:AlternateContent xmlns:mc="http://schemas.openxmlformats.org/markup-compatibility/2006" xmlns:p14="http://schemas.microsoft.com/office/powerpoint/2010/main">
+        <mc:Choice Requires="p14">
           <p:contentPart p14:bwMode="auto" r:id="rId11">
             <p14:nvContentPartPr>
               <p14:cNvPr id="90" name="Freihand 89">
@@ -9832,7 +10032,7 @@
             </p14:xfrm>
           </p:contentPart>
         </mc:Choice>
-        <mc:Fallback>
+        <mc:Fallback xmlns="">
           <p:pic>
             <p:nvPicPr>
               <p:cNvPr id="90" name="Freihand 89">
@@ -9863,8 +10063,8 @@
           </p:pic>
         </mc:Fallback>
       </mc:AlternateContent>
-      <mc:AlternateContent xmlns:mc="http://schemas.openxmlformats.org/markup-compatibility/2006">
-        <mc:Choice xmlns:p14="http://schemas.microsoft.com/office/powerpoint/2010/main" Requires="p14">
+      <mc:AlternateContent xmlns:mc="http://schemas.openxmlformats.org/markup-compatibility/2006" xmlns:p14="http://schemas.microsoft.com/office/powerpoint/2010/main">
+        <mc:Choice Requires="p14">
           <p:contentPart p14:bwMode="auto" r:id="rId13">
             <p14:nvContentPartPr>
               <p14:cNvPr id="91" name="Freihand 90">
@@ -9883,7 +10083,7 @@
             </p14:xfrm>
           </p:contentPart>
         </mc:Choice>
-        <mc:Fallback>
+        <mc:Fallback xmlns="">
           <p:pic>
             <p:nvPicPr>
               <p:cNvPr id="91" name="Freihand 90">
@@ -9914,8 +10114,8 @@
           </p:pic>
         </mc:Fallback>
       </mc:AlternateContent>
-      <mc:AlternateContent xmlns:mc="http://schemas.openxmlformats.org/markup-compatibility/2006">
-        <mc:Choice xmlns:p14="http://schemas.microsoft.com/office/powerpoint/2010/main" Requires="p14">
+      <mc:AlternateContent xmlns:mc="http://schemas.openxmlformats.org/markup-compatibility/2006" xmlns:p14="http://schemas.microsoft.com/office/powerpoint/2010/main">
+        <mc:Choice Requires="p14">
           <p:contentPart p14:bwMode="auto" r:id="rId15">
             <p14:nvContentPartPr>
               <p14:cNvPr id="92" name="Freihand 91">
@@ -9934,7 +10134,7 @@
             </p14:xfrm>
           </p:contentPart>
         </mc:Choice>
-        <mc:Fallback>
+        <mc:Fallback xmlns="">
           <p:pic>
             <p:nvPicPr>
               <p:cNvPr id="92" name="Freihand 91">
@@ -9965,8 +10165,8 @@
           </p:pic>
         </mc:Fallback>
       </mc:AlternateContent>
-      <mc:AlternateContent xmlns:mc="http://schemas.openxmlformats.org/markup-compatibility/2006">
-        <mc:Choice xmlns:p14="http://schemas.microsoft.com/office/powerpoint/2010/main" Requires="p14">
+      <mc:AlternateContent xmlns:mc="http://schemas.openxmlformats.org/markup-compatibility/2006" xmlns:p14="http://schemas.microsoft.com/office/powerpoint/2010/main">
+        <mc:Choice Requires="p14">
           <p:contentPart p14:bwMode="auto" r:id="rId17">
             <p14:nvContentPartPr>
               <p14:cNvPr id="93" name="Freihand 92">
@@ -9985,7 +10185,7 @@
             </p14:xfrm>
           </p:contentPart>
         </mc:Choice>
-        <mc:Fallback>
+        <mc:Fallback xmlns="">
           <p:pic>
             <p:nvPicPr>
               <p:cNvPr id="93" name="Freihand 92">
@@ -10016,8 +10216,8 @@
           </p:pic>
         </mc:Fallback>
       </mc:AlternateContent>
-      <mc:AlternateContent xmlns:mc="http://schemas.openxmlformats.org/markup-compatibility/2006">
-        <mc:Choice xmlns:p14="http://schemas.microsoft.com/office/powerpoint/2010/main" Requires="p14">
+      <mc:AlternateContent xmlns:mc="http://schemas.openxmlformats.org/markup-compatibility/2006" xmlns:p14="http://schemas.microsoft.com/office/powerpoint/2010/main">
+        <mc:Choice Requires="p14">
           <p:contentPart p14:bwMode="auto" r:id="rId19">
             <p14:nvContentPartPr>
               <p14:cNvPr id="94" name="Freihand 93">
@@ -10036,7 +10236,7 @@
             </p14:xfrm>
           </p:contentPart>
         </mc:Choice>
-        <mc:Fallback>
+        <mc:Fallback xmlns="">
           <p:pic>
             <p:nvPicPr>
               <p:cNvPr id="94" name="Freihand 93">
@@ -10067,8 +10267,8 @@
           </p:pic>
         </mc:Fallback>
       </mc:AlternateContent>
-      <mc:AlternateContent xmlns:mc="http://schemas.openxmlformats.org/markup-compatibility/2006">
-        <mc:Choice xmlns:p14="http://schemas.microsoft.com/office/powerpoint/2010/main" Requires="p14">
+      <mc:AlternateContent xmlns:mc="http://schemas.openxmlformats.org/markup-compatibility/2006" xmlns:p14="http://schemas.microsoft.com/office/powerpoint/2010/main">
+        <mc:Choice Requires="p14">
           <p:contentPart p14:bwMode="auto" r:id="rId21">
             <p14:nvContentPartPr>
               <p14:cNvPr id="95" name="Freihand 94">
@@ -10087,7 +10287,7 @@
             </p14:xfrm>
           </p:contentPart>
         </mc:Choice>
-        <mc:Fallback>
+        <mc:Fallback xmlns="">
           <p:pic>
             <p:nvPicPr>
               <p:cNvPr id="95" name="Freihand 94">
@@ -10118,8 +10318,8 @@
           </p:pic>
         </mc:Fallback>
       </mc:AlternateContent>
-      <mc:AlternateContent xmlns:mc="http://schemas.openxmlformats.org/markup-compatibility/2006">
-        <mc:Choice xmlns:p14="http://schemas.microsoft.com/office/powerpoint/2010/main" Requires="p14">
+      <mc:AlternateContent xmlns:mc="http://schemas.openxmlformats.org/markup-compatibility/2006" xmlns:p14="http://schemas.microsoft.com/office/powerpoint/2010/main">
+        <mc:Choice Requires="p14">
           <p:contentPart p14:bwMode="auto" r:id="rId23">
             <p14:nvContentPartPr>
               <p14:cNvPr id="96" name="Freihand 95">
@@ -10138,7 +10338,7 @@
             </p14:xfrm>
           </p:contentPart>
         </mc:Choice>
-        <mc:Fallback>
+        <mc:Fallback xmlns="">
           <p:pic>
             <p:nvPicPr>
               <p:cNvPr id="96" name="Freihand 95">
@@ -10169,8 +10369,8 @@
           </p:pic>
         </mc:Fallback>
       </mc:AlternateContent>
-      <mc:AlternateContent xmlns:mc="http://schemas.openxmlformats.org/markup-compatibility/2006">
-        <mc:Choice xmlns:p14="http://schemas.microsoft.com/office/powerpoint/2010/main" Requires="p14">
+      <mc:AlternateContent xmlns:mc="http://schemas.openxmlformats.org/markup-compatibility/2006" xmlns:p14="http://schemas.microsoft.com/office/powerpoint/2010/main">
+        <mc:Choice Requires="p14">
           <p:contentPart p14:bwMode="auto" r:id="rId24">
             <p14:nvContentPartPr>
               <p14:cNvPr id="97" name="Freihand 96">
@@ -10189,7 +10389,7 @@
             </p14:xfrm>
           </p:contentPart>
         </mc:Choice>
-        <mc:Fallback>
+        <mc:Fallback xmlns="">
           <p:pic>
             <p:nvPicPr>
               <p:cNvPr id="97" name="Freihand 96">
@@ -10220,8 +10420,8 @@
           </p:pic>
         </mc:Fallback>
       </mc:AlternateContent>
-      <mc:AlternateContent xmlns:mc="http://schemas.openxmlformats.org/markup-compatibility/2006">
-        <mc:Choice xmlns:p14="http://schemas.microsoft.com/office/powerpoint/2010/main" Requires="p14">
+      <mc:AlternateContent xmlns:mc="http://schemas.openxmlformats.org/markup-compatibility/2006" xmlns:p14="http://schemas.microsoft.com/office/powerpoint/2010/main">
+        <mc:Choice Requires="p14">
           <p:contentPart p14:bwMode="auto" r:id="rId25">
             <p14:nvContentPartPr>
               <p14:cNvPr id="99" name="Freihand 98">
@@ -10240,7 +10440,7 @@
             </p14:xfrm>
           </p:contentPart>
         </mc:Choice>
-        <mc:Fallback>
+        <mc:Fallback xmlns="">
           <p:pic>
             <p:nvPicPr>
               <p:cNvPr id="99" name="Freihand 98">
@@ -10271,8 +10471,8 @@
           </p:pic>
         </mc:Fallback>
       </mc:AlternateContent>
-      <mc:AlternateContent xmlns:mc="http://schemas.openxmlformats.org/markup-compatibility/2006">
-        <mc:Choice xmlns:p14="http://schemas.microsoft.com/office/powerpoint/2010/main" Requires="p14">
+      <mc:AlternateContent xmlns:mc="http://schemas.openxmlformats.org/markup-compatibility/2006" xmlns:p14="http://schemas.microsoft.com/office/powerpoint/2010/main">
+        <mc:Choice Requires="p14">
           <p:contentPart p14:bwMode="auto" r:id="rId27">
             <p14:nvContentPartPr>
               <p14:cNvPr id="101" name="Freihand 100">
@@ -10291,7 +10491,7 @@
             </p14:xfrm>
           </p:contentPart>
         </mc:Choice>
-        <mc:Fallback>
+        <mc:Fallback xmlns="">
           <p:pic>
             <p:nvPicPr>
               <p:cNvPr id="101" name="Freihand 100">
@@ -10322,8 +10522,8 @@
           </p:pic>
         </mc:Fallback>
       </mc:AlternateContent>
-      <mc:AlternateContent xmlns:mc="http://schemas.openxmlformats.org/markup-compatibility/2006">
-        <mc:Choice xmlns:p14="http://schemas.microsoft.com/office/powerpoint/2010/main" Requires="p14">
+      <mc:AlternateContent xmlns:mc="http://schemas.openxmlformats.org/markup-compatibility/2006" xmlns:p14="http://schemas.microsoft.com/office/powerpoint/2010/main">
+        <mc:Choice Requires="p14">
           <p:contentPart p14:bwMode="auto" r:id="rId28">
             <p14:nvContentPartPr>
               <p14:cNvPr id="102" name="Freihand 101">
@@ -10342,7 +10542,7 @@
             </p14:xfrm>
           </p:contentPart>
         </mc:Choice>
-        <mc:Fallback>
+        <mc:Fallback xmlns="">
           <p:pic>
             <p:nvPicPr>
               <p:cNvPr id="102" name="Freihand 101">
@@ -10373,8 +10573,8 @@
           </p:pic>
         </mc:Fallback>
       </mc:AlternateContent>
-      <mc:AlternateContent xmlns:mc="http://schemas.openxmlformats.org/markup-compatibility/2006">
-        <mc:Choice xmlns:p14="http://schemas.microsoft.com/office/powerpoint/2010/main" Requires="p14">
+      <mc:AlternateContent xmlns:mc="http://schemas.openxmlformats.org/markup-compatibility/2006" xmlns:p14="http://schemas.microsoft.com/office/powerpoint/2010/main">
+        <mc:Choice Requires="p14">
           <p:contentPart p14:bwMode="auto" r:id="rId29">
             <p14:nvContentPartPr>
               <p14:cNvPr id="103" name="Freihand 102">
@@ -10393,7 +10593,7 @@
             </p14:xfrm>
           </p:contentPart>
         </mc:Choice>
-        <mc:Fallback>
+        <mc:Fallback xmlns="">
           <p:pic>
             <p:nvPicPr>
               <p:cNvPr id="103" name="Freihand 102">
@@ -10424,8 +10624,8 @@
           </p:pic>
         </mc:Fallback>
       </mc:AlternateContent>
-      <mc:AlternateContent xmlns:mc="http://schemas.openxmlformats.org/markup-compatibility/2006">
-        <mc:Choice xmlns:p14="http://schemas.microsoft.com/office/powerpoint/2010/main" Requires="p14">
+      <mc:AlternateContent xmlns:mc="http://schemas.openxmlformats.org/markup-compatibility/2006" xmlns:p14="http://schemas.microsoft.com/office/powerpoint/2010/main">
+        <mc:Choice Requires="p14">
           <p:contentPart p14:bwMode="auto" r:id="rId31">
             <p14:nvContentPartPr>
               <p14:cNvPr id="104" name="Freihand 103">
@@ -10444,7 +10644,7 @@
             </p14:xfrm>
           </p:contentPart>
         </mc:Choice>
-        <mc:Fallback>
+        <mc:Fallback xmlns="">
           <p:pic>
             <p:nvPicPr>
               <p:cNvPr id="104" name="Freihand 103">
@@ -10475,8 +10675,8 @@
           </p:pic>
         </mc:Fallback>
       </mc:AlternateContent>
-      <mc:AlternateContent xmlns:mc="http://schemas.openxmlformats.org/markup-compatibility/2006">
-        <mc:Choice xmlns:p14="http://schemas.microsoft.com/office/powerpoint/2010/main" Requires="p14">
+      <mc:AlternateContent xmlns:mc="http://schemas.openxmlformats.org/markup-compatibility/2006" xmlns:p14="http://schemas.microsoft.com/office/powerpoint/2010/main">
+        <mc:Choice Requires="p14">
           <p:contentPart p14:bwMode="auto" r:id="rId33">
             <p14:nvContentPartPr>
               <p14:cNvPr id="107" name="Freihand 106">
@@ -10495,7 +10695,7 @@
             </p14:xfrm>
           </p:contentPart>
         </mc:Choice>
-        <mc:Fallback>
+        <mc:Fallback xmlns="">
           <p:pic>
             <p:nvPicPr>
               <p:cNvPr id="107" name="Freihand 106">
@@ -10526,8 +10726,8 @@
           </p:pic>
         </mc:Fallback>
       </mc:AlternateContent>
-      <mc:AlternateContent xmlns:mc="http://schemas.openxmlformats.org/markup-compatibility/2006">
-        <mc:Choice xmlns:p14="http://schemas.microsoft.com/office/powerpoint/2010/main" Requires="p14">
+      <mc:AlternateContent xmlns:mc="http://schemas.openxmlformats.org/markup-compatibility/2006" xmlns:p14="http://schemas.microsoft.com/office/powerpoint/2010/main">
+        <mc:Choice Requires="p14">
           <p:contentPart p14:bwMode="auto" r:id="rId35">
             <p14:nvContentPartPr>
               <p14:cNvPr id="108" name="Freihand 107">
@@ -10546,7 +10746,7 @@
             </p14:xfrm>
           </p:contentPart>
         </mc:Choice>
-        <mc:Fallback>
+        <mc:Fallback xmlns="">
           <p:pic>
             <p:nvPicPr>
               <p:cNvPr id="108" name="Freihand 107">
@@ -10577,8 +10777,8 @@
           </p:pic>
         </mc:Fallback>
       </mc:AlternateContent>
-      <mc:AlternateContent xmlns:mc="http://schemas.openxmlformats.org/markup-compatibility/2006">
-        <mc:Choice xmlns:p14="http://schemas.microsoft.com/office/powerpoint/2010/main" Requires="p14">
+      <mc:AlternateContent xmlns:mc="http://schemas.openxmlformats.org/markup-compatibility/2006" xmlns:p14="http://schemas.microsoft.com/office/powerpoint/2010/main">
+        <mc:Choice Requires="p14">
           <p:contentPart p14:bwMode="auto" r:id="rId37">
             <p14:nvContentPartPr>
               <p14:cNvPr id="109" name="Freihand 108">
@@ -10597,7 +10797,7 @@
             </p14:xfrm>
           </p:contentPart>
         </mc:Choice>
-        <mc:Fallback>
+        <mc:Fallback xmlns="">
           <p:pic>
             <p:nvPicPr>
               <p:cNvPr id="109" name="Freihand 108">
@@ -10628,8 +10828,8 @@
           </p:pic>
         </mc:Fallback>
       </mc:AlternateContent>
-      <mc:AlternateContent xmlns:mc="http://schemas.openxmlformats.org/markup-compatibility/2006">
-        <mc:Choice xmlns:p14="http://schemas.microsoft.com/office/powerpoint/2010/main" Requires="p14">
+      <mc:AlternateContent xmlns:mc="http://schemas.openxmlformats.org/markup-compatibility/2006" xmlns:p14="http://schemas.microsoft.com/office/powerpoint/2010/main">
+        <mc:Choice Requires="p14">
           <p:contentPart p14:bwMode="auto" r:id="rId39">
             <p14:nvContentPartPr>
               <p14:cNvPr id="112" name="Freihand 111">
@@ -10648,7 +10848,7 @@
             </p14:xfrm>
           </p:contentPart>
         </mc:Choice>
-        <mc:Fallback>
+        <mc:Fallback xmlns="">
           <p:pic>
             <p:nvPicPr>
               <p:cNvPr id="112" name="Freihand 111">
@@ -10679,8 +10879,8 @@
           </p:pic>
         </mc:Fallback>
       </mc:AlternateContent>
-      <mc:AlternateContent xmlns:mc="http://schemas.openxmlformats.org/markup-compatibility/2006">
-        <mc:Choice xmlns:p14="http://schemas.microsoft.com/office/powerpoint/2010/main" Requires="p14">
+      <mc:AlternateContent xmlns:mc="http://schemas.openxmlformats.org/markup-compatibility/2006" xmlns:p14="http://schemas.microsoft.com/office/powerpoint/2010/main">
+        <mc:Choice Requires="p14">
           <p:contentPart p14:bwMode="auto" r:id="rId41">
             <p14:nvContentPartPr>
               <p14:cNvPr id="116" name="Freihand 115">
@@ -10699,7 +10899,7 @@
             </p14:xfrm>
           </p:contentPart>
         </mc:Choice>
-        <mc:Fallback>
+        <mc:Fallback xmlns="">
           <p:pic>
             <p:nvPicPr>
               <p:cNvPr id="116" name="Freihand 115">
@@ -10730,8 +10930,8 @@
           </p:pic>
         </mc:Fallback>
       </mc:AlternateContent>
-      <mc:AlternateContent xmlns:mc="http://schemas.openxmlformats.org/markup-compatibility/2006">
-        <mc:Choice xmlns:p14="http://schemas.microsoft.com/office/powerpoint/2010/main" Requires="p14">
+      <mc:AlternateContent xmlns:mc="http://schemas.openxmlformats.org/markup-compatibility/2006" xmlns:p14="http://schemas.microsoft.com/office/powerpoint/2010/main">
+        <mc:Choice Requires="p14">
           <p:contentPart p14:bwMode="auto" r:id="rId43">
             <p14:nvContentPartPr>
               <p14:cNvPr id="117" name="Freihand 116">
@@ -10750,7 +10950,7 @@
             </p14:xfrm>
           </p:contentPart>
         </mc:Choice>
-        <mc:Fallback>
+        <mc:Fallback xmlns="">
           <p:pic>
             <p:nvPicPr>
               <p:cNvPr id="117" name="Freihand 116">
@@ -10781,8 +10981,8 @@
           </p:pic>
         </mc:Fallback>
       </mc:AlternateContent>
-      <mc:AlternateContent xmlns:mc="http://schemas.openxmlformats.org/markup-compatibility/2006">
-        <mc:Choice xmlns:p14="http://schemas.microsoft.com/office/powerpoint/2010/main" Requires="p14">
+      <mc:AlternateContent xmlns:mc="http://schemas.openxmlformats.org/markup-compatibility/2006" xmlns:p14="http://schemas.microsoft.com/office/powerpoint/2010/main">
+        <mc:Choice Requires="p14">
           <p:contentPart p14:bwMode="auto" r:id="rId45">
             <p14:nvContentPartPr>
               <p14:cNvPr id="119" name="Freihand 118">
@@ -10801,7 +11001,7 @@
             </p14:xfrm>
           </p:contentPart>
         </mc:Choice>
-        <mc:Fallback>
+        <mc:Fallback xmlns="">
           <p:pic>
             <p:nvPicPr>
               <p:cNvPr id="119" name="Freihand 118">
@@ -10832,8 +11032,8 @@
           </p:pic>
         </mc:Fallback>
       </mc:AlternateContent>
-      <mc:AlternateContent xmlns:mc="http://schemas.openxmlformats.org/markup-compatibility/2006">
-        <mc:Choice xmlns:p14="http://schemas.microsoft.com/office/powerpoint/2010/main" Requires="p14">
+      <mc:AlternateContent xmlns:mc="http://schemas.openxmlformats.org/markup-compatibility/2006" xmlns:p14="http://schemas.microsoft.com/office/powerpoint/2010/main">
+        <mc:Choice Requires="p14">
           <p:contentPart p14:bwMode="auto" r:id="rId47">
             <p14:nvContentPartPr>
               <p14:cNvPr id="121" name="Freihand 120">
@@ -10852,7 +11052,7 @@
             </p14:xfrm>
           </p:contentPart>
         </mc:Choice>
-        <mc:Fallback>
+        <mc:Fallback xmlns="">
           <p:pic>
             <p:nvPicPr>
               <p:cNvPr id="121" name="Freihand 120">
@@ -10883,8 +11083,8 @@
           </p:pic>
         </mc:Fallback>
       </mc:AlternateContent>
-      <mc:AlternateContent xmlns:mc="http://schemas.openxmlformats.org/markup-compatibility/2006">
-        <mc:Choice xmlns:p14="http://schemas.microsoft.com/office/powerpoint/2010/main" Requires="p14">
+      <mc:AlternateContent xmlns:mc="http://schemas.openxmlformats.org/markup-compatibility/2006" xmlns:p14="http://schemas.microsoft.com/office/powerpoint/2010/main">
+        <mc:Choice Requires="p14">
           <p:contentPart p14:bwMode="auto" r:id="rId49">
             <p14:nvContentPartPr>
               <p14:cNvPr id="122" name="Freihand 121">
@@ -10903,7 +11103,7 @@
             </p14:xfrm>
           </p:contentPart>
         </mc:Choice>
-        <mc:Fallback>
+        <mc:Fallback xmlns="">
           <p:pic>
             <p:nvPicPr>
               <p:cNvPr id="122" name="Freihand 121">
@@ -10934,8 +11134,8 @@
           </p:pic>
         </mc:Fallback>
       </mc:AlternateContent>
-      <mc:AlternateContent xmlns:mc="http://schemas.openxmlformats.org/markup-compatibility/2006">
-        <mc:Choice xmlns:p14="http://schemas.microsoft.com/office/powerpoint/2010/main" Requires="p14">
+      <mc:AlternateContent xmlns:mc="http://schemas.openxmlformats.org/markup-compatibility/2006" xmlns:p14="http://schemas.microsoft.com/office/powerpoint/2010/main">
+        <mc:Choice Requires="p14">
           <p:contentPart p14:bwMode="auto" r:id="rId51">
             <p14:nvContentPartPr>
               <p14:cNvPr id="126" name="Freihand 125">
@@ -10954,7 +11154,7 @@
             </p14:xfrm>
           </p:contentPart>
         </mc:Choice>
-        <mc:Fallback>
+        <mc:Fallback xmlns="">
           <p:pic>
             <p:nvPicPr>
               <p:cNvPr id="126" name="Freihand 125">
@@ -10985,8 +11185,8 @@
           </p:pic>
         </mc:Fallback>
       </mc:AlternateContent>
-      <mc:AlternateContent xmlns:mc="http://schemas.openxmlformats.org/markup-compatibility/2006">
-        <mc:Choice xmlns:p14="http://schemas.microsoft.com/office/powerpoint/2010/main" Requires="p14">
+      <mc:AlternateContent xmlns:mc="http://schemas.openxmlformats.org/markup-compatibility/2006" xmlns:p14="http://schemas.microsoft.com/office/powerpoint/2010/main">
+        <mc:Choice Requires="p14">
           <p:contentPart p14:bwMode="auto" r:id="rId53">
             <p14:nvContentPartPr>
               <p14:cNvPr id="128" name="Freihand 127">
@@ -11005,7 +11205,7 @@
             </p14:xfrm>
           </p:contentPart>
         </mc:Choice>
-        <mc:Fallback>
+        <mc:Fallback xmlns="">
           <p:pic>
             <p:nvPicPr>
               <p:cNvPr id="128" name="Freihand 127">
@@ -11056,8 +11256,8 @@
             <a:chExt cx="380520" cy="60480"/>
           </a:xfrm>
         </p:grpSpPr>
-        <mc:AlternateContent xmlns:mc="http://schemas.openxmlformats.org/markup-compatibility/2006">
-          <mc:Choice xmlns:p14="http://schemas.microsoft.com/office/powerpoint/2010/main" Requires="p14">
+        <mc:AlternateContent xmlns:mc="http://schemas.openxmlformats.org/markup-compatibility/2006" xmlns:p14="http://schemas.microsoft.com/office/powerpoint/2010/main">
+          <mc:Choice Requires="p14">
             <p:contentPart p14:bwMode="auto" r:id="rId55">
               <p14:nvContentPartPr>
                 <p14:cNvPr id="123" name="Freihand 122">
@@ -11076,7 +11276,7 @@
               </p14:xfrm>
             </p:contentPart>
           </mc:Choice>
-          <mc:Fallback>
+          <mc:Fallback xmlns="">
             <p:pic>
               <p:nvPicPr>
                 <p:cNvPr id="123" name="Freihand 122">
@@ -11107,8 +11307,8 @@
             </p:pic>
           </mc:Fallback>
         </mc:AlternateContent>
-        <mc:AlternateContent xmlns:mc="http://schemas.openxmlformats.org/markup-compatibility/2006">
-          <mc:Choice xmlns:p14="http://schemas.microsoft.com/office/powerpoint/2010/main" Requires="p14">
+        <mc:AlternateContent xmlns:mc="http://schemas.openxmlformats.org/markup-compatibility/2006" xmlns:p14="http://schemas.microsoft.com/office/powerpoint/2010/main">
+          <mc:Choice Requires="p14">
             <p:contentPart p14:bwMode="auto" r:id="rId57">
               <p14:nvContentPartPr>
                 <p14:cNvPr id="124" name="Freihand 123">
@@ -11127,7 +11327,7 @@
               </p14:xfrm>
             </p:contentPart>
           </mc:Choice>
-          <mc:Fallback>
+          <mc:Fallback xmlns="">
             <p:pic>
               <p:nvPicPr>
                 <p:cNvPr id="124" name="Freihand 123">
@@ -11158,8 +11358,8 @@
             </p:pic>
           </mc:Fallback>
         </mc:AlternateContent>
-        <mc:AlternateContent xmlns:mc="http://schemas.openxmlformats.org/markup-compatibility/2006">
-          <mc:Choice xmlns:p14="http://schemas.microsoft.com/office/powerpoint/2010/main" Requires="p14">
+        <mc:AlternateContent xmlns:mc="http://schemas.openxmlformats.org/markup-compatibility/2006" xmlns:p14="http://schemas.microsoft.com/office/powerpoint/2010/main">
+          <mc:Choice Requires="p14">
             <p:contentPart p14:bwMode="auto" r:id="rId59">
               <p14:nvContentPartPr>
                 <p14:cNvPr id="130" name="Freihand 129">
@@ -11178,7 +11378,7 @@
               </p14:xfrm>
             </p:contentPart>
           </mc:Choice>
-          <mc:Fallback>
+          <mc:Fallback xmlns="">
             <p:pic>
               <p:nvPicPr>
                 <p:cNvPr id="130" name="Freihand 129">
@@ -11210,8 +11410,8 @@
           </mc:Fallback>
         </mc:AlternateContent>
       </p:grpSp>
-      <mc:AlternateContent xmlns:mc="http://schemas.openxmlformats.org/markup-compatibility/2006">
-        <mc:Choice xmlns:p14="http://schemas.microsoft.com/office/powerpoint/2010/main" Requires="p14">
+      <mc:AlternateContent xmlns:mc="http://schemas.openxmlformats.org/markup-compatibility/2006" xmlns:p14="http://schemas.microsoft.com/office/powerpoint/2010/main">
+        <mc:Choice Requires="p14">
           <p:contentPart p14:bwMode="auto" r:id="rId61">
             <p14:nvContentPartPr>
               <p14:cNvPr id="132" name="Freihand 131">
@@ -11230,7 +11430,7 @@
             </p14:xfrm>
           </p:contentPart>
         </mc:Choice>
-        <mc:Fallback>
+        <mc:Fallback xmlns="">
           <p:pic>
             <p:nvPicPr>
               <p:cNvPr id="132" name="Freihand 131">
@@ -11261,8 +11461,8 @@
           </p:pic>
         </mc:Fallback>
       </mc:AlternateContent>
-      <mc:AlternateContent xmlns:mc="http://schemas.openxmlformats.org/markup-compatibility/2006">
-        <mc:Choice xmlns:p14="http://schemas.microsoft.com/office/powerpoint/2010/main" Requires="p14">
+      <mc:AlternateContent xmlns:mc="http://schemas.openxmlformats.org/markup-compatibility/2006" xmlns:p14="http://schemas.microsoft.com/office/powerpoint/2010/main">
+        <mc:Choice Requires="p14">
           <p:contentPart p14:bwMode="auto" r:id="rId63">
             <p14:nvContentPartPr>
               <p14:cNvPr id="133" name="Freihand 132">
@@ -11281,7 +11481,7 @@
             </p14:xfrm>
           </p:contentPart>
         </mc:Choice>
-        <mc:Fallback>
+        <mc:Fallback xmlns="">
           <p:pic>
             <p:nvPicPr>
               <p:cNvPr id="133" name="Freihand 132">
@@ -11414,6 +11614,1000 @@
     <p:extLst>
       <p:ext uri="{BB962C8B-B14F-4D97-AF65-F5344CB8AC3E}">
         <p14:creationId xmlns:p14="http://schemas.microsoft.com/office/powerpoint/2010/main" val="1717063047"/>
+      </p:ext>
+    </p:extLst>
+  </p:cSld>
+  <p:clrMapOvr>
+    <a:masterClrMapping/>
+  </p:clrMapOvr>
+</p:sld>
+</file>
+
+<file path=ppt/slides/slide14.xml><?xml version="1.0" encoding="utf-8"?>
+<p:sld xmlns:a="http://schemas.openxmlformats.org/drawingml/2006/main" xmlns:r="http://schemas.openxmlformats.org/officeDocument/2006/relationships" xmlns:p="http://schemas.openxmlformats.org/presentationml/2006/main">
+  <p:cSld>
+    <p:spTree>
+      <p:nvGrpSpPr>
+        <p:cNvPr id="1" name=""/>
+        <p:cNvGrpSpPr/>
+        <p:nvPr/>
+      </p:nvGrpSpPr>
+      <p:grpSpPr>
+        <a:xfrm>
+          <a:off x="0" y="0"/>
+          <a:ext cx="0" cy="0"/>
+          <a:chOff x="0" y="0"/>
+          <a:chExt cx="0" cy="0"/>
+        </a:xfrm>
+      </p:grpSpPr>
+      <p:pic>
+        <p:nvPicPr>
+          <p:cNvPr id="5" name="Grafik 4">
+            <a:extLst>
+              <a:ext uri="{FF2B5EF4-FFF2-40B4-BE49-F238E27FC236}">
+                <a16:creationId xmlns:a16="http://schemas.microsoft.com/office/drawing/2014/main" id="{77AED2C8-FB3E-549D-AD65-A42D9D459319}"/>
+              </a:ext>
+            </a:extLst>
+          </p:cNvPr>
+          <p:cNvPicPr>
+            <a:picLocks noChangeAspect="1"/>
+          </p:cNvPicPr>
+          <p:nvPr/>
+        </p:nvPicPr>
+        <p:blipFill>
+          <a:blip r:embed="rId2"/>
+          <a:stretch>
+            <a:fillRect/>
+          </a:stretch>
+        </p:blipFill>
+        <p:spPr>
+          <a:xfrm>
+            <a:off x="2096815" y="194553"/>
+            <a:ext cx="7998369" cy="3824079"/>
+          </a:xfrm>
+          <a:prstGeom prst="rect">
+            <a:avLst/>
+          </a:prstGeom>
+        </p:spPr>
+      </p:pic>
+      <p:pic>
+        <p:nvPicPr>
+          <p:cNvPr id="7" name="Grafik 6">
+            <a:extLst>
+              <a:ext uri="{FF2B5EF4-FFF2-40B4-BE49-F238E27FC236}">
+                <a16:creationId xmlns:a16="http://schemas.microsoft.com/office/drawing/2014/main" id="{6EEB22F8-F9A8-A5A4-805B-0933C48BF25F}"/>
+              </a:ext>
+            </a:extLst>
+          </p:cNvPr>
+          <p:cNvPicPr>
+            <a:picLocks noChangeAspect="1"/>
+          </p:cNvPicPr>
+          <p:nvPr/>
+        </p:nvPicPr>
+        <p:blipFill>
+          <a:blip r:embed="rId3"/>
+          <a:stretch>
+            <a:fillRect/>
+          </a:stretch>
+        </p:blipFill>
+        <p:spPr>
+          <a:xfrm>
+            <a:off x="3112850" y="4018632"/>
+            <a:ext cx="5966298" cy="1271936"/>
+          </a:xfrm>
+          <a:prstGeom prst="rect">
+            <a:avLst/>
+          </a:prstGeom>
+        </p:spPr>
+      </p:pic>
+      <p:sp>
+        <p:nvSpPr>
+          <p:cNvPr id="8" name="Rechteck 7">
+            <a:extLst>
+              <a:ext uri="{FF2B5EF4-FFF2-40B4-BE49-F238E27FC236}">
+                <a16:creationId xmlns:a16="http://schemas.microsoft.com/office/drawing/2014/main" id="{8B89563E-4607-890C-27AF-0D155A911D5B}"/>
+              </a:ext>
+            </a:extLst>
+          </p:cNvPr>
+          <p:cNvSpPr/>
+          <p:nvPr/>
+        </p:nvSpPr>
+        <p:spPr>
+          <a:xfrm>
+            <a:off x="2976880" y="194553"/>
+            <a:ext cx="1076960" cy="384567"/>
+          </a:xfrm>
+          <a:prstGeom prst="rect">
+            <a:avLst/>
+          </a:prstGeom>
+          <a:solidFill>
+            <a:schemeClr val="bg1"/>
+          </a:solidFill>
+          <a:ln>
+            <a:noFill/>
+          </a:ln>
+        </p:spPr>
+        <p:style>
+          <a:lnRef idx="2">
+            <a:schemeClr val="accent1">
+              <a:shade val="50000"/>
+            </a:schemeClr>
+          </a:lnRef>
+          <a:fillRef idx="1">
+            <a:schemeClr val="accent1"/>
+          </a:fillRef>
+          <a:effectRef idx="0">
+            <a:schemeClr val="accent1"/>
+          </a:effectRef>
+          <a:fontRef idx="minor">
+            <a:schemeClr val="lt1"/>
+          </a:fontRef>
+        </p:style>
+        <p:txBody>
+          <a:bodyPr rtlCol="0" anchor="ctr"/>
+          <a:lstStyle/>
+          <a:p>
+            <a:pPr algn="ctr"/>
+            <a:endParaRPr lang="de-DE"/>
+          </a:p>
+        </p:txBody>
+      </p:sp>
+      <p:sp>
+        <p:nvSpPr>
+          <p:cNvPr id="9" name="Rechteck 8">
+            <a:extLst>
+              <a:ext uri="{FF2B5EF4-FFF2-40B4-BE49-F238E27FC236}">
+                <a16:creationId xmlns:a16="http://schemas.microsoft.com/office/drawing/2014/main" id="{0906C29F-B6DA-2179-D836-FF2EE18706C7}"/>
+              </a:ext>
+            </a:extLst>
+          </p:cNvPr>
+          <p:cNvSpPr/>
+          <p:nvPr/>
+        </p:nvSpPr>
+        <p:spPr>
+          <a:xfrm>
+            <a:off x="2052320" y="944880"/>
+            <a:ext cx="1076960" cy="384567"/>
+          </a:xfrm>
+          <a:prstGeom prst="rect">
+            <a:avLst/>
+          </a:prstGeom>
+          <a:solidFill>
+            <a:schemeClr val="bg1"/>
+          </a:solidFill>
+          <a:ln>
+            <a:noFill/>
+          </a:ln>
+        </p:spPr>
+        <p:style>
+          <a:lnRef idx="2">
+            <a:schemeClr val="accent1">
+              <a:shade val="50000"/>
+            </a:schemeClr>
+          </a:lnRef>
+          <a:fillRef idx="1">
+            <a:schemeClr val="accent1"/>
+          </a:fillRef>
+          <a:effectRef idx="0">
+            <a:schemeClr val="accent1"/>
+          </a:effectRef>
+          <a:fontRef idx="minor">
+            <a:schemeClr val="lt1"/>
+          </a:fontRef>
+        </p:style>
+        <p:txBody>
+          <a:bodyPr rtlCol="0" anchor="ctr"/>
+          <a:lstStyle/>
+          <a:p>
+            <a:pPr algn="ctr"/>
+            <a:endParaRPr lang="de-DE" dirty="0"/>
+          </a:p>
+        </p:txBody>
+      </p:sp>
+      <p:sp>
+        <p:nvSpPr>
+          <p:cNvPr id="10" name="Rechteck 9">
+            <a:extLst>
+              <a:ext uri="{FF2B5EF4-FFF2-40B4-BE49-F238E27FC236}">
+                <a16:creationId xmlns:a16="http://schemas.microsoft.com/office/drawing/2014/main" id="{C167F1DA-A267-D9CA-E7AF-8C5D225EFDF9}"/>
+              </a:ext>
+            </a:extLst>
+          </p:cNvPr>
+          <p:cNvSpPr/>
+          <p:nvPr/>
+        </p:nvSpPr>
+        <p:spPr>
+          <a:xfrm>
+            <a:off x="4798059" y="663696"/>
+            <a:ext cx="1076960" cy="384567"/>
+          </a:xfrm>
+          <a:prstGeom prst="rect">
+            <a:avLst/>
+          </a:prstGeom>
+          <a:solidFill>
+            <a:schemeClr val="bg1"/>
+          </a:solidFill>
+          <a:ln>
+            <a:noFill/>
+          </a:ln>
+        </p:spPr>
+        <p:style>
+          <a:lnRef idx="2">
+            <a:schemeClr val="accent1">
+              <a:shade val="50000"/>
+            </a:schemeClr>
+          </a:lnRef>
+          <a:fillRef idx="1">
+            <a:schemeClr val="accent1"/>
+          </a:fillRef>
+          <a:effectRef idx="0">
+            <a:schemeClr val="accent1"/>
+          </a:effectRef>
+          <a:fontRef idx="minor">
+            <a:schemeClr val="lt1"/>
+          </a:fontRef>
+        </p:style>
+        <p:txBody>
+          <a:bodyPr rtlCol="0" anchor="ctr"/>
+          <a:lstStyle/>
+          <a:p>
+            <a:pPr algn="ctr"/>
+            <a:endParaRPr lang="de-DE"/>
+          </a:p>
+        </p:txBody>
+      </p:sp>
+      <p:sp>
+        <p:nvSpPr>
+          <p:cNvPr id="11" name="Rechteck 10">
+            <a:extLst>
+              <a:ext uri="{FF2B5EF4-FFF2-40B4-BE49-F238E27FC236}">
+                <a16:creationId xmlns:a16="http://schemas.microsoft.com/office/drawing/2014/main" id="{7E456172-4585-E217-3109-02E29C5572C8}"/>
+              </a:ext>
+            </a:extLst>
+          </p:cNvPr>
+          <p:cNvSpPr/>
+          <p:nvPr/>
+        </p:nvSpPr>
+        <p:spPr>
+          <a:xfrm>
+            <a:off x="6165088" y="3044433"/>
+            <a:ext cx="1076960" cy="384567"/>
+          </a:xfrm>
+          <a:prstGeom prst="rect">
+            <a:avLst/>
+          </a:prstGeom>
+          <a:solidFill>
+            <a:schemeClr val="bg1"/>
+          </a:solidFill>
+          <a:ln>
+            <a:noFill/>
+          </a:ln>
+        </p:spPr>
+        <p:style>
+          <a:lnRef idx="2">
+            <a:schemeClr val="accent1">
+              <a:shade val="50000"/>
+            </a:schemeClr>
+          </a:lnRef>
+          <a:fillRef idx="1">
+            <a:schemeClr val="accent1"/>
+          </a:fillRef>
+          <a:effectRef idx="0">
+            <a:schemeClr val="accent1"/>
+          </a:effectRef>
+          <a:fontRef idx="minor">
+            <a:schemeClr val="lt1"/>
+          </a:fontRef>
+        </p:style>
+        <p:txBody>
+          <a:bodyPr rtlCol="0" anchor="ctr"/>
+          <a:lstStyle/>
+          <a:p>
+            <a:pPr algn="ctr"/>
+            <a:endParaRPr lang="de-DE"/>
+          </a:p>
+        </p:txBody>
+      </p:sp>
+      <p:sp>
+        <p:nvSpPr>
+          <p:cNvPr id="12" name="Rechteck 11">
+            <a:extLst>
+              <a:ext uri="{FF2B5EF4-FFF2-40B4-BE49-F238E27FC236}">
+                <a16:creationId xmlns:a16="http://schemas.microsoft.com/office/drawing/2014/main" id="{FE00973F-25CF-C8ED-189C-60F52B84B33A}"/>
+              </a:ext>
+            </a:extLst>
+          </p:cNvPr>
+          <p:cNvSpPr/>
+          <p:nvPr/>
+        </p:nvSpPr>
+        <p:spPr>
+          <a:xfrm>
+            <a:off x="6500368" y="3236716"/>
+            <a:ext cx="1076960" cy="384567"/>
+          </a:xfrm>
+          <a:prstGeom prst="rect">
+            <a:avLst/>
+          </a:prstGeom>
+          <a:solidFill>
+            <a:schemeClr val="bg1"/>
+          </a:solidFill>
+          <a:ln>
+            <a:noFill/>
+          </a:ln>
+        </p:spPr>
+        <p:style>
+          <a:lnRef idx="2">
+            <a:schemeClr val="accent1">
+              <a:shade val="50000"/>
+            </a:schemeClr>
+          </a:lnRef>
+          <a:fillRef idx="1">
+            <a:schemeClr val="accent1"/>
+          </a:fillRef>
+          <a:effectRef idx="0">
+            <a:schemeClr val="accent1"/>
+          </a:effectRef>
+          <a:fontRef idx="minor">
+            <a:schemeClr val="lt1"/>
+          </a:fontRef>
+        </p:style>
+        <p:txBody>
+          <a:bodyPr rtlCol="0" anchor="ctr"/>
+          <a:lstStyle/>
+          <a:p>
+            <a:pPr algn="ctr"/>
+            <a:endParaRPr lang="de-DE"/>
+          </a:p>
+        </p:txBody>
+      </p:sp>
+      <p:sp>
+        <p:nvSpPr>
+          <p:cNvPr id="13" name="Rechteck 12">
+            <a:extLst>
+              <a:ext uri="{FF2B5EF4-FFF2-40B4-BE49-F238E27FC236}">
+                <a16:creationId xmlns:a16="http://schemas.microsoft.com/office/drawing/2014/main" id="{D0879636-FB17-7D01-9C54-2086D75A0190}"/>
+              </a:ext>
+            </a:extLst>
+          </p:cNvPr>
+          <p:cNvSpPr/>
+          <p:nvPr/>
+        </p:nvSpPr>
+        <p:spPr>
+          <a:xfrm>
+            <a:off x="7512304" y="3640456"/>
+            <a:ext cx="1076960" cy="384567"/>
+          </a:xfrm>
+          <a:prstGeom prst="rect">
+            <a:avLst/>
+          </a:prstGeom>
+          <a:solidFill>
+            <a:schemeClr val="bg1"/>
+          </a:solidFill>
+          <a:ln>
+            <a:noFill/>
+          </a:ln>
+        </p:spPr>
+        <p:style>
+          <a:lnRef idx="2">
+            <a:schemeClr val="accent1">
+              <a:shade val="50000"/>
+            </a:schemeClr>
+          </a:lnRef>
+          <a:fillRef idx="1">
+            <a:schemeClr val="accent1"/>
+          </a:fillRef>
+          <a:effectRef idx="0">
+            <a:schemeClr val="accent1"/>
+          </a:effectRef>
+          <a:fontRef idx="minor">
+            <a:schemeClr val="lt1"/>
+          </a:fontRef>
+        </p:style>
+        <p:txBody>
+          <a:bodyPr rtlCol="0" anchor="ctr"/>
+          <a:lstStyle/>
+          <a:p>
+            <a:pPr algn="ctr"/>
+            <a:endParaRPr lang="de-DE"/>
+          </a:p>
+        </p:txBody>
+      </p:sp>
+      <p:sp>
+        <p:nvSpPr>
+          <p:cNvPr id="14" name="Rechteck 13">
+            <a:extLst>
+              <a:ext uri="{FF2B5EF4-FFF2-40B4-BE49-F238E27FC236}">
+                <a16:creationId xmlns:a16="http://schemas.microsoft.com/office/drawing/2014/main" id="{BEB75868-A216-052D-EF33-4C4C4466D892}"/>
+              </a:ext>
+            </a:extLst>
+          </p:cNvPr>
+          <p:cNvSpPr/>
+          <p:nvPr/>
+        </p:nvSpPr>
+        <p:spPr>
+          <a:xfrm>
+            <a:off x="9018224" y="3252694"/>
+            <a:ext cx="1076960" cy="384567"/>
+          </a:xfrm>
+          <a:prstGeom prst="rect">
+            <a:avLst/>
+          </a:prstGeom>
+          <a:solidFill>
+            <a:schemeClr val="bg1"/>
+          </a:solidFill>
+          <a:ln>
+            <a:noFill/>
+          </a:ln>
+        </p:spPr>
+        <p:style>
+          <a:lnRef idx="2">
+            <a:schemeClr val="accent1">
+              <a:shade val="50000"/>
+            </a:schemeClr>
+          </a:lnRef>
+          <a:fillRef idx="1">
+            <a:schemeClr val="accent1"/>
+          </a:fillRef>
+          <a:effectRef idx="0">
+            <a:schemeClr val="accent1"/>
+          </a:effectRef>
+          <a:fontRef idx="minor">
+            <a:schemeClr val="lt1"/>
+          </a:fontRef>
+        </p:style>
+        <p:txBody>
+          <a:bodyPr rtlCol="0" anchor="ctr"/>
+          <a:lstStyle/>
+          <a:p>
+            <a:pPr algn="ctr"/>
+            <a:endParaRPr lang="de-DE"/>
+          </a:p>
+        </p:txBody>
+      </p:sp>
+      <p:sp>
+        <p:nvSpPr>
+          <p:cNvPr id="15" name="Textfeld 14">
+            <a:extLst>
+              <a:ext uri="{FF2B5EF4-FFF2-40B4-BE49-F238E27FC236}">
+                <a16:creationId xmlns:a16="http://schemas.microsoft.com/office/drawing/2014/main" id="{BFA66716-B02D-12E0-9F73-BC5391BAE4CE}"/>
+              </a:ext>
+            </a:extLst>
+          </p:cNvPr>
+          <p:cNvSpPr txBox="1"/>
+          <p:nvPr/>
+        </p:nvSpPr>
+        <p:spPr>
+          <a:xfrm>
+            <a:off x="2458720" y="308107"/>
+            <a:ext cx="1747519" cy="523220"/>
+          </a:xfrm>
+          <a:prstGeom prst="rect">
+            <a:avLst/>
+          </a:prstGeom>
+          <a:noFill/>
+        </p:spPr>
+        <p:txBody>
+          <a:bodyPr wrap="square" rtlCol="0">
+            <a:spAutoFit/>
+          </a:bodyPr>
+          <a:lstStyle/>
+          <a:p>
+            <a:r>
+              <a:rPr lang="de-DE" sz="1400" b="1" dirty="0"/>
+              <a:t>Innerer forward Primer</a:t>
+            </a:r>
+          </a:p>
+        </p:txBody>
+      </p:sp>
+      <p:sp>
+        <p:nvSpPr>
+          <p:cNvPr id="16" name="Textfeld 15">
+            <a:extLst>
+              <a:ext uri="{FF2B5EF4-FFF2-40B4-BE49-F238E27FC236}">
+                <a16:creationId xmlns:a16="http://schemas.microsoft.com/office/drawing/2014/main" id="{C1D2CE52-B4FA-DECB-95FD-8C597CCCF81D}"/>
+              </a:ext>
+            </a:extLst>
+          </p:cNvPr>
+          <p:cNvSpPr txBox="1"/>
+          <p:nvPr/>
+        </p:nvSpPr>
+        <p:spPr>
+          <a:xfrm>
+            <a:off x="7602818" y="3511390"/>
+            <a:ext cx="1747519" cy="523220"/>
+          </a:xfrm>
+          <a:prstGeom prst="rect">
+            <a:avLst/>
+          </a:prstGeom>
+          <a:noFill/>
+        </p:spPr>
+        <p:txBody>
+          <a:bodyPr wrap="square" rtlCol="0">
+            <a:spAutoFit/>
+          </a:bodyPr>
+          <a:lstStyle/>
+          <a:p>
+            <a:r>
+              <a:rPr lang="de-DE" sz="1400" b="1" dirty="0"/>
+              <a:t>Innerer reverse Primer</a:t>
+            </a:r>
+          </a:p>
+        </p:txBody>
+      </p:sp>
+      <p:sp>
+        <p:nvSpPr>
+          <p:cNvPr id="17" name="Rechteck 16">
+            <a:extLst>
+              <a:ext uri="{FF2B5EF4-FFF2-40B4-BE49-F238E27FC236}">
+                <a16:creationId xmlns:a16="http://schemas.microsoft.com/office/drawing/2014/main" id="{78BCA95C-AFD9-3DE5-4596-BFFA036816CB}"/>
+              </a:ext>
+            </a:extLst>
+          </p:cNvPr>
+          <p:cNvSpPr/>
+          <p:nvPr/>
+        </p:nvSpPr>
+        <p:spPr>
+          <a:xfrm rot="2650870">
+            <a:off x="8390091" y="3103999"/>
+            <a:ext cx="464786" cy="135203"/>
+          </a:xfrm>
+          <a:prstGeom prst="rect">
+            <a:avLst/>
+          </a:prstGeom>
+          <a:solidFill>
+            <a:srgbClr val="000084"/>
+          </a:solidFill>
+          <a:ln>
+            <a:noFill/>
+          </a:ln>
+        </p:spPr>
+        <p:style>
+          <a:lnRef idx="2">
+            <a:schemeClr val="accent1">
+              <a:shade val="50000"/>
+            </a:schemeClr>
+          </a:lnRef>
+          <a:fillRef idx="1">
+            <a:schemeClr val="accent1"/>
+          </a:fillRef>
+          <a:effectRef idx="0">
+            <a:schemeClr val="accent1"/>
+          </a:effectRef>
+          <a:fontRef idx="minor">
+            <a:schemeClr val="lt1"/>
+          </a:fontRef>
+        </p:style>
+        <p:txBody>
+          <a:bodyPr rtlCol="0" anchor="ctr"/>
+          <a:lstStyle/>
+          <a:p>
+            <a:pPr algn="ctr"/>
+            <a:endParaRPr lang="de-DE"/>
+          </a:p>
+        </p:txBody>
+      </p:sp>
+      <p:sp>
+        <p:nvSpPr>
+          <p:cNvPr id="18" name="Textfeld 17">
+            <a:extLst>
+              <a:ext uri="{FF2B5EF4-FFF2-40B4-BE49-F238E27FC236}">
+                <a16:creationId xmlns:a16="http://schemas.microsoft.com/office/drawing/2014/main" id="{CDFC24E4-963D-F211-8813-B905ECD174E7}"/>
+              </a:ext>
+            </a:extLst>
+          </p:cNvPr>
+          <p:cNvSpPr txBox="1"/>
+          <p:nvPr/>
+        </p:nvSpPr>
+        <p:spPr>
+          <a:xfrm>
+            <a:off x="9027630" y="3234665"/>
+            <a:ext cx="1747519" cy="523220"/>
+          </a:xfrm>
+          <a:prstGeom prst="rect">
+            <a:avLst/>
+          </a:prstGeom>
+          <a:noFill/>
+        </p:spPr>
+        <p:txBody>
+          <a:bodyPr wrap="square" rtlCol="0">
+            <a:spAutoFit/>
+          </a:bodyPr>
+          <a:lstStyle/>
+          <a:p>
+            <a:r>
+              <a:rPr lang="de-DE" sz="1400" b="1" dirty="0"/>
+              <a:t>Äußerer reverse Primer (B3)</a:t>
+            </a:r>
+          </a:p>
+        </p:txBody>
+      </p:sp>
+      <p:sp>
+        <p:nvSpPr>
+          <p:cNvPr id="19" name="Textfeld 18">
+            <a:extLst>
+              <a:ext uri="{FF2B5EF4-FFF2-40B4-BE49-F238E27FC236}">
+                <a16:creationId xmlns:a16="http://schemas.microsoft.com/office/drawing/2014/main" id="{56DC5564-7882-C839-94E4-78323FE1A757}"/>
+              </a:ext>
+            </a:extLst>
+          </p:cNvPr>
+          <p:cNvSpPr txBox="1"/>
+          <p:nvPr/>
+        </p:nvSpPr>
+        <p:spPr>
+          <a:xfrm>
+            <a:off x="1767841" y="976469"/>
+            <a:ext cx="1747519" cy="523220"/>
+          </a:xfrm>
+          <a:prstGeom prst="rect">
+            <a:avLst/>
+          </a:prstGeom>
+          <a:noFill/>
+        </p:spPr>
+        <p:txBody>
+          <a:bodyPr wrap="square" rtlCol="0">
+            <a:spAutoFit/>
+          </a:bodyPr>
+          <a:lstStyle/>
+          <a:p>
+            <a:r>
+              <a:rPr lang="de-DE" sz="1400" b="1" dirty="0"/>
+              <a:t>Äußerer reverse Primer (F3)</a:t>
+            </a:r>
+          </a:p>
+        </p:txBody>
+      </p:sp>
+      <p:sp>
+        <p:nvSpPr>
+          <p:cNvPr id="20" name="Textfeld 19">
+            <a:extLst>
+              <a:ext uri="{FF2B5EF4-FFF2-40B4-BE49-F238E27FC236}">
+                <a16:creationId xmlns:a16="http://schemas.microsoft.com/office/drawing/2014/main" id="{26115FC4-A06A-F9C9-9430-8A541DF7F197}"/>
+              </a:ext>
+            </a:extLst>
+          </p:cNvPr>
+          <p:cNvSpPr txBox="1"/>
+          <p:nvPr/>
+        </p:nvSpPr>
+        <p:spPr>
+          <a:xfrm>
+            <a:off x="4798059" y="822580"/>
+            <a:ext cx="1747519" cy="307777"/>
+          </a:xfrm>
+          <a:prstGeom prst="rect">
+            <a:avLst/>
+          </a:prstGeom>
+          <a:noFill/>
+        </p:spPr>
+        <p:txBody>
+          <a:bodyPr wrap="square" rtlCol="0">
+            <a:spAutoFit/>
+          </a:bodyPr>
+          <a:lstStyle/>
+          <a:p>
+            <a:r>
+              <a:rPr lang="de-DE" sz="1400" b="1" dirty="0"/>
+              <a:t>Loop Primer (</a:t>
+            </a:r>
+            <a:r>
+              <a:rPr lang="de-DE" sz="1400" b="1" dirty="0" err="1"/>
+              <a:t>FLc</a:t>
+            </a:r>
+            <a:r>
+              <a:rPr lang="de-DE" sz="1400" b="1" dirty="0"/>
+              <a:t>)</a:t>
+            </a:r>
+          </a:p>
+        </p:txBody>
+      </p:sp>
+      <p:sp>
+        <p:nvSpPr>
+          <p:cNvPr id="21" name="Textfeld 20">
+            <a:extLst>
+              <a:ext uri="{FF2B5EF4-FFF2-40B4-BE49-F238E27FC236}">
+                <a16:creationId xmlns:a16="http://schemas.microsoft.com/office/drawing/2014/main" id="{63FA4AEA-36E1-AB1C-4B7A-D79A4E9366D9}"/>
+              </a:ext>
+            </a:extLst>
+          </p:cNvPr>
+          <p:cNvSpPr txBox="1"/>
+          <p:nvPr/>
+        </p:nvSpPr>
+        <p:spPr>
+          <a:xfrm>
+            <a:off x="6177763" y="3194026"/>
+            <a:ext cx="1747519" cy="307777"/>
+          </a:xfrm>
+          <a:prstGeom prst="rect">
+            <a:avLst/>
+          </a:prstGeom>
+          <a:noFill/>
+        </p:spPr>
+        <p:txBody>
+          <a:bodyPr wrap="square" rtlCol="0">
+            <a:spAutoFit/>
+          </a:bodyPr>
+          <a:lstStyle/>
+          <a:p>
+            <a:r>
+              <a:rPr lang="de-DE" sz="1400" b="1" dirty="0"/>
+              <a:t>Loop Primer (</a:t>
+            </a:r>
+            <a:r>
+              <a:rPr lang="de-DE" sz="1400" b="1" dirty="0" err="1"/>
+              <a:t>BLc</a:t>
+            </a:r>
+            <a:r>
+              <a:rPr lang="de-DE" sz="1400" b="1" dirty="0"/>
+              <a:t>)</a:t>
+            </a:r>
+          </a:p>
+        </p:txBody>
+      </p:sp>
+      <p:sp>
+        <p:nvSpPr>
+          <p:cNvPr id="23" name="Rechteck 22">
+            <a:extLst>
+              <a:ext uri="{FF2B5EF4-FFF2-40B4-BE49-F238E27FC236}">
+                <a16:creationId xmlns:a16="http://schemas.microsoft.com/office/drawing/2014/main" id="{0819E97D-B87B-BB93-EBE6-F89A0EF4BEAA}"/>
+              </a:ext>
+            </a:extLst>
+          </p:cNvPr>
+          <p:cNvSpPr/>
+          <p:nvPr/>
+        </p:nvSpPr>
+        <p:spPr>
+          <a:xfrm>
+            <a:off x="4470400" y="2325344"/>
+            <a:ext cx="463064" cy="187960"/>
+          </a:xfrm>
+          <a:prstGeom prst="rect">
+            <a:avLst/>
+          </a:prstGeom>
+          <a:solidFill>
+            <a:schemeClr val="bg1"/>
+          </a:solidFill>
+          <a:ln>
+            <a:noFill/>
+          </a:ln>
+        </p:spPr>
+        <p:style>
+          <a:lnRef idx="2">
+            <a:schemeClr val="accent1">
+              <a:shade val="50000"/>
+            </a:schemeClr>
+          </a:lnRef>
+          <a:fillRef idx="1">
+            <a:schemeClr val="accent1"/>
+          </a:fillRef>
+          <a:effectRef idx="0">
+            <a:schemeClr val="accent1"/>
+          </a:effectRef>
+          <a:fontRef idx="minor">
+            <a:schemeClr val="lt1"/>
+          </a:fontRef>
+        </p:style>
+        <p:txBody>
+          <a:bodyPr rtlCol="0" anchor="ctr"/>
+          <a:lstStyle/>
+          <a:p>
+            <a:pPr algn="ctr"/>
+            <a:endParaRPr lang="de-DE"/>
+          </a:p>
+        </p:txBody>
+      </p:sp>
+      <p:sp>
+        <p:nvSpPr>
+          <p:cNvPr id="22" name="Textfeld 21">
+            <a:extLst>
+              <a:ext uri="{FF2B5EF4-FFF2-40B4-BE49-F238E27FC236}">
+                <a16:creationId xmlns:a16="http://schemas.microsoft.com/office/drawing/2014/main" id="{D07103C7-7D49-7C16-86CD-104C4421D581}"/>
+              </a:ext>
+            </a:extLst>
+          </p:cNvPr>
+          <p:cNvSpPr txBox="1"/>
+          <p:nvPr/>
+        </p:nvSpPr>
+        <p:spPr>
+          <a:xfrm>
+            <a:off x="4435982" y="2255703"/>
+            <a:ext cx="452368" cy="338554"/>
+          </a:xfrm>
+          <a:prstGeom prst="rect">
+            <a:avLst/>
+          </a:prstGeom>
+          <a:noFill/>
+        </p:spPr>
+        <p:txBody>
+          <a:bodyPr wrap="none" rtlCol="0">
+            <a:spAutoFit/>
+          </a:bodyPr>
+          <a:lstStyle/>
+          <a:p>
+            <a:r>
+              <a:rPr lang="de-DE" sz="1600" b="1" dirty="0" err="1">
+                <a:solidFill>
+                  <a:srgbClr val="BBBBBB"/>
+                </a:solidFill>
+              </a:rPr>
+              <a:t>FLc</a:t>
+            </a:r>
+            <a:endParaRPr lang="de-DE" sz="1600" b="1" dirty="0">
+              <a:solidFill>
+                <a:srgbClr val="BBBBBB"/>
+              </a:solidFill>
+            </a:endParaRPr>
+          </a:p>
+        </p:txBody>
+      </p:sp>
+      <p:sp>
+        <p:nvSpPr>
+          <p:cNvPr id="24" name="Textfeld 23">
+            <a:extLst>
+              <a:ext uri="{FF2B5EF4-FFF2-40B4-BE49-F238E27FC236}">
+                <a16:creationId xmlns:a16="http://schemas.microsoft.com/office/drawing/2014/main" id="{FF7430AF-10C8-3999-DFB3-0776961CBDF3}"/>
+              </a:ext>
+            </a:extLst>
+          </p:cNvPr>
+          <p:cNvSpPr txBox="1"/>
+          <p:nvPr/>
+        </p:nvSpPr>
+        <p:spPr>
+          <a:xfrm>
+            <a:off x="8160887" y="537522"/>
+            <a:ext cx="495649" cy="707886"/>
+          </a:xfrm>
+          <a:prstGeom prst="rect">
+            <a:avLst/>
+          </a:prstGeom>
+          <a:noFill/>
+        </p:spPr>
+        <p:txBody>
+          <a:bodyPr wrap="none" rtlCol="0">
+            <a:spAutoFit/>
+          </a:bodyPr>
+          <a:lstStyle/>
+          <a:p>
+            <a:r>
+              <a:rPr lang="de-DE" sz="4000" b="1" dirty="0"/>
+              <a:t>A</a:t>
+            </a:r>
+          </a:p>
+        </p:txBody>
+      </p:sp>
+      <p:sp>
+        <p:nvSpPr>
+          <p:cNvPr id="25" name="Textfeld 24">
+            <a:extLst>
+              <a:ext uri="{FF2B5EF4-FFF2-40B4-BE49-F238E27FC236}">
+                <a16:creationId xmlns:a16="http://schemas.microsoft.com/office/drawing/2014/main" id="{18A8EFCE-3B36-473F-EC17-B2A2DCFB40B7}"/>
+              </a:ext>
+            </a:extLst>
+          </p:cNvPr>
+          <p:cNvSpPr txBox="1"/>
+          <p:nvPr/>
+        </p:nvSpPr>
+        <p:spPr>
+          <a:xfrm>
+            <a:off x="3759735" y="3412482"/>
+            <a:ext cx="471604" cy="707886"/>
+          </a:xfrm>
+          <a:prstGeom prst="rect">
+            <a:avLst/>
+          </a:prstGeom>
+          <a:noFill/>
+        </p:spPr>
+        <p:txBody>
+          <a:bodyPr wrap="none" rtlCol="0">
+            <a:spAutoFit/>
+          </a:bodyPr>
+          <a:lstStyle/>
+          <a:p>
+            <a:r>
+              <a:rPr lang="de-DE" sz="4000" b="1" dirty="0"/>
+              <a:t>B</a:t>
+            </a:r>
+          </a:p>
+        </p:txBody>
+      </p:sp>
+      <p:sp>
+        <p:nvSpPr>
+          <p:cNvPr id="2" name="Bogen 1">
+            <a:extLst>
+              <a:ext uri="{FF2B5EF4-FFF2-40B4-BE49-F238E27FC236}">
+                <a16:creationId xmlns:a16="http://schemas.microsoft.com/office/drawing/2014/main" id="{BE533122-A732-23B4-A128-1FDD78587F93}"/>
+              </a:ext>
+            </a:extLst>
+          </p:cNvPr>
+          <p:cNvSpPr/>
+          <p:nvPr/>
+        </p:nvSpPr>
+        <p:spPr>
+          <a:xfrm rot="10800000">
+            <a:off x="1496977" y="4120368"/>
+            <a:ext cx="658018" cy="623129"/>
+          </a:xfrm>
+          <a:prstGeom prst="arc">
+            <a:avLst>
+              <a:gd name="adj1" fmla="val 16200000"/>
+              <a:gd name="adj2" fmla="val 5439067"/>
+            </a:avLst>
+          </a:prstGeom>
+          <a:ln w="111125"/>
+        </p:spPr>
+        <p:style>
+          <a:lnRef idx="1">
+            <a:schemeClr val="accent1"/>
+          </a:lnRef>
+          <a:fillRef idx="0">
+            <a:schemeClr val="accent1"/>
+          </a:fillRef>
+          <a:effectRef idx="0">
+            <a:schemeClr val="accent1"/>
+          </a:effectRef>
+          <a:fontRef idx="minor">
+            <a:schemeClr val="tx1"/>
+          </a:fontRef>
+        </p:style>
+        <p:txBody>
+          <a:bodyPr rtlCol="0" anchor="ctr"/>
+          <a:lstStyle/>
+          <a:p>
+            <a:pPr algn="ctr"/>
+            <a:endParaRPr lang="de-DE"/>
+          </a:p>
+        </p:txBody>
+      </p:sp>
+      <p:sp>
+        <p:nvSpPr>
+          <p:cNvPr id="3" name="Bogen 2">
+            <a:extLst>
+              <a:ext uri="{FF2B5EF4-FFF2-40B4-BE49-F238E27FC236}">
+                <a16:creationId xmlns:a16="http://schemas.microsoft.com/office/drawing/2014/main" id="{93739BAE-A3C6-9C9E-3827-8BBD1E86CA18}"/>
+              </a:ext>
+            </a:extLst>
+          </p:cNvPr>
+          <p:cNvSpPr/>
+          <p:nvPr/>
+        </p:nvSpPr>
+        <p:spPr>
+          <a:xfrm>
+            <a:off x="6703568" y="5239750"/>
+            <a:ext cx="658018" cy="623129"/>
+          </a:xfrm>
+          <a:prstGeom prst="arc">
+            <a:avLst>
+              <a:gd name="adj1" fmla="val 16200000"/>
+              <a:gd name="adj2" fmla="val 5439067"/>
+            </a:avLst>
+          </a:prstGeom>
+          <a:ln w="111125"/>
+        </p:spPr>
+        <p:style>
+          <a:lnRef idx="1">
+            <a:schemeClr val="accent1"/>
+          </a:lnRef>
+          <a:fillRef idx="0">
+            <a:schemeClr val="accent1"/>
+          </a:fillRef>
+          <a:effectRef idx="0">
+            <a:schemeClr val="accent1"/>
+          </a:effectRef>
+          <a:fontRef idx="minor">
+            <a:schemeClr val="tx1"/>
+          </a:fontRef>
+        </p:style>
+        <p:txBody>
+          <a:bodyPr rtlCol="0" anchor="ctr"/>
+          <a:lstStyle/>
+          <a:p>
+            <a:pPr algn="ctr"/>
+            <a:endParaRPr lang="de-DE"/>
+          </a:p>
+        </p:txBody>
+      </p:sp>
+    </p:spTree>
+    <p:extLst>
+      <p:ext uri="{BB962C8B-B14F-4D97-AF65-F5344CB8AC3E}">
+        <p14:creationId xmlns:p14="http://schemas.microsoft.com/office/powerpoint/2010/main" val="3151605374"/>
       </p:ext>
     </p:extLst>
   </p:cSld>

--- a/Bachelor/Bilder/Microsoft PowerPoint-Präsentation (neu).pptx
+++ b/Bachelor/Bilder/Microsoft PowerPoint-Präsentation (neu).pptx
@@ -5,7 +5,7 @@
     <p:sldMasterId id="2147483648" r:id="rId1"/>
   </p:sldMasterIdLst>
   <p:notesMasterIdLst>
-    <p:notesMasterId r:id="rId16"/>
+    <p:notesMasterId r:id="rId17"/>
   </p:notesMasterIdLst>
   <p:sldIdLst>
     <p:sldId id="256" r:id="rId2"/>
@@ -22,6 +22,7 @@
     <p:sldId id="267" r:id="rId13"/>
     <p:sldId id="268" r:id="rId14"/>
     <p:sldId id="269" r:id="rId15"/>
+    <p:sldId id="270" r:id="rId16"/>
   </p:sldIdLst>
   <p:sldSz cx="12192000" cy="6858000"/>
   <p:notesSz cx="6858000" cy="9144000"/>
@@ -131,7 +132,7 @@
 <file path=ppt/revisionInfo.xml><?xml version="1.0" encoding="utf-8"?>
 <p1510:revInfo xmlns:a="http://schemas.openxmlformats.org/drawingml/2006/main" xmlns:r="http://schemas.openxmlformats.org/officeDocument/2006/relationships" xmlns:p1510="http://schemas.microsoft.com/office/powerpoint/2015/10/main">
   <p1510:revLst>
-    <p1510:client id="{98D96A6D-518D-4AC0-9BA2-40E21862AA9A}" v="83" dt="2023-01-16T13:04:40.579"/>
+    <p1510:client id="{98D96A6D-518D-4AC0-9BA2-40E21862AA9A}" v="114" dt="2023-01-16T17:08:37.794"/>
   </p1510:revLst>
 </p1510:revInfo>
 </file>
@@ -141,7 +142,7 @@
   <pc:docChgLst>
     <pc:chgData name="Julius Rublack" userId="745d74a4dee6b669" providerId="LiveId" clId="{98D96A6D-518D-4AC0-9BA2-40E21862AA9A}"/>
     <pc:docChg chg="undo custSel addSld modSld sldOrd">
-      <pc:chgData name="Julius Rublack" userId="745d74a4dee6b669" providerId="LiveId" clId="{98D96A6D-518D-4AC0-9BA2-40E21862AA9A}" dt="2023-01-16T13:05:03.321" v="750" actId="1076"/>
+      <pc:chgData name="Julius Rublack" userId="745d74a4dee6b669" providerId="LiveId" clId="{98D96A6D-518D-4AC0-9BA2-40E21862AA9A}" dt="2023-01-16T17:10:41.071" v="1008" actId="20577"/>
       <pc:docMkLst>
         <pc:docMk/>
       </pc:docMkLst>
@@ -1223,7 +1224,7 @@
         </pc:inkChg>
       </pc:sldChg>
       <pc:sldChg chg="addSp delSp modSp new mod">
-        <pc:chgData name="Julius Rublack" userId="745d74a4dee6b669" providerId="LiveId" clId="{98D96A6D-518D-4AC0-9BA2-40E21862AA9A}" dt="2023-01-16T13:05:03.321" v="750" actId="1076"/>
+        <pc:chgData name="Julius Rublack" userId="745d74a4dee6b669" providerId="LiveId" clId="{98D96A6D-518D-4AC0-9BA2-40E21862AA9A}" dt="2023-01-16T17:10:41.071" v="1008" actId="20577"/>
         <pc:sldMkLst>
           <pc:docMk/>
           <pc:sldMk cId="3151605374" sldId="269"/>
@@ -1236,14 +1237,22 @@
             <ac:spMk id="2" creationId="{923A9E16-B2D9-2146-C7F7-5C7273A3AFB6}"/>
           </ac:spMkLst>
         </pc:spChg>
-        <pc:spChg chg="add mod">
-          <ac:chgData name="Julius Rublack" userId="745d74a4dee6b669" providerId="LiveId" clId="{98D96A6D-518D-4AC0-9BA2-40E21862AA9A}" dt="2023-01-16T13:05:03.321" v="750" actId="1076"/>
+        <pc:spChg chg="add del mod">
+          <ac:chgData name="Julius Rublack" userId="745d74a4dee6b669" providerId="LiveId" clId="{98D96A6D-518D-4AC0-9BA2-40E21862AA9A}" dt="2023-01-16T16:26:24.408" v="761" actId="478"/>
           <ac:spMkLst>
             <pc:docMk/>
             <pc:sldMk cId="3151605374" sldId="269"/>
             <ac:spMk id="2" creationId="{BE533122-A732-23B4-A128-1FDD78587F93}"/>
           </ac:spMkLst>
         </pc:spChg>
+        <pc:spChg chg="add mod">
+          <ac:chgData name="Julius Rublack" userId="745d74a4dee6b669" providerId="LiveId" clId="{98D96A6D-518D-4AC0-9BA2-40E21862AA9A}" dt="2023-01-16T17:09:04.092" v="938" actId="20577"/>
+          <ac:spMkLst>
+            <pc:docMk/>
+            <pc:sldMk cId="3151605374" sldId="269"/>
+            <ac:spMk id="2" creationId="{C4A12AB4-2014-C664-6991-06B0B5E17749}"/>
+          </ac:spMkLst>
+        </pc:spChg>
         <pc:spChg chg="del">
           <ac:chgData name="Julius Rublack" userId="745d74a4dee6b669" providerId="LiveId" clId="{98D96A6D-518D-4AC0-9BA2-40E21862AA9A}" dt="2023-01-15T17:36:57.603" v="491" actId="478"/>
           <ac:spMkLst>
@@ -1253,7 +1262,15 @@
           </ac:spMkLst>
         </pc:spChg>
         <pc:spChg chg="add mod">
-          <ac:chgData name="Julius Rublack" userId="745d74a4dee6b669" providerId="LiveId" clId="{98D96A6D-518D-4AC0-9BA2-40E21862AA9A}" dt="2023-01-16T13:04:48.344" v="749" actId="688"/>
+          <ac:chgData name="Julius Rublack" userId="745d74a4dee6b669" providerId="LiveId" clId="{98D96A6D-518D-4AC0-9BA2-40E21862AA9A}" dt="2023-01-16T17:05:37.436" v="910" actId="1076"/>
+          <ac:spMkLst>
+            <pc:docMk/>
+            <pc:sldMk cId="3151605374" sldId="269"/>
+            <ac:spMk id="3" creationId="{811D289E-A3BE-0077-D92A-B83E690A578F}"/>
+          </ac:spMkLst>
+        </pc:spChg>
+        <pc:spChg chg="add del mod">
+          <ac:chgData name="Julius Rublack" userId="745d74a4dee6b669" providerId="LiveId" clId="{98D96A6D-518D-4AC0-9BA2-40E21862AA9A}" dt="2023-01-16T16:26:24.408" v="761" actId="478"/>
           <ac:spMkLst>
             <pc:docMk/>
             <pc:sldMk cId="3151605374" sldId="269"/>
@@ -1261,6 +1278,22 @@
           </ac:spMkLst>
         </pc:spChg>
         <pc:spChg chg="add mod">
+          <ac:chgData name="Julius Rublack" userId="745d74a4dee6b669" providerId="LiveId" clId="{98D96A6D-518D-4AC0-9BA2-40E21862AA9A}" dt="2023-01-16T16:27:07.541" v="777" actId="207"/>
+          <ac:spMkLst>
+            <pc:docMk/>
+            <pc:sldMk cId="3151605374" sldId="269"/>
+            <ac:spMk id="4" creationId="{92F1DA59-2CC1-1585-EC13-6AB267A88467}"/>
+          </ac:spMkLst>
+        </pc:spChg>
+        <pc:spChg chg="add mod">
+          <ac:chgData name="Julius Rublack" userId="745d74a4dee6b669" providerId="LiveId" clId="{98D96A6D-518D-4AC0-9BA2-40E21862AA9A}" dt="2023-01-16T16:27:14.568" v="779" actId="1076"/>
+          <ac:spMkLst>
+            <pc:docMk/>
+            <pc:sldMk cId="3151605374" sldId="269"/>
+            <ac:spMk id="6" creationId="{AF3141BD-0659-02F0-77C6-DF20CDE9616D}"/>
+          </ac:spMkLst>
+        </pc:spChg>
+        <pc:spChg chg="add mod">
           <ac:chgData name="Julius Rublack" userId="745d74a4dee6b669" providerId="LiveId" clId="{98D96A6D-518D-4AC0-9BA2-40E21862AA9A}" dt="2023-01-15T17:40:22.786" v="509" actId="207"/>
           <ac:spMkLst>
             <pc:docMk/>
@@ -1269,7 +1302,15 @@
           </ac:spMkLst>
         </pc:spChg>
         <pc:spChg chg="add mod">
-          <ac:chgData name="Julius Rublack" userId="745d74a4dee6b669" providerId="LiveId" clId="{98D96A6D-518D-4AC0-9BA2-40E21862AA9A}" dt="2023-01-15T17:40:31.455" v="511" actId="1076"/>
+          <ac:chgData name="Julius Rublack" userId="745d74a4dee6b669" providerId="LiveId" clId="{98D96A6D-518D-4AC0-9BA2-40E21862AA9A}" dt="2023-01-16T17:09:11.032" v="941" actId="20577"/>
+          <ac:spMkLst>
+            <pc:docMk/>
+            <pc:sldMk cId="3151605374" sldId="269"/>
+            <ac:spMk id="9" creationId="{0722B4E2-E104-EDE9-65E4-91BC545C5826}"/>
+          </ac:spMkLst>
+        </pc:spChg>
+        <pc:spChg chg="add del mod">
+          <ac:chgData name="Julius Rublack" userId="745d74a4dee6b669" providerId="LiveId" clId="{98D96A6D-518D-4AC0-9BA2-40E21862AA9A}" dt="2023-01-16T16:26:50.283" v="770" actId="478"/>
           <ac:spMkLst>
             <pc:docMk/>
             <pc:sldMk cId="3151605374" sldId="269"/>
@@ -1277,7 +1318,15 @@
           </ac:spMkLst>
         </pc:spChg>
         <pc:spChg chg="add mod">
-          <ac:chgData name="Julius Rublack" userId="745d74a4dee6b669" providerId="LiveId" clId="{98D96A6D-518D-4AC0-9BA2-40E21862AA9A}" dt="2023-01-15T17:40:45.927" v="514" actId="1076"/>
+          <ac:chgData name="Julius Rublack" userId="745d74a4dee6b669" providerId="LiveId" clId="{98D96A6D-518D-4AC0-9BA2-40E21862AA9A}" dt="2023-01-16T17:09:14.218" v="943" actId="20577"/>
+          <ac:spMkLst>
+            <pc:docMk/>
+            <pc:sldMk cId="3151605374" sldId="269"/>
+            <ac:spMk id="10" creationId="{16E23BC9-F8A0-9552-95C7-DA032BC25294}"/>
+          </ac:spMkLst>
+        </pc:spChg>
+        <pc:spChg chg="add del mod">
+          <ac:chgData name="Julius Rublack" userId="745d74a4dee6b669" providerId="LiveId" clId="{98D96A6D-518D-4AC0-9BA2-40E21862AA9A}" dt="2023-01-16T16:26:50.283" v="770" actId="478"/>
           <ac:spMkLst>
             <pc:docMk/>
             <pc:sldMk cId="3151605374" sldId="269"/>
@@ -1285,7 +1334,15 @@
           </ac:spMkLst>
         </pc:spChg>
         <pc:spChg chg="add mod">
-          <ac:chgData name="Julius Rublack" userId="745d74a4dee6b669" providerId="LiveId" clId="{98D96A6D-518D-4AC0-9BA2-40E21862AA9A}" dt="2023-01-15T17:40:55.042" v="516" actId="1076"/>
+          <ac:chgData name="Julius Rublack" userId="745d74a4dee6b669" providerId="LiveId" clId="{98D96A6D-518D-4AC0-9BA2-40E21862AA9A}" dt="2023-01-16T17:09:17.743" v="946" actId="20577"/>
+          <ac:spMkLst>
+            <pc:docMk/>
+            <pc:sldMk cId="3151605374" sldId="269"/>
+            <ac:spMk id="11" creationId="{3FB84E15-A591-178A-A416-1256FECE5812}"/>
+          </ac:spMkLst>
+        </pc:spChg>
+        <pc:spChg chg="add del mod">
+          <ac:chgData name="Julius Rublack" userId="745d74a4dee6b669" providerId="LiveId" clId="{98D96A6D-518D-4AC0-9BA2-40E21862AA9A}" dt="2023-01-16T16:26:25.620" v="762" actId="478"/>
           <ac:spMkLst>
             <pc:docMk/>
             <pc:sldMk cId="3151605374" sldId="269"/>
@@ -1293,7 +1350,15 @@
           </ac:spMkLst>
         </pc:spChg>
         <pc:spChg chg="add mod">
-          <ac:chgData name="Julius Rublack" userId="745d74a4dee6b669" providerId="LiveId" clId="{98D96A6D-518D-4AC0-9BA2-40E21862AA9A}" dt="2023-01-15T17:40:59.143" v="518" actId="1076"/>
+          <ac:chgData name="Julius Rublack" userId="745d74a4dee6b669" providerId="LiveId" clId="{98D96A6D-518D-4AC0-9BA2-40E21862AA9A}" dt="2023-01-16T17:09:20.535" v="949" actId="20577"/>
+          <ac:spMkLst>
+            <pc:docMk/>
+            <pc:sldMk cId="3151605374" sldId="269"/>
+            <ac:spMk id="12" creationId="{C561B56C-2B29-82A1-D7C8-88041DFE5556}"/>
+          </ac:spMkLst>
+        </pc:spChg>
+        <pc:spChg chg="add del mod">
+          <ac:chgData name="Julius Rublack" userId="745d74a4dee6b669" providerId="LiveId" clId="{98D96A6D-518D-4AC0-9BA2-40E21862AA9A}" dt="2023-01-16T16:26:25.620" v="762" actId="478"/>
           <ac:spMkLst>
             <pc:docMk/>
             <pc:sldMk cId="3151605374" sldId="269"/>
@@ -1301,7 +1366,15 @@
           </ac:spMkLst>
         </pc:spChg>
         <pc:spChg chg="add mod">
-          <ac:chgData name="Julius Rublack" userId="745d74a4dee6b669" providerId="LiveId" clId="{98D96A6D-518D-4AC0-9BA2-40E21862AA9A}" dt="2023-01-15T17:41:03.194" v="520" actId="1076"/>
+          <ac:chgData name="Julius Rublack" userId="745d74a4dee6b669" providerId="LiveId" clId="{98D96A6D-518D-4AC0-9BA2-40E21862AA9A}" dt="2023-01-16T17:09:42.761" v="957" actId="20577"/>
+          <ac:spMkLst>
+            <pc:docMk/>
+            <pc:sldMk cId="3151605374" sldId="269"/>
+            <ac:spMk id="13" creationId="{75FF1880-EC57-CB64-9250-2E752B7BDD2D}"/>
+          </ac:spMkLst>
+        </pc:spChg>
+        <pc:spChg chg="add del mod">
+          <ac:chgData name="Julius Rublack" userId="745d74a4dee6b669" providerId="LiveId" clId="{98D96A6D-518D-4AC0-9BA2-40E21862AA9A}" dt="2023-01-16T16:26:24.408" v="761" actId="478"/>
           <ac:spMkLst>
             <pc:docMk/>
             <pc:sldMk cId="3151605374" sldId="269"/>
@@ -1309,7 +1382,15 @@
           </ac:spMkLst>
         </pc:spChg>
         <pc:spChg chg="add mod">
-          <ac:chgData name="Julius Rublack" userId="745d74a4dee6b669" providerId="LiveId" clId="{98D96A6D-518D-4AC0-9BA2-40E21862AA9A}" dt="2023-01-15T17:41:07.364" v="522" actId="1076"/>
+          <ac:chgData name="Julius Rublack" userId="745d74a4dee6b669" providerId="LiveId" clId="{98D96A6D-518D-4AC0-9BA2-40E21862AA9A}" dt="2023-01-16T17:09:46.123" v="960" actId="20577"/>
+          <ac:spMkLst>
+            <pc:docMk/>
+            <pc:sldMk cId="3151605374" sldId="269"/>
+            <ac:spMk id="14" creationId="{9ED94E76-628C-08A6-68CF-2DC3B1128E6A}"/>
+          </ac:spMkLst>
+        </pc:spChg>
+        <pc:spChg chg="add del mod">
+          <ac:chgData name="Julius Rublack" userId="745d74a4dee6b669" providerId="LiveId" clId="{98D96A6D-518D-4AC0-9BA2-40E21862AA9A}" dt="2023-01-16T16:26:25.620" v="762" actId="478"/>
           <ac:spMkLst>
             <pc:docMk/>
             <pc:sldMk cId="3151605374" sldId="269"/>
@@ -1317,7 +1398,15 @@
           </ac:spMkLst>
         </pc:spChg>
         <pc:spChg chg="add mod">
-          <ac:chgData name="Julius Rublack" userId="745d74a4dee6b669" providerId="LiveId" clId="{98D96A6D-518D-4AC0-9BA2-40E21862AA9A}" dt="2023-01-15T17:42:10.987" v="568" actId="113"/>
+          <ac:chgData name="Julius Rublack" userId="745d74a4dee6b669" providerId="LiveId" clId="{98D96A6D-518D-4AC0-9BA2-40E21862AA9A}" dt="2023-01-16T17:09:53.921" v="965" actId="20577"/>
+          <ac:spMkLst>
+            <pc:docMk/>
+            <pc:sldMk cId="3151605374" sldId="269"/>
+            <ac:spMk id="15" creationId="{212905E2-58CF-3604-78E4-B0DB892BB2EC}"/>
+          </ac:spMkLst>
+        </pc:spChg>
+        <pc:spChg chg="add del mod">
+          <ac:chgData name="Julius Rublack" userId="745d74a4dee6b669" providerId="LiveId" clId="{98D96A6D-518D-4AC0-9BA2-40E21862AA9A}" dt="2023-01-16T16:26:54.984" v="773" actId="478"/>
           <ac:spMkLst>
             <pc:docMk/>
             <pc:sldMk cId="3151605374" sldId="269"/>
@@ -1325,15 +1414,23 @@
           </ac:spMkLst>
         </pc:spChg>
         <pc:spChg chg="add mod">
-          <ac:chgData name="Julius Rublack" userId="745d74a4dee6b669" providerId="LiveId" clId="{98D96A6D-518D-4AC0-9BA2-40E21862AA9A}" dt="2023-01-15T17:43:22.193" v="584" actId="20577"/>
+          <ac:chgData name="Julius Rublack" userId="745d74a4dee6b669" providerId="LiveId" clId="{98D96A6D-518D-4AC0-9BA2-40E21862AA9A}" dt="2023-01-16T17:10:19.161" v="985" actId="20577"/>
+          <ac:spMkLst>
+            <pc:docMk/>
+            <pc:sldMk cId="3151605374" sldId="269"/>
+            <ac:spMk id="16" creationId="{A91460A1-B683-1A5D-0BF2-5EA6D68CDE46}"/>
+          </ac:spMkLst>
+        </pc:spChg>
+        <pc:spChg chg="add del mod">
+          <ac:chgData name="Julius Rublack" userId="745d74a4dee6b669" providerId="LiveId" clId="{98D96A6D-518D-4AC0-9BA2-40E21862AA9A}" dt="2023-01-16T16:26:25.620" v="762" actId="478"/>
           <ac:spMkLst>
             <pc:docMk/>
             <pc:sldMk cId="3151605374" sldId="269"/>
             <ac:spMk id="16" creationId="{C1D2CE52-B4FA-DECB-95FD-8C597CCCF81D}"/>
           </ac:spMkLst>
         </pc:spChg>
-        <pc:spChg chg="add mod">
-          <ac:chgData name="Julius Rublack" userId="745d74a4dee6b669" providerId="LiveId" clId="{98D96A6D-518D-4AC0-9BA2-40E21862AA9A}" dt="2023-01-15T17:45:14" v="599" actId="207"/>
+        <pc:spChg chg="add del mod">
+          <ac:chgData name="Julius Rublack" userId="745d74a4dee6b669" providerId="LiveId" clId="{98D96A6D-518D-4AC0-9BA2-40E21862AA9A}" dt="2023-01-16T16:26:25.620" v="762" actId="478"/>
           <ac:spMkLst>
             <pc:docMk/>
             <pc:sldMk cId="3151605374" sldId="269"/>
@@ -1341,7 +1438,23 @@
           </ac:spMkLst>
         </pc:spChg>
         <pc:spChg chg="add mod">
-          <ac:chgData name="Julius Rublack" userId="745d74a4dee6b669" providerId="LiveId" clId="{98D96A6D-518D-4AC0-9BA2-40E21862AA9A}" dt="2023-01-15T17:47:17.641" v="622" actId="20577"/>
+          <ac:chgData name="Julius Rublack" userId="745d74a4dee6b669" providerId="LiveId" clId="{98D96A6D-518D-4AC0-9BA2-40E21862AA9A}" dt="2023-01-16T17:10:06.265" v="977" actId="20577"/>
+          <ac:spMkLst>
+            <pc:docMk/>
+            <pc:sldMk cId="3151605374" sldId="269"/>
+            <ac:spMk id="17" creationId="{93C6555A-98A6-30F9-56DF-BB26791003D6}"/>
+          </ac:spMkLst>
+        </pc:spChg>
+        <pc:spChg chg="add mod">
+          <ac:chgData name="Julius Rublack" userId="745d74a4dee6b669" providerId="LiveId" clId="{98D96A6D-518D-4AC0-9BA2-40E21862AA9A}" dt="2023-01-16T17:10:10.761" v="982" actId="20577"/>
+          <ac:spMkLst>
+            <pc:docMk/>
+            <pc:sldMk cId="3151605374" sldId="269"/>
+            <ac:spMk id="18" creationId="{91C5261E-3569-0C6B-44D2-FCAF1293F871}"/>
+          </ac:spMkLst>
+        </pc:spChg>
+        <pc:spChg chg="add del mod">
+          <ac:chgData name="Julius Rublack" userId="745d74a4dee6b669" providerId="LiveId" clId="{98D96A6D-518D-4AC0-9BA2-40E21862AA9A}" dt="2023-01-16T16:26:28.237" v="764" actId="478"/>
           <ac:spMkLst>
             <pc:docMk/>
             <pc:sldMk cId="3151605374" sldId="269"/>
@@ -1349,7 +1462,15 @@
           </ac:spMkLst>
         </pc:spChg>
         <pc:spChg chg="add mod">
-          <ac:chgData name="Julius Rublack" userId="745d74a4dee6b669" providerId="LiveId" clId="{98D96A6D-518D-4AC0-9BA2-40E21862AA9A}" dt="2023-01-15T17:47:46.298" v="629" actId="20577"/>
+          <ac:chgData name="Julius Rublack" userId="745d74a4dee6b669" providerId="LiveId" clId="{98D96A6D-518D-4AC0-9BA2-40E21862AA9A}" dt="2023-01-16T17:10:41.071" v="1008" actId="20577"/>
+          <ac:spMkLst>
+            <pc:docMk/>
+            <pc:sldMk cId="3151605374" sldId="269"/>
+            <ac:spMk id="19" creationId="{013C177A-BBFA-6DC6-806B-CA7D979F4025}"/>
+          </ac:spMkLst>
+        </pc:spChg>
+        <pc:spChg chg="add del mod">
+          <ac:chgData name="Julius Rublack" userId="745d74a4dee6b669" providerId="LiveId" clId="{98D96A6D-518D-4AC0-9BA2-40E21862AA9A}" dt="2023-01-16T16:26:50.283" v="770" actId="478"/>
           <ac:spMkLst>
             <pc:docMk/>
             <pc:sldMk cId="3151605374" sldId="269"/>
@@ -1357,7 +1478,15 @@
           </ac:spMkLst>
         </pc:spChg>
         <pc:spChg chg="add mod">
-          <ac:chgData name="Julius Rublack" userId="745d74a4dee6b669" providerId="LiveId" clId="{98D96A6D-518D-4AC0-9BA2-40E21862AA9A}" dt="2023-01-15T17:49:46.986" v="640" actId="20577"/>
+          <ac:chgData name="Julius Rublack" userId="745d74a4dee6b669" providerId="LiveId" clId="{98D96A6D-518D-4AC0-9BA2-40E21862AA9A}" dt="2023-01-16T17:10:36.555" v="1002" actId="20577"/>
+          <ac:spMkLst>
+            <pc:docMk/>
+            <pc:sldMk cId="3151605374" sldId="269"/>
+            <ac:spMk id="20" creationId="{08009BF1-F76C-1755-2573-A847745F1E67}"/>
+          </ac:spMkLst>
+        </pc:spChg>
+        <pc:spChg chg="add del mod">
+          <ac:chgData name="Julius Rublack" userId="745d74a4dee6b669" providerId="LiveId" clId="{98D96A6D-518D-4AC0-9BA2-40E21862AA9A}" dt="2023-01-16T16:26:50.283" v="770" actId="478"/>
           <ac:spMkLst>
             <pc:docMk/>
             <pc:sldMk cId="3151605374" sldId="269"/>
@@ -1365,47 +1494,231 @@
           </ac:spMkLst>
         </pc:spChg>
         <pc:spChg chg="add mod">
-          <ac:chgData name="Julius Rublack" userId="745d74a4dee6b669" providerId="LiveId" clId="{98D96A6D-518D-4AC0-9BA2-40E21862AA9A}" dt="2023-01-15T17:50:13.403" v="648" actId="20577"/>
+          <ac:chgData name="Julius Rublack" userId="745d74a4dee6b669" providerId="LiveId" clId="{98D96A6D-518D-4AC0-9BA2-40E21862AA9A}" dt="2023-01-16T17:10:25.760" v="990" actId="20577"/>
+          <ac:spMkLst>
+            <pc:docMk/>
+            <pc:sldMk cId="3151605374" sldId="269"/>
+            <ac:spMk id="21" creationId="{32D62EEE-C73F-BCF9-BDC9-B759AB579C1D}"/>
+          </ac:spMkLst>
+        </pc:spChg>
+        <pc:spChg chg="add del mod">
+          <ac:chgData name="Julius Rublack" userId="745d74a4dee6b669" providerId="LiveId" clId="{98D96A6D-518D-4AC0-9BA2-40E21862AA9A}" dt="2023-01-16T16:26:25.620" v="762" actId="478"/>
           <ac:spMkLst>
             <pc:docMk/>
             <pc:sldMk cId="3151605374" sldId="269"/>
             <ac:spMk id="21" creationId="{63FA4AEA-36E1-AB1C-4B7A-D79A4E9366D9}"/>
           </ac:spMkLst>
         </pc:spChg>
-        <pc:spChg chg="add mod ord">
-          <ac:chgData name="Julius Rublack" userId="745d74a4dee6b669" providerId="LiveId" clId="{98D96A6D-518D-4AC0-9BA2-40E21862AA9A}" dt="2023-01-15T17:52:30.287" v="684" actId="1076"/>
+        <pc:spChg chg="add mod">
+          <ac:chgData name="Julius Rublack" userId="745d74a4dee6b669" providerId="LiveId" clId="{98D96A6D-518D-4AC0-9BA2-40E21862AA9A}" dt="2023-01-16T17:10:31.985" v="996" actId="20577"/>
+          <ac:spMkLst>
+            <pc:docMk/>
+            <pc:sldMk cId="3151605374" sldId="269"/>
+            <ac:spMk id="22" creationId="{85B9B335-C763-63D3-707E-4CE7FDBB42E8}"/>
+          </ac:spMkLst>
+        </pc:spChg>
+        <pc:spChg chg="add del mod ord">
+          <ac:chgData name="Julius Rublack" userId="745d74a4dee6b669" providerId="LiveId" clId="{98D96A6D-518D-4AC0-9BA2-40E21862AA9A}" dt="2023-01-16T16:26:48.578" v="769" actId="478"/>
           <ac:spMkLst>
             <pc:docMk/>
             <pc:sldMk cId="3151605374" sldId="269"/>
             <ac:spMk id="22" creationId="{D07103C7-7D49-7C16-86CD-104C4421D581}"/>
           </ac:spMkLst>
         </pc:spChg>
-        <pc:spChg chg="add mod">
-          <ac:chgData name="Julius Rublack" userId="745d74a4dee6b669" providerId="LiveId" clId="{98D96A6D-518D-4AC0-9BA2-40E21862AA9A}" dt="2023-01-15T17:51:47.708" v="674" actId="2085"/>
+        <pc:spChg chg="add del mod">
+          <ac:chgData name="Julius Rublack" userId="745d74a4dee6b669" providerId="LiveId" clId="{98D96A6D-518D-4AC0-9BA2-40E21862AA9A}" dt="2023-01-16T16:26:48.578" v="769" actId="478"/>
           <ac:spMkLst>
             <pc:docMk/>
             <pc:sldMk cId="3151605374" sldId="269"/>
             <ac:spMk id="23" creationId="{0819E97D-B87B-BB93-EBE6-F89A0EF4BEAA}"/>
           </ac:spMkLst>
         </pc:spChg>
-        <pc:spChg chg="add mod">
-          <ac:chgData name="Julius Rublack" userId="745d74a4dee6b669" providerId="LiveId" clId="{98D96A6D-518D-4AC0-9BA2-40E21862AA9A}" dt="2023-01-15T17:54:19.966" v="695" actId="1076"/>
+        <pc:spChg chg="add del mod">
+          <ac:chgData name="Julius Rublack" userId="745d74a4dee6b669" providerId="LiveId" clId="{98D96A6D-518D-4AC0-9BA2-40E21862AA9A}" dt="2023-01-16T16:26:50.283" v="770" actId="478"/>
           <ac:spMkLst>
             <pc:docMk/>
             <pc:sldMk cId="3151605374" sldId="269"/>
             <ac:spMk id="24" creationId="{FF7430AF-10C8-3999-DFB3-0776961CBDF3}"/>
           </ac:spMkLst>
         </pc:spChg>
-        <pc:spChg chg="add mod">
-          <ac:chgData name="Julius Rublack" userId="745d74a4dee6b669" providerId="LiveId" clId="{98D96A6D-518D-4AC0-9BA2-40E21862AA9A}" dt="2023-01-15T17:54:27.260" v="699" actId="20577"/>
+        <pc:spChg chg="add del mod">
+          <ac:chgData name="Julius Rublack" userId="745d74a4dee6b669" providerId="LiveId" clId="{98D96A6D-518D-4AC0-9BA2-40E21862AA9A}" dt="2023-01-16T16:26:28.240" v="766"/>
           <ac:spMkLst>
             <pc:docMk/>
             <pc:sldMk cId="3151605374" sldId="269"/>
             <ac:spMk id="25" creationId="{18A8EFCE-3B36-473F-EC17-B2A2DCFB40B7}"/>
           </ac:spMkLst>
         </pc:spChg>
+        <pc:spChg chg="add mod">
+          <ac:chgData name="Julius Rublack" userId="745d74a4dee6b669" providerId="LiveId" clId="{98D96A6D-518D-4AC0-9BA2-40E21862AA9A}" dt="2023-01-16T16:27:53.119" v="796" actId="113"/>
+          <ac:spMkLst>
+            <pc:docMk/>
+            <pc:sldMk cId="3151605374" sldId="269"/>
+            <ac:spMk id="26" creationId="{2FEBBB61-4E65-2B10-380C-72563E6A5762}"/>
+          </ac:spMkLst>
+        </pc:spChg>
+        <pc:spChg chg="add mod">
+          <ac:chgData name="Julius Rublack" userId="745d74a4dee6b669" providerId="LiveId" clId="{98D96A6D-518D-4AC0-9BA2-40E21862AA9A}" dt="2023-01-16T16:27:59.902" v="798" actId="1076"/>
+          <ac:spMkLst>
+            <pc:docMk/>
+            <pc:sldMk cId="3151605374" sldId="269"/>
+            <ac:spMk id="27" creationId="{4776C7F0-DE9A-C657-665A-B4205CC69244}"/>
+          </ac:spMkLst>
+        </pc:spChg>
+        <pc:spChg chg="add mod">
+          <ac:chgData name="Julius Rublack" userId="745d74a4dee6b669" providerId="LiveId" clId="{98D96A6D-518D-4AC0-9BA2-40E21862AA9A}" dt="2023-01-16T16:28:18.685" v="806" actId="20577"/>
+          <ac:spMkLst>
+            <pc:docMk/>
+            <pc:sldMk cId="3151605374" sldId="269"/>
+            <ac:spMk id="28" creationId="{D367B52E-D79C-4683-5E50-2A080332E836}"/>
+          </ac:spMkLst>
+        </pc:spChg>
+        <pc:spChg chg="add mod">
+          <ac:chgData name="Julius Rublack" userId="745d74a4dee6b669" providerId="LiveId" clId="{98D96A6D-518D-4AC0-9BA2-40E21862AA9A}" dt="2023-01-16T16:28:14.323" v="804" actId="20577"/>
+          <ac:spMkLst>
+            <pc:docMk/>
+            <pc:sldMk cId="3151605374" sldId="269"/>
+            <ac:spMk id="29" creationId="{25D0DEFB-6651-234D-B74F-ADD4A98EFF42}"/>
+          </ac:spMkLst>
+        </pc:spChg>
+        <pc:spChg chg="add mod">
+          <ac:chgData name="Julius Rublack" userId="745d74a4dee6b669" providerId="LiveId" clId="{98D96A6D-518D-4AC0-9BA2-40E21862AA9A}" dt="2023-01-16T16:52:38.923" v="861" actId="207"/>
+          <ac:spMkLst>
+            <pc:docMk/>
+            <pc:sldMk cId="3151605374" sldId="269"/>
+            <ac:spMk id="30" creationId="{9975BF47-00F3-3E79-7AF4-768DA735A4F5}"/>
+          </ac:spMkLst>
+        </pc:spChg>
+        <pc:spChg chg="add mod">
+          <ac:chgData name="Julius Rublack" userId="745d74a4dee6b669" providerId="LiveId" clId="{98D96A6D-518D-4AC0-9BA2-40E21862AA9A}" dt="2023-01-16T16:52:59.194" v="862" actId="207"/>
+          <ac:spMkLst>
+            <pc:docMk/>
+            <pc:sldMk cId="3151605374" sldId="269"/>
+            <ac:spMk id="31" creationId="{CFD1E7C4-0C1A-9ADF-4D35-26B5BFF095DA}"/>
+          </ac:spMkLst>
+        </pc:spChg>
+        <pc:spChg chg="add mod">
+          <ac:chgData name="Julius Rublack" userId="745d74a4dee6b669" providerId="LiveId" clId="{98D96A6D-518D-4AC0-9BA2-40E21862AA9A}" dt="2023-01-16T16:55:13.383" v="868" actId="207"/>
+          <ac:spMkLst>
+            <pc:docMk/>
+            <pc:sldMk cId="3151605374" sldId="269"/>
+            <ac:spMk id="32" creationId="{4583D89D-AA1F-5E4E-47DA-556367CB2D6D}"/>
+          </ac:spMkLst>
+        </pc:spChg>
+        <pc:spChg chg="add mod">
+          <ac:chgData name="Julius Rublack" userId="745d74a4dee6b669" providerId="LiveId" clId="{98D96A6D-518D-4AC0-9BA2-40E21862AA9A}" dt="2023-01-16T16:54:55.518" v="867" actId="207"/>
+          <ac:spMkLst>
+            <pc:docMk/>
+            <pc:sldMk cId="3151605374" sldId="269"/>
+            <ac:spMk id="33" creationId="{F9B10C8F-E6A1-815B-8626-EFBAEE3BCF70}"/>
+          </ac:spMkLst>
+        </pc:spChg>
+        <pc:spChg chg="add mod">
+          <ac:chgData name="Julius Rublack" userId="745d74a4dee6b669" providerId="LiveId" clId="{98D96A6D-518D-4AC0-9BA2-40E21862AA9A}" dt="2023-01-16T16:37:01.954" v="860" actId="207"/>
+          <ac:spMkLst>
+            <pc:docMk/>
+            <pc:sldMk cId="3151605374" sldId="269"/>
+            <ac:spMk id="34" creationId="{63B1433F-5EFD-A83B-C95B-CCFE886C6535}"/>
+          </ac:spMkLst>
+        </pc:spChg>
+        <pc:spChg chg="add mod">
+          <ac:chgData name="Julius Rublack" userId="745d74a4dee6b669" providerId="LiveId" clId="{98D96A6D-518D-4AC0-9BA2-40E21862AA9A}" dt="2023-01-16T16:36:56.622" v="859" actId="207"/>
+          <ac:spMkLst>
+            <pc:docMk/>
+            <pc:sldMk cId="3151605374" sldId="269"/>
+            <ac:spMk id="35" creationId="{5AA6D3A7-0AD5-402E-C2EE-04BB9B581989}"/>
+          </ac:spMkLst>
+        </pc:spChg>
+        <pc:spChg chg="add mod">
+          <ac:chgData name="Julius Rublack" userId="745d74a4dee6b669" providerId="LiveId" clId="{98D96A6D-518D-4AC0-9BA2-40E21862AA9A}" dt="2023-01-16T16:59:54.522" v="878" actId="207"/>
+          <ac:spMkLst>
+            <pc:docMk/>
+            <pc:sldMk cId="3151605374" sldId="269"/>
+            <ac:spMk id="36" creationId="{47720901-B38E-C6C2-AE4B-F6D07DAFF475}"/>
+          </ac:spMkLst>
+        </pc:spChg>
+        <pc:spChg chg="add mod">
+          <ac:chgData name="Julius Rublack" userId="745d74a4dee6b669" providerId="LiveId" clId="{98D96A6D-518D-4AC0-9BA2-40E21862AA9A}" dt="2023-01-16T17:01:15.222" v="880" actId="207"/>
+          <ac:spMkLst>
+            <pc:docMk/>
+            <pc:sldMk cId="3151605374" sldId="269"/>
+            <ac:spMk id="37" creationId="{BAB0991D-B2BF-8791-10E0-9049C2EC0B11}"/>
+          </ac:spMkLst>
+        </pc:spChg>
+        <pc:spChg chg="add mod">
+          <ac:chgData name="Julius Rublack" userId="745d74a4dee6b669" providerId="LiveId" clId="{98D96A6D-518D-4AC0-9BA2-40E21862AA9A}" dt="2023-01-16T16:57:40.100" v="874" actId="207"/>
+          <ac:spMkLst>
+            <pc:docMk/>
+            <pc:sldMk cId="3151605374" sldId="269"/>
+            <ac:spMk id="38" creationId="{41C30740-1078-BA77-893F-71BF040FFDAC}"/>
+          </ac:spMkLst>
+        </pc:spChg>
+        <pc:spChg chg="add mod">
+          <ac:chgData name="Julius Rublack" userId="745d74a4dee6b669" providerId="LiveId" clId="{98D96A6D-518D-4AC0-9BA2-40E21862AA9A}" dt="2023-01-16T16:58:05.268" v="875" actId="207"/>
+          <ac:spMkLst>
+            <pc:docMk/>
+            <pc:sldMk cId="3151605374" sldId="269"/>
+            <ac:spMk id="39" creationId="{68AC3797-A13C-2993-45C4-5C05899AB618}"/>
+          </ac:spMkLst>
+        </pc:spChg>
+        <pc:spChg chg="add mod">
+          <ac:chgData name="Julius Rublack" userId="745d74a4dee6b669" providerId="LiveId" clId="{98D96A6D-518D-4AC0-9BA2-40E21862AA9A}" dt="2023-01-16T16:57:04.083" v="873" actId="207"/>
+          <ac:spMkLst>
+            <pc:docMk/>
+            <pc:sldMk cId="3151605374" sldId="269"/>
+            <ac:spMk id="40" creationId="{69834C5F-CE3B-DD93-69FC-93CE6D441581}"/>
+          </ac:spMkLst>
+        </pc:spChg>
+        <pc:spChg chg="add mod">
+          <ac:chgData name="Julius Rublack" userId="745d74a4dee6b669" providerId="LiveId" clId="{98D96A6D-518D-4AC0-9BA2-40E21862AA9A}" dt="2023-01-16T16:56:57.989" v="872" actId="207"/>
+          <ac:spMkLst>
+            <pc:docMk/>
+            <pc:sldMk cId="3151605374" sldId="269"/>
+            <ac:spMk id="41" creationId="{F0B331C4-85E1-438D-4351-E99B34D69FC7}"/>
+          </ac:spMkLst>
+        </pc:spChg>
+        <pc:spChg chg="add mod">
+          <ac:chgData name="Julius Rublack" userId="745d74a4dee6b669" providerId="LiveId" clId="{98D96A6D-518D-4AC0-9BA2-40E21862AA9A}" dt="2023-01-16T16:56:07.624" v="870" actId="207"/>
+          <ac:spMkLst>
+            <pc:docMk/>
+            <pc:sldMk cId="3151605374" sldId="269"/>
+            <ac:spMk id="42" creationId="{0431E433-10A3-B995-E8C9-AB3AF76ED018}"/>
+          </ac:spMkLst>
+        </pc:spChg>
+        <pc:spChg chg="add mod">
+          <ac:chgData name="Julius Rublack" userId="745d74a4dee6b669" providerId="LiveId" clId="{98D96A6D-518D-4AC0-9BA2-40E21862AA9A}" dt="2023-01-16T16:55:47.247" v="869" actId="207"/>
+          <ac:spMkLst>
+            <pc:docMk/>
+            <pc:sldMk cId="3151605374" sldId="269"/>
+            <ac:spMk id="43" creationId="{8F0BAA79-93FD-9445-485A-3788DE15EFCD}"/>
+          </ac:spMkLst>
+        </pc:spChg>
+        <pc:spChg chg="add mod">
+          <ac:chgData name="Julius Rublack" userId="745d74a4dee6b669" providerId="LiveId" clId="{98D96A6D-518D-4AC0-9BA2-40E21862AA9A}" dt="2023-01-16T16:54:27.077" v="866" actId="207"/>
+          <ac:spMkLst>
+            <pc:docMk/>
+            <pc:sldMk cId="3151605374" sldId="269"/>
+            <ac:spMk id="44" creationId="{C923A04B-738B-7565-DB7B-698F3CAE300C}"/>
+          </ac:spMkLst>
+        </pc:spChg>
+        <pc:spChg chg="add mod">
+          <ac:chgData name="Julius Rublack" userId="745d74a4dee6b669" providerId="LiveId" clId="{98D96A6D-518D-4AC0-9BA2-40E21862AA9A}" dt="2023-01-16T16:54:05.137" v="865" actId="207"/>
+          <ac:spMkLst>
+            <pc:docMk/>
+            <pc:sldMk cId="3151605374" sldId="269"/>
+            <ac:spMk id="45" creationId="{0666C4A2-74F1-14F1-A832-CE1BFA4A8007}"/>
+          </ac:spMkLst>
+        </pc:spChg>
+        <pc:spChg chg="add mod">
+          <ac:chgData name="Julius Rublack" userId="745d74a4dee6b669" providerId="LiveId" clId="{98D96A6D-518D-4AC0-9BA2-40E21862AA9A}" dt="2023-01-16T16:36:03.608" v="854" actId="113"/>
+          <ac:spMkLst>
+            <pc:docMk/>
+            <pc:sldMk cId="3151605374" sldId="269"/>
+            <ac:spMk id="46" creationId="{04BFE90B-0F10-4383-DF39-960D0E8E9350}"/>
+          </ac:spMkLst>
+        </pc:spChg>
         <pc:picChg chg="add mod">
-          <ac:chgData name="Julius Rublack" userId="745d74a4dee6b669" providerId="LiveId" clId="{98D96A6D-518D-4AC0-9BA2-40E21862AA9A}" dt="2023-01-15T17:52:23.925" v="683" actId="1076"/>
+          <ac:chgData name="Julius Rublack" userId="745d74a4dee6b669" providerId="LiveId" clId="{98D96A6D-518D-4AC0-9BA2-40E21862AA9A}" dt="2023-01-16T16:26:57.930" v="774" actId="1076"/>
           <ac:picMkLst>
             <pc:docMk/>
             <pc:sldMk cId="3151605374" sldId="269"/>
@@ -1413,10 +1726,193 @@
           </ac:picMkLst>
         </pc:picChg>
         <pc:picChg chg="add mod">
-          <ac:chgData name="Julius Rublack" userId="745d74a4dee6b669" providerId="LiveId" clId="{98D96A6D-518D-4AC0-9BA2-40E21862AA9A}" dt="2023-01-15T17:47:03.745" v="602" actId="1076"/>
+          <ac:chgData name="Julius Rublack" userId="745d74a4dee6b669" providerId="LiveId" clId="{98D96A6D-518D-4AC0-9BA2-40E21862AA9A}" dt="2023-01-16T16:26:16.175" v="759" actId="14100"/>
           <ac:picMkLst>
             <pc:docMk/>
             <pc:sldMk cId="3151605374" sldId="269"/>
+            <ac:picMk id="7" creationId="{6EEB22F8-F9A8-A5A4-805B-0933C48BF25F}"/>
+          </ac:picMkLst>
+        </pc:picChg>
+      </pc:sldChg>
+      <pc:sldChg chg="delSp modSp add mod">
+        <pc:chgData name="Julius Rublack" userId="745d74a4dee6b669" providerId="LiveId" clId="{98D96A6D-518D-4AC0-9BA2-40E21862AA9A}" dt="2023-01-16T16:25:33.172" v="755" actId="478"/>
+        <pc:sldMkLst>
+          <pc:docMk/>
+          <pc:sldMk cId="4066046403" sldId="270"/>
+        </pc:sldMkLst>
+        <pc:spChg chg="del">
+          <ac:chgData name="Julius Rublack" userId="745d74a4dee6b669" providerId="LiveId" clId="{98D96A6D-518D-4AC0-9BA2-40E21862AA9A}" dt="2023-01-16T16:25:31.133" v="753" actId="478"/>
+          <ac:spMkLst>
+            <pc:docMk/>
+            <pc:sldMk cId="4066046403" sldId="270"/>
+            <ac:spMk id="2" creationId="{BE533122-A732-23B4-A128-1FDD78587F93}"/>
+          </ac:spMkLst>
+        </pc:spChg>
+        <pc:spChg chg="del">
+          <ac:chgData name="Julius Rublack" userId="745d74a4dee6b669" providerId="LiveId" clId="{98D96A6D-518D-4AC0-9BA2-40E21862AA9A}" dt="2023-01-16T16:25:31.133" v="753" actId="478"/>
+          <ac:spMkLst>
+            <pc:docMk/>
+            <pc:sldMk cId="4066046403" sldId="270"/>
+            <ac:spMk id="3" creationId="{93739BAE-A3C6-9C9E-3827-8BBD1E86CA18}"/>
+          </ac:spMkLst>
+        </pc:spChg>
+        <pc:spChg chg="del">
+          <ac:chgData name="Julius Rublack" userId="745d74a4dee6b669" providerId="LiveId" clId="{98D96A6D-518D-4AC0-9BA2-40E21862AA9A}" dt="2023-01-16T16:25:31.133" v="753" actId="478"/>
+          <ac:spMkLst>
+            <pc:docMk/>
+            <pc:sldMk cId="4066046403" sldId="270"/>
+            <ac:spMk id="8" creationId="{8B89563E-4607-890C-27AF-0D155A911D5B}"/>
+          </ac:spMkLst>
+        </pc:spChg>
+        <pc:spChg chg="del">
+          <ac:chgData name="Julius Rublack" userId="745d74a4dee6b669" providerId="LiveId" clId="{98D96A6D-518D-4AC0-9BA2-40E21862AA9A}" dt="2023-01-16T16:25:31.133" v="753" actId="478"/>
+          <ac:spMkLst>
+            <pc:docMk/>
+            <pc:sldMk cId="4066046403" sldId="270"/>
+            <ac:spMk id="9" creationId="{0906C29F-B6DA-2179-D836-FF2EE18706C7}"/>
+          </ac:spMkLst>
+        </pc:spChg>
+        <pc:spChg chg="del">
+          <ac:chgData name="Julius Rublack" userId="745d74a4dee6b669" providerId="LiveId" clId="{98D96A6D-518D-4AC0-9BA2-40E21862AA9A}" dt="2023-01-16T16:25:31.133" v="753" actId="478"/>
+          <ac:spMkLst>
+            <pc:docMk/>
+            <pc:sldMk cId="4066046403" sldId="270"/>
+            <ac:spMk id="10" creationId="{C167F1DA-A267-D9CA-E7AF-8C5D225EFDF9}"/>
+          </ac:spMkLst>
+        </pc:spChg>
+        <pc:spChg chg="del">
+          <ac:chgData name="Julius Rublack" userId="745d74a4dee6b669" providerId="LiveId" clId="{98D96A6D-518D-4AC0-9BA2-40E21862AA9A}" dt="2023-01-16T16:25:31.133" v="753" actId="478"/>
+          <ac:spMkLst>
+            <pc:docMk/>
+            <pc:sldMk cId="4066046403" sldId="270"/>
+            <ac:spMk id="11" creationId="{7E456172-4585-E217-3109-02E29C5572C8}"/>
+          </ac:spMkLst>
+        </pc:spChg>
+        <pc:spChg chg="del">
+          <ac:chgData name="Julius Rublack" userId="745d74a4dee6b669" providerId="LiveId" clId="{98D96A6D-518D-4AC0-9BA2-40E21862AA9A}" dt="2023-01-16T16:25:31.133" v="753" actId="478"/>
+          <ac:spMkLst>
+            <pc:docMk/>
+            <pc:sldMk cId="4066046403" sldId="270"/>
+            <ac:spMk id="12" creationId="{FE00973F-25CF-C8ED-189C-60F52B84B33A}"/>
+          </ac:spMkLst>
+        </pc:spChg>
+        <pc:spChg chg="del">
+          <ac:chgData name="Julius Rublack" userId="745d74a4dee6b669" providerId="LiveId" clId="{98D96A6D-518D-4AC0-9BA2-40E21862AA9A}" dt="2023-01-16T16:25:31.133" v="753" actId="478"/>
+          <ac:spMkLst>
+            <pc:docMk/>
+            <pc:sldMk cId="4066046403" sldId="270"/>
+            <ac:spMk id="13" creationId="{D0879636-FB17-7D01-9C54-2086D75A0190}"/>
+          </ac:spMkLst>
+        </pc:spChg>
+        <pc:spChg chg="del">
+          <ac:chgData name="Julius Rublack" userId="745d74a4dee6b669" providerId="LiveId" clId="{98D96A6D-518D-4AC0-9BA2-40E21862AA9A}" dt="2023-01-16T16:25:31.133" v="753" actId="478"/>
+          <ac:spMkLst>
+            <pc:docMk/>
+            <pc:sldMk cId="4066046403" sldId="270"/>
+            <ac:spMk id="14" creationId="{BEB75868-A216-052D-EF33-4C4C4466D892}"/>
+          </ac:spMkLst>
+        </pc:spChg>
+        <pc:spChg chg="del">
+          <ac:chgData name="Julius Rublack" userId="745d74a4dee6b669" providerId="LiveId" clId="{98D96A6D-518D-4AC0-9BA2-40E21862AA9A}" dt="2023-01-16T16:25:31.133" v="753" actId="478"/>
+          <ac:spMkLst>
+            <pc:docMk/>
+            <pc:sldMk cId="4066046403" sldId="270"/>
+            <ac:spMk id="15" creationId="{BFA66716-B02D-12E0-9F73-BC5391BAE4CE}"/>
+          </ac:spMkLst>
+        </pc:spChg>
+        <pc:spChg chg="del">
+          <ac:chgData name="Julius Rublack" userId="745d74a4dee6b669" providerId="LiveId" clId="{98D96A6D-518D-4AC0-9BA2-40E21862AA9A}" dt="2023-01-16T16:25:31.133" v="753" actId="478"/>
+          <ac:spMkLst>
+            <pc:docMk/>
+            <pc:sldMk cId="4066046403" sldId="270"/>
+            <ac:spMk id="16" creationId="{C1D2CE52-B4FA-DECB-95FD-8C597CCCF81D}"/>
+          </ac:spMkLst>
+        </pc:spChg>
+        <pc:spChg chg="del">
+          <ac:chgData name="Julius Rublack" userId="745d74a4dee6b669" providerId="LiveId" clId="{98D96A6D-518D-4AC0-9BA2-40E21862AA9A}" dt="2023-01-16T16:25:31.133" v="753" actId="478"/>
+          <ac:spMkLst>
+            <pc:docMk/>
+            <pc:sldMk cId="4066046403" sldId="270"/>
+            <ac:spMk id="17" creationId="{78BCA95C-AFD9-3DE5-4596-BFFA036816CB}"/>
+          </ac:spMkLst>
+        </pc:spChg>
+        <pc:spChg chg="del mod">
+          <ac:chgData name="Julius Rublack" userId="745d74a4dee6b669" providerId="LiveId" clId="{98D96A6D-518D-4AC0-9BA2-40E21862AA9A}" dt="2023-01-16T16:25:33.172" v="755" actId="478"/>
+          <ac:spMkLst>
+            <pc:docMk/>
+            <pc:sldMk cId="4066046403" sldId="270"/>
+            <ac:spMk id="18" creationId="{CDFC24E4-963D-F211-8813-B905ECD174E7}"/>
+          </ac:spMkLst>
+        </pc:spChg>
+        <pc:spChg chg="del">
+          <ac:chgData name="Julius Rublack" userId="745d74a4dee6b669" providerId="LiveId" clId="{98D96A6D-518D-4AC0-9BA2-40E21862AA9A}" dt="2023-01-16T16:25:31.133" v="753" actId="478"/>
+          <ac:spMkLst>
+            <pc:docMk/>
+            <pc:sldMk cId="4066046403" sldId="270"/>
+            <ac:spMk id="19" creationId="{56DC5564-7882-C839-94E4-78323FE1A757}"/>
+          </ac:spMkLst>
+        </pc:spChg>
+        <pc:spChg chg="del">
+          <ac:chgData name="Julius Rublack" userId="745d74a4dee6b669" providerId="LiveId" clId="{98D96A6D-518D-4AC0-9BA2-40E21862AA9A}" dt="2023-01-16T16:25:31.133" v="753" actId="478"/>
+          <ac:spMkLst>
+            <pc:docMk/>
+            <pc:sldMk cId="4066046403" sldId="270"/>
+            <ac:spMk id="20" creationId="{26115FC4-A06A-F9C9-9430-8A541DF7F197}"/>
+          </ac:spMkLst>
+        </pc:spChg>
+        <pc:spChg chg="del">
+          <ac:chgData name="Julius Rublack" userId="745d74a4dee6b669" providerId="LiveId" clId="{98D96A6D-518D-4AC0-9BA2-40E21862AA9A}" dt="2023-01-16T16:25:31.133" v="753" actId="478"/>
+          <ac:spMkLst>
+            <pc:docMk/>
+            <pc:sldMk cId="4066046403" sldId="270"/>
+            <ac:spMk id="21" creationId="{63FA4AEA-36E1-AB1C-4B7A-D79A4E9366D9}"/>
+          </ac:spMkLst>
+        </pc:spChg>
+        <pc:spChg chg="del">
+          <ac:chgData name="Julius Rublack" userId="745d74a4dee6b669" providerId="LiveId" clId="{98D96A6D-518D-4AC0-9BA2-40E21862AA9A}" dt="2023-01-16T16:25:31.133" v="753" actId="478"/>
+          <ac:spMkLst>
+            <pc:docMk/>
+            <pc:sldMk cId="4066046403" sldId="270"/>
+            <ac:spMk id="22" creationId="{D07103C7-7D49-7C16-86CD-104C4421D581}"/>
+          </ac:spMkLst>
+        </pc:spChg>
+        <pc:spChg chg="del">
+          <ac:chgData name="Julius Rublack" userId="745d74a4dee6b669" providerId="LiveId" clId="{98D96A6D-518D-4AC0-9BA2-40E21862AA9A}" dt="2023-01-16T16:25:31.133" v="753" actId="478"/>
+          <ac:spMkLst>
+            <pc:docMk/>
+            <pc:sldMk cId="4066046403" sldId="270"/>
+            <ac:spMk id="23" creationId="{0819E97D-B87B-BB93-EBE6-F89A0EF4BEAA}"/>
+          </ac:spMkLst>
+        </pc:spChg>
+        <pc:spChg chg="del">
+          <ac:chgData name="Julius Rublack" userId="745d74a4dee6b669" providerId="LiveId" clId="{98D96A6D-518D-4AC0-9BA2-40E21862AA9A}" dt="2023-01-16T16:25:31.133" v="753" actId="478"/>
+          <ac:spMkLst>
+            <pc:docMk/>
+            <pc:sldMk cId="4066046403" sldId="270"/>
+            <ac:spMk id="24" creationId="{FF7430AF-10C8-3999-DFB3-0776961CBDF3}"/>
+          </ac:spMkLst>
+        </pc:spChg>
+        <pc:spChg chg="del">
+          <ac:chgData name="Julius Rublack" userId="745d74a4dee6b669" providerId="LiveId" clId="{98D96A6D-518D-4AC0-9BA2-40E21862AA9A}" dt="2023-01-16T16:25:31.133" v="753" actId="478"/>
+          <ac:spMkLst>
+            <pc:docMk/>
+            <pc:sldMk cId="4066046403" sldId="270"/>
+            <ac:spMk id="25" creationId="{18A8EFCE-3B36-473F-EC17-B2A2DCFB40B7}"/>
+          </ac:spMkLst>
+        </pc:spChg>
+        <pc:picChg chg="del">
+          <ac:chgData name="Julius Rublack" userId="745d74a4dee6b669" providerId="LiveId" clId="{98D96A6D-518D-4AC0-9BA2-40E21862AA9A}" dt="2023-01-16T16:25:29.294" v="752" actId="478"/>
+          <ac:picMkLst>
+            <pc:docMk/>
+            <pc:sldMk cId="4066046403" sldId="270"/>
+            <ac:picMk id="5" creationId="{77AED2C8-FB3E-549D-AD65-A42D9D459319}"/>
+          </ac:picMkLst>
+        </pc:picChg>
+        <pc:picChg chg="del">
+          <ac:chgData name="Julius Rublack" userId="745d74a4dee6b669" providerId="LiveId" clId="{98D96A6D-518D-4AC0-9BA2-40E21862AA9A}" dt="2023-01-16T16:25:31.133" v="753" actId="478"/>
+          <ac:picMkLst>
+            <pc:docMk/>
+            <pc:sldMk cId="4066046403" sldId="270"/>
             <ac:picMk id="7" creationId="{6EEB22F8-F9A8-A5A4-805B-0933C48BF25F}"/>
           </ac:picMkLst>
         </pc:picChg>
@@ -11662,8 +12158,8 @@
         </p:blipFill>
         <p:spPr>
           <a:xfrm>
-            <a:off x="2096815" y="194553"/>
-            <a:ext cx="7998369" cy="3824079"/>
+            <a:off x="1429434" y="194553"/>
+            <a:ext cx="4288354" cy="2050294"/>
           </a:xfrm>
           <a:prstGeom prst="rect">
             <a:avLst/>
@@ -11692,8 +12188,8 @@
         </p:blipFill>
         <p:spPr>
           <a:xfrm>
-            <a:off x="3112850" y="4018632"/>
-            <a:ext cx="5966298" cy="1271936"/>
+            <a:off x="5779221" y="64412"/>
+            <a:ext cx="3143572" cy="670168"/>
           </a:xfrm>
           <a:prstGeom prst="rect">
             <a:avLst/>
@@ -11754,10 +12250,10 @@
       </p:sp>
       <p:sp>
         <p:nvSpPr>
-          <p:cNvPr id="9" name="Rechteck 8">
-            <a:extLst>
-              <a:ext uri="{FF2B5EF4-FFF2-40B4-BE49-F238E27FC236}">
-                <a16:creationId xmlns:a16="http://schemas.microsoft.com/office/drawing/2014/main" id="{0906C29F-B6DA-2179-D836-FF2EE18706C7}"/>
+          <p:cNvPr id="4" name="Rechteck 3">
+            <a:extLst>
+              <a:ext uri="{FF2B5EF4-FFF2-40B4-BE49-F238E27FC236}">
+                <a16:creationId xmlns:a16="http://schemas.microsoft.com/office/drawing/2014/main" id="{92F1DA59-2CC1-1585-EC13-6AB267A88467}"/>
               </a:ext>
             </a:extLst>
           </p:cNvPr>
@@ -11766,14 +12262,16 @@
         </p:nvSpPr>
         <p:spPr>
           <a:xfrm>
-            <a:off x="2052320" y="944880"/>
-            <a:ext cx="1076960" cy="384567"/>
+            <a:off x="2010893" y="3231366"/>
+            <a:ext cx="8170214" cy="114230"/>
           </a:xfrm>
           <a:prstGeom prst="rect">
             <a:avLst/>
           </a:prstGeom>
           <a:solidFill>
-            <a:schemeClr val="bg1"/>
+            <a:schemeClr val="bg1">
+              <a:lumMod val="75000"/>
+            </a:schemeClr>
           </a:solidFill>
           <a:ln>
             <a:noFill/>
@@ -11800,16 +12298,16 @@
           <a:lstStyle/>
           <a:p>
             <a:pPr algn="ctr"/>
-            <a:endParaRPr lang="de-DE" dirty="0"/>
-          </a:p>
-        </p:txBody>
-      </p:sp>
-      <p:sp>
-        <p:nvSpPr>
-          <p:cNvPr id="10" name="Rechteck 9">
-            <a:extLst>
-              <a:ext uri="{FF2B5EF4-FFF2-40B4-BE49-F238E27FC236}">
-                <a16:creationId xmlns:a16="http://schemas.microsoft.com/office/drawing/2014/main" id="{C167F1DA-A267-D9CA-E7AF-8C5D225EFDF9}"/>
+            <a:endParaRPr lang="de-DE"/>
+          </a:p>
+        </p:txBody>
+      </p:sp>
+      <p:sp>
+        <p:nvSpPr>
+          <p:cNvPr id="6" name="Rechteck 5">
+            <a:extLst>
+              <a:ext uri="{FF2B5EF4-FFF2-40B4-BE49-F238E27FC236}">
+                <a16:creationId xmlns:a16="http://schemas.microsoft.com/office/drawing/2014/main" id="{AF3141BD-0659-02F0-77C6-DF20CDE9616D}"/>
               </a:ext>
             </a:extLst>
           </p:cNvPr>
@@ -11818,14 +12316,16 @@
         </p:nvSpPr>
         <p:spPr>
           <a:xfrm>
-            <a:off x="4798059" y="663696"/>
-            <a:ext cx="1076960" cy="384567"/>
+            <a:off x="2010893" y="3727642"/>
+            <a:ext cx="8170214" cy="114230"/>
           </a:xfrm>
           <a:prstGeom prst="rect">
             <a:avLst/>
           </a:prstGeom>
           <a:solidFill>
-            <a:schemeClr val="bg1"/>
+            <a:schemeClr val="bg1">
+              <a:lumMod val="75000"/>
+            </a:schemeClr>
           </a:solidFill>
           <a:ln>
             <a:noFill/>
@@ -11858,10 +12358,150 @@
       </p:sp>
       <p:sp>
         <p:nvSpPr>
-          <p:cNvPr id="11" name="Rechteck 10">
-            <a:extLst>
-              <a:ext uri="{FF2B5EF4-FFF2-40B4-BE49-F238E27FC236}">
-                <a16:creationId xmlns:a16="http://schemas.microsoft.com/office/drawing/2014/main" id="{7E456172-4585-E217-3109-02E29C5572C8}"/>
+          <p:cNvPr id="26" name="Textfeld 25">
+            <a:extLst>
+              <a:ext uri="{FF2B5EF4-FFF2-40B4-BE49-F238E27FC236}">
+                <a16:creationId xmlns:a16="http://schemas.microsoft.com/office/drawing/2014/main" id="{2FEBBB61-4E65-2B10-380C-72563E6A5762}"/>
+              </a:ext>
+            </a:extLst>
+          </p:cNvPr>
+          <p:cNvSpPr txBox="1"/>
+          <p:nvPr/>
+        </p:nvSpPr>
+        <p:spPr>
+          <a:xfrm>
+            <a:off x="1681957" y="3134592"/>
+            <a:ext cx="328936" cy="307777"/>
+          </a:xfrm>
+          <a:prstGeom prst="rect">
+            <a:avLst/>
+          </a:prstGeom>
+          <a:noFill/>
+        </p:spPr>
+        <p:txBody>
+          <a:bodyPr wrap="none" rtlCol="0">
+            <a:spAutoFit/>
+          </a:bodyPr>
+          <a:lstStyle/>
+          <a:p>
+            <a:r>
+              <a:rPr lang="de-DE" sz="1400" b="1" dirty="0"/>
+              <a:t>3´</a:t>
+            </a:r>
+          </a:p>
+        </p:txBody>
+      </p:sp>
+      <p:sp>
+        <p:nvSpPr>
+          <p:cNvPr id="27" name="Textfeld 26">
+            <a:extLst>
+              <a:ext uri="{FF2B5EF4-FFF2-40B4-BE49-F238E27FC236}">
+                <a16:creationId xmlns:a16="http://schemas.microsoft.com/office/drawing/2014/main" id="{4776C7F0-DE9A-C657-665A-B4205CC69244}"/>
+              </a:ext>
+            </a:extLst>
+          </p:cNvPr>
+          <p:cNvSpPr txBox="1"/>
+          <p:nvPr/>
+        </p:nvSpPr>
+        <p:spPr>
+          <a:xfrm>
+            <a:off x="10181107" y="3630868"/>
+            <a:ext cx="328936" cy="307777"/>
+          </a:xfrm>
+          <a:prstGeom prst="rect">
+            <a:avLst/>
+          </a:prstGeom>
+          <a:noFill/>
+        </p:spPr>
+        <p:txBody>
+          <a:bodyPr wrap="none" rtlCol="0">
+            <a:spAutoFit/>
+          </a:bodyPr>
+          <a:lstStyle/>
+          <a:p>
+            <a:r>
+              <a:rPr lang="de-DE" sz="1400" b="1" dirty="0"/>
+              <a:t>3´</a:t>
+            </a:r>
+          </a:p>
+        </p:txBody>
+      </p:sp>
+      <p:sp>
+        <p:nvSpPr>
+          <p:cNvPr id="28" name="Textfeld 27">
+            <a:extLst>
+              <a:ext uri="{FF2B5EF4-FFF2-40B4-BE49-F238E27FC236}">
+                <a16:creationId xmlns:a16="http://schemas.microsoft.com/office/drawing/2014/main" id="{D367B52E-D79C-4683-5E50-2A080332E836}"/>
+              </a:ext>
+            </a:extLst>
+          </p:cNvPr>
+          <p:cNvSpPr txBox="1"/>
+          <p:nvPr/>
+        </p:nvSpPr>
+        <p:spPr>
+          <a:xfrm>
+            <a:off x="10181107" y="3120816"/>
+            <a:ext cx="330540" cy="307777"/>
+          </a:xfrm>
+          <a:prstGeom prst="rect">
+            <a:avLst/>
+          </a:prstGeom>
+          <a:noFill/>
+        </p:spPr>
+        <p:txBody>
+          <a:bodyPr wrap="none" rtlCol="0">
+            <a:spAutoFit/>
+          </a:bodyPr>
+          <a:lstStyle/>
+          <a:p>
+            <a:r>
+              <a:rPr lang="de-DE" sz="1400" b="1" dirty="0"/>
+              <a:t>5´</a:t>
+            </a:r>
+          </a:p>
+        </p:txBody>
+      </p:sp>
+      <p:sp>
+        <p:nvSpPr>
+          <p:cNvPr id="29" name="Textfeld 28">
+            <a:extLst>
+              <a:ext uri="{FF2B5EF4-FFF2-40B4-BE49-F238E27FC236}">
+                <a16:creationId xmlns:a16="http://schemas.microsoft.com/office/drawing/2014/main" id="{25D0DEFB-6651-234D-B74F-ADD4A98EFF42}"/>
+              </a:ext>
+            </a:extLst>
+          </p:cNvPr>
+          <p:cNvSpPr txBox="1"/>
+          <p:nvPr/>
+        </p:nvSpPr>
+        <p:spPr>
+          <a:xfrm>
+            <a:off x="1681957" y="3635398"/>
+            <a:ext cx="330540" cy="307777"/>
+          </a:xfrm>
+          <a:prstGeom prst="rect">
+            <a:avLst/>
+          </a:prstGeom>
+          <a:noFill/>
+        </p:spPr>
+        <p:txBody>
+          <a:bodyPr wrap="none" rtlCol="0">
+            <a:spAutoFit/>
+          </a:bodyPr>
+          <a:lstStyle/>
+          <a:p>
+            <a:r>
+              <a:rPr lang="de-DE" sz="1400" b="1" dirty="0"/>
+              <a:t>5´</a:t>
+            </a:r>
+          </a:p>
+        </p:txBody>
+      </p:sp>
+      <p:sp>
+        <p:nvSpPr>
+          <p:cNvPr id="30" name="Rechteck 29">
+            <a:extLst>
+              <a:ext uri="{FF2B5EF4-FFF2-40B4-BE49-F238E27FC236}">
+                <a16:creationId xmlns:a16="http://schemas.microsoft.com/office/drawing/2014/main" id="{9975BF47-00F3-3E79-7AF4-768DA735A4F5}"/>
               </a:ext>
             </a:extLst>
           </p:cNvPr>
@@ -11870,14 +12510,14 @@
         </p:nvSpPr>
         <p:spPr>
           <a:xfrm>
-            <a:off x="6165088" y="3044433"/>
-            <a:ext cx="1076960" cy="384567"/>
+            <a:off x="2339829" y="3204643"/>
+            <a:ext cx="615340" cy="167674"/>
           </a:xfrm>
           <a:prstGeom prst="rect">
             <a:avLst/>
           </a:prstGeom>
           <a:solidFill>
-            <a:schemeClr val="bg1"/>
+            <a:srgbClr val="F44336"/>
           </a:solidFill>
           <a:ln>
             <a:noFill/>
@@ -11910,10 +12550,10 @@
       </p:sp>
       <p:sp>
         <p:nvSpPr>
-          <p:cNvPr id="12" name="Rechteck 11">
-            <a:extLst>
-              <a:ext uri="{FF2B5EF4-FFF2-40B4-BE49-F238E27FC236}">
-                <a16:creationId xmlns:a16="http://schemas.microsoft.com/office/drawing/2014/main" id="{FE00973F-25CF-C8ED-189C-60F52B84B33A}"/>
+          <p:cNvPr id="31" name="Rechteck 30">
+            <a:extLst>
+              <a:ext uri="{FF2B5EF4-FFF2-40B4-BE49-F238E27FC236}">
+                <a16:creationId xmlns:a16="http://schemas.microsoft.com/office/drawing/2014/main" id="{CFD1E7C4-0C1A-9ADF-4D35-26B5BFF095DA}"/>
               </a:ext>
             </a:extLst>
           </p:cNvPr>
@@ -11922,14 +12562,14 @@
         </p:nvSpPr>
         <p:spPr>
           <a:xfrm>
-            <a:off x="6500368" y="3236716"/>
-            <a:ext cx="1076960" cy="384567"/>
+            <a:off x="2339829" y="3700919"/>
+            <a:ext cx="615340" cy="167674"/>
           </a:xfrm>
           <a:prstGeom prst="rect">
             <a:avLst/>
           </a:prstGeom>
           <a:solidFill>
-            <a:schemeClr val="bg1"/>
+            <a:srgbClr val="36E7F4"/>
           </a:solidFill>
           <a:ln>
             <a:noFill/>
@@ -11962,10 +12602,10 @@
       </p:sp>
       <p:sp>
         <p:nvSpPr>
-          <p:cNvPr id="13" name="Rechteck 12">
-            <a:extLst>
-              <a:ext uri="{FF2B5EF4-FFF2-40B4-BE49-F238E27FC236}">
-                <a16:creationId xmlns:a16="http://schemas.microsoft.com/office/drawing/2014/main" id="{D0879636-FB17-7D01-9C54-2086D75A0190}"/>
+          <p:cNvPr id="32" name="Rechteck 31">
+            <a:extLst>
+              <a:ext uri="{FF2B5EF4-FFF2-40B4-BE49-F238E27FC236}">
+                <a16:creationId xmlns:a16="http://schemas.microsoft.com/office/drawing/2014/main" id="{4583D89D-AA1F-5E4E-47DA-556367CB2D6D}"/>
               </a:ext>
             </a:extLst>
           </p:cNvPr>
@@ -11974,14 +12614,14 @@
         </p:nvSpPr>
         <p:spPr>
           <a:xfrm>
-            <a:off x="7512304" y="3640456"/>
-            <a:ext cx="1076960" cy="384567"/>
+            <a:off x="3131620" y="3202496"/>
+            <a:ext cx="615340" cy="167674"/>
           </a:xfrm>
           <a:prstGeom prst="rect">
             <a:avLst/>
           </a:prstGeom>
           <a:solidFill>
-            <a:schemeClr val="bg1"/>
+            <a:srgbClr val="1EE9A4"/>
           </a:solidFill>
           <a:ln>
             <a:noFill/>
@@ -12014,10 +12654,10 @@
       </p:sp>
       <p:sp>
         <p:nvSpPr>
-          <p:cNvPr id="14" name="Rechteck 13">
-            <a:extLst>
-              <a:ext uri="{FF2B5EF4-FFF2-40B4-BE49-F238E27FC236}">
-                <a16:creationId xmlns:a16="http://schemas.microsoft.com/office/drawing/2014/main" id="{BEB75868-A216-052D-EF33-4C4C4466D892}"/>
+          <p:cNvPr id="33" name="Rechteck 32">
+            <a:extLst>
+              <a:ext uri="{FF2B5EF4-FFF2-40B4-BE49-F238E27FC236}">
+                <a16:creationId xmlns:a16="http://schemas.microsoft.com/office/drawing/2014/main" id="{F9B10C8F-E6A1-815B-8626-EFBAEE3BCF70}"/>
               </a:ext>
             </a:extLst>
           </p:cNvPr>
@@ -12026,14 +12666,14 @@
         </p:nvSpPr>
         <p:spPr>
           <a:xfrm>
-            <a:off x="9018224" y="3252694"/>
-            <a:ext cx="1076960" cy="384567"/>
+            <a:off x="3131620" y="3700919"/>
+            <a:ext cx="615340" cy="167674"/>
           </a:xfrm>
           <a:prstGeom prst="rect">
             <a:avLst/>
           </a:prstGeom>
           <a:solidFill>
-            <a:schemeClr val="bg1"/>
+            <a:srgbClr val="E91E63"/>
           </a:solidFill>
           <a:ln>
             <a:noFill/>
@@ -12066,80 +12706,10 @@
       </p:sp>
       <p:sp>
         <p:nvSpPr>
-          <p:cNvPr id="15" name="Textfeld 14">
-            <a:extLst>
-              <a:ext uri="{FF2B5EF4-FFF2-40B4-BE49-F238E27FC236}">
-                <a16:creationId xmlns:a16="http://schemas.microsoft.com/office/drawing/2014/main" id="{BFA66716-B02D-12E0-9F73-BC5391BAE4CE}"/>
-              </a:ext>
-            </a:extLst>
-          </p:cNvPr>
-          <p:cNvSpPr txBox="1"/>
-          <p:nvPr/>
-        </p:nvSpPr>
-        <p:spPr>
-          <a:xfrm>
-            <a:off x="2458720" y="308107"/>
-            <a:ext cx="1747519" cy="523220"/>
-          </a:xfrm>
-          <a:prstGeom prst="rect">
-            <a:avLst/>
-          </a:prstGeom>
-          <a:noFill/>
-        </p:spPr>
-        <p:txBody>
-          <a:bodyPr wrap="square" rtlCol="0">
-            <a:spAutoFit/>
-          </a:bodyPr>
-          <a:lstStyle/>
-          <a:p>
-            <a:r>
-              <a:rPr lang="de-DE" sz="1400" b="1" dirty="0"/>
-              <a:t>Innerer forward Primer</a:t>
-            </a:r>
-          </a:p>
-        </p:txBody>
-      </p:sp>
-      <p:sp>
-        <p:nvSpPr>
-          <p:cNvPr id="16" name="Textfeld 15">
-            <a:extLst>
-              <a:ext uri="{FF2B5EF4-FFF2-40B4-BE49-F238E27FC236}">
-                <a16:creationId xmlns:a16="http://schemas.microsoft.com/office/drawing/2014/main" id="{C1D2CE52-B4FA-DECB-95FD-8C597CCCF81D}"/>
-              </a:ext>
-            </a:extLst>
-          </p:cNvPr>
-          <p:cNvSpPr txBox="1"/>
-          <p:nvPr/>
-        </p:nvSpPr>
-        <p:spPr>
-          <a:xfrm>
-            <a:off x="7602818" y="3511390"/>
-            <a:ext cx="1747519" cy="523220"/>
-          </a:xfrm>
-          <a:prstGeom prst="rect">
-            <a:avLst/>
-          </a:prstGeom>
-          <a:noFill/>
-        </p:spPr>
-        <p:txBody>
-          <a:bodyPr wrap="square" rtlCol="0">
-            <a:spAutoFit/>
-          </a:bodyPr>
-          <a:lstStyle/>
-          <a:p>
-            <a:r>
-              <a:rPr lang="de-DE" sz="1400" b="1" dirty="0"/>
-              <a:t>Innerer reverse Primer</a:t>
-            </a:r>
-          </a:p>
-        </p:txBody>
-      </p:sp>
-      <p:sp>
-        <p:nvSpPr>
-          <p:cNvPr id="17" name="Rechteck 16">
-            <a:extLst>
-              <a:ext uri="{FF2B5EF4-FFF2-40B4-BE49-F238E27FC236}">
-                <a16:creationId xmlns:a16="http://schemas.microsoft.com/office/drawing/2014/main" id="{78BCA95C-AFD9-3DE5-4596-BFFA036816CB}"/>
+          <p:cNvPr id="34" name="Rechteck 33">
+            <a:extLst>
+              <a:ext uri="{FF2B5EF4-FFF2-40B4-BE49-F238E27FC236}">
+                <a16:creationId xmlns:a16="http://schemas.microsoft.com/office/drawing/2014/main" id="{63B1433F-5EFD-A83B-C95B-CCFE886C6535}"/>
               </a:ext>
             </a:extLst>
           </p:cNvPr>
@@ -12147,15 +12717,17 @@
           <p:nvPr/>
         </p:nvSpPr>
         <p:spPr>
-          <a:xfrm rot="2650870">
-            <a:off x="8390091" y="3103999"/>
-            <a:ext cx="464786" cy="135203"/>
+          <a:xfrm>
+            <a:off x="3923411" y="3700919"/>
+            <a:ext cx="615340" cy="167674"/>
           </a:xfrm>
           <a:prstGeom prst="rect">
             <a:avLst/>
           </a:prstGeom>
           <a:solidFill>
-            <a:srgbClr val="000084"/>
+            <a:schemeClr val="accent4">
+              <a:lumMod val="75000"/>
+            </a:schemeClr>
           </a:solidFill>
           <a:ln>
             <a:noFill/>
@@ -12188,166 +12760,10 @@
       </p:sp>
       <p:sp>
         <p:nvSpPr>
-          <p:cNvPr id="18" name="Textfeld 17">
-            <a:extLst>
-              <a:ext uri="{FF2B5EF4-FFF2-40B4-BE49-F238E27FC236}">
-                <a16:creationId xmlns:a16="http://schemas.microsoft.com/office/drawing/2014/main" id="{CDFC24E4-963D-F211-8813-B905ECD174E7}"/>
-              </a:ext>
-            </a:extLst>
-          </p:cNvPr>
-          <p:cNvSpPr txBox="1"/>
-          <p:nvPr/>
-        </p:nvSpPr>
-        <p:spPr>
-          <a:xfrm>
-            <a:off x="9027630" y="3234665"/>
-            <a:ext cx="1747519" cy="523220"/>
-          </a:xfrm>
-          <a:prstGeom prst="rect">
-            <a:avLst/>
-          </a:prstGeom>
-          <a:noFill/>
-        </p:spPr>
-        <p:txBody>
-          <a:bodyPr wrap="square" rtlCol="0">
-            <a:spAutoFit/>
-          </a:bodyPr>
-          <a:lstStyle/>
-          <a:p>
-            <a:r>
-              <a:rPr lang="de-DE" sz="1400" b="1" dirty="0"/>
-              <a:t>Äußerer reverse Primer (B3)</a:t>
-            </a:r>
-          </a:p>
-        </p:txBody>
-      </p:sp>
-      <p:sp>
-        <p:nvSpPr>
-          <p:cNvPr id="19" name="Textfeld 18">
-            <a:extLst>
-              <a:ext uri="{FF2B5EF4-FFF2-40B4-BE49-F238E27FC236}">
-                <a16:creationId xmlns:a16="http://schemas.microsoft.com/office/drawing/2014/main" id="{56DC5564-7882-C839-94E4-78323FE1A757}"/>
-              </a:ext>
-            </a:extLst>
-          </p:cNvPr>
-          <p:cNvSpPr txBox="1"/>
-          <p:nvPr/>
-        </p:nvSpPr>
-        <p:spPr>
-          <a:xfrm>
-            <a:off x="1767841" y="976469"/>
-            <a:ext cx="1747519" cy="523220"/>
-          </a:xfrm>
-          <a:prstGeom prst="rect">
-            <a:avLst/>
-          </a:prstGeom>
-          <a:noFill/>
-        </p:spPr>
-        <p:txBody>
-          <a:bodyPr wrap="square" rtlCol="0">
-            <a:spAutoFit/>
-          </a:bodyPr>
-          <a:lstStyle/>
-          <a:p>
-            <a:r>
-              <a:rPr lang="de-DE" sz="1400" b="1" dirty="0"/>
-              <a:t>Äußerer reverse Primer (F3)</a:t>
-            </a:r>
-          </a:p>
-        </p:txBody>
-      </p:sp>
-      <p:sp>
-        <p:nvSpPr>
-          <p:cNvPr id="20" name="Textfeld 19">
-            <a:extLst>
-              <a:ext uri="{FF2B5EF4-FFF2-40B4-BE49-F238E27FC236}">
-                <a16:creationId xmlns:a16="http://schemas.microsoft.com/office/drawing/2014/main" id="{26115FC4-A06A-F9C9-9430-8A541DF7F197}"/>
-              </a:ext>
-            </a:extLst>
-          </p:cNvPr>
-          <p:cNvSpPr txBox="1"/>
-          <p:nvPr/>
-        </p:nvSpPr>
-        <p:spPr>
-          <a:xfrm>
-            <a:off x="4798059" y="822580"/>
-            <a:ext cx="1747519" cy="307777"/>
-          </a:xfrm>
-          <a:prstGeom prst="rect">
-            <a:avLst/>
-          </a:prstGeom>
-          <a:noFill/>
-        </p:spPr>
-        <p:txBody>
-          <a:bodyPr wrap="square" rtlCol="0">
-            <a:spAutoFit/>
-          </a:bodyPr>
-          <a:lstStyle/>
-          <a:p>
-            <a:r>
-              <a:rPr lang="de-DE" sz="1400" b="1" dirty="0"/>
-              <a:t>Loop Primer (</a:t>
-            </a:r>
-            <a:r>
-              <a:rPr lang="de-DE" sz="1400" b="1" dirty="0" err="1"/>
-              <a:t>FLc</a:t>
-            </a:r>
-            <a:r>
-              <a:rPr lang="de-DE" sz="1400" b="1" dirty="0"/>
-              <a:t>)</a:t>
-            </a:r>
-          </a:p>
-        </p:txBody>
-      </p:sp>
-      <p:sp>
-        <p:nvSpPr>
-          <p:cNvPr id="21" name="Textfeld 20">
-            <a:extLst>
-              <a:ext uri="{FF2B5EF4-FFF2-40B4-BE49-F238E27FC236}">
-                <a16:creationId xmlns:a16="http://schemas.microsoft.com/office/drawing/2014/main" id="{63FA4AEA-36E1-AB1C-4B7A-D79A4E9366D9}"/>
-              </a:ext>
-            </a:extLst>
-          </p:cNvPr>
-          <p:cNvSpPr txBox="1"/>
-          <p:nvPr/>
-        </p:nvSpPr>
-        <p:spPr>
-          <a:xfrm>
-            <a:off x="6177763" y="3194026"/>
-            <a:ext cx="1747519" cy="307777"/>
-          </a:xfrm>
-          <a:prstGeom prst="rect">
-            <a:avLst/>
-          </a:prstGeom>
-          <a:noFill/>
-        </p:spPr>
-        <p:txBody>
-          <a:bodyPr wrap="square" rtlCol="0">
-            <a:spAutoFit/>
-          </a:bodyPr>
-          <a:lstStyle/>
-          <a:p>
-            <a:r>
-              <a:rPr lang="de-DE" sz="1400" b="1" dirty="0"/>
-              <a:t>Loop Primer (</a:t>
-            </a:r>
-            <a:r>
-              <a:rPr lang="de-DE" sz="1400" b="1" dirty="0" err="1"/>
-              <a:t>BLc</a:t>
-            </a:r>
-            <a:r>
-              <a:rPr lang="de-DE" sz="1400" b="1" dirty="0"/>
-              <a:t>)</a:t>
-            </a:r>
-          </a:p>
-        </p:txBody>
-      </p:sp>
-      <p:sp>
-        <p:nvSpPr>
-          <p:cNvPr id="23" name="Rechteck 22">
-            <a:extLst>
-              <a:ext uri="{FF2B5EF4-FFF2-40B4-BE49-F238E27FC236}">
-                <a16:creationId xmlns:a16="http://schemas.microsoft.com/office/drawing/2014/main" id="{0819E97D-B87B-BB93-EBE6-F89A0EF4BEAA}"/>
+          <p:cNvPr id="35" name="Rechteck 34">
+            <a:extLst>
+              <a:ext uri="{FF2B5EF4-FFF2-40B4-BE49-F238E27FC236}">
+                <a16:creationId xmlns:a16="http://schemas.microsoft.com/office/drawing/2014/main" id="{5AA6D3A7-0AD5-402E-C2EE-04BB9B581989}"/>
               </a:ext>
             </a:extLst>
           </p:cNvPr>
@@ -12356,14 +12772,17 @@
         </p:nvSpPr>
         <p:spPr>
           <a:xfrm>
-            <a:off x="4470400" y="2325344"/>
-            <a:ext cx="463064" cy="187960"/>
+            <a:off x="3923411" y="3193611"/>
+            <a:ext cx="615340" cy="167674"/>
           </a:xfrm>
           <a:prstGeom prst="rect">
             <a:avLst/>
           </a:prstGeom>
           <a:solidFill>
-            <a:schemeClr val="bg1"/>
+            <a:schemeClr val="accent4">
+              <a:lumMod val="40000"/>
+              <a:lumOff val="60000"/>
+            </a:schemeClr>
           </a:solidFill>
           <a:ln>
             <a:noFill/>
@@ -12396,10 +12815,530 @@
       </p:sp>
       <p:sp>
         <p:nvSpPr>
-          <p:cNvPr id="22" name="Textfeld 21">
-            <a:extLst>
-              <a:ext uri="{FF2B5EF4-FFF2-40B4-BE49-F238E27FC236}">
-                <a16:creationId xmlns:a16="http://schemas.microsoft.com/office/drawing/2014/main" id="{D07103C7-7D49-7C16-86CD-104C4421D581}"/>
+          <p:cNvPr id="36" name="Rechteck 35">
+            <a:extLst>
+              <a:ext uri="{FF2B5EF4-FFF2-40B4-BE49-F238E27FC236}">
+                <a16:creationId xmlns:a16="http://schemas.microsoft.com/office/drawing/2014/main" id="{47720901-B38E-C6C2-AE4B-F6D07DAFF475}"/>
+              </a:ext>
+            </a:extLst>
+          </p:cNvPr>
+          <p:cNvSpPr/>
+          <p:nvPr/>
+        </p:nvSpPr>
+        <p:spPr>
+          <a:xfrm>
+            <a:off x="4715202" y="3202496"/>
+            <a:ext cx="615340" cy="167674"/>
+          </a:xfrm>
+          <a:prstGeom prst="rect">
+            <a:avLst/>
+          </a:prstGeom>
+          <a:solidFill>
+            <a:srgbClr val="CC9CA7"/>
+          </a:solidFill>
+          <a:ln>
+            <a:noFill/>
+          </a:ln>
+        </p:spPr>
+        <p:style>
+          <a:lnRef idx="2">
+            <a:schemeClr val="accent1">
+              <a:shade val="50000"/>
+            </a:schemeClr>
+          </a:lnRef>
+          <a:fillRef idx="1">
+            <a:schemeClr val="accent1"/>
+          </a:fillRef>
+          <a:effectRef idx="0">
+            <a:schemeClr val="accent1"/>
+          </a:effectRef>
+          <a:fontRef idx="minor">
+            <a:schemeClr val="lt1"/>
+          </a:fontRef>
+        </p:style>
+        <p:txBody>
+          <a:bodyPr rtlCol="0" anchor="ctr"/>
+          <a:lstStyle/>
+          <a:p>
+            <a:pPr algn="ctr"/>
+            <a:endParaRPr lang="de-DE"/>
+          </a:p>
+        </p:txBody>
+      </p:sp>
+      <p:sp>
+        <p:nvSpPr>
+          <p:cNvPr id="37" name="Rechteck 36">
+            <a:extLst>
+              <a:ext uri="{FF2B5EF4-FFF2-40B4-BE49-F238E27FC236}">
+                <a16:creationId xmlns:a16="http://schemas.microsoft.com/office/drawing/2014/main" id="{BAB0991D-B2BF-8791-10E0-9049C2EC0B11}"/>
+              </a:ext>
+            </a:extLst>
+          </p:cNvPr>
+          <p:cNvSpPr/>
+          <p:nvPr/>
+        </p:nvSpPr>
+        <p:spPr>
+          <a:xfrm>
+            <a:off x="4715202" y="3700919"/>
+            <a:ext cx="615340" cy="167674"/>
+          </a:xfrm>
+          <a:prstGeom prst="rect">
+            <a:avLst/>
+          </a:prstGeom>
+          <a:solidFill>
+            <a:srgbClr val="CCFF33"/>
+          </a:solidFill>
+          <a:ln>
+            <a:noFill/>
+          </a:ln>
+        </p:spPr>
+        <p:style>
+          <a:lnRef idx="2">
+            <a:schemeClr val="accent1">
+              <a:shade val="50000"/>
+            </a:schemeClr>
+          </a:lnRef>
+          <a:fillRef idx="1">
+            <a:schemeClr val="accent1"/>
+          </a:fillRef>
+          <a:effectRef idx="0">
+            <a:schemeClr val="accent1"/>
+          </a:effectRef>
+          <a:fontRef idx="minor">
+            <a:schemeClr val="lt1"/>
+          </a:fontRef>
+        </p:style>
+        <p:txBody>
+          <a:bodyPr rtlCol="0" anchor="ctr"/>
+          <a:lstStyle/>
+          <a:p>
+            <a:pPr algn="ctr"/>
+            <a:endParaRPr lang="de-DE"/>
+          </a:p>
+        </p:txBody>
+      </p:sp>
+      <p:sp>
+        <p:nvSpPr>
+          <p:cNvPr id="38" name="Rechteck 37">
+            <a:extLst>
+              <a:ext uri="{FF2B5EF4-FFF2-40B4-BE49-F238E27FC236}">
+                <a16:creationId xmlns:a16="http://schemas.microsoft.com/office/drawing/2014/main" id="{41C30740-1078-BA77-893F-71BF040FFDAC}"/>
+              </a:ext>
+            </a:extLst>
+          </p:cNvPr>
+          <p:cNvSpPr/>
+          <p:nvPr/>
+        </p:nvSpPr>
+        <p:spPr>
+          <a:xfrm>
+            <a:off x="6858000" y="3204643"/>
+            <a:ext cx="615340" cy="167674"/>
+          </a:xfrm>
+          <a:prstGeom prst="rect">
+            <a:avLst/>
+          </a:prstGeom>
+          <a:solidFill>
+            <a:srgbClr val="FFF83B"/>
+          </a:solidFill>
+          <a:ln>
+            <a:noFill/>
+          </a:ln>
+        </p:spPr>
+        <p:style>
+          <a:lnRef idx="2">
+            <a:schemeClr val="accent1">
+              <a:shade val="50000"/>
+            </a:schemeClr>
+          </a:lnRef>
+          <a:fillRef idx="1">
+            <a:schemeClr val="accent1"/>
+          </a:fillRef>
+          <a:effectRef idx="0">
+            <a:schemeClr val="accent1"/>
+          </a:effectRef>
+          <a:fontRef idx="minor">
+            <a:schemeClr val="lt1"/>
+          </a:fontRef>
+        </p:style>
+        <p:txBody>
+          <a:bodyPr rtlCol="0" anchor="ctr"/>
+          <a:lstStyle/>
+          <a:p>
+            <a:pPr algn="ctr"/>
+            <a:endParaRPr lang="de-DE"/>
+          </a:p>
+        </p:txBody>
+      </p:sp>
+      <p:sp>
+        <p:nvSpPr>
+          <p:cNvPr id="39" name="Rechteck 38">
+            <a:extLst>
+              <a:ext uri="{FF2B5EF4-FFF2-40B4-BE49-F238E27FC236}">
+                <a16:creationId xmlns:a16="http://schemas.microsoft.com/office/drawing/2014/main" id="{68AC3797-A13C-2993-45C4-5C05899AB618}"/>
+              </a:ext>
+            </a:extLst>
+          </p:cNvPr>
+          <p:cNvSpPr/>
+          <p:nvPr/>
+        </p:nvSpPr>
+        <p:spPr>
+          <a:xfrm>
+            <a:off x="6858000" y="3700919"/>
+            <a:ext cx="615340" cy="167674"/>
+          </a:xfrm>
+          <a:prstGeom prst="rect">
+            <a:avLst/>
+          </a:prstGeom>
+          <a:solidFill>
+            <a:srgbClr val="F83BFF"/>
+          </a:solidFill>
+          <a:ln>
+            <a:noFill/>
+          </a:ln>
+        </p:spPr>
+        <p:style>
+          <a:lnRef idx="2">
+            <a:schemeClr val="accent1">
+              <a:shade val="50000"/>
+            </a:schemeClr>
+          </a:lnRef>
+          <a:fillRef idx="1">
+            <a:schemeClr val="accent1"/>
+          </a:fillRef>
+          <a:effectRef idx="0">
+            <a:schemeClr val="accent1"/>
+          </a:effectRef>
+          <a:fontRef idx="minor">
+            <a:schemeClr val="lt1"/>
+          </a:fontRef>
+        </p:style>
+        <p:txBody>
+          <a:bodyPr rtlCol="0" anchor="ctr"/>
+          <a:lstStyle/>
+          <a:p>
+            <a:pPr algn="ctr"/>
+            <a:endParaRPr lang="de-DE"/>
+          </a:p>
+        </p:txBody>
+      </p:sp>
+      <p:sp>
+        <p:nvSpPr>
+          <p:cNvPr id="40" name="Rechteck 39">
+            <a:extLst>
+              <a:ext uri="{FF2B5EF4-FFF2-40B4-BE49-F238E27FC236}">
+                <a16:creationId xmlns:a16="http://schemas.microsoft.com/office/drawing/2014/main" id="{69834C5F-CE3B-DD93-69FC-93CE6D441581}"/>
+              </a:ext>
+            </a:extLst>
+          </p:cNvPr>
+          <p:cNvSpPr/>
+          <p:nvPr/>
+        </p:nvSpPr>
+        <p:spPr>
+          <a:xfrm>
+            <a:off x="7649791" y="3202496"/>
+            <a:ext cx="615340" cy="167674"/>
+          </a:xfrm>
+          <a:prstGeom prst="rect">
+            <a:avLst/>
+          </a:prstGeom>
+          <a:solidFill>
+            <a:srgbClr val="3F51B5"/>
+          </a:solidFill>
+          <a:ln>
+            <a:noFill/>
+          </a:ln>
+        </p:spPr>
+        <p:style>
+          <a:lnRef idx="2">
+            <a:schemeClr val="accent1">
+              <a:shade val="50000"/>
+            </a:schemeClr>
+          </a:lnRef>
+          <a:fillRef idx="1">
+            <a:schemeClr val="accent1"/>
+          </a:fillRef>
+          <a:effectRef idx="0">
+            <a:schemeClr val="accent1"/>
+          </a:effectRef>
+          <a:fontRef idx="minor">
+            <a:schemeClr val="lt1"/>
+          </a:fontRef>
+        </p:style>
+        <p:txBody>
+          <a:bodyPr rtlCol="0" anchor="ctr"/>
+          <a:lstStyle/>
+          <a:p>
+            <a:pPr algn="ctr"/>
+            <a:endParaRPr lang="de-DE"/>
+          </a:p>
+        </p:txBody>
+      </p:sp>
+      <p:sp>
+        <p:nvSpPr>
+          <p:cNvPr id="41" name="Rechteck 40">
+            <a:extLst>
+              <a:ext uri="{FF2B5EF4-FFF2-40B4-BE49-F238E27FC236}">
+                <a16:creationId xmlns:a16="http://schemas.microsoft.com/office/drawing/2014/main" id="{F0B331C4-85E1-438D-4351-E99B34D69FC7}"/>
+              </a:ext>
+            </a:extLst>
+          </p:cNvPr>
+          <p:cNvSpPr/>
+          <p:nvPr/>
+        </p:nvSpPr>
+        <p:spPr>
+          <a:xfrm>
+            <a:off x="7649791" y="3700919"/>
+            <a:ext cx="615340" cy="167674"/>
+          </a:xfrm>
+          <a:prstGeom prst="rect">
+            <a:avLst/>
+          </a:prstGeom>
+          <a:solidFill>
+            <a:srgbClr val="B5A33F"/>
+          </a:solidFill>
+          <a:ln>
+            <a:noFill/>
+          </a:ln>
+        </p:spPr>
+        <p:style>
+          <a:lnRef idx="2">
+            <a:schemeClr val="accent1">
+              <a:shade val="50000"/>
+            </a:schemeClr>
+          </a:lnRef>
+          <a:fillRef idx="1">
+            <a:schemeClr val="accent1"/>
+          </a:fillRef>
+          <a:effectRef idx="0">
+            <a:schemeClr val="accent1"/>
+          </a:effectRef>
+          <a:fontRef idx="minor">
+            <a:schemeClr val="lt1"/>
+          </a:fontRef>
+        </p:style>
+        <p:txBody>
+          <a:bodyPr rtlCol="0" anchor="ctr"/>
+          <a:lstStyle/>
+          <a:p>
+            <a:pPr algn="ctr"/>
+            <a:endParaRPr lang="de-DE"/>
+          </a:p>
+        </p:txBody>
+      </p:sp>
+      <p:sp>
+        <p:nvSpPr>
+          <p:cNvPr id="42" name="Rechteck 41">
+            <a:extLst>
+              <a:ext uri="{FF2B5EF4-FFF2-40B4-BE49-F238E27FC236}">
+                <a16:creationId xmlns:a16="http://schemas.microsoft.com/office/drawing/2014/main" id="{0431E433-10A3-B995-E8C9-AB3AF76ED018}"/>
+              </a:ext>
+            </a:extLst>
+          </p:cNvPr>
+          <p:cNvSpPr/>
+          <p:nvPr/>
+        </p:nvSpPr>
+        <p:spPr>
+          <a:xfrm>
+            <a:off x="8441582" y="3700919"/>
+            <a:ext cx="615340" cy="167674"/>
+          </a:xfrm>
+          <a:prstGeom prst="rect">
+            <a:avLst/>
+          </a:prstGeom>
+          <a:solidFill>
+            <a:srgbClr val="96000E"/>
+          </a:solidFill>
+          <a:ln>
+            <a:noFill/>
+          </a:ln>
+        </p:spPr>
+        <p:style>
+          <a:lnRef idx="2">
+            <a:schemeClr val="accent1">
+              <a:shade val="50000"/>
+            </a:schemeClr>
+          </a:lnRef>
+          <a:fillRef idx="1">
+            <a:schemeClr val="accent1"/>
+          </a:fillRef>
+          <a:effectRef idx="0">
+            <a:schemeClr val="accent1"/>
+          </a:effectRef>
+          <a:fontRef idx="minor">
+            <a:schemeClr val="lt1"/>
+          </a:fontRef>
+        </p:style>
+        <p:txBody>
+          <a:bodyPr rtlCol="0" anchor="ctr"/>
+          <a:lstStyle/>
+          <a:p>
+            <a:pPr algn="ctr"/>
+            <a:endParaRPr lang="de-DE"/>
+          </a:p>
+        </p:txBody>
+      </p:sp>
+      <p:sp>
+        <p:nvSpPr>
+          <p:cNvPr id="43" name="Rechteck 42">
+            <a:extLst>
+              <a:ext uri="{FF2B5EF4-FFF2-40B4-BE49-F238E27FC236}">
+                <a16:creationId xmlns:a16="http://schemas.microsoft.com/office/drawing/2014/main" id="{8F0BAA79-93FD-9445-485A-3788DE15EFCD}"/>
+              </a:ext>
+            </a:extLst>
+          </p:cNvPr>
+          <p:cNvSpPr/>
+          <p:nvPr/>
+        </p:nvSpPr>
+        <p:spPr>
+          <a:xfrm>
+            <a:off x="8441582" y="3193611"/>
+            <a:ext cx="615340" cy="167674"/>
+          </a:xfrm>
+          <a:prstGeom prst="rect">
+            <a:avLst/>
+          </a:prstGeom>
+          <a:solidFill>
+            <a:srgbClr val="009688"/>
+          </a:solidFill>
+          <a:ln>
+            <a:noFill/>
+          </a:ln>
+        </p:spPr>
+        <p:style>
+          <a:lnRef idx="2">
+            <a:schemeClr val="accent1">
+              <a:shade val="50000"/>
+            </a:schemeClr>
+          </a:lnRef>
+          <a:fillRef idx="1">
+            <a:schemeClr val="accent1"/>
+          </a:fillRef>
+          <a:effectRef idx="0">
+            <a:schemeClr val="accent1"/>
+          </a:effectRef>
+          <a:fontRef idx="minor">
+            <a:schemeClr val="lt1"/>
+          </a:fontRef>
+        </p:style>
+        <p:txBody>
+          <a:bodyPr rtlCol="0" anchor="ctr"/>
+          <a:lstStyle/>
+          <a:p>
+            <a:pPr algn="ctr"/>
+            <a:endParaRPr lang="de-DE"/>
+          </a:p>
+        </p:txBody>
+      </p:sp>
+      <p:sp>
+        <p:nvSpPr>
+          <p:cNvPr id="44" name="Rechteck 43">
+            <a:extLst>
+              <a:ext uri="{FF2B5EF4-FFF2-40B4-BE49-F238E27FC236}">
+                <a16:creationId xmlns:a16="http://schemas.microsoft.com/office/drawing/2014/main" id="{C923A04B-738B-7565-DB7B-698F3CAE300C}"/>
+              </a:ext>
+            </a:extLst>
+          </p:cNvPr>
+          <p:cNvSpPr/>
+          <p:nvPr/>
+        </p:nvSpPr>
+        <p:spPr>
+          <a:xfrm>
+            <a:off x="9233373" y="3202496"/>
+            <a:ext cx="615340" cy="167674"/>
+          </a:xfrm>
+          <a:prstGeom prst="rect">
+            <a:avLst/>
+          </a:prstGeom>
+          <a:solidFill>
+            <a:srgbClr val="0067FF"/>
+          </a:solidFill>
+          <a:ln>
+            <a:noFill/>
+          </a:ln>
+        </p:spPr>
+        <p:style>
+          <a:lnRef idx="2">
+            <a:schemeClr val="accent1">
+              <a:shade val="50000"/>
+            </a:schemeClr>
+          </a:lnRef>
+          <a:fillRef idx="1">
+            <a:schemeClr val="accent1"/>
+          </a:fillRef>
+          <a:effectRef idx="0">
+            <a:schemeClr val="accent1"/>
+          </a:effectRef>
+          <a:fontRef idx="minor">
+            <a:schemeClr val="lt1"/>
+          </a:fontRef>
+        </p:style>
+        <p:txBody>
+          <a:bodyPr rtlCol="0" anchor="ctr"/>
+          <a:lstStyle/>
+          <a:p>
+            <a:pPr algn="ctr"/>
+            <a:endParaRPr lang="de-DE"/>
+          </a:p>
+        </p:txBody>
+      </p:sp>
+      <p:sp>
+        <p:nvSpPr>
+          <p:cNvPr id="45" name="Rechteck 44">
+            <a:extLst>
+              <a:ext uri="{FF2B5EF4-FFF2-40B4-BE49-F238E27FC236}">
+                <a16:creationId xmlns:a16="http://schemas.microsoft.com/office/drawing/2014/main" id="{0666C4A2-74F1-14F1-A832-CE1BFA4A8007}"/>
+              </a:ext>
+            </a:extLst>
+          </p:cNvPr>
+          <p:cNvSpPr/>
+          <p:nvPr/>
+        </p:nvSpPr>
+        <p:spPr>
+          <a:xfrm>
+            <a:off x="9233373" y="3700919"/>
+            <a:ext cx="615340" cy="167674"/>
+          </a:xfrm>
+          <a:prstGeom prst="rect">
+            <a:avLst/>
+          </a:prstGeom>
+          <a:solidFill>
+            <a:srgbClr val="FF9800"/>
+          </a:solidFill>
+          <a:ln>
+            <a:noFill/>
+          </a:ln>
+        </p:spPr>
+        <p:style>
+          <a:lnRef idx="2">
+            <a:schemeClr val="accent1">
+              <a:shade val="50000"/>
+            </a:schemeClr>
+          </a:lnRef>
+          <a:fillRef idx="1">
+            <a:schemeClr val="accent1"/>
+          </a:fillRef>
+          <a:effectRef idx="0">
+            <a:schemeClr val="accent1"/>
+          </a:effectRef>
+          <a:fontRef idx="minor">
+            <a:schemeClr val="lt1"/>
+          </a:fontRef>
+        </p:style>
+        <p:txBody>
+          <a:bodyPr rtlCol="0" anchor="ctr"/>
+          <a:lstStyle/>
+          <a:p>
+            <a:pPr algn="ctr"/>
+            <a:endParaRPr lang="de-DE"/>
+          </a:p>
+        </p:txBody>
+      </p:sp>
+      <p:sp>
+        <p:nvSpPr>
+          <p:cNvPr id="46" name="Textfeld 45">
+            <a:extLst>
+              <a:ext uri="{FF2B5EF4-FFF2-40B4-BE49-F238E27FC236}">
+                <a16:creationId xmlns:a16="http://schemas.microsoft.com/office/drawing/2014/main" id="{04BFE90B-0F10-4383-DF39-960D0E8E9350}"/>
               </a:ext>
             </a:extLst>
           </p:cNvPr>
@@ -12408,8 +13347,8 @@
         </p:nvSpPr>
         <p:spPr>
           <a:xfrm>
-            <a:off x="4435982" y="2255703"/>
-            <a:ext cx="452368" cy="338554"/>
+            <a:off x="5600511" y="3940093"/>
+            <a:ext cx="1013419" cy="369332"/>
           </a:xfrm>
           <a:prstGeom prst="rect">
             <a:avLst/>
@@ -12423,27 +13362,18 @@
           <a:lstStyle/>
           <a:p>
             <a:r>
-              <a:rPr lang="de-DE" sz="1600" b="1" dirty="0" err="1">
-                <a:solidFill>
-                  <a:srgbClr val="BBBBBB"/>
-                </a:solidFill>
-              </a:rPr>
-              <a:t>FLc</a:t>
+              <a:rPr lang="de-DE" b="1" dirty="0"/>
+              <a:t>Ziel DNA</a:t>
             </a:r>
-            <a:endParaRPr lang="de-DE" sz="1600" b="1" dirty="0">
-              <a:solidFill>
-                <a:srgbClr val="BBBBBB"/>
-              </a:solidFill>
-            </a:endParaRPr>
-          </a:p>
-        </p:txBody>
-      </p:sp>
-      <p:sp>
-        <p:nvSpPr>
-          <p:cNvPr id="24" name="Textfeld 23">
-            <a:extLst>
-              <a:ext uri="{FF2B5EF4-FFF2-40B4-BE49-F238E27FC236}">
-                <a16:creationId xmlns:a16="http://schemas.microsoft.com/office/drawing/2014/main" id="{FF7430AF-10C8-3999-DFB3-0776961CBDF3}"/>
+          </a:p>
+        </p:txBody>
+      </p:sp>
+      <p:sp>
+        <p:nvSpPr>
+          <p:cNvPr id="2" name="Textfeld 1">
+            <a:extLst>
+              <a:ext uri="{FF2B5EF4-FFF2-40B4-BE49-F238E27FC236}">
+                <a16:creationId xmlns:a16="http://schemas.microsoft.com/office/drawing/2014/main" id="{C4A12AB4-2014-C664-6991-06B0B5E17749}"/>
               </a:ext>
             </a:extLst>
           </p:cNvPr>
@@ -12452,8 +13382,8 @@
         </p:nvSpPr>
         <p:spPr>
           <a:xfrm>
-            <a:off x="8160887" y="537522"/>
-            <a:ext cx="495649" cy="707886"/>
+            <a:off x="2412499" y="2871065"/>
+            <a:ext cx="470000" cy="338554"/>
           </a:xfrm>
           <a:prstGeom prst="rect">
             <a:avLst/>
@@ -12467,18 +13397,18 @@
           <a:lstStyle/>
           <a:p>
             <a:r>
-              <a:rPr lang="de-DE" sz="4000" b="1" dirty="0"/>
-              <a:t>A</a:t>
+              <a:rPr lang="de-DE" sz="1600" b="1" dirty="0"/>
+              <a:t>F3c</a:t>
             </a:r>
           </a:p>
         </p:txBody>
       </p:sp>
       <p:sp>
         <p:nvSpPr>
-          <p:cNvPr id="25" name="Textfeld 24">
-            <a:extLst>
-              <a:ext uri="{FF2B5EF4-FFF2-40B4-BE49-F238E27FC236}">
-                <a16:creationId xmlns:a16="http://schemas.microsoft.com/office/drawing/2014/main" id="{18A8EFCE-3B36-473F-EC17-B2A2DCFB40B7}"/>
+          <p:cNvPr id="3" name="Textfeld 2">
+            <a:extLst>
+              <a:ext uri="{FF2B5EF4-FFF2-40B4-BE49-F238E27FC236}">
+                <a16:creationId xmlns:a16="http://schemas.microsoft.com/office/drawing/2014/main" id="{811D289E-A3BE-0077-D92A-B83E690A578F}"/>
               </a:ext>
             </a:extLst>
           </p:cNvPr>
@@ -12487,8 +13417,8 @@
         </p:nvSpPr>
         <p:spPr>
           <a:xfrm>
-            <a:off x="3759735" y="3412482"/>
-            <a:ext cx="471604" cy="707886"/>
+            <a:off x="3207230" y="2860438"/>
+            <a:ext cx="470000" cy="338554"/>
           </a:xfrm>
           <a:prstGeom prst="rect">
             <a:avLst/>
@@ -12502,105 +13432,501 @@
           <a:lstStyle/>
           <a:p>
             <a:r>
-              <a:rPr lang="de-DE" sz="4000" b="1" dirty="0"/>
-              <a:t>B</a:t>
+              <a:rPr lang="de-DE" sz="1600" b="1" dirty="0"/>
+              <a:t>F2c</a:t>
             </a:r>
           </a:p>
         </p:txBody>
       </p:sp>
       <p:sp>
         <p:nvSpPr>
-          <p:cNvPr id="2" name="Bogen 1">
-            <a:extLst>
-              <a:ext uri="{FF2B5EF4-FFF2-40B4-BE49-F238E27FC236}">
-                <a16:creationId xmlns:a16="http://schemas.microsoft.com/office/drawing/2014/main" id="{BE533122-A732-23B4-A128-1FDD78587F93}"/>
-              </a:ext>
-            </a:extLst>
-          </p:cNvPr>
-          <p:cNvSpPr/>
+          <p:cNvPr id="9" name="Textfeld 8">
+            <a:extLst>
+              <a:ext uri="{FF2B5EF4-FFF2-40B4-BE49-F238E27FC236}">
+                <a16:creationId xmlns:a16="http://schemas.microsoft.com/office/drawing/2014/main" id="{0722B4E2-E104-EDE9-65E4-91BC545C5826}"/>
+              </a:ext>
+            </a:extLst>
+          </p:cNvPr>
+          <p:cNvSpPr txBox="1"/>
           <p:nvPr/>
         </p:nvSpPr>
         <p:spPr>
-          <a:xfrm rot="10800000">
-            <a:off x="1496977" y="4120368"/>
-            <a:ext cx="658018" cy="623129"/>
-          </a:xfrm>
-          <a:prstGeom prst="arc">
-            <a:avLst>
-              <a:gd name="adj1" fmla="val 16200000"/>
-              <a:gd name="adj2" fmla="val 5439067"/>
-            </a:avLst>
+          <a:xfrm>
+            <a:off x="3993689" y="2860438"/>
+            <a:ext cx="365806" cy="338554"/>
+          </a:xfrm>
+          <a:prstGeom prst="rect">
+            <a:avLst/>
           </a:prstGeom>
-          <a:ln w="111125"/>
-        </p:spPr>
-        <p:style>
-          <a:lnRef idx="1">
-            <a:schemeClr val="accent1"/>
-          </a:lnRef>
-          <a:fillRef idx="0">
-            <a:schemeClr val="accent1"/>
-          </a:fillRef>
-          <a:effectRef idx="0">
-            <a:schemeClr val="accent1"/>
-          </a:effectRef>
-          <a:fontRef idx="minor">
-            <a:schemeClr val="tx1"/>
-          </a:fontRef>
-        </p:style>
-        <p:txBody>
-          <a:bodyPr rtlCol="0" anchor="ctr"/>
-          <a:lstStyle/>
-          <a:p>
-            <a:pPr algn="ctr"/>
-            <a:endParaRPr lang="de-DE"/>
-          </a:p>
-        </p:txBody>
-      </p:sp>
-      <p:sp>
-        <p:nvSpPr>
-          <p:cNvPr id="3" name="Bogen 2">
-            <a:extLst>
-              <a:ext uri="{FF2B5EF4-FFF2-40B4-BE49-F238E27FC236}">
-                <a16:creationId xmlns:a16="http://schemas.microsoft.com/office/drawing/2014/main" id="{93739BAE-A3C6-9C9E-3827-8BBD1E86CA18}"/>
-              </a:ext>
-            </a:extLst>
-          </p:cNvPr>
-          <p:cNvSpPr/>
+          <a:noFill/>
+        </p:spPr>
+        <p:txBody>
+          <a:bodyPr wrap="none" rtlCol="0">
+            <a:spAutoFit/>
+          </a:bodyPr>
+          <a:lstStyle/>
+          <a:p>
+            <a:r>
+              <a:rPr lang="de-DE" sz="1600" b="1" dirty="0"/>
+              <a:t>FL</a:t>
+            </a:r>
+          </a:p>
+        </p:txBody>
+      </p:sp>
+      <p:sp>
+        <p:nvSpPr>
+          <p:cNvPr id="10" name="Textfeld 9">
+            <a:extLst>
+              <a:ext uri="{FF2B5EF4-FFF2-40B4-BE49-F238E27FC236}">
+                <a16:creationId xmlns:a16="http://schemas.microsoft.com/office/drawing/2014/main" id="{16E23BC9-F8A0-9552-95C7-DA032BC25294}"/>
+              </a:ext>
+            </a:extLst>
+          </p:cNvPr>
+          <p:cNvSpPr txBox="1"/>
           <p:nvPr/>
         </p:nvSpPr>
         <p:spPr>
           <a:xfrm>
-            <a:off x="6703568" y="5239750"/>
-            <a:ext cx="658018" cy="623129"/>
-          </a:xfrm>
-          <a:prstGeom prst="arc">
-            <a:avLst>
-              <a:gd name="adj1" fmla="val 16200000"/>
-              <a:gd name="adj2" fmla="val 5439067"/>
-            </a:avLst>
+            <a:off x="4787872" y="2864474"/>
+            <a:ext cx="470000" cy="338554"/>
+          </a:xfrm>
+          <a:prstGeom prst="rect">
+            <a:avLst/>
           </a:prstGeom>
-          <a:ln w="111125"/>
-        </p:spPr>
-        <p:style>
-          <a:lnRef idx="1">
-            <a:schemeClr val="accent1"/>
-          </a:lnRef>
-          <a:fillRef idx="0">
-            <a:schemeClr val="accent1"/>
-          </a:fillRef>
-          <a:effectRef idx="0">
-            <a:schemeClr val="accent1"/>
-          </a:effectRef>
-          <a:fontRef idx="minor">
-            <a:schemeClr val="tx1"/>
-          </a:fontRef>
-        </p:style>
-        <p:txBody>
-          <a:bodyPr rtlCol="0" anchor="ctr"/>
-          <a:lstStyle/>
-          <a:p>
-            <a:pPr algn="ctr"/>
-            <a:endParaRPr lang="de-DE"/>
+          <a:noFill/>
+        </p:spPr>
+        <p:txBody>
+          <a:bodyPr wrap="none" rtlCol="0">
+            <a:spAutoFit/>
+          </a:bodyPr>
+          <a:lstStyle/>
+          <a:p>
+            <a:r>
+              <a:rPr lang="de-DE" sz="1600" b="1" dirty="0"/>
+              <a:t>F1c</a:t>
+            </a:r>
+          </a:p>
+        </p:txBody>
+      </p:sp>
+      <p:sp>
+        <p:nvSpPr>
+          <p:cNvPr id="11" name="Textfeld 10">
+            <a:extLst>
+              <a:ext uri="{FF2B5EF4-FFF2-40B4-BE49-F238E27FC236}">
+                <a16:creationId xmlns:a16="http://schemas.microsoft.com/office/drawing/2014/main" id="{3FB84E15-A591-178A-A416-1256FECE5812}"/>
+              </a:ext>
+            </a:extLst>
+          </p:cNvPr>
+          <p:cNvSpPr txBox="1"/>
+          <p:nvPr/>
+        </p:nvSpPr>
+        <p:spPr>
+          <a:xfrm>
+            <a:off x="2412499" y="3884994"/>
+            <a:ext cx="383438" cy="338554"/>
+          </a:xfrm>
+          <a:prstGeom prst="rect">
+            <a:avLst/>
+          </a:prstGeom>
+          <a:noFill/>
+        </p:spPr>
+        <p:txBody>
+          <a:bodyPr wrap="none" rtlCol="0">
+            <a:spAutoFit/>
+          </a:bodyPr>
+          <a:lstStyle/>
+          <a:p>
+            <a:r>
+              <a:rPr lang="de-DE" sz="1600" b="1" dirty="0"/>
+              <a:t>F3</a:t>
+            </a:r>
+          </a:p>
+        </p:txBody>
+      </p:sp>
+      <p:sp>
+        <p:nvSpPr>
+          <p:cNvPr id="12" name="Textfeld 11">
+            <a:extLst>
+              <a:ext uri="{FF2B5EF4-FFF2-40B4-BE49-F238E27FC236}">
+                <a16:creationId xmlns:a16="http://schemas.microsoft.com/office/drawing/2014/main" id="{C561B56C-2B29-82A1-D7C8-88041DFE5556}"/>
+              </a:ext>
+            </a:extLst>
+          </p:cNvPr>
+          <p:cNvSpPr txBox="1"/>
+          <p:nvPr/>
+        </p:nvSpPr>
+        <p:spPr>
+          <a:xfrm>
+            <a:off x="3204290" y="3869675"/>
+            <a:ext cx="383438" cy="338554"/>
+          </a:xfrm>
+          <a:prstGeom prst="rect">
+            <a:avLst/>
+          </a:prstGeom>
+          <a:noFill/>
+        </p:spPr>
+        <p:txBody>
+          <a:bodyPr wrap="none" rtlCol="0">
+            <a:spAutoFit/>
+          </a:bodyPr>
+          <a:lstStyle/>
+          <a:p>
+            <a:r>
+              <a:rPr lang="de-DE" sz="1600" b="1" dirty="0"/>
+              <a:t>F2</a:t>
+            </a:r>
+          </a:p>
+        </p:txBody>
+      </p:sp>
+      <p:sp>
+        <p:nvSpPr>
+          <p:cNvPr id="13" name="Textfeld 12">
+            <a:extLst>
+              <a:ext uri="{FF2B5EF4-FFF2-40B4-BE49-F238E27FC236}">
+                <a16:creationId xmlns:a16="http://schemas.microsoft.com/office/drawing/2014/main" id="{75FF1880-EC57-CB64-9250-2E752B7BDD2D}"/>
+              </a:ext>
+            </a:extLst>
+          </p:cNvPr>
+          <p:cNvSpPr txBox="1"/>
+          <p:nvPr/>
+        </p:nvSpPr>
+        <p:spPr>
+          <a:xfrm>
+            <a:off x="4004354" y="3869675"/>
+            <a:ext cx="452368" cy="338554"/>
+          </a:xfrm>
+          <a:prstGeom prst="rect">
+            <a:avLst/>
+          </a:prstGeom>
+          <a:noFill/>
+        </p:spPr>
+        <p:txBody>
+          <a:bodyPr wrap="none" rtlCol="0">
+            <a:spAutoFit/>
+          </a:bodyPr>
+          <a:lstStyle/>
+          <a:p>
+            <a:r>
+              <a:rPr lang="de-DE" sz="1600" b="1" dirty="0" err="1"/>
+              <a:t>FLc</a:t>
+            </a:r>
+            <a:endParaRPr lang="de-DE" sz="1600" b="1" dirty="0"/>
+          </a:p>
+        </p:txBody>
+      </p:sp>
+      <p:sp>
+        <p:nvSpPr>
+          <p:cNvPr id="14" name="Textfeld 13">
+            <a:extLst>
+              <a:ext uri="{FF2B5EF4-FFF2-40B4-BE49-F238E27FC236}">
+                <a16:creationId xmlns:a16="http://schemas.microsoft.com/office/drawing/2014/main" id="{9ED94E76-628C-08A6-68CF-2DC3B1128E6A}"/>
+              </a:ext>
+            </a:extLst>
+          </p:cNvPr>
+          <p:cNvSpPr txBox="1"/>
+          <p:nvPr/>
+        </p:nvSpPr>
+        <p:spPr>
+          <a:xfrm>
+            <a:off x="4807286" y="3869675"/>
+            <a:ext cx="383438" cy="338554"/>
+          </a:xfrm>
+          <a:prstGeom prst="rect">
+            <a:avLst/>
+          </a:prstGeom>
+          <a:noFill/>
+        </p:spPr>
+        <p:txBody>
+          <a:bodyPr wrap="none" rtlCol="0">
+            <a:spAutoFit/>
+          </a:bodyPr>
+          <a:lstStyle/>
+          <a:p>
+            <a:r>
+              <a:rPr lang="de-DE" sz="1600" b="1" dirty="0"/>
+              <a:t>F1</a:t>
+            </a:r>
+          </a:p>
+        </p:txBody>
+      </p:sp>
+      <p:sp>
+        <p:nvSpPr>
+          <p:cNvPr id="15" name="Textfeld 14">
+            <a:extLst>
+              <a:ext uri="{FF2B5EF4-FFF2-40B4-BE49-F238E27FC236}">
+                <a16:creationId xmlns:a16="http://schemas.microsoft.com/office/drawing/2014/main" id="{212905E2-58CF-3604-78E4-B0DB892BB2EC}"/>
+              </a:ext>
+            </a:extLst>
+          </p:cNvPr>
+          <p:cNvSpPr txBox="1"/>
+          <p:nvPr/>
+        </p:nvSpPr>
+        <p:spPr>
+          <a:xfrm>
+            <a:off x="6927694" y="2871065"/>
+            <a:ext cx="404278" cy="338554"/>
+          </a:xfrm>
+          <a:prstGeom prst="rect">
+            <a:avLst/>
+          </a:prstGeom>
+          <a:noFill/>
+        </p:spPr>
+        <p:txBody>
+          <a:bodyPr wrap="none" rtlCol="0">
+            <a:spAutoFit/>
+          </a:bodyPr>
+          <a:lstStyle/>
+          <a:p>
+            <a:r>
+              <a:rPr lang="de-DE" sz="1600" b="1" dirty="0"/>
+              <a:t>B1</a:t>
+            </a:r>
+          </a:p>
+        </p:txBody>
+      </p:sp>
+      <p:sp>
+        <p:nvSpPr>
+          <p:cNvPr id="16" name="Textfeld 15">
+            <a:extLst>
+              <a:ext uri="{FF2B5EF4-FFF2-40B4-BE49-F238E27FC236}">
+                <a16:creationId xmlns:a16="http://schemas.microsoft.com/office/drawing/2014/main" id="{A91460A1-B683-1A5D-0BF2-5EA6D68CDE46}"/>
+              </a:ext>
+            </a:extLst>
+          </p:cNvPr>
+          <p:cNvSpPr txBox="1"/>
+          <p:nvPr/>
+        </p:nvSpPr>
+        <p:spPr>
+          <a:xfrm>
+            <a:off x="7722461" y="2853069"/>
+            <a:ext cx="473206" cy="338554"/>
+          </a:xfrm>
+          <a:prstGeom prst="rect">
+            <a:avLst/>
+          </a:prstGeom>
+          <a:noFill/>
+        </p:spPr>
+        <p:txBody>
+          <a:bodyPr wrap="none" rtlCol="0">
+            <a:spAutoFit/>
+          </a:bodyPr>
+          <a:lstStyle/>
+          <a:p>
+            <a:r>
+              <a:rPr lang="de-DE" sz="1600" b="1" dirty="0" err="1"/>
+              <a:t>BLc</a:t>
+            </a:r>
+            <a:endParaRPr lang="de-DE" sz="1600" b="1" dirty="0"/>
+          </a:p>
+        </p:txBody>
+      </p:sp>
+      <p:sp>
+        <p:nvSpPr>
+          <p:cNvPr id="17" name="Textfeld 16">
+            <a:extLst>
+              <a:ext uri="{FF2B5EF4-FFF2-40B4-BE49-F238E27FC236}">
+                <a16:creationId xmlns:a16="http://schemas.microsoft.com/office/drawing/2014/main" id="{93C6555A-98A6-30F9-56DF-BB26791003D6}"/>
+              </a:ext>
+            </a:extLst>
+          </p:cNvPr>
+          <p:cNvSpPr txBox="1"/>
+          <p:nvPr/>
+        </p:nvSpPr>
+        <p:spPr>
+          <a:xfrm>
+            <a:off x="8518119" y="2853069"/>
+            <a:ext cx="404278" cy="338554"/>
+          </a:xfrm>
+          <a:prstGeom prst="rect">
+            <a:avLst/>
+          </a:prstGeom>
+          <a:noFill/>
+        </p:spPr>
+        <p:txBody>
+          <a:bodyPr wrap="none" rtlCol="0">
+            <a:spAutoFit/>
+          </a:bodyPr>
+          <a:lstStyle/>
+          <a:p>
+            <a:r>
+              <a:rPr lang="de-DE" sz="1600" b="1" dirty="0"/>
+              <a:t>B2</a:t>
+            </a:r>
+          </a:p>
+        </p:txBody>
+      </p:sp>
+      <p:sp>
+        <p:nvSpPr>
+          <p:cNvPr id="18" name="Textfeld 17">
+            <a:extLst>
+              <a:ext uri="{FF2B5EF4-FFF2-40B4-BE49-F238E27FC236}">
+                <a16:creationId xmlns:a16="http://schemas.microsoft.com/office/drawing/2014/main" id="{91C5261E-3569-0C6B-44D2-FCAF1293F871}"/>
+              </a:ext>
+            </a:extLst>
+          </p:cNvPr>
+          <p:cNvSpPr txBox="1"/>
+          <p:nvPr/>
+        </p:nvSpPr>
+        <p:spPr>
+          <a:xfrm>
+            <a:off x="9303103" y="2859288"/>
+            <a:ext cx="404278" cy="338554"/>
+          </a:xfrm>
+          <a:prstGeom prst="rect">
+            <a:avLst/>
+          </a:prstGeom>
+          <a:noFill/>
+        </p:spPr>
+        <p:txBody>
+          <a:bodyPr wrap="none" rtlCol="0">
+            <a:spAutoFit/>
+          </a:bodyPr>
+          <a:lstStyle/>
+          <a:p>
+            <a:r>
+              <a:rPr lang="de-DE" sz="1600" b="1" dirty="0"/>
+              <a:t>B3</a:t>
+            </a:r>
+          </a:p>
+        </p:txBody>
+      </p:sp>
+      <p:sp>
+        <p:nvSpPr>
+          <p:cNvPr id="19" name="Textfeld 18">
+            <a:extLst>
+              <a:ext uri="{FF2B5EF4-FFF2-40B4-BE49-F238E27FC236}">
+                <a16:creationId xmlns:a16="http://schemas.microsoft.com/office/drawing/2014/main" id="{013C177A-BBFA-6DC6-806B-CA7D979F4025}"/>
+              </a:ext>
+            </a:extLst>
+          </p:cNvPr>
+          <p:cNvSpPr txBox="1"/>
+          <p:nvPr/>
+        </p:nvSpPr>
+        <p:spPr>
+          <a:xfrm>
+            <a:off x="9303103" y="3869675"/>
+            <a:ext cx="490840" cy="338554"/>
+          </a:xfrm>
+          <a:prstGeom prst="rect">
+            <a:avLst/>
+          </a:prstGeom>
+          <a:noFill/>
+        </p:spPr>
+        <p:txBody>
+          <a:bodyPr wrap="none" rtlCol="0">
+            <a:spAutoFit/>
+          </a:bodyPr>
+          <a:lstStyle/>
+          <a:p>
+            <a:r>
+              <a:rPr lang="de-DE" sz="1600" b="1" dirty="0"/>
+              <a:t>B3c</a:t>
+            </a:r>
+          </a:p>
+        </p:txBody>
+      </p:sp>
+      <p:sp>
+        <p:nvSpPr>
+          <p:cNvPr id="20" name="Textfeld 19">
+            <a:extLst>
+              <a:ext uri="{FF2B5EF4-FFF2-40B4-BE49-F238E27FC236}">
+                <a16:creationId xmlns:a16="http://schemas.microsoft.com/office/drawing/2014/main" id="{08009BF1-F76C-1755-2573-A847745F1E67}"/>
+              </a:ext>
+            </a:extLst>
+          </p:cNvPr>
+          <p:cNvSpPr txBox="1"/>
+          <p:nvPr/>
+        </p:nvSpPr>
+        <p:spPr>
+          <a:xfrm>
+            <a:off x="8511312" y="3869675"/>
+            <a:ext cx="490840" cy="338554"/>
+          </a:xfrm>
+          <a:prstGeom prst="rect">
+            <a:avLst/>
+          </a:prstGeom>
+          <a:noFill/>
+        </p:spPr>
+        <p:txBody>
+          <a:bodyPr wrap="none" rtlCol="0">
+            <a:spAutoFit/>
+          </a:bodyPr>
+          <a:lstStyle/>
+          <a:p>
+            <a:r>
+              <a:rPr lang="de-DE" sz="1600" b="1" dirty="0"/>
+              <a:t>B2c</a:t>
+            </a:r>
+          </a:p>
+        </p:txBody>
+      </p:sp>
+      <p:sp>
+        <p:nvSpPr>
+          <p:cNvPr id="21" name="Textfeld 20">
+            <a:extLst>
+              <a:ext uri="{FF2B5EF4-FFF2-40B4-BE49-F238E27FC236}">
+                <a16:creationId xmlns:a16="http://schemas.microsoft.com/office/drawing/2014/main" id="{32D62EEE-C73F-BCF9-BDC9-B759AB579C1D}"/>
+              </a:ext>
+            </a:extLst>
+          </p:cNvPr>
+          <p:cNvSpPr txBox="1"/>
+          <p:nvPr/>
+        </p:nvSpPr>
+        <p:spPr>
+          <a:xfrm>
+            <a:off x="7726328" y="3868593"/>
+            <a:ext cx="386644" cy="338554"/>
+          </a:xfrm>
+          <a:prstGeom prst="rect">
+            <a:avLst/>
+          </a:prstGeom>
+          <a:noFill/>
+        </p:spPr>
+        <p:txBody>
+          <a:bodyPr wrap="none" rtlCol="0">
+            <a:spAutoFit/>
+          </a:bodyPr>
+          <a:lstStyle/>
+          <a:p>
+            <a:r>
+              <a:rPr lang="de-DE" sz="1600" b="1" dirty="0"/>
+              <a:t>BL</a:t>
+            </a:r>
+          </a:p>
+        </p:txBody>
+      </p:sp>
+      <p:sp>
+        <p:nvSpPr>
+          <p:cNvPr id="22" name="Textfeld 21">
+            <a:extLst>
+              <a:ext uri="{FF2B5EF4-FFF2-40B4-BE49-F238E27FC236}">
+                <a16:creationId xmlns:a16="http://schemas.microsoft.com/office/drawing/2014/main" id="{85B9B335-C763-63D3-707E-4CE7FDBB42E8}"/>
+              </a:ext>
+            </a:extLst>
+          </p:cNvPr>
+          <p:cNvSpPr txBox="1"/>
+          <p:nvPr/>
+        </p:nvSpPr>
+        <p:spPr>
+          <a:xfrm>
+            <a:off x="6923934" y="3874125"/>
+            <a:ext cx="490840" cy="338554"/>
+          </a:xfrm>
+          <a:prstGeom prst="rect">
+            <a:avLst/>
+          </a:prstGeom>
+          <a:noFill/>
+        </p:spPr>
+        <p:txBody>
+          <a:bodyPr wrap="none" rtlCol="0">
+            <a:spAutoFit/>
+          </a:bodyPr>
+          <a:lstStyle/>
+          <a:p>
+            <a:r>
+              <a:rPr lang="de-DE" sz="1600" b="1" dirty="0"/>
+              <a:t>B1c</a:t>
+            </a:r>
           </a:p>
         </p:txBody>
       </p:sp>
@@ -12608,6 +13934,36 @@
     <p:extLst>
       <p:ext uri="{BB962C8B-B14F-4D97-AF65-F5344CB8AC3E}">
         <p14:creationId xmlns:p14="http://schemas.microsoft.com/office/powerpoint/2010/main" val="3151605374"/>
+      </p:ext>
+    </p:extLst>
+  </p:cSld>
+  <p:clrMapOvr>
+    <a:masterClrMapping/>
+  </p:clrMapOvr>
+</p:sld>
+</file>
+
+<file path=ppt/slides/slide15.xml><?xml version="1.0" encoding="utf-8"?>
+<p:sld xmlns:a="http://schemas.openxmlformats.org/drawingml/2006/main" xmlns:r="http://schemas.openxmlformats.org/officeDocument/2006/relationships" xmlns:p="http://schemas.openxmlformats.org/presentationml/2006/main">
+  <p:cSld>
+    <p:spTree>
+      <p:nvGrpSpPr>
+        <p:cNvPr id="1" name=""/>
+        <p:cNvGrpSpPr/>
+        <p:nvPr/>
+      </p:nvGrpSpPr>
+      <p:grpSpPr>
+        <a:xfrm>
+          <a:off x="0" y="0"/>
+          <a:ext cx="0" cy="0"/>
+          <a:chOff x="0" y="0"/>
+          <a:chExt cx="0" cy="0"/>
+        </a:xfrm>
+      </p:grpSpPr>
+    </p:spTree>
+    <p:extLst>
+      <p:ext uri="{BB962C8B-B14F-4D97-AF65-F5344CB8AC3E}">
+        <p14:creationId xmlns:p14="http://schemas.microsoft.com/office/powerpoint/2010/main" val="4066046403"/>
       </p:ext>
     </p:extLst>
   </p:cSld>
